--- a/Report/Report_progetto_Carbone_Cavallaro_Marconzini_Scuri.pptx
+++ b/Report/Report_progetto_Carbone_Cavallaro_Marconzini_Scuri.pptx
@@ -5,20 +5,21 @@
     <p:sldMasterId id="2147483648" r:id="rId1"/>
   </p:sldMasterIdLst>
   <p:notesMasterIdLst>
-    <p:notesMasterId r:id="rId13"/>
+    <p:notesMasterId r:id="rId14"/>
   </p:notesMasterIdLst>
   <p:sldIdLst>
     <p:sldId id="292" r:id="rId2"/>
-    <p:sldId id="300" r:id="rId3"/>
-    <p:sldId id="302" r:id="rId4"/>
-    <p:sldId id="301" r:id="rId5"/>
-    <p:sldId id="293" r:id="rId6"/>
-    <p:sldId id="297" r:id="rId7"/>
-    <p:sldId id="294" r:id="rId8"/>
-    <p:sldId id="296" r:id="rId9"/>
-    <p:sldId id="305" r:id="rId10"/>
+    <p:sldId id="312" r:id="rId3"/>
+    <p:sldId id="305" r:id="rId4"/>
+    <p:sldId id="311" r:id="rId5"/>
+    <p:sldId id="314" r:id="rId6"/>
+    <p:sldId id="315" r:id="rId7"/>
+    <p:sldId id="313" r:id="rId8"/>
+    <p:sldId id="310" r:id="rId9"/>
+    <p:sldId id="308" r:id="rId10"/>
     <p:sldId id="307" r:id="rId11"/>
-    <p:sldId id="306" r:id="rId12"/>
+    <p:sldId id="309" r:id="rId12"/>
+    <p:sldId id="306" r:id="rId13"/>
   </p:sldIdLst>
   <p:sldSz cx="12192000" cy="6858000"/>
   <p:notesSz cx="6858000" cy="9144000"/>
@@ -4554,7 +4555,7 @@
         </p:nvSpPr>
         <p:spPr>
           <a:xfrm>
-            <a:off x="1107024" y="0"/>
+            <a:off x="1115491" y="0"/>
             <a:ext cx="9367770" cy="6858000"/>
           </a:xfrm>
           <a:prstGeom prst="rect">
@@ -4745,27 +4746,37 @@
                 <a:ea typeface="Lato Black" panose="020F0502020204030203" pitchFamily="34" charset="0"/>
                 <a:cs typeface="Lato Black" panose="020F0502020204030203" pitchFamily="34" charset="0"/>
               </a:rPr>
-              <a:t>LA RICERCA DELLA SAGGEZZA NELLA SOCIETÀ DELL’INFORMAZIONE</a:t>
-            </a:r>
-            <a:endParaRPr lang="it-IT" sz="3600" spc="100" dirty="0">
-              <a:solidFill>
-                <a:prstClr val="black"/>
-              </a:solidFill>
-              <a:effectLst>
-                <a:outerShdw blurRad="38100" dist="38100" dir="2700000" algn="tl">
-                  <a:srgbClr val="000000">
-                    <a:alpha val="43137"/>
-                  </a:srgbClr>
-                </a:outerShdw>
-              </a:effectLst>
-              <a:latin typeface="Lato Black" panose="020F0502020204030203" pitchFamily="34" charset="0"/>
-              <a:ea typeface="Lato Black" panose="020F0502020204030203" pitchFamily="34" charset="0"/>
-              <a:cs typeface="Lato Black" panose="020F0502020204030203" pitchFamily="34" charset="0"/>
-            </a:endParaRPr>
-          </a:p>
-          <a:p>
-            <a:pPr algn="l"/>
-            <a:endParaRPr lang="it-IT" sz="2800" dirty="0"/>
+              <a:t>Report della visualizzazione:</a:t>
+            </a:r>
+          </a:p>
+          <a:p>
+            <a:pPr algn="l">
+              <a:lnSpc>
+                <a:spcPts val="4000"/>
+              </a:lnSpc>
+              <a:spcBef>
+                <a:spcPts val="600"/>
+              </a:spcBef>
+              <a:defRPr/>
+            </a:pPr>
+            <a:r>
+              <a:rPr lang="it-IT" sz="3600" b="1" spc="100" dirty="0">
+                <a:solidFill>
+                  <a:prstClr val="black"/>
+                </a:solidFill>
+                <a:effectLst>
+                  <a:outerShdw blurRad="38100" dist="38100" dir="2700000" algn="tl">
+                    <a:srgbClr val="000000">
+                      <a:alpha val="43137"/>
+                    </a:srgbClr>
+                  </a:outerShdw>
+                </a:effectLst>
+                <a:latin typeface="Lato Black" panose="020F0502020204030203" pitchFamily="34" charset="0"/>
+                <a:ea typeface="Lato Black" panose="020F0502020204030203" pitchFamily="34" charset="0"/>
+                <a:cs typeface="Lato Black" panose="020F0502020204030203" pitchFamily="34" charset="0"/>
+              </a:rPr>
+              <a:t>IQA nell’agglomerato di Milano</a:t>
+            </a:r>
           </a:p>
         </p:txBody>
       </p:sp>
@@ -4882,7 +4893,7 @@
         <p:spPr>
           <a:xfrm>
             <a:off x="695323" y="4792670"/>
-            <a:ext cx="3886616" cy="954107"/>
+            <a:ext cx="3886616" cy="1169551"/>
           </a:xfrm>
           <a:prstGeom prst="rect">
             <a:avLst/>
@@ -4909,7 +4920,25 @@
                 <a:latin typeface="Poppins Light" panose="00000400000000000000" pitchFamily="2" charset="0"/>
                 <a:cs typeface="Poppins Light" panose="00000400000000000000" pitchFamily="2" charset="0"/>
               </a:rPr>
-              <a:t>Elisa MERELLI matricola n. 881427	                                 Giorgio CARBONE matricola n. 811974                                                           Silvia GROSSO matricola n. 881993</a:t>
+              <a:t>Gianluca CAVALLARO matricola n.                                 </a:t>
+            </a:r>
+          </a:p>
+          <a:p>
+            <a:r>
+              <a:rPr lang="it-IT" sz="1400" dirty="0">
+                <a:latin typeface="Poppins Light" panose="00000400000000000000" pitchFamily="2" charset="0"/>
+                <a:cs typeface="Poppins Light" panose="00000400000000000000" pitchFamily="2" charset="0"/>
+              </a:rPr>
+              <a:t>Gianluca SCURI matricola n. </a:t>
+            </a:r>
+          </a:p>
+          <a:p>
+            <a:r>
+              <a:rPr lang="it-IT" sz="1400" dirty="0">
+                <a:latin typeface="Poppins Light" panose="00000400000000000000" pitchFamily="2" charset="0"/>
+                <a:cs typeface="Poppins Light" panose="00000400000000000000" pitchFamily="2" charset="0"/>
+              </a:rPr>
+              <a:t>Giorgio CARBONE matricola n. 811974                                                           Remo MARCONZINI matricola n.</a:t>
             </a:r>
           </a:p>
         </p:txBody>
@@ -4998,7 +5027,7 @@
         <p:spPr>
           <a:xfrm>
             <a:off x="704847" y="2024062"/>
-            <a:ext cx="4845561" cy="2123658"/>
+            <a:ext cx="5246691" cy="1692771"/>
           </a:xfrm>
           <a:prstGeom prst="rect">
             <a:avLst/>
@@ -5019,11 +5048,11 @@
               <a:buChar char="q"/>
             </a:pPr>
             <a:r>
-              <a:rPr lang="it-IT" sz="1400" dirty="0">
-                <a:latin typeface="Poppins Light" panose="00000400000000000000" pitchFamily="2" charset="0"/>
-                <a:cs typeface="Poppins Light" panose="00000400000000000000" pitchFamily="2" charset="0"/>
-              </a:rPr>
-              <a:t>Task somministrati a 13 utenti:</a:t>
+              <a:rPr lang="it-IT" sz="1400" i="1" dirty="0">
+                <a:latin typeface="Poppins Light" panose="00000400000000000000" pitchFamily="2" charset="0"/>
+                <a:cs typeface="Poppins Light" panose="00000400000000000000" pitchFamily="2" charset="0"/>
+              </a:rPr>
+              <a:t>Quale inquinante influenza maggiormente il punteggio nei mesi estivi? E quale fenomeno meteorologico è fortemente correlato alla sua concentrazione?</a:t>
             </a:r>
           </a:p>
           <a:p>
@@ -5039,7 +5068,7 @@
                 <a:latin typeface="Poppins Light" panose="00000400000000000000" pitchFamily="2" charset="0"/>
                 <a:cs typeface="Poppins Light" panose="00000400000000000000" pitchFamily="2" charset="0"/>
               </a:rPr>
-              <a:t>Dal 2006 ad 2021 quale anno ha avuto il maggior numero di giorni con una qualità dell’aria classificata ‘molto scarsa’?</a:t>
+              <a:t>Tempo di esecuzione ottimale:</a:t>
             </a:r>
           </a:p>
           <a:p>
@@ -5055,7 +5084,7 @@
                 <a:latin typeface="Poppins Light" panose="00000400000000000000" pitchFamily="2" charset="0"/>
                 <a:cs typeface="Poppins Light" panose="00000400000000000000" pitchFamily="2" charset="0"/>
               </a:rPr>
-              <a:t>Quale inquinante influenza maggiormente il punteggio nei mesi estivi? E quale fenomeno meteorologico è fortemente correlato alla sua concentrazione?</a:t>
+              <a:t>Valore mediano di tempo impiegato degli utenti:</a:t>
             </a:r>
           </a:p>
         </p:txBody>
@@ -5167,6 +5196,223 @@
                 <a:ea typeface="Lato Black" panose="020F0502020204030203" pitchFamily="34" charset="0"/>
                 <a:cs typeface="Lato Black" panose="020F0502020204030203" pitchFamily="34" charset="0"/>
               </a:rPr>
+              <a:t>Questionario psicometrico</a:t>
+            </a:r>
+          </a:p>
+        </p:txBody>
+      </p:sp>
+      <p:sp>
+        <p:nvSpPr>
+          <p:cNvPr id="6" name="CasellaDiTesto 5">
+            <a:extLst>
+              <a:ext uri="{FF2B5EF4-FFF2-40B4-BE49-F238E27FC236}">
+                <a16:creationId xmlns:a16="http://schemas.microsoft.com/office/drawing/2014/main" id="{D13A722D-E148-4971-82F3-1C191AFD95ED}"/>
+              </a:ext>
+            </a:extLst>
+          </p:cNvPr>
+          <p:cNvSpPr txBox="1"/>
+          <p:nvPr/>
+        </p:nvSpPr>
+        <p:spPr>
+          <a:xfrm>
+            <a:off x="704847" y="2024062"/>
+            <a:ext cx="5246691" cy="1908215"/>
+          </a:xfrm>
+          <a:prstGeom prst="rect">
+            <a:avLst/>
+          </a:prstGeom>
+          <a:noFill/>
+        </p:spPr>
+        <p:txBody>
+          <a:bodyPr wrap="square" rtlCol="0">
+            <a:spAutoFit/>
+          </a:bodyPr>
+          <a:lstStyle/>
+          <a:p>
+            <a:pPr marL="285750" indent="-285750">
+              <a:spcAft>
+                <a:spcPts val="1200"/>
+              </a:spcAft>
+              <a:buFont typeface="Wingdings" panose="05000000000000000000" pitchFamily="2" charset="2"/>
+              <a:buChar char="q"/>
+            </a:pPr>
+            <a:r>
+              <a:rPr lang="it-IT" sz="1400" dirty="0">
+                <a:latin typeface="Poppins Light" panose="00000400000000000000" pitchFamily="2" charset="0"/>
+                <a:cs typeface="Poppins Light" panose="00000400000000000000" pitchFamily="2" charset="0"/>
+              </a:rPr>
+              <a:t>Il questionario per la valutazione di qualità è stato somministrato a 26 utenti e mira a valutare: utilità, chiarezza, </a:t>
+            </a:r>
+            <a:r>
+              <a:rPr lang="it-IT" sz="1400" dirty="0" err="1">
+                <a:latin typeface="Poppins Light" panose="00000400000000000000" pitchFamily="2" charset="0"/>
+                <a:cs typeface="Poppins Light" panose="00000400000000000000" pitchFamily="2" charset="0"/>
+              </a:rPr>
+              <a:t>informatività</a:t>
+            </a:r>
+            <a:r>
+              <a:rPr lang="it-IT" sz="1400" dirty="0">
+                <a:latin typeface="Poppins Light" panose="00000400000000000000" pitchFamily="2" charset="0"/>
+                <a:cs typeface="Poppins Light" panose="00000400000000000000" pitchFamily="2" charset="0"/>
+              </a:rPr>
+              <a:t> e bellezza della visualizzazione</a:t>
+            </a:r>
+          </a:p>
+          <a:p>
+            <a:pPr marL="742950" lvl="1" indent="-285750">
+              <a:spcAft>
+                <a:spcPts val="1200"/>
+              </a:spcAft>
+              <a:buFont typeface="Arial" panose="020B0604020202020204" pitchFamily="34" charset="0"/>
+              <a:buChar char="•"/>
+            </a:pPr>
+            <a:r>
+              <a:rPr lang="it-IT" sz="1400" dirty="0">
+                <a:latin typeface="Poppins Light" panose="00000400000000000000" pitchFamily="2" charset="0"/>
+                <a:cs typeface="Poppins Light" panose="00000400000000000000" pitchFamily="2" charset="0"/>
+              </a:rPr>
+              <a:t>Le votazioni rispetto ai singoli aggettivi sono state tutte positive (punteggio &gt;3) tranne per l’aspetto della chiarezza</a:t>
+            </a:r>
+          </a:p>
+          <a:p>
+            <a:pPr marL="742950" lvl="1" indent="-285750">
+              <a:spcAft>
+                <a:spcPts val="1200"/>
+              </a:spcAft>
+              <a:buFont typeface="Arial" panose="020B0604020202020204" pitchFamily="34" charset="0"/>
+              <a:buChar char="•"/>
+            </a:pPr>
+            <a:r>
+              <a:rPr lang="it-IT" sz="1400" dirty="0">
+                <a:latin typeface="Poppins Light" panose="00000400000000000000" pitchFamily="2" charset="0"/>
+                <a:cs typeface="Poppins Light" panose="00000400000000000000" pitchFamily="2" charset="0"/>
+              </a:rPr>
+              <a:t>Dai </a:t>
+            </a:r>
+            <a:r>
+              <a:rPr lang="it-IT" sz="1400" dirty="0" err="1">
+                <a:latin typeface="Poppins Light" panose="00000400000000000000" pitchFamily="2" charset="0"/>
+                <a:cs typeface="Poppins Light" panose="00000400000000000000" pitchFamily="2" charset="0"/>
+              </a:rPr>
+              <a:t>violin</a:t>
+            </a:r>
+            <a:r>
+              <a:rPr lang="it-IT" sz="1400" dirty="0">
+                <a:latin typeface="Poppins Light" panose="00000400000000000000" pitchFamily="2" charset="0"/>
+                <a:cs typeface="Poppins Light" panose="00000400000000000000" pitchFamily="2" charset="0"/>
+              </a:rPr>
+              <a:t> plot si nota:</a:t>
+            </a:r>
+          </a:p>
+        </p:txBody>
+      </p:sp>
+      <p:cxnSp>
+        <p:nvCxnSpPr>
+          <p:cNvPr id="4" name="Connettore diritto 3">
+            <a:extLst>
+              <a:ext uri="{FF2B5EF4-FFF2-40B4-BE49-F238E27FC236}">
+                <a16:creationId xmlns:a16="http://schemas.microsoft.com/office/drawing/2014/main" id="{51FD34F7-E331-45F9-984B-6D3860116CA5}"/>
+              </a:ext>
+            </a:extLst>
+          </p:cNvPr>
+          <p:cNvCxnSpPr>
+            <a:cxnSpLocks/>
+          </p:cNvCxnSpPr>
+          <p:nvPr/>
+        </p:nvCxnSpPr>
+        <p:spPr>
+          <a:xfrm>
+            <a:off x="772998" y="1134050"/>
+            <a:ext cx="4857335" cy="0"/>
+          </a:xfrm>
+          <a:prstGeom prst="line">
+            <a:avLst/>
+          </a:prstGeom>
+          <a:ln w="38100">
+            <a:solidFill>
+              <a:schemeClr val="accent2"/>
+            </a:solidFill>
+          </a:ln>
+        </p:spPr>
+        <p:style>
+          <a:lnRef idx="3">
+            <a:schemeClr val="accent2"/>
+          </a:lnRef>
+          <a:fillRef idx="0">
+            <a:schemeClr val="accent2"/>
+          </a:fillRef>
+          <a:effectRef idx="2">
+            <a:schemeClr val="accent2"/>
+          </a:effectRef>
+          <a:fontRef idx="minor">
+            <a:schemeClr val="tx1"/>
+          </a:fontRef>
+        </p:style>
+      </p:cxnSp>
+    </p:spTree>
+    <p:extLst>
+      <p:ext uri="{BB962C8B-B14F-4D97-AF65-F5344CB8AC3E}">
+        <p14:creationId xmlns:p14="http://schemas.microsoft.com/office/powerpoint/2010/main" val="4281266512"/>
+      </p:ext>
+    </p:extLst>
+  </p:cSld>
+  <p:clrMapOvr>
+    <a:masterClrMapping/>
+  </p:clrMapOvr>
+</p:sld>
+</file>
+
+<file path=ppt/slides/slide12.xml><?xml version="1.0" encoding="utf-8"?>
+<p:sld xmlns:a="http://schemas.openxmlformats.org/drawingml/2006/main" xmlns:r="http://schemas.openxmlformats.org/officeDocument/2006/relationships" xmlns:p="http://schemas.openxmlformats.org/presentationml/2006/main">
+  <p:cSld>
+    <p:spTree>
+      <p:nvGrpSpPr>
+        <p:cNvPr id="1" name=""/>
+        <p:cNvGrpSpPr/>
+        <p:nvPr/>
+      </p:nvGrpSpPr>
+      <p:grpSpPr>
+        <a:xfrm>
+          <a:off x="0" y="0"/>
+          <a:ext cx="0" cy="0"/>
+          <a:chOff x="0" y="0"/>
+          <a:chExt cx="0" cy="0"/>
+        </a:xfrm>
+      </p:grpSpPr>
+      <p:sp>
+        <p:nvSpPr>
+          <p:cNvPr id="5" name="CasellaDiTesto 4">
+            <a:extLst>
+              <a:ext uri="{FF2B5EF4-FFF2-40B4-BE49-F238E27FC236}">
+                <a16:creationId xmlns:a16="http://schemas.microsoft.com/office/drawing/2014/main" id="{89B91983-B758-4281-AC68-D9F7AB480AD9}"/>
+              </a:ext>
+            </a:extLst>
+          </p:cNvPr>
+          <p:cNvSpPr txBox="1"/>
+          <p:nvPr/>
+        </p:nvSpPr>
+        <p:spPr>
+          <a:xfrm>
+            <a:off x="704849" y="549275"/>
+            <a:ext cx="10106026" cy="584775"/>
+          </a:xfrm>
+          <a:prstGeom prst="rect">
+            <a:avLst/>
+          </a:prstGeom>
+          <a:noFill/>
+        </p:spPr>
+        <p:txBody>
+          <a:bodyPr wrap="square" rtlCol="0">
+            <a:spAutoFit/>
+          </a:bodyPr>
+          <a:lstStyle/>
+          <a:p>
+            <a:r>
+              <a:rPr lang="it-IT" sz="3200" dirty="0">
+                <a:latin typeface="Lato Black" panose="020F0502020204030203" pitchFamily="34" charset="0"/>
+                <a:ea typeface="Lato Black" panose="020F0502020204030203" pitchFamily="34" charset="0"/>
+                <a:cs typeface="Lato Black" panose="020F0502020204030203" pitchFamily="34" charset="0"/>
+              </a:rPr>
               <a:t>Bibliografia</a:t>
             </a:r>
           </a:p>
@@ -5802,8 +6048,8 @@
         </p:nvSpPr>
         <p:spPr>
           <a:xfrm>
-            <a:off x="704849" y="549275"/>
-            <a:ext cx="8020051" cy="584775"/>
+            <a:off x="704847" y="549275"/>
+            <a:ext cx="10106026" cy="584775"/>
           </a:xfrm>
           <a:prstGeom prst="rect">
             <a:avLst/>
@@ -5822,7 +6068,7 @@
                 <a:ea typeface="Lato Black" panose="020F0502020204030203" pitchFamily="34" charset="0"/>
                 <a:cs typeface="Lato Black" panose="020F0502020204030203" pitchFamily="34" charset="0"/>
               </a:rPr>
-              <a:t>La ricerca</a:t>
+              <a:t>Introduzione?</a:t>
             </a:r>
           </a:p>
         </p:txBody>
@@ -5841,8 +6087,8 @@
         </p:nvSpPr>
         <p:spPr>
           <a:xfrm>
-            <a:off x="704848" y="2024062"/>
-            <a:ext cx="5246690" cy="2154436"/>
+            <a:off x="704847" y="2024062"/>
+            <a:ext cx="5246691" cy="2554545"/>
           </a:xfrm>
           <a:prstGeom prst="rect">
             <a:avLst/>
@@ -5863,90 +6109,11 @@
               <a:buChar char="q"/>
             </a:pPr>
             <a:r>
-              <a:rPr lang="en-US" sz="1400" dirty="0" err="1">
-                <a:latin typeface="Poppins Light" panose="00000400000000000000" pitchFamily="2" charset="0"/>
-                <a:cs typeface="Poppins Light" panose="00000400000000000000" pitchFamily="2" charset="0"/>
-              </a:rPr>
-              <a:t>Gruppi</a:t>
-            </a:r>
-            <a:r>
-              <a:rPr lang="en-US" sz="1400" dirty="0">
-                <a:latin typeface="Poppins Light" panose="00000400000000000000" pitchFamily="2" charset="0"/>
-                <a:cs typeface="Poppins Light" panose="00000400000000000000" pitchFamily="2" charset="0"/>
-              </a:rPr>
-              <a:t> </a:t>
-            </a:r>
-            <a:r>
-              <a:rPr lang="en-US" sz="1400" dirty="0" err="1">
-                <a:latin typeface="Poppins Light" panose="00000400000000000000" pitchFamily="2" charset="0"/>
-                <a:cs typeface="Poppins Light" panose="00000400000000000000" pitchFamily="2" charset="0"/>
-              </a:rPr>
-              <a:t>principali</a:t>
-            </a:r>
-            <a:r>
-              <a:rPr lang="en-US" sz="1400" dirty="0">
-                <a:latin typeface="Poppins Light" panose="00000400000000000000" pitchFamily="2" charset="0"/>
-                <a:cs typeface="Poppins Light" panose="00000400000000000000" pitchFamily="2" charset="0"/>
-              </a:rPr>
-              <a:t> di </a:t>
-            </a:r>
-            <a:r>
-              <a:rPr lang="en-US" sz="1400" dirty="0" err="1">
-                <a:latin typeface="Poppins Light" panose="00000400000000000000" pitchFamily="2" charset="0"/>
-                <a:cs typeface="Poppins Light" panose="00000400000000000000" pitchFamily="2" charset="0"/>
-              </a:rPr>
-              <a:t>utenti</a:t>
-            </a:r>
-            <a:r>
-              <a:rPr lang="en-US" sz="1400" dirty="0">
-                <a:latin typeface="Poppins Light" panose="00000400000000000000" pitchFamily="2" charset="0"/>
-                <a:cs typeface="Poppins Light" panose="00000400000000000000" pitchFamily="2" charset="0"/>
-              </a:rPr>
-              <a:t> </a:t>
-            </a:r>
-            <a:r>
-              <a:rPr lang="en-US" sz="1400" dirty="0" err="1">
-                <a:latin typeface="Poppins Light" panose="00000400000000000000" pitchFamily="2" charset="0"/>
-                <a:cs typeface="Poppins Light" panose="00000400000000000000" pitchFamily="2" charset="0"/>
-              </a:rPr>
-              <a:t>delle</a:t>
-            </a:r>
-            <a:r>
-              <a:rPr lang="en-US" sz="1400" dirty="0">
-                <a:latin typeface="Poppins Light" panose="00000400000000000000" pitchFamily="2" charset="0"/>
-                <a:cs typeface="Poppins Light" panose="00000400000000000000" pitchFamily="2" charset="0"/>
-              </a:rPr>
-              <a:t> ICTs</a:t>
-            </a:r>
-          </a:p>
-          <a:p>
-            <a:pPr marL="742950" lvl="1" indent="-285750">
-              <a:spcAft>
-                <a:spcPts val="1200"/>
-              </a:spcAft>
-              <a:buFont typeface="Arial" panose="020B0604020202020204" pitchFamily="34" charset="0"/>
-              <a:buChar char="•"/>
-            </a:pPr>
-            <a:r>
-              <a:rPr lang="en-US" sz="1400" dirty="0">
-                <a:latin typeface="Poppins Light" panose="00000400000000000000" pitchFamily="2" charset="0"/>
-                <a:cs typeface="Poppins Light" panose="00000400000000000000" pitchFamily="2" charset="0"/>
-              </a:rPr>
-              <a:t>La </a:t>
-            </a:r>
-            <a:r>
-              <a:rPr lang="en-US" sz="1400" dirty="0" err="1">
-                <a:latin typeface="Poppins Light" panose="00000400000000000000" pitchFamily="2" charset="0"/>
-                <a:cs typeface="Poppins Light" panose="00000400000000000000" pitchFamily="2" charset="0"/>
-              </a:rPr>
-              <a:t>saggezza</a:t>
-            </a:r>
-            <a:r>
-              <a:rPr lang="en-US" sz="1400" dirty="0">
-                <a:latin typeface="Poppins Light" panose="00000400000000000000" pitchFamily="2" charset="0"/>
-                <a:cs typeface="Poppins Light" panose="00000400000000000000" pitchFamily="2" charset="0"/>
-              </a:rPr>
-              <a:t> è qui? </a:t>
+              <a:rPr lang="it-IT" sz="1400" dirty="0">
+                <a:latin typeface="Poppins Light" panose="00000400000000000000" pitchFamily="2" charset="0"/>
+                <a:cs typeface="Poppins Light" panose="00000400000000000000" pitchFamily="2" charset="0"/>
+              </a:rPr>
+              <a:t>IQA, zonizzazione,…</a:t>
             </a:r>
           </a:p>
           <a:p>
@@ -5958,144 +6125,11 @@
               <a:buChar char="q"/>
             </a:pPr>
             <a:r>
-              <a:rPr lang="en-US" sz="1400" dirty="0" err="1">
-                <a:latin typeface="Poppins Light" panose="00000400000000000000" pitchFamily="2" charset="0"/>
-                <a:cs typeface="Poppins Light" panose="00000400000000000000" pitchFamily="2" charset="0"/>
-              </a:rPr>
-              <a:t>Analisi</a:t>
-            </a:r>
-            <a:r>
-              <a:rPr lang="en-US" sz="1400" dirty="0">
-                <a:latin typeface="Poppins Light" panose="00000400000000000000" pitchFamily="2" charset="0"/>
-                <a:cs typeface="Poppins Light" panose="00000400000000000000" pitchFamily="2" charset="0"/>
-              </a:rPr>
-              <a:t> </a:t>
-            </a:r>
-            <a:r>
-              <a:rPr lang="en-US" sz="1400" dirty="0" err="1">
-                <a:latin typeface="Poppins Light" panose="00000400000000000000" pitchFamily="2" charset="0"/>
-                <a:cs typeface="Poppins Light" panose="00000400000000000000" pitchFamily="2" charset="0"/>
-              </a:rPr>
-              <a:t>storica</a:t>
-            </a:r>
-            <a:r>
-              <a:rPr lang="en-US" sz="1400" dirty="0">
-                <a:latin typeface="Poppins Light" panose="00000400000000000000" pitchFamily="2" charset="0"/>
-                <a:cs typeface="Poppins Light" panose="00000400000000000000" pitchFamily="2" charset="0"/>
-              </a:rPr>
-              <a:t> </a:t>
-            </a:r>
-            <a:r>
-              <a:rPr lang="en-US" sz="1400" dirty="0" err="1">
-                <a:latin typeface="Poppins Light" panose="00000400000000000000" pitchFamily="2" charset="0"/>
-                <a:cs typeface="Poppins Light" panose="00000400000000000000" pitchFamily="2" charset="0"/>
-              </a:rPr>
-              <a:t>della</a:t>
-            </a:r>
-            <a:r>
-              <a:rPr lang="en-US" sz="1400" dirty="0">
-                <a:latin typeface="Poppins Light" panose="00000400000000000000" pitchFamily="2" charset="0"/>
-                <a:cs typeface="Poppins Light" panose="00000400000000000000" pitchFamily="2" charset="0"/>
-              </a:rPr>
-              <a:t> </a:t>
-            </a:r>
-            <a:r>
-              <a:rPr lang="en-US" sz="1400" dirty="0" err="1">
-                <a:latin typeface="Poppins Light" panose="00000400000000000000" pitchFamily="2" charset="0"/>
-                <a:cs typeface="Poppins Light" panose="00000400000000000000" pitchFamily="2" charset="0"/>
-              </a:rPr>
-              <a:t>rivoluzione</a:t>
-            </a:r>
-            <a:r>
-              <a:rPr lang="en-US" sz="1400" dirty="0">
-                <a:latin typeface="Poppins Light" panose="00000400000000000000" pitchFamily="2" charset="0"/>
-                <a:cs typeface="Poppins Light" panose="00000400000000000000" pitchFamily="2" charset="0"/>
-              </a:rPr>
-              <a:t> </a:t>
-            </a:r>
-            <a:r>
-              <a:rPr lang="en-US" sz="1400" dirty="0" err="1">
-                <a:latin typeface="Poppins Light" panose="00000400000000000000" pitchFamily="2" charset="0"/>
-                <a:cs typeface="Poppins Light" panose="00000400000000000000" pitchFamily="2" charset="0"/>
-              </a:rPr>
-              <a:t>digitale</a:t>
-            </a:r>
-            <a:r>
-              <a:rPr lang="en-US" sz="1400" dirty="0">
-                <a:latin typeface="Poppins Light" panose="00000400000000000000" pitchFamily="2" charset="0"/>
-                <a:cs typeface="Poppins Light" panose="00000400000000000000" pitchFamily="2" charset="0"/>
-              </a:rPr>
-              <a:t> </a:t>
-            </a:r>
-            <a:endParaRPr lang="en-US" sz="1400" dirty="0">
-              <a:latin typeface="Poppins Light" panose="00000400000000000000" pitchFamily="2" charset="0"/>
-              <a:cs typeface="Poppins Light" panose="00000400000000000000" pitchFamily="2" charset="0"/>
-              <a:sym typeface="Wingdings" pitchFamily="2" charset="2"/>
-            </a:endParaRPr>
-          </a:p>
-          <a:p>
-            <a:pPr marL="742950" lvl="1" indent="-285750">
-              <a:spcAft>
-                <a:spcPts val="1200"/>
-              </a:spcAft>
-              <a:buFont typeface="Arial" panose="020B0604020202020204" pitchFamily="34" charset="0"/>
-              <a:buChar char="•"/>
-            </a:pPr>
-            <a:r>
-              <a:rPr lang="en-US" sz="1400" dirty="0" err="1">
-                <a:latin typeface="Poppins Light" panose="00000400000000000000" pitchFamily="2" charset="0"/>
-                <a:cs typeface="Poppins Light" panose="00000400000000000000" pitchFamily="2" charset="0"/>
-              </a:rPr>
-              <a:t>Perchè</a:t>
-            </a:r>
-            <a:r>
-              <a:rPr lang="en-US" sz="1400" dirty="0">
-                <a:latin typeface="Poppins Light" panose="00000400000000000000" pitchFamily="2" charset="0"/>
-                <a:cs typeface="Poppins Light" panose="00000400000000000000" pitchFamily="2" charset="0"/>
-              </a:rPr>
-              <a:t> </a:t>
-            </a:r>
-            <a:r>
-              <a:rPr lang="en-US" sz="1400" dirty="0" err="1">
-                <a:latin typeface="Poppins Light" panose="00000400000000000000" pitchFamily="2" charset="0"/>
-                <a:cs typeface="Poppins Light" panose="00000400000000000000" pitchFamily="2" charset="0"/>
-              </a:rPr>
-              <a:t>l’utente</a:t>
-            </a:r>
-            <a:r>
-              <a:rPr lang="en-US" sz="1400" dirty="0">
-                <a:latin typeface="Poppins Light" panose="00000400000000000000" pitchFamily="2" charset="0"/>
-                <a:cs typeface="Poppins Light" panose="00000400000000000000" pitchFamily="2" charset="0"/>
-              </a:rPr>
-              <a:t> medio </a:t>
-            </a:r>
-            <a:r>
-              <a:rPr lang="en-US" sz="1400" dirty="0" err="1">
-                <a:latin typeface="Poppins Light" panose="00000400000000000000" pitchFamily="2" charset="0"/>
-                <a:cs typeface="Poppins Light" panose="00000400000000000000" pitchFamily="2" charset="0"/>
-              </a:rPr>
-              <a:t>odierno</a:t>
-            </a:r>
-            <a:r>
-              <a:rPr lang="en-US" sz="1400" dirty="0">
-                <a:latin typeface="Poppins Light" panose="00000400000000000000" pitchFamily="2" charset="0"/>
-                <a:cs typeface="Poppins Light" panose="00000400000000000000" pitchFamily="2" charset="0"/>
-              </a:rPr>
-              <a:t> non è </a:t>
-            </a:r>
-            <a:r>
-              <a:rPr lang="en-US" sz="1400" dirty="0" err="1">
-                <a:latin typeface="Poppins Light" panose="00000400000000000000" pitchFamily="2" charset="0"/>
-                <a:cs typeface="Poppins Light" panose="00000400000000000000" pitchFamily="2" charset="0"/>
-              </a:rPr>
-              <a:t>saggio</a:t>
-            </a:r>
-            <a:r>
-              <a:rPr lang="en-US" sz="1400" dirty="0">
-                <a:latin typeface="Poppins Light" panose="00000400000000000000" pitchFamily="2" charset="0"/>
-                <a:cs typeface="Poppins Light" panose="00000400000000000000" pitchFamily="2" charset="0"/>
-              </a:rPr>
-              <a:t>?</a:t>
+              <a:rPr lang="it-IT" sz="1400" dirty="0">
+                <a:latin typeface="Poppins Light" panose="00000400000000000000" pitchFamily="2" charset="0"/>
+                <a:cs typeface="Poppins Light" panose="00000400000000000000" pitchFamily="2" charset="0"/>
+              </a:rPr>
+              <a:t>Navigando sul sito di ARPA Lombardia ci siamo resi conto della mancanza di una visualizzazione che permetta di avere uno sguardo globale sul problema dell’inquinamento atmosferico per capire se le misure di prevenzione adottate stanno funzionando</a:t>
             </a:r>
           </a:p>
           <a:p>
@@ -6107,94 +6141,11 @@
               <a:buChar char="q"/>
             </a:pPr>
             <a:r>
-              <a:rPr lang="en-US" sz="1400" dirty="0">
-                <a:latin typeface="Poppins Light" panose="00000400000000000000" pitchFamily="2" charset="0"/>
-                <a:cs typeface="Poppins Light" panose="00000400000000000000" pitchFamily="2" charset="0"/>
-              </a:rPr>
-              <a:t>Le </a:t>
-            </a:r>
-            <a:r>
-              <a:rPr lang="en-US" sz="1400" dirty="0" err="1">
-                <a:latin typeface="Poppins Light" panose="00000400000000000000" pitchFamily="2" charset="0"/>
-                <a:cs typeface="Poppins Light" panose="00000400000000000000" pitchFamily="2" charset="0"/>
-              </a:rPr>
-              <a:t>abilità</a:t>
-            </a:r>
-            <a:r>
-              <a:rPr lang="en-US" sz="1400" dirty="0">
-                <a:latin typeface="Poppins Light" panose="00000400000000000000" pitchFamily="2" charset="0"/>
-                <a:cs typeface="Poppins Light" panose="00000400000000000000" pitchFamily="2" charset="0"/>
-              </a:rPr>
-              <a:t> del </a:t>
-            </a:r>
-            <a:r>
-              <a:rPr lang="en-US" sz="1400" dirty="0" err="1">
-                <a:latin typeface="Poppins Light" panose="00000400000000000000" pitchFamily="2" charset="0"/>
-                <a:cs typeface="Poppins Light" panose="00000400000000000000" pitchFamily="2" charset="0"/>
-              </a:rPr>
-              <a:t>saggio</a:t>
-            </a:r>
-            <a:r>
-              <a:rPr lang="en-US" sz="1400" dirty="0">
-                <a:latin typeface="Poppins Light" panose="00000400000000000000" pitchFamily="2" charset="0"/>
-                <a:cs typeface="Poppins Light" panose="00000400000000000000" pitchFamily="2" charset="0"/>
-              </a:rPr>
-              <a:t> </a:t>
-            </a:r>
-            <a:r>
-              <a:rPr lang="en-US" sz="1400" dirty="0" err="1">
-                <a:latin typeface="Poppins Light" panose="00000400000000000000" pitchFamily="2" charset="0"/>
-                <a:cs typeface="Poppins Light" panose="00000400000000000000" pitchFamily="2" charset="0"/>
-              </a:rPr>
-              <a:t>nell’era</a:t>
-            </a:r>
-            <a:r>
-              <a:rPr lang="en-US" sz="1400" dirty="0">
-                <a:latin typeface="Poppins Light" panose="00000400000000000000" pitchFamily="2" charset="0"/>
-                <a:cs typeface="Poppins Light" panose="00000400000000000000" pitchFamily="2" charset="0"/>
-              </a:rPr>
-              <a:t> </a:t>
-            </a:r>
-            <a:r>
-              <a:rPr lang="en-US" sz="1400" dirty="0" err="1">
-                <a:latin typeface="Poppins Light" panose="00000400000000000000" pitchFamily="2" charset="0"/>
-                <a:cs typeface="Poppins Light" panose="00000400000000000000" pitchFamily="2" charset="0"/>
-              </a:rPr>
-              <a:t>digitale</a:t>
-            </a:r>
-            <a:endParaRPr lang="en-US" sz="1400" dirty="0">
-              <a:latin typeface="Poppins Light" panose="00000400000000000000" pitchFamily="2" charset="0"/>
-              <a:cs typeface="Poppins Light" panose="00000400000000000000" pitchFamily="2" charset="0"/>
-            </a:endParaRPr>
-          </a:p>
-          <a:p>
-            <a:pPr marL="742950" lvl="1" indent="-285750">
-              <a:spcAft>
-                <a:spcPts val="1200"/>
-              </a:spcAft>
-              <a:buFont typeface="Arial" panose="020B0604020202020204" pitchFamily="34" charset="0"/>
-              <a:buChar char="•"/>
-            </a:pPr>
-            <a:r>
-              <a:rPr lang="en-US" sz="1400" dirty="0">
-                <a:latin typeface="Poppins Light" panose="00000400000000000000" pitchFamily="2" charset="0"/>
-                <a:cs typeface="Poppins Light" panose="00000400000000000000" pitchFamily="2" charset="0"/>
-              </a:rPr>
-              <a:t>Come </a:t>
-            </a:r>
-            <a:r>
-              <a:rPr lang="en-US" sz="1400" dirty="0" err="1">
-                <a:latin typeface="Poppins Light" panose="00000400000000000000" pitchFamily="2" charset="0"/>
-                <a:cs typeface="Poppins Light" panose="00000400000000000000" pitchFamily="2" charset="0"/>
-              </a:rPr>
-              <a:t>svilupparle</a:t>
-            </a:r>
-            <a:r>
-              <a:rPr lang="en-US" sz="1400" dirty="0">
-                <a:latin typeface="Poppins Light" panose="00000400000000000000" pitchFamily="2" charset="0"/>
-                <a:cs typeface="Poppins Light" panose="00000400000000000000" pitchFamily="2" charset="0"/>
-              </a:rPr>
-              <a:t>?</a:t>
+              <a:rPr lang="it-IT" sz="1400" dirty="0">
+                <a:latin typeface="Poppins Light" panose="00000400000000000000" pitchFamily="2" charset="0"/>
+                <a:cs typeface="Poppins Light" panose="00000400000000000000" pitchFamily="2" charset="0"/>
+              </a:rPr>
+              <a:t>Abbiamo quindi realizzato una visualizzazione che permette di valutare il trend annuale, stagionale e giornaliero del problema correlando le variazioni ai diversi inquinanti e alle diverse cause</a:t>
             </a:r>
           </a:p>
         </p:txBody>
@@ -6216,2171 +6167,7 @@
         <p:spPr>
           <a:xfrm>
             <a:off x="772998" y="1134050"/>
-            <a:ext cx="1765921" cy="0"/>
-          </a:xfrm>
-          <a:prstGeom prst="line">
-            <a:avLst/>
-          </a:prstGeom>
-          <a:ln w="38100">
-            <a:solidFill>
-              <a:schemeClr val="accent2"/>
-            </a:solidFill>
-          </a:ln>
-        </p:spPr>
-        <p:style>
-          <a:lnRef idx="3">
-            <a:schemeClr val="accent2"/>
-          </a:lnRef>
-          <a:fillRef idx="0">
-            <a:schemeClr val="accent2"/>
-          </a:fillRef>
-          <a:effectRef idx="2">
-            <a:schemeClr val="accent2"/>
-          </a:effectRef>
-          <a:fontRef idx="minor">
-            <a:schemeClr val="tx1"/>
-          </a:fontRef>
-        </p:style>
-      </p:cxnSp>
-      <p:pic>
-        <p:nvPicPr>
-          <p:cNvPr id="15" name="Immagine 14" descr="Immagine che contiene interni, tavolo, tavolo da pranzo&#10;&#10;Descrizione generata automaticamente">
-            <a:extLst>
-              <a:ext uri="{FF2B5EF4-FFF2-40B4-BE49-F238E27FC236}">
-                <a16:creationId xmlns:a16="http://schemas.microsoft.com/office/drawing/2014/main" id="{0FA78F81-25EE-4C6B-BB5F-8F4184FAD4AA}"/>
-              </a:ext>
-            </a:extLst>
-          </p:cNvPr>
-          <p:cNvPicPr>
-            <a:picLocks noChangeAspect="1"/>
-          </p:cNvPicPr>
-          <p:nvPr/>
-        </p:nvPicPr>
-        <p:blipFill rotWithShape="1">
-          <a:blip r:embed="rId2">
-            <a:extLst>
-              <a:ext uri="{28A0092B-C50C-407E-A947-70E740481C1C}">
-                <a14:useLocalDpi xmlns:a14="http://schemas.microsoft.com/office/drawing/2010/main" val="0"/>
-              </a:ext>
-            </a:extLst>
-          </a:blip>
-          <a:srcRect l="14715" t="844" r="18280" b="3188"/>
-          <a:stretch/>
-        </p:blipFill>
-        <p:spPr>
-          <a:xfrm>
-            <a:off x="6240463" y="2060576"/>
-            <a:ext cx="5951537" cy="4151382"/>
-          </a:xfrm>
-          <a:prstGeom prst="rect">
-            <a:avLst/>
-          </a:prstGeom>
-        </p:spPr>
-      </p:pic>
-    </p:spTree>
-    <p:extLst>
-      <p:ext uri="{BB962C8B-B14F-4D97-AF65-F5344CB8AC3E}">
-        <p14:creationId xmlns:p14="http://schemas.microsoft.com/office/powerpoint/2010/main" val="341538158"/>
-      </p:ext>
-    </p:extLst>
-  </p:cSld>
-  <p:clrMapOvr>
-    <a:masterClrMapping/>
-  </p:clrMapOvr>
-</p:sld>
-</file>
-
-<file path=ppt/slides/slide3.xml><?xml version="1.0" encoding="utf-8"?>
-<p:sld xmlns:a="http://schemas.openxmlformats.org/drawingml/2006/main" xmlns:r="http://schemas.openxmlformats.org/officeDocument/2006/relationships" xmlns:p="http://schemas.openxmlformats.org/presentationml/2006/main">
-  <p:cSld>
-    <p:spTree>
-      <p:nvGrpSpPr>
-        <p:cNvPr id="1" name=""/>
-        <p:cNvGrpSpPr/>
-        <p:nvPr/>
-      </p:nvGrpSpPr>
-      <p:grpSpPr>
-        <a:xfrm>
-          <a:off x="0" y="0"/>
-          <a:ext cx="0" cy="0"/>
-          <a:chOff x="0" y="0"/>
-          <a:chExt cx="0" cy="0"/>
-        </a:xfrm>
-      </p:grpSpPr>
-      <p:sp>
-        <p:nvSpPr>
-          <p:cNvPr id="5" name="CasellaDiTesto 4">
-            <a:extLst>
-              <a:ext uri="{FF2B5EF4-FFF2-40B4-BE49-F238E27FC236}">
-                <a16:creationId xmlns:a16="http://schemas.microsoft.com/office/drawing/2014/main" id="{89B91983-B758-4281-AC68-D9F7AB480AD9}"/>
-              </a:ext>
-            </a:extLst>
-          </p:cNvPr>
-          <p:cNvSpPr txBox="1"/>
-          <p:nvPr/>
-        </p:nvSpPr>
-        <p:spPr>
-          <a:xfrm>
-            <a:off x="704847" y="549275"/>
-            <a:ext cx="8020051" cy="584775"/>
-          </a:xfrm>
-          <a:prstGeom prst="rect">
-            <a:avLst/>
-          </a:prstGeom>
-          <a:noFill/>
-        </p:spPr>
-        <p:txBody>
-          <a:bodyPr wrap="square" rtlCol="0">
-            <a:spAutoFit/>
-          </a:bodyPr>
-          <a:lstStyle/>
-          <a:p>
-            <a:r>
-              <a:rPr lang="it-IT" sz="3200" dirty="0">
-                <a:latin typeface="Lato Black" panose="020F0502020204030203" pitchFamily="34" charset="0"/>
-                <a:ea typeface="Lato Black" panose="020F0502020204030203" pitchFamily="34" charset="0"/>
-                <a:cs typeface="Lato Black" panose="020F0502020204030203" pitchFamily="34" charset="0"/>
-              </a:rPr>
-              <a:t>Non </a:t>
-            </a:r>
-            <a:r>
-              <a:rPr lang="it-IT" sz="3200" dirty="0" err="1">
-                <a:latin typeface="Lato Black" panose="020F0502020204030203" pitchFamily="34" charset="0"/>
-                <a:ea typeface="Lato Black" panose="020F0502020204030203" pitchFamily="34" charset="0"/>
-                <a:cs typeface="Lato Black" panose="020F0502020204030203" pitchFamily="34" charset="0"/>
-              </a:rPr>
-              <a:t>Users</a:t>
-            </a:r>
-            <a:endParaRPr lang="it-IT" sz="3200" dirty="0">
-              <a:latin typeface="Lato Black" panose="020F0502020204030203" pitchFamily="34" charset="0"/>
-              <a:ea typeface="Lato Black" panose="020F0502020204030203" pitchFamily="34" charset="0"/>
-              <a:cs typeface="Lato Black" panose="020F0502020204030203" pitchFamily="34" charset="0"/>
-            </a:endParaRPr>
-          </a:p>
-        </p:txBody>
-      </p:sp>
-      <p:sp>
-        <p:nvSpPr>
-          <p:cNvPr id="6" name="CasellaDiTesto 5">
-            <a:extLst>
-              <a:ext uri="{FF2B5EF4-FFF2-40B4-BE49-F238E27FC236}">
-                <a16:creationId xmlns:a16="http://schemas.microsoft.com/office/drawing/2014/main" id="{D13A722D-E148-4971-82F3-1C191AFD95ED}"/>
-              </a:ext>
-            </a:extLst>
-          </p:cNvPr>
-          <p:cNvSpPr txBox="1"/>
-          <p:nvPr/>
-        </p:nvSpPr>
-        <p:spPr>
-          <a:xfrm>
-            <a:off x="704847" y="2024062"/>
-            <a:ext cx="4973053" cy="3631763"/>
-          </a:xfrm>
-          <a:prstGeom prst="rect">
-            <a:avLst/>
-          </a:prstGeom>
-          <a:noFill/>
-        </p:spPr>
-        <p:txBody>
-          <a:bodyPr wrap="square" rtlCol="0">
-            <a:spAutoFit/>
-          </a:bodyPr>
-          <a:lstStyle/>
-          <a:p>
-            <a:pPr marL="285750" indent="-285750">
-              <a:spcAft>
-                <a:spcPts val="1200"/>
-              </a:spcAft>
-              <a:buFont typeface="Wingdings" panose="05000000000000000000" pitchFamily="2" charset="2"/>
-              <a:buChar char="q"/>
-            </a:pPr>
-            <a:r>
-              <a:rPr lang="it-IT" sz="1400" dirty="0">
-                <a:latin typeface="Poppins Medium" panose="00000600000000000000" pitchFamily="50" charset="0"/>
-                <a:cs typeface="Poppins Medium" panose="00000600000000000000" pitchFamily="50" charset="0"/>
-              </a:rPr>
-              <a:t>Sentimento di incompetenza</a:t>
-            </a:r>
-            <a:endParaRPr lang="it-IT" sz="1400" dirty="0">
-              <a:latin typeface="Poppins SemiBold" panose="00000700000000000000" pitchFamily="50" charset="0"/>
-              <a:cs typeface="Poppins SemiBold" panose="00000700000000000000" pitchFamily="50" charset="0"/>
-            </a:endParaRPr>
-          </a:p>
-          <a:p>
-            <a:pPr marL="742950" lvl="1" indent="-285750">
-              <a:spcAft>
-                <a:spcPts val="1200"/>
-              </a:spcAft>
-              <a:buFont typeface="Arial" panose="020B0604020202020204" pitchFamily="34" charset="0"/>
-              <a:buChar char="•"/>
-            </a:pPr>
-            <a:r>
-              <a:rPr lang="it-IT" sz="1400" dirty="0">
-                <a:latin typeface="Poppins Light" panose="00000400000000000000" pitchFamily="50" charset="0"/>
-                <a:cs typeface="Poppins Light" panose="00000400000000000000" pitchFamily="50" charset="0"/>
-              </a:rPr>
-              <a:t>Non comprensione dei rischi  </a:t>
-            </a:r>
-          </a:p>
-          <a:p>
-            <a:pPr marL="742950" lvl="1" indent="-285750">
-              <a:spcAft>
-                <a:spcPts val="1200"/>
-              </a:spcAft>
-              <a:buFont typeface="Arial" panose="020B0604020202020204" pitchFamily="34" charset="0"/>
-              <a:buChar char="•"/>
-            </a:pPr>
-            <a:r>
-              <a:rPr lang="it-IT" sz="1400" dirty="0">
-                <a:latin typeface="Poppins Light" panose="00000400000000000000" pitchFamily="50" charset="0"/>
-                <a:cs typeface="Poppins Light" panose="00000400000000000000" pitchFamily="50" charset="0"/>
-              </a:rPr>
-              <a:t>Ansia di non padroneggiare gli strumenti</a:t>
-            </a:r>
-          </a:p>
-          <a:p>
-            <a:pPr lvl="1">
-              <a:spcAft>
-                <a:spcPts val="1200"/>
-              </a:spcAft>
-            </a:pPr>
-            <a:r>
-              <a:rPr lang="it-IT" sz="1400" dirty="0">
-                <a:latin typeface="Poppins Light" panose="00000400000000000000" pitchFamily="50" charset="0"/>
-                <a:cs typeface="Poppins Light" panose="00000400000000000000" pitchFamily="50" charset="0"/>
-                <a:sym typeface="Wingdings" pitchFamily="2" charset="2"/>
-              </a:rPr>
-              <a:t> Responsabilità degli errori</a:t>
-            </a:r>
-            <a:endParaRPr lang="it-IT" sz="1400" dirty="0">
-              <a:latin typeface="Poppins Light" panose="00000400000000000000" pitchFamily="50" charset="0"/>
-              <a:cs typeface="Poppins Light" panose="00000400000000000000" pitchFamily="50" charset="0"/>
-            </a:endParaRPr>
-          </a:p>
-          <a:p>
-            <a:pPr marL="285750" indent="-285750">
-              <a:spcAft>
-                <a:spcPts val="1200"/>
-              </a:spcAft>
-              <a:buFont typeface="Wingdings" panose="05000000000000000000" pitchFamily="2" charset="2"/>
-              <a:buChar char="q"/>
-            </a:pPr>
-            <a:r>
-              <a:rPr lang="it-IT" sz="1400" dirty="0">
-                <a:latin typeface="Poppins Medium" panose="00000600000000000000" pitchFamily="50" charset="0"/>
-                <a:cs typeface="Poppins Medium" panose="00000600000000000000" pitchFamily="50" charset="0"/>
-              </a:rPr>
-              <a:t>Minaccia per alcune attività</a:t>
-            </a:r>
-            <a:endParaRPr lang="it-IT" sz="1400" dirty="0">
-              <a:latin typeface="Poppins SemiBold" panose="00000700000000000000" pitchFamily="50" charset="0"/>
-              <a:cs typeface="Poppins SemiBold" panose="00000700000000000000" pitchFamily="50" charset="0"/>
-            </a:endParaRPr>
-          </a:p>
-          <a:p>
-            <a:pPr marL="742950" lvl="1" indent="-285750">
-              <a:spcAft>
-                <a:spcPts val="1200"/>
-              </a:spcAft>
-              <a:buFont typeface="Arial" panose="020B0604020202020204" pitchFamily="34" charset="0"/>
-              <a:buChar char="•"/>
-            </a:pPr>
-            <a:r>
-              <a:rPr lang="it-IT" sz="1400" dirty="0">
-                <a:latin typeface="Poppins Light" panose="00000400000000000000" pitchFamily="50" charset="0"/>
-                <a:cs typeface="Poppins Light" panose="00000400000000000000" pitchFamily="50" charset="0"/>
-              </a:rPr>
-              <a:t>Disoccupazione</a:t>
-            </a:r>
-          </a:p>
-          <a:p>
-            <a:pPr marL="742950" lvl="1" indent="-285750">
-              <a:spcAft>
-                <a:spcPts val="1200"/>
-              </a:spcAft>
-              <a:buFont typeface="Arial" panose="020B0604020202020204" pitchFamily="34" charset="0"/>
-              <a:buChar char="•"/>
-            </a:pPr>
-            <a:r>
-              <a:rPr lang="it-IT" sz="1400" dirty="0">
-                <a:latin typeface="Poppins Light" panose="00000400000000000000" pitchFamily="50" charset="0"/>
-                <a:cs typeface="Poppins Light" panose="00000400000000000000" pitchFamily="50" charset="0"/>
-              </a:rPr>
-              <a:t>Chiusura attività e aree di socializzazione</a:t>
-            </a:r>
-          </a:p>
-          <a:p>
-            <a:pPr marL="285750" indent="-285750">
-              <a:spcAft>
-                <a:spcPts val="1200"/>
-              </a:spcAft>
-              <a:buFont typeface="Wingdings" panose="05000000000000000000" pitchFamily="2" charset="2"/>
-              <a:buChar char="q"/>
-            </a:pPr>
-            <a:r>
-              <a:rPr lang="it-IT" sz="1400" dirty="0">
-                <a:latin typeface="Poppins Medium" panose="00000600000000000000" pitchFamily="50" charset="0"/>
-                <a:cs typeface="Poppins Medium" panose="00000600000000000000" pitchFamily="50" charset="0"/>
-              </a:rPr>
-              <a:t>Aspettativa culturale</a:t>
-            </a:r>
-            <a:endParaRPr lang="it-IT" sz="1400" dirty="0">
-              <a:latin typeface="Poppins SemiBold" panose="00000700000000000000" pitchFamily="50" charset="0"/>
-              <a:cs typeface="Poppins SemiBold" panose="00000700000000000000" pitchFamily="50" charset="0"/>
-            </a:endParaRPr>
-          </a:p>
-          <a:p>
-            <a:pPr marL="742950" lvl="1" indent="-285750">
-              <a:spcAft>
-                <a:spcPts val="1200"/>
-              </a:spcAft>
-              <a:buFont typeface="Arial" panose="020B0604020202020204" pitchFamily="34" charset="0"/>
-              <a:buChar char="•"/>
-            </a:pPr>
-            <a:r>
-              <a:rPr lang="it-IT" sz="1400" dirty="0">
-                <a:latin typeface="Poppins Light" panose="00000400000000000000" pitchFamily="50" charset="0"/>
-                <a:cs typeface="Poppins Light" panose="00000400000000000000" pitchFamily="50" charset="0"/>
-              </a:rPr>
-              <a:t>Essere scoraggiati e disincentivati </a:t>
-            </a:r>
-          </a:p>
-          <a:p>
-            <a:pPr marL="742950" lvl="1" indent="-285750">
-              <a:spcAft>
-                <a:spcPts val="1200"/>
-              </a:spcAft>
-              <a:buFont typeface="Arial" panose="020B0604020202020204" pitchFamily="34" charset="0"/>
-              <a:buChar char="•"/>
-            </a:pPr>
-            <a:endParaRPr lang="it-IT" sz="1400" dirty="0">
-              <a:latin typeface="Poppins Light" panose="00000400000000000000" pitchFamily="50" charset="0"/>
-              <a:cs typeface="Poppins Light" panose="00000400000000000000" pitchFamily="50" charset="0"/>
-            </a:endParaRPr>
-          </a:p>
-        </p:txBody>
-      </p:sp>
-      <p:cxnSp>
-        <p:nvCxnSpPr>
-          <p:cNvPr id="4" name="Connettore diritto 3">
-            <a:extLst>
-              <a:ext uri="{FF2B5EF4-FFF2-40B4-BE49-F238E27FC236}">
-                <a16:creationId xmlns:a16="http://schemas.microsoft.com/office/drawing/2014/main" id="{51FD34F7-E331-45F9-984B-6D3860116CA5}"/>
-              </a:ext>
-            </a:extLst>
-          </p:cNvPr>
-          <p:cNvCxnSpPr>
-            <a:cxnSpLocks/>
-          </p:cNvCxnSpPr>
-          <p:nvPr/>
-        </p:nvCxnSpPr>
-        <p:spPr>
-          <a:xfrm>
-            <a:off x="772998" y="1134050"/>
-            <a:ext cx="1916414" cy="0"/>
-          </a:xfrm>
-          <a:prstGeom prst="line">
-            <a:avLst/>
-          </a:prstGeom>
-          <a:ln w="38100">
-            <a:solidFill>
-              <a:schemeClr val="accent2"/>
-            </a:solidFill>
-          </a:ln>
-        </p:spPr>
-        <p:style>
-          <a:lnRef idx="3">
-            <a:schemeClr val="accent2"/>
-          </a:lnRef>
-          <a:fillRef idx="0">
-            <a:schemeClr val="accent2"/>
-          </a:fillRef>
-          <a:effectRef idx="2">
-            <a:schemeClr val="accent2"/>
-          </a:effectRef>
-          <a:fontRef idx="minor">
-            <a:schemeClr val="tx1"/>
-          </a:fontRef>
-        </p:style>
-      </p:cxnSp>
-      <p:sp>
-        <p:nvSpPr>
-          <p:cNvPr id="13" name="CasellaDiTesto 12">
-            <a:extLst>
-              <a:ext uri="{FF2B5EF4-FFF2-40B4-BE49-F238E27FC236}">
-                <a16:creationId xmlns:a16="http://schemas.microsoft.com/office/drawing/2014/main" id="{F4B9D0A8-CBB1-AE45-A648-B023F64C959C}"/>
-              </a:ext>
-            </a:extLst>
-          </p:cNvPr>
-          <p:cNvSpPr txBox="1"/>
-          <p:nvPr/>
-        </p:nvSpPr>
-        <p:spPr>
-          <a:xfrm>
-            <a:off x="4441583" y="542277"/>
-            <a:ext cx="4656222" cy="584775"/>
-          </a:xfrm>
-          <a:prstGeom prst="rect">
-            <a:avLst/>
-          </a:prstGeom>
-          <a:noFill/>
-        </p:spPr>
-        <p:txBody>
-          <a:bodyPr wrap="square">
-            <a:spAutoFit/>
-          </a:bodyPr>
-          <a:lstStyle/>
-          <a:p>
-            <a:pPr marL="0" marR="0" lvl="0" indent="0" algn="r" defTabSz="914400" rtl="0" eaLnBrk="1" fontAlgn="auto" latinLnBrk="0" hangingPunct="1">
-              <a:lnSpc>
-                <a:spcPct val="100000"/>
-              </a:lnSpc>
-              <a:spcBef>
-                <a:spcPts val="0"/>
-              </a:spcBef>
-              <a:spcAft>
-                <a:spcPts val="0"/>
-              </a:spcAft>
-              <a:buClrTx/>
-              <a:buSzTx/>
-              <a:buFontTx/>
-              <a:buNone/>
-              <a:tabLst/>
-              <a:defRPr/>
-            </a:pPr>
-            <a:r>
-              <a:rPr kumimoji="0" lang="it-IT" sz="3200" b="0" i="0" u="none" strike="noStrike" kern="1200" cap="none" spc="0" normalizeH="0" baseline="0" noProof="0" dirty="0">
-                <a:ln>
-                  <a:noFill/>
-                </a:ln>
-                <a:solidFill>
-                  <a:prstClr val="black"/>
-                </a:solidFill>
-                <a:effectLst/>
-                <a:uLnTx/>
-                <a:uFillTx/>
-                <a:latin typeface="Lato Black" panose="020F0502020204030203" pitchFamily="34" charset="0"/>
-                <a:ea typeface="Lato Black" panose="020F0502020204030203" pitchFamily="34" charset="0"/>
-                <a:cs typeface="Lato Black" panose="020F0502020204030203" pitchFamily="34" charset="0"/>
-              </a:rPr>
-              <a:t>Digital </a:t>
-            </a:r>
-            <a:r>
-              <a:rPr kumimoji="0" lang="it-IT" sz="3200" b="0" i="0" u="none" strike="noStrike" kern="1200" cap="none" spc="0" normalizeH="0" baseline="0" noProof="0" dirty="0" err="1">
-                <a:ln>
-                  <a:noFill/>
-                </a:ln>
-                <a:solidFill>
-                  <a:prstClr val="black"/>
-                </a:solidFill>
-                <a:effectLst/>
-                <a:uLnTx/>
-                <a:uFillTx/>
-                <a:latin typeface="Lato Black" panose="020F0502020204030203" pitchFamily="34" charset="0"/>
-                <a:ea typeface="Lato Black" panose="020F0502020204030203" pitchFamily="34" charset="0"/>
-                <a:cs typeface="Lato Black" panose="020F0502020204030203" pitchFamily="34" charset="0"/>
-              </a:rPr>
-              <a:t>Natives</a:t>
-            </a:r>
-            <a:endParaRPr kumimoji="0" lang="it-IT" sz="3200" b="0" i="0" u="none" strike="noStrike" kern="1200" cap="none" spc="0" normalizeH="0" baseline="0" noProof="0" dirty="0">
-              <a:ln>
-                <a:noFill/>
-              </a:ln>
-              <a:solidFill>
-                <a:prstClr val="black"/>
-              </a:solidFill>
-              <a:effectLst/>
-              <a:uLnTx/>
-              <a:uFillTx/>
-              <a:latin typeface="Lato Black" panose="020F0502020204030203" pitchFamily="34" charset="0"/>
-              <a:ea typeface="Lato Black" panose="020F0502020204030203" pitchFamily="34" charset="0"/>
-              <a:cs typeface="Lato Black" panose="020F0502020204030203" pitchFamily="34" charset="0"/>
-            </a:endParaRPr>
-          </a:p>
-        </p:txBody>
-      </p:sp>
-      <p:cxnSp>
-        <p:nvCxnSpPr>
-          <p:cNvPr id="14" name="Connettore diritto 3">
-            <a:extLst>
-              <a:ext uri="{FF2B5EF4-FFF2-40B4-BE49-F238E27FC236}">
-                <a16:creationId xmlns:a16="http://schemas.microsoft.com/office/drawing/2014/main" id="{48BE3404-9FF5-1640-94CA-CFB87AE66AA7}"/>
-              </a:ext>
-            </a:extLst>
-          </p:cNvPr>
-          <p:cNvCxnSpPr>
-            <a:cxnSpLocks/>
-          </p:cNvCxnSpPr>
-          <p:nvPr/>
-        </p:nvCxnSpPr>
-        <p:spPr>
-          <a:xfrm>
-            <a:off x="6297693" y="1141048"/>
-            <a:ext cx="2714545" cy="0"/>
-          </a:xfrm>
-          <a:prstGeom prst="line">
-            <a:avLst/>
-          </a:prstGeom>
-          <a:ln w="38100">
-            <a:solidFill>
-              <a:schemeClr val="accent2"/>
-            </a:solidFill>
-          </a:ln>
-        </p:spPr>
-        <p:style>
-          <a:lnRef idx="3">
-            <a:schemeClr val="accent2"/>
-          </a:lnRef>
-          <a:fillRef idx="0">
-            <a:schemeClr val="accent2"/>
-          </a:fillRef>
-          <a:effectRef idx="2">
-            <a:schemeClr val="accent2"/>
-          </a:effectRef>
-          <a:fontRef idx="minor">
-            <a:schemeClr val="tx1"/>
-          </a:fontRef>
-        </p:style>
-      </p:cxnSp>
-      <p:sp>
-        <p:nvSpPr>
-          <p:cNvPr id="17" name="CasellaDiTesto 16">
-            <a:extLst>
-              <a:ext uri="{FF2B5EF4-FFF2-40B4-BE49-F238E27FC236}">
-                <a16:creationId xmlns:a16="http://schemas.microsoft.com/office/drawing/2014/main" id="{C288D0CD-0A52-0647-9429-A8F5E036D8D1}"/>
-              </a:ext>
-            </a:extLst>
-          </p:cNvPr>
-          <p:cNvSpPr txBox="1"/>
-          <p:nvPr/>
-        </p:nvSpPr>
-        <p:spPr>
-          <a:xfrm>
-            <a:off x="6238372" y="2011997"/>
-            <a:ext cx="4973052" cy="1631216"/>
-          </a:xfrm>
-          <a:prstGeom prst="rect">
-            <a:avLst/>
-          </a:prstGeom>
-          <a:noFill/>
-        </p:spPr>
-        <p:txBody>
-          <a:bodyPr wrap="square">
-            <a:spAutoFit/>
-          </a:bodyPr>
-          <a:lstStyle/>
-          <a:p>
-            <a:pPr marL="285750" marR="0" lvl="0" indent="-285750" defTabSz="914400" rtl="0" eaLnBrk="1" fontAlgn="auto" latinLnBrk="0" hangingPunct="1">
-              <a:lnSpc>
-                <a:spcPct val="100000"/>
-              </a:lnSpc>
-              <a:spcBef>
-                <a:spcPts val="0"/>
-              </a:spcBef>
-              <a:spcAft>
-                <a:spcPts val="1200"/>
-              </a:spcAft>
-              <a:buClrTx/>
-              <a:buSzTx/>
-              <a:buFont typeface="Wingdings" panose="05000000000000000000" pitchFamily="2" charset="2"/>
-              <a:buChar char="q"/>
-              <a:tabLst/>
-              <a:defRPr/>
-            </a:pPr>
-            <a:r>
-              <a:rPr kumimoji="0" lang="it-IT" sz="1400" b="0" i="0" u="none" strike="noStrike" kern="1200" cap="none" spc="0" normalizeH="0" baseline="0" noProof="0" dirty="0">
-                <a:ln>
-                  <a:noFill/>
-                </a:ln>
-                <a:solidFill>
-                  <a:prstClr val="black"/>
-                </a:solidFill>
-                <a:effectLst/>
-                <a:uLnTx/>
-                <a:uFillTx/>
-                <a:latin typeface="Poppins Medium" panose="00000600000000000000" pitchFamily="50" charset="0"/>
-                <a:ea typeface="+mn-ea"/>
-                <a:cs typeface="Poppins Medium" panose="00000600000000000000" pitchFamily="50" charset="0"/>
-              </a:rPr>
-              <a:t>Percezione distorta delle competenze</a:t>
-            </a:r>
-          </a:p>
-          <a:p>
-            <a:pPr marL="742950" marR="0" lvl="1" indent="-285750" defTabSz="914400" rtl="0" eaLnBrk="1" fontAlgn="auto" latinLnBrk="0" hangingPunct="1">
-              <a:lnSpc>
-                <a:spcPct val="100000"/>
-              </a:lnSpc>
-              <a:spcBef>
-                <a:spcPts val="0"/>
-              </a:spcBef>
-              <a:spcAft>
-                <a:spcPts val="1200"/>
-              </a:spcAft>
-              <a:buClrTx/>
-              <a:buSzTx/>
-              <a:buFont typeface="Arial" panose="020B0604020202020204" pitchFamily="34" charset="0"/>
-              <a:buChar char="•"/>
-              <a:tabLst/>
-              <a:defRPr/>
-            </a:pPr>
-            <a:r>
-              <a:rPr kumimoji="0" lang="it-IT" sz="1400" b="0" i="0" u="none" strike="noStrike" kern="1200" cap="none" spc="0" normalizeH="0" baseline="0" noProof="0" dirty="0">
-                <a:ln>
-                  <a:noFill/>
-                </a:ln>
-                <a:solidFill>
-                  <a:prstClr val="black"/>
-                </a:solidFill>
-                <a:effectLst/>
-                <a:uLnTx/>
-                <a:uFillTx/>
-                <a:latin typeface="Poppins Light" panose="00000400000000000000" pitchFamily="50" charset="0"/>
-                <a:ea typeface="+mn-ea"/>
-                <a:cs typeface="Poppins Light" panose="00000400000000000000" pitchFamily="50" charset="0"/>
-              </a:rPr>
-              <a:t>Conoscenze professionali VS abilità per stile di vita</a:t>
-            </a:r>
-          </a:p>
-          <a:p>
-            <a:pPr marL="285750" marR="0" lvl="0" indent="-285750" defTabSz="914400" rtl="0" eaLnBrk="1" fontAlgn="auto" latinLnBrk="0" hangingPunct="1">
-              <a:lnSpc>
-                <a:spcPct val="100000"/>
-              </a:lnSpc>
-              <a:spcBef>
-                <a:spcPts val="0"/>
-              </a:spcBef>
-              <a:spcAft>
-                <a:spcPts val="1200"/>
-              </a:spcAft>
-              <a:buClrTx/>
-              <a:buSzTx/>
-              <a:buFont typeface="Wingdings" panose="05000000000000000000" pitchFamily="2" charset="2"/>
-              <a:buChar char="q"/>
-              <a:tabLst/>
-              <a:defRPr/>
-            </a:pPr>
-            <a:r>
-              <a:rPr kumimoji="0" lang="it-IT" sz="1400" b="0" i="0" u="none" strike="noStrike" kern="1200" cap="none" spc="0" normalizeH="0" baseline="0" noProof="0" dirty="0">
-                <a:ln>
-                  <a:noFill/>
-                </a:ln>
-                <a:solidFill>
-                  <a:prstClr val="black"/>
-                </a:solidFill>
-                <a:effectLst/>
-                <a:uLnTx/>
-                <a:uFillTx/>
-                <a:latin typeface="Poppins Medium" panose="00000600000000000000" pitchFamily="50" charset="0"/>
-                <a:ea typeface="+mn-ea"/>
-                <a:cs typeface="Poppins Medium" panose="00000600000000000000" pitchFamily="50" charset="0"/>
-              </a:rPr>
-              <a:t>Modalità di apprendimento</a:t>
-            </a:r>
-            <a:endParaRPr kumimoji="0" lang="it-IT" sz="1400" b="0" i="0" u="none" strike="noStrike" kern="1200" cap="none" spc="0" normalizeH="0" baseline="0" noProof="0" dirty="0">
-              <a:ln>
-                <a:noFill/>
-              </a:ln>
-              <a:solidFill>
-                <a:prstClr val="black"/>
-              </a:solidFill>
-              <a:effectLst/>
-              <a:uLnTx/>
-              <a:uFillTx/>
-              <a:latin typeface="Poppins SemiBold" panose="00000700000000000000" pitchFamily="50" charset="0"/>
-              <a:ea typeface="+mn-ea"/>
-              <a:cs typeface="Poppins SemiBold" panose="00000700000000000000" pitchFamily="50" charset="0"/>
-            </a:endParaRPr>
-          </a:p>
-          <a:p>
-            <a:pPr marL="742950" marR="0" lvl="1" indent="-285750" defTabSz="914400" rtl="0" eaLnBrk="1" fontAlgn="auto" latinLnBrk="0" hangingPunct="1">
-              <a:lnSpc>
-                <a:spcPct val="100000"/>
-              </a:lnSpc>
-              <a:spcBef>
-                <a:spcPts val="0"/>
-              </a:spcBef>
-              <a:spcAft>
-                <a:spcPts val="1200"/>
-              </a:spcAft>
-              <a:buClrTx/>
-              <a:buSzTx/>
-              <a:buFont typeface="Arial" panose="020B0604020202020204" pitchFamily="34" charset="0"/>
-              <a:buChar char="•"/>
-              <a:tabLst/>
-              <a:defRPr/>
-            </a:pPr>
-            <a:r>
-              <a:rPr kumimoji="0" lang="it-IT" sz="1400" b="0" i="0" u="none" strike="noStrike" kern="1200" cap="none" spc="0" normalizeH="0" baseline="0" noProof="0" dirty="0">
-                <a:ln>
-                  <a:noFill/>
-                </a:ln>
-                <a:solidFill>
-                  <a:prstClr val="black"/>
-                </a:solidFill>
-                <a:effectLst/>
-                <a:uLnTx/>
-                <a:uFillTx/>
-                <a:latin typeface="Poppins Light" panose="00000400000000000000" pitchFamily="50" charset="0"/>
-                <a:ea typeface="+mn-ea"/>
-                <a:cs typeface="Poppins Light" panose="00000400000000000000" pitchFamily="50" charset="0"/>
-              </a:rPr>
-              <a:t>Digital </a:t>
-            </a:r>
-            <a:r>
-              <a:rPr kumimoji="0" lang="it-IT" sz="1400" b="0" i="0" u="none" strike="noStrike" kern="1200" cap="none" spc="0" normalizeH="0" baseline="0" noProof="0" dirty="0" err="1">
-                <a:ln>
-                  <a:noFill/>
-                </a:ln>
-                <a:solidFill>
-                  <a:prstClr val="black"/>
-                </a:solidFill>
-                <a:effectLst/>
-                <a:uLnTx/>
-                <a:uFillTx/>
-                <a:latin typeface="Poppins Light" panose="00000400000000000000" pitchFamily="50" charset="0"/>
-                <a:ea typeface="+mn-ea"/>
-                <a:cs typeface="Poppins Light" panose="00000400000000000000" pitchFamily="50" charset="0"/>
-              </a:rPr>
-              <a:t>Immigrants</a:t>
-            </a:r>
-            <a:endParaRPr kumimoji="0" lang="it-IT" sz="1400" b="0" i="0" u="none" strike="noStrike" kern="1200" cap="none" spc="0" normalizeH="0" baseline="0" noProof="0" dirty="0">
-              <a:ln>
-                <a:noFill/>
-              </a:ln>
-              <a:solidFill>
-                <a:prstClr val="black"/>
-              </a:solidFill>
-              <a:effectLst/>
-              <a:uLnTx/>
-              <a:uFillTx/>
-              <a:latin typeface="Poppins Light" panose="00000400000000000000" pitchFamily="50" charset="0"/>
-              <a:ea typeface="+mn-ea"/>
-              <a:cs typeface="Poppins Light" panose="00000400000000000000" pitchFamily="50" charset="0"/>
-            </a:endParaRPr>
-          </a:p>
-        </p:txBody>
-      </p:sp>
-    </p:spTree>
-    <p:extLst>
-      <p:ext uri="{BB962C8B-B14F-4D97-AF65-F5344CB8AC3E}">
-        <p14:creationId xmlns:p14="http://schemas.microsoft.com/office/powerpoint/2010/main" val="4208761393"/>
-      </p:ext>
-    </p:extLst>
-  </p:cSld>
-  <p:clrMapOvr>
-    <a:masterClrMapping/>
-  </p:clrMapOvr>
-</p:sld>
-</file>
-
-<file path=ppt/slides/slide4.xml><?xml version="1.0" encoding="utf-8"?>
-<p:sld xmlns:a="http://schemas.openxmlformats.org/drawingml/2006/main" xmlns:r="http://schemas.openxmlformats.org/officeDocument/2006/relationships" xmlns:p="http://schemas.openxmlformats.org/presentationml/2006/main">
-  <p:cSld>
-    <p:spTree>
-      <p:nvGrpSpPr>
-        <p:cNvPr id="1" name=""/>
-        <p:cNvGrpSpPr/>
-        <p:nvPr/>
-      </p:nvGrpSpPr>
-      <p:grpSpPr>
-        <a:xfrm>
-          <a:off x="0" y="0"/>
-          <a:ext cx="0" cy="0"/>
-          <a:chOff x="0" y="0"/>
-          <a:chExt cx="0" cy="0"/>
-        </a:xfrm>
-      </p:grpSpPr>
-      <p:cxnSp>
-        <p:nvCxnSpPr>
-          <p:cNvPr id="16" name="Connettore diritto 3">
-            <a:extLst>
-              <a:ext uri="{FF2B5EF4-FFF2-40B4-BE49-F238E27FC236}">
-                <a16:creationId xmlns:a16="http://schemas.microsoft.com/office/drawing/2014/main" id="{1D0EB8C9-30B2-BE4C-8534-3FE5ED1D983E}"/>
-              </a:ext>
-            </a:extLst>
-          </p:cNvPr>
-          <p:cNvCxnSpPr>
-            <a:cxnSpLocks/>
-          </p:cNvCxnSpPr>
-          <p:nvPr/>
-        </p:nvCxnSpPr>
-        <p:spPr>
-          <a:xfrm>
-            <a:off x="730251" y="549275"/>
-            <a:ext cx="1587" cy="2408400"/>
-          </a:xfrm>
-          <a:prstGeom prst="line">
-            <a:avLst/>
-          </a:prstGeom>
-          <a:ln w="38100">
-            <a:solidFill>
-              <a:schemeClr val="accent2"/>
-            </a:solidFill>
-          </a:ln>
-        </p:spPr>
-        <p:style>
-          <a:lnRef idx="3">
-            <a:schemeClr val="accent2"/>
-          </a:lnRef>
-          <a:fillRef idx="0">
-            <a:schemeClr val="accent2"/>
-          </a:fillRef>
-          <a:effectRef idx="2">
-            <a:schemeClr val="accent2"/>
-          </a:effectRef>
-          <a:fontRef idx="minor">
-            <a:schemeClr val="tx1"/>
-          </a:fontRef>
-        </p:style>
-      </p:cxnSp>
-      <p:pic>
-        <p:nvPicPr>
-          <p:cNvPr id="1046" name="Picture 22" descr="Grafico delle risposte di Moduli. Titolo della domanda: Per cosa utilizzi principalmente lo smartphone?. Numero di risposte: 144 risposte.">
-            <a:extLst>
-              <a:ext uri="{FF2B5EF4-FFF2-40B4-BE49-F238E27FC236}">
-                <a16:creationId xmlns:a16="http://schemas.microsoft.com/office/drawing/2014/main" id="{F137AB22-2404-3845-93B0-FC1EEDB85631}"/>
-              </a:ext>
-            </a:extLst>
-          </p:cNvPr>
-          <p:cNvPicPr>
-            <a:picLocks noChangeAspect="1" noChangeArrowheads="1"/>
-          </p:cNvPicPr>
-          <p:nvPr/>
-        </p:nvPicPr>
-        <p:blipFill rotWithShape="1">
-          <a:blip r:embed="rId2">
-            <a:extLst>
-              <a:ext uri="{28A0092B-C50C-407E-A947-70E740481C1C}">
-                <a14:useLocalDpi xmlns:a14="http://schemas.microsoft.com/office/drawing/2010/main" val="0"/>
-              </a:ext>
-            </a:extLst>
-          </a:blip>
-          <a:srcRect t="23530"/>
-          <a:stretch/>
-        </p:blipFill>
-        <p:spPr bwMode="auto">
-          <a:xfrm>
-            <a:off x="757242" y="999911"/>
-            <a:ext cx="5115592" cy="2276689"/>
-          </a:xfrm>
-          <a:prstGeom prst="rect">
-            <a:avLst/>
-          </a:prstGeom>
-          <a:noFill/>
-          <a:extLst>
-            <a:ext uri="{909E8E84-426E-40DD-AFC4-6F175D3DCCD1}">
-              <a14:hiddenFill xmlns:a14="http://schemas.microsoft.com/office/drawing/2010/main">
-                <a:solidFill>
-                  <a:srgbClr val="FFFFFF"/>
-                </a:solidFill>
-              </a14:hiddenFill>
-            </a:ext>
-          </a:extLst>
-        </p:spPr>
-      </p:pic>
-      <p:pic>
-        <p:nvPicPr>
-          <p:cNvPr id="1048" name="Picture 24" descr="Grafico delle risposte di Moduli. Titolo della domanda: Per cosa utilizzi principalmente il computer?. Numero di risposte: 142 risposte.">
-            <a:extLst>
-              <a:ext uri="{FF2B5EF4-FFF2-40B4-BE49-F238E27FC236}">
-                <a16:creationId xmlns:a16="http://schemas.microsoft.com/office/drawing/2014/main" id="{C911F4D2-39F2-D641-A9D7-D2A42864C961}"/>
-              </a:ext>
-            </a:extLst>
-          </p:cNvPr>
-          <p:cNvPicPr>
-            <a:picLocks noChangeAspect="1" noChangeArrowheads="1"/>
-          </p:cNvPicPr>
-          <p:nvPr/>
-        </p:nvPicPr>
-        <p:blipFill rotWithShape="1">
-          <a:blip r:embed="rId3">
-            <a:extLst>
-              <a:ext uri="{28A0092B-C50C-407E-A947-70E740481C1C}">
-                <a14:useLocalDpi xmlns:a14="http://schemas.microsoft.com/office/drawing/2010/main" val="0"/>
-              </a:ext>
-            </a:extLst>
-          </a:blip>
-          <a:srcRect t="23530"/>
-          <a:stretch/>
-        </p:blipFill>
-        <p:spPr bwMode="auto">
-          <a:xfrm>
-            <a:off x="757242" y="4384787"/>
-            <a:ext cx="5115593" cy="2276689"/>
-          </a:xfrm>
-          <a:prstGeom prst="rect">
-            <a:avLst/>
-          </a:prstGeom>
-          <a:noFill/>
-          <a:extLst>
-            <a:ext uri="{909E8E84-426E-40DD-AFC4-6F175D3DCCD1}">
-              <a14:hiddenFill xmlns:a14="http://schemas.microsoft.com/office/drawing/2010/main">
-                <a:solidFill>
-                  <a:srgbClr val="FFFFFF"/>
-                </a:solidFill>
-              </a14:hiddenFill>
-            </a:ext>
-          </a:extLst>
-        </p:spPr>
-      </p:pic>
-      <p:sp>
-        <p:nvSpPr>
-          <p:cNvPr id="5" name="AutoShape 8" descr="Grafico delle risposte di Moduli. Titolo della domanda: Primo dispositivo digitale utilizzato:. Numero di risposte: 143 risposte.">
-            <a:extLst>
-              <a:ext uri="{FF2B5EF4-FFF2-40B4-BE49-F238E27FC236}">
-                <a16:creationId xmlns:a16="http://schemas.microsoft.com/office/drawing/2014/main" id="{3A65B3D0-AB81-D749-8666-95D520885018}"/>
-              </a:ext>
-            </a:extLst>
-          </p:cNvPr>
-          <p:cNvSpPr>
-            <a:spLocks noChangeAspect="1" noChangeArrowheads="1"/>
-          </p:cNvSpPr>
-          <p:nvPr/>
-        </p:nvSpPr>
-        <p:spPr bwMode="auto">
-          <a:xfrm>
-            <a:off x="5943600" y="3276600"/>
-            <a:ext cx="304800" cy="304800"/>
-          </a:xfrm>
-          <a:prstGeom prst="rect">
-            <a:avLst/>
-          </a:prstGeom>
-          <a:noFill/>
-          <a:extLst>
-            <a:ext uri="{909E8E84-426E-40DD-AFC4-6F175D3DCCD1}">
-              <a14:hiddenFill xmlns:a14="http://schemas.microsoft.com/office/drawing/2010/main">
-                <a:solidFill>
-                  <a:srgbClr val="FFFFFF"/>
-                </a:solidFill>
-              </a14:hiddenFill>
-            </a:ext>
-          </a:extLst>
-        </p:spPr>
-        <p:txBody>
-          <a:bodyPr vert="horz" wrap="square" lIns="91440" tIns="45720" rIns="91440" bIns="45720" numCol="1" anchor="t" anchorCtr="0" compatLnSpc="1">
-            <a:prstTxWarp prst="textNoShape">
-              <a:avLst/>
-            </a:prstTxWarp>
-          </a:bodyPr>
-          <a:lstStyle/>
-          <a:p>
-            <a:endParaRPr lang="it-IT"/>
-          </a:p>
-        </p:txBody>
-      </p:sp>
-      <p:cxnSp>
-        <p:nvCxnSpPr>
-          <p:cNvPr id="11" name="Connettore diritto 3">
-            <a:extLst>
-              <a:ext uri="{FF2B5EF4-FFF2-40B4-BE49-F238E27FC236}">
-                <a16:creationId xmlns:a16="http://schemas.microsoft.com/office/drawing/2014/main" id="{A2A54638-8C0E-6F49-A09F-8B412AFC6555}"/>
-              </a:ext>
-            </a:extLst>
-          </p:cNvPr>
-          <p:cNvCxnSpPr>
-            <a:cxnSpLocks/>
-          </p:cNvCxnSpPr>
-          <p:nvPr/>
-        </p:nvCxnSpPr>
-        <p:spPr>
-          <a:xfrm>
-            <a:off x="731838" y="3936755"/>
-            <a:ext cx="0" cy="2408483"/>
-          </a:xfrm>
-          <a:prstGeom prst="line">
-            <a:avLst/>
-          </a:prstGeom>
-          <a:ln w="38100">
-            <a:solidFill>
-              <a:schemeClr val="accent2"/>
-            </a:solidFill>
-          </a:ln>
-        </p:spPr>
-        <p:style>
-          <a:lnRef idx="3">
-            <a:schemeClr val="accent2"/>
-          </a:lnRef>
-          <a:fillRef idx="0">
-            <a:schemeClr val="accent2"/>
-          </a:fillRef>
-          <a:effectRef idx="2">
-            <a:schemeClr val="accent2"/>
-          </a:effectRef>
-          <a:fontRef idx="minor">
-            <a:schemeClr val="tx1"/>
-          </a:fontRef>
-        </p:style>
-      </p:cxnSp>
-      <p:cxnSp>
-        <p:nvCxnSpPr>
-          <p:cNvPr id="17" name="Connettore diritto 3">
-            <a:extLst>
-              <a:ext uri="{FF2B5EF4-FFF2-40B4-BE49-F238E27FC236}">
-                <a16:creationId xmlns:a16="http://schemas.microsoft.com/office/drawing/2014/main" id="{75288E7F-7BBA-E64F-BBC8-CFC5FFF2CC6F}"/>
-              </a:ext>
-            </a:extLst>
-          </p:cNvPr>
-          <p:cNvCxnSpPr>
-            <a:cxnSpLocks/>
-          </p:cNvCxnSpPr>
-          <p:nvPr/>
-        </p:nvCxnSpPr>
-        <p:spPr>
-          <a:xfrm>
-            <a:off x="11425238" y="3912645"/>
-            <a:ext cx="0" cy="2408400"/>
-          </a:xfrm>
-          <a:prstGeom prst="line">
-            <a:avLst/>
-          </a:prstGeom>
-          <a:ln w="38100">
-            <a:solidFill>
-              <a:schemeClr val="accent2"/>
-            </a:solidFill>
-          </a:ln>
-        </p:spPr>
-        <p:style>
-          <a:lnRef idx="3">
-            <a:schemeClr val="accent2"/>
-          </a:lnRef>
-          <a:fillRef idx="0">
-            <a:schemeClr val="accent2"/>
-          </a:fillRef>
-          <a:effectRef idx="2">
-            <a:schemeClr val="accent2"/>
-          </a:effectRef>
-          <a:fontRef idx="minor">
-            <a:schemeClr val="tx1"/>
-          </a:fontRef>
-        </p:style>
-      </p:cxnSp>
-      <p:cxnSp>
-        <p:nvCxnSpPr>
-          <p:cNvPr id="18" name="Connettore diritto 3">
-            <a:extLst>
-              <a:ext uri="{FF2B5EF4-FFF2-40B4-BE49-F238E27FC236}">
-                <a16:creationId xmlns:a16="http://schemas.microsoft.com/office/drawing/2014/main" id="{844AF377-F106-BF48-94CD-E01252CDF43A}"/>
-              </a:ext>
-            </a:extLst>
-          </p:cNvPr>
-          <p:cNvCxnSpPr>
-            <a:cxnSpLocks/>
-          </p:cNvCxnSpPr>
-          <p:nvPr/>
-        </p:nvCxnSpPr>
-        <p:spPr>
-          <a:xfrm>
-            <a:off x="11425238" y="549275"/>
-            <a:ext cx="0" cy="2408400"/>
-          </a:xfrm>
-          <a:prstGeom prst="line">
-            <a:avLst/>
-          </a:prstGeom>
-          <a:ln w="38100">
-            <a:solidFill>
-              <a:schemeClr val="accent2"/>
-            </a:solidFill>
-          </a:ln>
-        </p:spPr>
-        <p:style>
-          <a:lnRef idx="3">
-            <a:schemeClr val="accent2"/>
-          </a:lnRef>
-          <a:fillRef idx="0">
-            <a:schemeClr val="accent2"/>
-          </a:fillRef>
-          <a:effectRef idx="2">
-            <a:schemeClr val="accent2"/>
-          </a:effectRef>
-          <a:fontRef idx="minor">
-            <a:schemeClr val="tx1"/>
-          </a:fontRef>
-        </p:style>
-      </p:cxnSp>
-      <p:pic>
-        <p:nvPicPr>
-          <p:cNvPr id="2" name="Picture 2" descr="Grafico delle risposte di Moduli. Titolo della domanda: Primo dispositivo digitale utilizzato:. Numero di risposte: 143 risposte.">
-            <a:extLst>
-              <a:ext uri="{FF2B5EF4-FFF2-40B4-BE49-F238E27FC236}">
-                <a16:creationId xmlns:a16="http://schemas.microsoft.com/office/drawing/2014/main" id="{C984CF58-19C8-4CC1-9A2A-F864D51BC624}"/>
-              </a:ext>
-            </a:extLst>
-          </p:cNvPr>
-          <p:cNvPicPr>
-            <a:picLocks noChangeAspect="1" noChangeArrowheads="1"/>
-          </p:cNvPicPr>
-          <p:nvPr/>
-        </p:nvPicPr>
-        <p:blipFill rotWithShape="1">
-          <a:blip r:embed="rId4">
-            <a:extLst>
-              <a:ext uri="{28A0092B-C50C-407E-A947-70E740481C1C}">
-                <a14:useLocalDpi xmlns:a14="http://schemas.microsoft.com/office/drawing/2010/main" val="0"/>
-              </a:ext>
-            </a:extLst>
-          </a:blip>
-          <a:srcRect l="61990" t="28811" r="16408" b="31635"/>
-          <a:stretch/>
-        </p:blipFill>
-        <p:spPr bwMode="auto">
-          <a:xfrm>
-            <a:off x="6541989" y="1789552"/>
-            <a:ext cx="1576367" cy="1214229"/>
-          </a:xfrm>
-          <a:prstGeom prst="rect">
-            <a:avLst/>
-          </a:prstGeom>
-          <a:noFill/>
-          <a:extLst>
-            <a:ext uri="{909E8E84-426E-40DD-AFC4-6F175D3DCCD1}">
-              <a14:hiddenFill xmlns:a14="http://schemas.microsoft.com/office/drawing/2010/main">
-                <a:solidFill>
-                  <a:srgbClr val="FFFFFF"/>
-                </a:solidFill>
-              </a14:hiddenFill>
-            </a:ext>
-          </a:extLst>
-        </p:spPr>
-      </p:pic>
-      <p:pic>
-        <p:nvPicPr>
-          <p:cNvPr id="1028" name="Picture 4" descr="Grafico delle risposte di Moduli. Titolo della domanda: Dove hai imparato ad utilizzare il primo dispositivo digitale?. Numero di risposte: 144 risposte.">
-            <a:extLst>
-              <a:ext uri="{FF2B5EF4-FFF2-40B4-BE49-F238E27FC236}">
-                <a16:creationId xmlns:a16="http://schemas.microsoft.com/office/drawing/2014/main" id="{D5378D62-4E00-407E-92E7-5740FFC5CD88}"/>
-              </a:ext>
-            </a:extLst>
-          </p:cNvPr>
-          <p:cNvPicPr>
-            <a:picLocks noChangeAspect="1" noChangeArrowheads="1"/>
-          </p:cNvPicPr>
-          <p:nvPr/>
-        </p:nvPicPr>
-        <p:blipFill rotWithShape="1">
-          <a:blip r:embed="rId5">
-            <a:extLst>
-              <a:ext uri="{28A0092B-C50C-407E-A947-70E740481C1C}">
-                <a14:useLocalDpi xmlns:a14="http://schemas.microsoft.com/office/drawing/2010/main" val="0"/>
-              </a:ext>
-            </a:extLst>
-          </a:blip>
-          <a:srcRect l="61872" t="27481" r="6419" b="19324"/>
-          <a:stretch/>
-        </p:blipFill>
-        <p:spPr bwMode="auto">
-          <a:xfrm>
-            <a:off x="6541989" y="4723961"/>
-            <a:ext cx="2402729" cy="1682885"/>
-          </a:xfrm>
-          <a:prstGeom prst="rect">
-            <a:avLst/>
-          </a:prstGeom>
-          <a:noFill/>
-          <a:extLst>
-            <a:ext uri="{909E8E84-426E-40DD-AFC4-6F175D3DCCD1}">
-              <a14:hiddenFill xmlns:a14="http://schemas.microsoft.com/office/drawing/2010/main">
-                <a:solidFill>
-                  <a:srgbClr val="FFFFFF"/>
-                </a:solidFill>
-              </a14:hiddenFill>
-            </a:ext>
-          </a:extLst>
-        </p:spPr>
-      </p:pic>
-      <p:pic>
-        <p:nvPicPr>
-          <p:cNvPr id="19" name="Picture 4" descr="Grafico delle risposte di Moduli. Titolo della domanda: Dove hai imparato ad utilizzare il primo dispositivo digitale?. Numero di risposte: 144 risposte.">
-            <a:extLst>
-              <a:ext uri="{FF2B5EF4-FFF2-40B4-BE49-F238E27FC236}">
-                <a16:creationId xmlns:a16="http://schemas.microsoft.com/office/drawing/2014/main" id="{E0823515-D164-45DF-895B-CA2D0C9A42EC}"/>
-              </a:ext>
-            </a:extLst>
-          </p:cNvPr>
-          <p:cNvPicPr>
-            <a:picLocks noChangeAspect="1" noChangeArrowheads="1"/>
-          </p:cNvPicPr>
-          <p:nvPr/>
-        </p:nvPicPr>
-        <p:blipFill rotWithShape="1">
-          <a:blip r:embed="rId5">
-            <a:extLst>
-              <a:ext uri="{28A0092B-C50C-407E-A947-70E740481C1C}">
-                <a14:useLocalDpi xmlns:a14="http://schemas.microsoft.com/office/drawing/2010/main" val="0"/>
-              </a:ext>
-            </a:extLst>
-          </a:blip>
-          <a:srcRect l="19506" t="27481" r="53491" b="8923"/>
-          <a:stretch/>
-        </p:blipFill>
-        <p:spPr bwMode="auto">
-          <a:xfrm>
-            <a:off x="9288702" y="4333295"/>
-            <a:ext cx="2046049" cy="2011943"/>
-          </a:xfrm>
-          <a:prstGeom prst="rect">
-            <a:avLst/>
-          </a:prstGeom>
-          <a:noFill/>
-          <a:extLst>
-            <a:ext uri="{909E8E84-426E-40DD-AFC4-6F175D3DCCD1}">
-              <a14:hiddenFill xmlns:a14="http://schemas.microsoft.com/office/drawing/2010/main">
-                <a:solidFill>
-                  <a:srgbClr val="FFFFFF"/>
-                </a:solidFill>
-              </a14:hiddenFill>
-            </a:ext>
-          </a:extLst>
-        </p:spPr>
-      </p:pic>
-      <p:pic>
-        <p:nvPicPr>
-          <p:cNvPr id="20" name="Picture 2" descr="Grafico delle risposte di Moduli. Titolo della domanda: Primo dispositivo digitale utilizzato:. Numero di risposte: 143 risposte.">
-            <a:extLst>
-              <a:ext uri="{FF2B5EF4-FFF2-40B4-BE49-F238E27FC236}">
-                <a16:creationId xmlns:a16="http://schemas.microsoft.com/office/drawing/2014/main" id="{95A0FE29-AE36-48E1-BF0D-709A3336F12B}"/>
-              </a:ext>
-            </a:extLst>
-          </p:cNvPr>
-          <p:cNvPicPr>
-            <a:picLocks noChangeAspect="1" noChangeArrowheads="1"/>
-          </p:cNvPicPr>
-          <p:nvPr/>
-        </p:nvPicPr>
-        <p:blipFill rotWithShape="1">
-          <a:blip r:embed="rId4">
-            <a:extLst>
-              <a:ext uri="{28A0092B-C50C-407E-A947-70E740481C1C}">
-                <a14:useLocalDpi xmlns:a14="http://schemas.microsoft.com/office/drawing/2010/main" val="0"/>
-              </a:ext>
-            </a:extLst>
-          </a:blip>
-          <a:srcRect l="19416" t="28240" r="54176" b="6712"/>
-          <a:stretch/>
-        </p:blipFill>
-        <p:spPr bwMode="auto">
-          <a:xfrm>
-            <a:off x="9247597" y="937713"/>
-            <a:ext cx="2046051" cy="2120275"/>
-          </a:xfrm>
-          <a:prstGeom prst="rect">
-            <a:avLst/>
-          </a:prstGeom>
-          <a:noFill/>
-          <a:extLst>
-            <a:ext uri="{909E8E84-426E-40DD-AFC4-6F175D3DCCD1}">
-              <a14:hiddenFill xmlns:a14="http://schemas.microsoft.com/office/drawing/2010/main">
-                <a:solidFill>
-                  <a:srgbClr val="FFFFFF"/>
-                </a:solidFill>
-              </a14:hiddenFill>
-            </a:ext>
-          </a:extLst>
-        </p:spPr>
-      </p:pic>
-      <p:sp>
-        <p:nvSpPr>
-          <p:cNvPr id="15" name="CasellaDiTesto 14">
-            <a:extLst>
-              <a:ext uri="{FF2B5EF4-FFF2-40B4-BE49-F238E27FC236}">
-                <a16:creationId xmlns:a16="http://schemas.microsoft.com/office/drawing/2014/main" id="{1A227C48-B7D0-8541-B28F-7C92AE5C3E31}"/>
-              </a:ext>
-            </a:extLst>
-          </p:cNvPr>
-          <p:cNvSpPr txBox="1"/>
-          <p:nvPr/>
-        </p:nvSpPr>
-        <p:spPr>
-          <a:xfrm>
-            <a:off x="704847" y="583029"/>
-            <a:ext cx="5246691" cy="338554"/>
-          </a:xfrm>
-          <a:prstGeom prst="rect">
-            <a:avLst/>
-          </a:prstGeom>
-          <a:noFill/>
-        </p:spPr>
-        <p:txBody>
-          <a:bodyPr wrap="square" rtlCol="0">
-            <a:spAutoFit/>
-          </a:bodyPr>
-          <a:lstStyle/>
-          <a:p>
-            <a:r>
-              <a:rPr lang="it-IT" sz="1600" dirty="0">
-                <a:latin typeface="Lato Black" panose="020F0502020204030203" pitchFamily="34" charset="0"/>
-                <a:ea typeface="Lato Black" panose="020F0502020204030203" pitchFamily="34" charset="0"/>
-                <a:cs typeface="Lato Black" panose="020F0502020204030203" pitchFamily="34" charset="0"/>
-              </a:rPr>
-              <a:t>Per cosa usi principalmente lo smartphone?</a:t>
-            </a:r>
-          </a:p>
-        </p:txBody>
-      </p:sp>
-      <p:sp>
-        <p:nvSpPr>
-          <p:cNvPr id="21" name="CasellaDiTesto 20">
-            <a:extLst>
-              <a:ext uri="{FF2B5EF4-FFF2-40B4-BE49-F238E27FC236}">
-                <a16:creationId xmlns:a16="http://schemas.microsoft.com/office/drawing/2014/main" id="{A7E10327-4C1F-C94C-B37E-5626962F007C}"/>
-              </a:ext>
-            </a:extLst>
-          </p:cNvPr>
-          <p:cNvSpPr txBox="1"/>
-          <p:nvPr/>
-        </p:nvSpPr>
-        <p:spPr>
-          <a:xfrm>
-            <a:off x="704847" y="3974321"/>
-            <a:ext cx="5207004" cy="338554"/>
-          </a:xfrm>
-          <a:prstGeom prst="rect">
-            <a:avLst/>
-          </a:prstGeom>
-          <a:noFill/>
-        </p:spPr>
-        <p:txBody>
-          <a:bodyPr wrap="square" rtlCol="0">
-            <a:spAutoFit/>
-          </a:bodyPr>
-          <a:lstStyle/>
-          <a:p>
-            <a:r>
-              <a:rPr lang="it-IT" sz="1600" dirty="0">
-                <a:latin typeface="Lato Black" panose="020F0502020204030203" pitchFamily="34" charset="0"/>
-                <a:ea typeface="Lato Black" panose="020F0502020204030203" pitchFamily="34" charset="0"/>
-                <a:cs typeface="Lato Black" panose="020F0502020204030203" pitchFamily="34" charset="0"/>
-              </a:rPr>
-              <a:t>Per cosa usi principalmente il computer?</a:t>
-            </a:r>
-          </a:p>
-        </p:txBody>
-      </p:sp>
-      <p:sp>
-        <p:nvSpPr>
-          <p:cNvPr id="22" name="CasellaDiTesto 21">
-            <a:extLst>
-              <a:ext uri="{FF2B5EF4-FFF2-40B4-BE49-F238E27FC236}">
-                <a16:creationId xmlns:a16="http://schemas.microsoft.com/office/drawing/2014/main" id="{15342D8C-ECA6-614F-ADB4-04F33DBA9B7A}"/>
-              </a:ext>
-            </a:extLst>
-          </p:cNvPr>
-          <p:cNvSpPr txBox="1"/>
-          <p:nvPr/>
-        </p:nvSpPr>
-        <p:spPr>
-          <a:xfrm>
-            <a:off x="6240463" y="3900326"/>
-            <a:ext cx="3703636" cy="584775"/>
-          </a:xfrm>
-          <a:prstGeom prst="rect">
-            <a:avLst/>
-          </a:prstGeom>
-          <a:noFill/>
-        </p:spPr>
-        <p:txBody>
-          <a:bodyPr wrap="square" rtlCol="0">
-            <a:spAutoFit/>
-          </a:bodyPr>
-          <a:lstStyle/>
-          <a:p>
-            <a:r>
-              <a:rPr lang="it-IT" sz="1600" dirty="0">
-                <a:latin typeface="Lato Black" panose="020F0502020204030203" pitchFamily="34" charset="0"/>
-                <a:ea typeface="Lato Black" panose="020F0502020204030203" pitchFamily="34" charset="0"/>
-                <a:cs typeface="Lato Black" panose="020F0502020204030203" pitchFamily="34" charset="0"/>
-              </a:rPr>
-              <a:t>Dove hai imparato ad utilizzare il primo dispositivo digitale?</a:t>
-            </a:r>
-          </a:p>
-        </p:txBody>
-      </p:sp>
-      <p:sp>
-        <p:nvSpPr>
-          <p:cNvPr id="23" name="CasellaDiTesto 22">
-            <a:extLst>
-              <a:ext uri="{FF2B5EF4-FFF2-40B4-BE49-F238E27FC236}">
-                <a16:creationId xmlns:a16="http://schemas.microsoft.com/office/drawing/2014/main" id="{E15533C8-5AFC-0C4F-B4EF-94D12BF7B4AB}"/>
-              </a:ext>
-            </a:extLst>
-          </p:cNvPr>
-          <p:cNvSpPr txBox="1"/>
-          <p:nvPr/>
-        </p:nvSpPr>
-        <p:spPr>
-          <a:xfrm>
-            <a:off x="6248400" y="554454"/>
-            <a:ext cx="3703636" cy="338554"/>
-          </a:xfrm>
-          <a:prstGeom prst="rect">
-            <a:avLst/>
-          </a:prstGeom>
-          <a:noFill/>
-        </p:spPr>
-        <p:txBody>
-          <a:bodyPr wrap="square" rtlCol="0">
-            <a:spAutoFit/>
-          </a:bodyPr>
-          <a:lstStyle/>
-          <a:p>
-            <a:r>
-              <a:rPr lang="it-IT" sz="1600" dirty="0">
-                <a:latin typeface="Lato Black" panose="020F0502020204030203" pitchFamily="34" charset="0"/>
-                <a:ea typeface="Lato Black" panose="020F0502020204030203" pitchFamily="34" charset="0"/>
-                <a:cs typeface="Lato Black" panose="020F0502020204030203" pitchFamily="34" charset="0"/>
-              </a:rPr>
-              <a:t>Primo dispositivo digitale utilizzato:</a:t>
-            </a:r>
-          </a:p>
-        </p:txBody>
-      </p:sp>
-    </p:spTree>
-    <p:extLst>
-      <p:ext uri="{BB962C8B-B14F-4D97-AF65-F5344CB8AC3E}">
-        <p14:creationId xmlns:p14="http://schemas.microsoft.com/office/powerpoint/2010/main" val="3124619789"/>
-      </p:ext>
-    </p:extLst>
-  </p:cSld>
-  <p:clrMapOvr>
-    <a:masterClrMapping/>
-  </p:clrMapOvr>
-</p:sld>
-</file>
-
-<file path=ppt/slides/slide5.xml><?xml version="1.0" encoding="utf-8"?>
-<p:sld xmlns:a="http://schemas.openxmlformats.org/drawingml/2006/main" xmlns:r="http://schemas.openxmlformats.org/officeDocument/2006/relationships" xmlns:p="http://schemas.openxmlformats.org/presentationml/2006/main">
-  <p:cSld>
-    <p:spTree>
-      <p:nvGrpSpPr>
-        <p:cNvPr id="1" name=""/>
-        <p:cNvGrpSpPr/>
-        <p:nvPr/>
-      </p:nvGrpSpPr>
-      <p:grpSpPr>
-        <a:xfrm>
-          <a:off x="0" y="0"/>
-          <a:ext cx="0" cy="0"/>
-          <a:chOff x="0" y="0"/>
-          <a:chExt cx="0" cy="0"/>
-        </a:xfrm>
-      </p:grpSpPr>
-      <p:sp>
-        <p:nvSpPr>
-          <p:cNvPr id="5" name="CasellaDiTesto 4">
-            <a:extLst>
-              <a:ext uri="{FF2B5EF4-FFF2-40B4-BE49-F238E27FC236}">
-                <a16:creationId xmlns:a16="http://schemas.microsoft.com/office/drawing/2014/main" id="{89B91983-B758-4281-AC68-D9F7AB480AD9}"/>
-              </a:ext>
-            </a:extLst>
-          </p:cNvPr>
-          <p:cNvSpPr txBox="1"/>
-          <p:nvPr/>
-        </p:nvSpPr>
-        <p:spPr>
-          <a:xfrm>
-            <a:off x="704847" y="549275"/>
-            <a:ext cx="8020051" cy="584775"/>
-          </a:xfrm>
-          <a:prstGeom prst="rect">
-            <a:avLst/>
-          </a:prstGeom>
-          <a:noFill/>
-        </p:spPr>
-        <p:txBody>
-          <a:bodyPr wrap="square" rtlCol="0">
-            <a:spAutoFit/>
-          </a:bodyPr>
-          <a:lstStyle/>
-          <a:p>
-            <a:r>
-              <a:rPr lang="it-IT" sz="3200" dirty="0">
-                <a:latin typeface="Lato Black" panose="020F0502020204030203" pitchFamily="34" charset="0"/>
-                <a:ea typeface="Lato Black" panose="020F0502020204030203" pitchFamily="34" charset="0"/>
-                <a:cs typeface="Lato Black" panose="020F0502020204030203" pitchFamily="34" charset="0"/>
-              </a:rPr>
-              <a:t>Uno sguardo al passato</a:t>
-            </a:r>
-          </a:p>
-        </p:txBody>
-      </p:sp>
-      <p:sp>
-        <p:nvSpPr>
-          <p:cNvPr id="6" name="CasellaDiTesto 5">
-            <a:extLst>
-              <a:ext uri="{FF2B5EF4-FFF2-40B4-BE49-F238E27FC236}">
-                <a16:creationId xmlns:a16="http://schemas.microsoft.com/office/drawing/2014/main" id="{D13A722D-E148-4971-82F3-1C191AFD95ED}"/>
-              </a:ext>
-            </a:extLst>
-          </p:cNvPr>
-          <p:cNvSpPr txBox="1"/>
-          <p:nvPr/>
-        </p:nvSpPr>
-        <p:spPr>
-          <a:xfrm>
-            <a:off x="704847" y="2024062"/>
-            <a:ext cx="5535616" cy="4832092"/>
-          </a:xfrm>
-          <a:prstGeom prst="rect">
-            <a:avLst/>
-          </a:prstGeom>
-          <a:noFill/>
-        </p:spPr>
-        <p:txBody>
-          <a:bodyPr wrap="square" rtlCol="0">
-            <a:spAutoFit/>
-          </a:bodyPr>
-          <a:lstStyle/>
-          <a:p>
-            <a:pPr marL="285750" indent="-285750">
-              <a:spcAft>
-                <a:spcPts val="1200"/>
-              </a:spcAft>
-              <a:buFont typeface="Wingdings" panose="05000000000000000000" pitchFamily="2" charset="2"/>
-              <a:buChar char="q"/>
-            </a:pPr>
-            <a:r>
-              <a:rPr lang="it-IT" sz="1400" dirty="0">
-                <a:latin typeface="Poppins Medium" panose="00000600000000000000" pitchFamily="50" charset="0"/>
-                <a:cs typeface="Poppins Medium" panose="00000600000000000000" pitchFamily="50" charset="0"/>
-              </a:rPr>
-              <a:t>1978, Space </a:t>
-            </a:r>
-            <a:r>
-              <a:rPr lang="it-IT" sz="1400" dirty="0" err="1">
-                <a:latin typeface="Poppins Medium" panose="00000600000000000000" pitchFamily="50" charset="0"/>
-                <a:cs typeface="Poppins Medium" panose="00000600000000000000" pitchFamily="50" charset="0"/>
-              </a:rPr>
-              <a:t>Invaders</a:t>
-            </a:r>
-            <a:r>
-              <a:rPr lang="it-IT" sz="1400" dirty="0">
-                <a:latin typeface="Poppins Medium" panose="00000600000000000000" pitchFamily="50" charset="0"/>
-                <a:cs typeface="Poppins Medium" panose="00000600000000000000" pitchFamily="50" charset="0"/>
-              </a:rPr>
-              <a:t>:</a:t>
-            </a:r>
-          </a:p>
-          <a:p>
-            <a:pPr marL="742950" lvl="1" indent="-285750">
-              <a:spcAft>
-                <a:spcPts val="1200"/>
-              </a:spcAft>
-              <a:buFont typeface="Arial" panose="020B0604020202020204" pitchFamily="34" charset="0"/>
-              <a:buChar char="•"/>
-            </a:pPr>
-            <a:r>
-              <a:rPr lang="it-IT" sz="1400" dirty="0">
-                <a:latin typeface="Poppins Light" panose="00000400000000000000" pitchFamily="50" charset="0"/>
-                <a:cs typeface="Poppins Light" panose="00000400000000000000" pitchFamily="50" charset="0"/>
-              </a:rPr>
-              <a:t>Semplicità, velocità, fluidità.</a:t>
-            </a:r>
-          </a:p>
-          <a:p>
-            <a:pPr marL="285750" indent="-285750">
-              <a:lnSpc>
-                <a:spcPct val="150000"/>
-              </a:lnSpc>
-              <a:spcAft>
-                <a:spcPts val="1200"/>
-              </a:spcAft>
-              <a:buFont typeface="Wingdings" panose="05000000000000000000" pitchFamily="2" charset="2"/>
-              <a:buChar char="q"/>
-            </a:pPr>
-            <a:r>
-              <a:rPr lang="it-IT" sz="1400" dirty="0">
-                <a:latin typeface="Poppins Medium" panose="00000600000000000000" pitchFamily="2" charset="0"/>
-                <a:cs typeface="Poppins Medium" panose="00000600000000000000" pitchFamily="2" charset="0"/>
-              </a:rPr>
-              <a:t>1990, prima pagina Web:</a:t>
-            </a:r>
-          </a:p>
-          <a:p>
-            <a:pPr marL="742950" lvl="1" indent="-285750">
-              <a:spcAft>
-                <a:spcPts val="1200"/>
-              </a:spcAft>
-              <a:buFont typeface="Arial" panose="020B0604020202020204" pitchFamily="34" charset="0"/>
-              <a:buChar char="•"/>
-            </a:pPr>
-            <a:r>
-              <a:rPr lang="it-IT" sz="1400" dirty="0">
-                <a:latin typeface="Poppins Light" panose="00000400000000000000" pitchFamily="50" charset="0"/>
-                <a:cs typeface="Poppins Light" panose="00000400000000000000" pitchFamily="50" charset="0"/>
-              </a:rPr>
-              <a:t>Presa diretta sul mondo.</a:t>
-            </a:r>
-          </a:p>
-          <a:p>
-            <a:pPr marL="285750" indent="-285750">
-              <a:lnSpc>
-                <a:spcPct val="150000"/>
-              </a:lnSpc>
-              <a:spcAft>
-                <a:spcPts val="1200"/>
-              </a:spcAft>
-              <a:buFont typeface="Wingdings" panose="05000000000000000000" pitchFamily="2" charset="2"/>
-              <a:buChar char="q"/>
-            </a:pPr>
-            <a:r>
-              <a:rPr lang="it-IT" sz="1400" dirty="0">
-                <a:latin typeface="Poppins Medium" panose="00000600000000000000" pitchFamily="2" charset="0"/>
-                <a:cs typeface="Poppins Medium" panose="00000600000000000000" pitchFamily="2" charset="0"/>
-              </a:rPr>
-              <a:t>2003, </a:t>
-            </a:r>
-            <a:r>
-              <a:rPr lang="it-IT" sz="1400" dirty="0">
-                <a:effectLst/>
-                <a:latin typeface="Poppins Medium" panose="00000600000000000000" pitchFamily="2" charset="0"/>
-                <a:ea typeface="Times New Roman" panose="02020603050405020304" pitchFamily="18" charset="0"/>
-                <a:cs typeface="Poppins Medium" panose="00000600000000000000" pitchFamily="2" charset="0"/>
-              </a:rPr>
-              <a:t>BlackBerry Quark e MySpace</a:t>
-            </a:r>
-            <a:r>
-              <a:rPr lang="it-IT" sz="1400" dirty="0">
-                <a:latin typeface="Poppins Medium" panose="00000600000000000000" pitchFamily="2" charset="0"/>
-                <a:cs typeface="Poppins Medium" panose="00000600000000000000" pitchFamily="2" charset="0"/>
-              </a:rPr>
-              <a:t>:</a:t>
-            </a:r>
-          </a:p>
-          <a:p>
-            <a:pPr marL="742950" lvl="1" indent="-285750">
-              <a:spcAft>
-                <a:spcPts val="1200"/>
-              </a:spcAft>
-              <a:buFont typeface="Arial" panose="020B0604020202020204" pitchFamily="34" charset="0"/>
-              <a:buChar char="•"/>
-            </a:pPr>
-            <a:r>
-              <a:rPr lang="it-IT" sz="1400" dirty="0">
-                <a:latin typeface="Poppins Light" panose="00000400000000000000" pitchFamily="50" charset="0"/>
-                <a:cs typeface="Poppins Light" panose="00000400000000000000" pitchFamily="50" charset="0"/>
-              </a:rPr>
-              <a:t>Rimozione mediazioni e confini.</a:t>
-            </a:r>
-          </a:p>
-          <a:p>
-            <a:pPr marL="285750" indent="-285750">
-              <a:lnSpc>
-                <a:spcPct val="150000"/>
-              </a:lnSpc>
-              <a:spcAft>
-                <a:spcPts val="1200"/>
-              </a:spcAft>
-              <a:buFont typeface="Wingdings" panose="05000000000000000000" pitchFamily="2" charset="2"/>
-              <a:buChar char="q"/>
-            </a:pPr>
-            <a:r>
-              <a:rPr lang="it-IT" sz="1400" dirty="0">
-                <a:latin typeface="Poppins Medium" panose="00000600000000000000" pitchFamily="2" charset="0"/>
-                <a:cs typeface="Poppins Medium" panose="00000600000000000000" pitchFamily="2" charset="0"/>
-              </a:rPr>
-              <a:t>2007, il primo iPhone:</a:t>
-            </a:r>
-          </a:p>
-          <a:p>
-            <a:pPr marL="742950" lvl="1" indent="-285750">
-              <a:spcAft>
-                <a:spcPts val="1200"/>
-              </a:spcAft>
-              <a:buFont typeface="Arial" panose="020B0604020202020204" pitchFamily="34" charset="0"/>
-              <a:buChar char="•"/>
-            </a:pPr>
-            <a:r>
-              <a:rPr lang="it-IT" sz="1400" dirty="0">
-                <a:latin typeface="Poppins Light" panose="00000400000000000000" pitchFamily="50" charset="0"/>
-                <a:cs typeface="Poppins Light" panose="00000400000000000000" pitchFamily="50" charset="0"/>
-              </a:rPr>
-              <a:t>Inversione dell’antico paradigma di apprendimento.</a:t>
-            </a:r>
-          </a:p>
-          <a:p>
-            <a:pPr marL="285750" indent="-285750">
-              <a:lnSpc>
-                <a:spcPct val="150000"/>
-              </a:lnSpc>
-              <a:spcAft>
-                <a:spcPts val="1200"/>
-              </a:spcAft>
-              <a:buFont typeface="Wingdings" panose="05000000000000000000" pitchFamily="2" charset="2"/>
-              <a:buChar char="q"/>
-            </a:pPr>
-            <a:r>
-              <a:rPr lang="it-IT" sz="1400" dirty="0">
-                <a:latin typeface="Poppins Medium" panose="00000600000000000000" pitchFamily="2" charset="0"/>
-                <a:cs typeface="Poppins Medium" panose="00000600000000000000" pitchFamily="2" charset="0"/>
-              </a:rPr>
-              <a:t>2008, App per smartphone:</a:t>
-            </a:r>
-          </a:p>
-          <a:p>
-            <a:pPr marL="742950" lvl="1" indent="-285750">
-              <a:spcAft>
-                <a:spcPts val="1200"/>
-              </a:spcAft>
-              <a:buFont typeface="Arial" panose="020B0604020202020204" pitchFamily="34" charset="0"/>
-              <a:buChar char="•"/>
-            </a:pPr>
-            <a:r>
-              <a:rPr lang="it-IT" sz="1400" dirty="0">
-                <a:latin typeface="Poppins Light" panose="00000400000000000000" pitchFamily="2" charset="0"/>
-                <a:cs typeface="Poppins Light" panose="00000400000000000000" pitchFamily="2" charset="0"/>
-              </a:rPr>
-              <a:t>Mondo e </a:t>
-            </a:r>
-            <a:r>
-              <a:rPr lang="it-IT" sz="1400" dirty="0" err="1">
-                <a:latin typeface="Poppins Light" panose="00000400000000000000" pitchFamily="2" charset="0"/>
-                <a:cs typeface="Poppins Light" panose="00000400000000000000" pitchFamily="2" charset="0"/>
-              </a:rPr>
-              <a:t>Oltremondo</a:t>
-            </a:r>
-            <a:r>
-              <a:rPr lang="it-IT" sz="1400" dirty="0">
-                <a:latin typeface="Poppins Light" panose="00000400000000000000" pitchFamily="2" charset="0"/>
-                <a:cs typeface="Poppins Light" panose="00000400000000000000" pitchFamily="2" charset="0"/>
-              </a:rPr>
-              <a:t> digitale come realtà unica.</a:t>
-            </a:r>
-          </a:p>
-          <a:p>
-            <a:pPr marL="285750" indent="-285750">
-              <a:spcAft>
-                <a:spcPts val="1200"/>
-              </a:spcAft>
-              <a:buFont typeface="Wingdings" panose="05000000000000000000" pitchFamily="2" charset="2"/>
-              <a:buChar char="q"/>
-            </a:pPr>
-            <a:endParaRPr lang="it-IT" sz="1600" b="1" dirty="0">
-              <a:latin typeface="Poppins Medium" panose="00000600000000000000" pitchFamily="2" charset="0"/>
-              <a:cs typeface="Poppins Medium" panose="00000600000000000000" pitchFamily="2" charset="0"/>
-            </a:endParaRPr>
-          </a:p>
-          <a:p>
-            <a:pPr lvl="1">
-              <a:spcAft>
-                <a:spcPts val="1200"/>
-              </a:spcAft>
-            </a:pPr>
-            <a:endParaRPr lang="it-IT" sz="1400" dirty="0">
-              <a:latin typeface="Poppins Light" panose="00000400000000000000" pitchFamily="50" charset="0"/>
-              <a:cs typeface="Poppins Light" panose="00000400000000000000" pitchFamily="50" charset="0"/>
-            </a:endParaRPr>
-          </a:p>
-        </p:txBody>
-      </p:sp>
-      <p:cxnSp>
-        <p:nvCxnSpPr>
-          <p:cNvPr id="4" name="Connettore diritto 3">
-            <a:extLst>
-              <a:ext uri="{FF2B5EF4-FFF2-40B4-BE49-F238E27FC236}">
-                <a16:creationId xmlns:a16="http://schemas.microsoft.com/office/drawing/2014/main" id="{51FD34F7-E331-45F9-984B-6D3860116CA5}"/>
-              </a:ext>
-            </a:extLst>
-          </p:cNvPr>
-          <p:cNvCxnSpPr>
-            <a:cxnSpLocks/>
-          </p:cNvCxnSpPr>
-          <p:nvPr/>
-        </p:nvCxnSpPr>
-        <p:spPr>
-          <a:xfrm>
-            <a:off x="772998" y="1134050"/>
-            <a:ext cx="4256202" cy="0"/>
-          </a:xfrm>
-          <a:prstGeom prst="line">
-            <a:avLst/>
-          </a:prstGeom>
-          <a:ln w="38100">
-            <a:solidFill>
-              <a:schemeClr val="accent2"/>
-            </a:solidFill>
-          </a:ln>
-        </p:spPr>
-        <p:style>
-          <a:lnRef idx="3">
-            <a:schemeClr val="accent2"/>
-          </a:lnRef>
-          <a:fillRef idx="0">
-            <a:schemeClr val="accent2"/>
-          </a:fillRef>
-          <a:effectRef idx="2">
-            <a:schemeClr val="accent2"/>
-          </a:effectRef>
-          <a:fontRef idx="minor">
-            <a:schemeClr val="tx1"/>
-          </a:fontRef>
-        </p:style>
-      </p:cxnSp>
-      <p:pic>
-        <p:nvPicPr>
-          <p:cNvPr id="2050" name="Picture 2" descr="iPhone History: 10 Most Interesting Facts You Need to Know - iGeeksBlog">
-            <a:extLst>
-              <a:ext uri="{FF2B5EF4-FFF2-40B4-BE49-F238E27FC236}">
-                <a16:creationId xmlns:a16="http://schemas.microsoft.com/office/drawing/2014/main" id="{2BDA681F-B5F7-401D-B18A-5F3150B27C4B}"/>
-              </a:ext>
-            </a:extLst>
-          </p:cNvPr>
-          <p:cNvPicPr>
-            <a:picLocks noChangeAspect="1" noChangeArrowheads="1"/>
-          </p:cNvPicPr>
-          <p:nvPr/>
-        </p:nvPicPr>
-        <p:blipFill rotWithShape="1">
-          <a:blip r:embed="rId2">
-            <a:extLst>
-              <a:ext uri="{BEBA8EAE-BF5A-486C-A8C5-ECC9F3942E4B}">
-                <a14:imgProps xmlns:a14="http://schemas.microsoft.com/office/drawing/2010/main">
-                  <a14:imgLayer r:embed="rId3">
-                    <a14:imgEffect>
-                      <a14:sharpenSoften amount="22000"/>
-                    </a14:imgEffect>
-                    <a14:imgEffect>
-                      <a14:colorTemperature colorTemp="6504"/>
-                    </a14:imgEffect>
-                    <a14:imgEffect>
-                      <a14:saturation sat="150000"/>
-                    </a14:imgEffect>
-                  </a14:imgLayer>
-                </a14:imgProps>
-              </a:ext>
-              <a:ext uri="{28A0092B-C50C-407E-A947-70E740481C1C}">
-                <a14:useLocalDpi xmlns:a14="http://schemas.microsoft.com/office/drawing/2010/main" val="0"/>
-              </a:ext>
-            </a:extLst>
-          </a:blip>
-          <a:srcRect l="4482" r="-1"/>
-          <a:stretch/>
-        </p:blipFill>
-        <p:spPr bwMode="auto">
-          <a:xfrm>
-            <a:off x="6498077" y="2060575"/>
-            <a:ext cx="5693923" cy="4303139"/>
-          </a:xfrm>
-          <a:prstGeom prst="rect">
-            <a:avLst/>
-          </a:prstGeom>
-          <a:noFill/>
-          <a:effectLst>
-            <a:outerShdw blurRad="50800" dist="50800" dir="5400000" algn="ctr" rotWithShape="0">
-              <a:schemeClr val="bg1"/>
-            </a:outerShdw>
-          </a:effectLst>
-          <a:extLst>
-            <a:ext uri="{909E8E84-426E-40DD-AFC4-6F175D3DCCD1}">
-              <a14:hiddenFill xmlns:a14="http://schemas.microsoft.com/office/drawing/2010/main">
-                <a:solidFill>
-                  <a:srgbClr val="FFFFFF"/>
-                </a:solidFill>
-              </a14:hiddenFill>
-            </a:ext>
-          </a:extLst>
-        </p:spPr>
-      </p:pic>
-    </p:spTree>
-    <p:extLst>
-      <p:ext uri="{BB962C8B-B14F-4D97-AF65-F5344CB8AC3E}">
-        <p14:creationId xmlns:p14="http://schemas.microsoft.com/office/powerpoint/2010/main" val="455169881"/>
-      </p:ext>
-    </p:extLst>
-  </p:cSld>
-  <p:clrMapOvr>
-    <a:masterClrMapping/>
-  </p:clrMapOvr>
-</p:sld>
-</file>
-
-<file path=ppt/slides/slide6.xml><?xml version="1.0" encoding="utf-8"?>
-<p:sld xmlns:a="http://schemas.openxmlformats.org/drawingml/2006/main" xmlns:r="http://schemas.openxmlformats.org/officeDocument/2006/relationships" xmlns:p="http://schemas.openxmlformats.org/presentationml/2006/main">
-  <p:cSld>
-    <p:spTree>
-      <p:nvGrpSpPr>
-        <p:cNvPr id="1" name=""/>
-        <p:cNvGrpSpPr/>
-        <p:nvPr/>
-      </p:nvGrpSpPr>
-      <p:grpSpPr>
-        <a:xfrm>
-          <a:off x="0" y="0"/>
-          <a:ext cx="0" cy="0"/>
-          <a:chOff x="0" y="0"/>
-          <a:chExt cx="0" cy="0"/>
-        </a:xfrm>
-      </p:grpSpPr>
-      <p:sp>
-        <p:nvSpPr>
-          <p:cNvPr id="15" name="CasellaDiTesto 14">
-            <a:extLst>
-              <a:ext uri="{FF2B5EF4-FFF2-40B4-BE49-F238E27FC236}">
-                <a16:creationId xmlns:a16="http://schemas.microsoft.com/office/drawing/2014/main" id="{E46F17C1-611D-4656-8827-3FC7FC8D8D4C}"/>
-              </a:ext>
-            </a:extLst>
-          </p:cNvPr>
-          <p:cNvSpPr txBox="1"/>
-          <p:nvPr/>
-        </p:nvSpPr>
-        <p:spPr>
-          <a:xfrm>
-            <a:off x="720971" y="1435202"/>
-            <a:ext cx="4332858" cy="646331"/>
-          </a:xfrm>
-          <a:prstGeom prst="rect">
-            <a:avLst/>
-          </a:prstGeom>
-          <a:noFill/>
-        </p:spPr>
-        <p:txBody>
-          <a:bodyPr wrap="square" rtlCol="0">
-            <a:spAutoFit/>
-          </a:bodyPr>
-          <a:lstStyle/>
-          <a:p>
-            <a:r>
-              <a:rPr lang="it-IT" dirty="0">
-                <a:latin typeface="Poppins Medium" panose="00000600000000000000" pitchFamily="2" charset="0"/>
-                <a:cs typeface="Poppins Medium" panose="00000600000000000000" pitchFamily="2" charset="0"/>
-              </a:rPr>
-              <a:t>Oggi come ti approcci ad una nuova app/software/dispositivo?</a:t>
-            </a:r>
-          </a:p>
-        </p:txBody>
-      </p:sp>
-      <p:sp>
-        <p:nvSpPr>
-          <p:cNvPr id="17" name="CasellaDiTesto 16">
-            <a:extLst>
-              <a:ext uri="{FF2B5EF4-FFF2-40B4-BE49-F238E27FC236}">
-                <a16:creationId xmlns:a16="http://schemas.microsoft.com/office/drawing/2014/main" id="{4C404127-AEA9-4B02-96DE-D003F311C6EF}"/>
-              </a:ext>
-            </a:extLst>
-          </p:cNvPr>
-          <p:cNvSpPr txBox="1"/>
-          <p:nvPr/>
-        </p:nvSpPr>
-        <p:spPr>
-          <a:xfrm>
-            <a:off x="720971" y="4888506"/>
-            <a:ext cx="4794612" cy="923330"/>
-          </a:xfrm>
-          <a:prstGeom prst="rect">
-            <a:avLst/>
-          </a:prstGeom>
-          <a:noFill/>
-        </p:spPr>
-        <p:txBody>
-          <a:bodyPr wrap="square" rtlCol="0">
-            <a:spAutoFit/>
-          </a:bodyPr>
-          <a:lstStyle/>
-          <a:p>
-            <a:r>
-              <a:rPr lang="it-IT" dirty="0">
-                <a:latin typeface="Poppins Medium" panose="00000600000000000000" pitchFamily="2" charset="0"/>
-                <a:cs typeface="Poppins Medium" panose="00000600000000000000" pitchFamily="2" charset="0"/>
-              </a:rPr>
-              <a:t>Quanto spesso i tuoi genitori ti chiedono aiuto per utilizzare un dispositivo digitale?</a:t>
-            </a:r>
-          </a:p>
-        </p:txBody>
-      </p:sp>
-      <p:pic>
-        <p:nvPicPr>
-          <p:cNvPr id="1026" name="Picture 2" descr="Grafico delle risposte di Moduli. Titolo della domanda: Oggi come ti approcci ad una nuova app/software/dispositivo?. Numero di risposte: 144 risposte.">
-            <a:extLst>
-              <a:ext uri="{FF2B5EF4-FFF2-40B4-BE49-F238E27FC236}">
-                <a16:creationId xmlns:a16="http://schemas.microsoft.com/office/drawing/2014/main" id="{50458A4A-8658-4B0D-A43E-93910F0784D4}"/>
-              </a:ext>
-            </a:extLst>
-          </p:cNvPr>
-          <p:cNvPicPr>
-            <a:picLocks noChangeAspect="1" noChangeArrowheads="1"/>
-          </p:cNvPicPr>
-          <p:nvPr/>
-        </p:nvPicPr>
-        <p:blipFill rotWithShape="1">
-          <a:blip r:embed="rId2">
-            <a:extLst>
-              <a:ext uri="{28A0092B-C50C-407E-A947-70E740481C1C}">
-                <a14:useLocalDpi xmlns:a14="http://schemas.microsoft.com/office/drawing/2010/main" val="0"/>
-              </a:ext>
-            </a:extLst>
-          </a:blip>
-          <a:srcRect l="18910" t="27542" r="53666" b="8923"/>
-          <a:stretch/>
-        </p:blipFill>
-        <p:spPr bwMode="auto">
-          <a:xfrm>
-            <a:off x="5515583" y="575473"/>
-            <a:ext cx="2427347" cy="2365787"/>
-          </a:xfrm>
-          <a:prstGeom prst="rect">
-            <a:avLst/>
-          </a:prstGeom>
-          <a:noFill/>
-          <a:extLst>
-            <a:ext uri="{909E8E84-426E-40DD-AFC4-6F175D3DCCD1}">
-              <a14:hiddenFill xmlns:a14="http://schemas.microsoft.com/office/drawing/2010/main">
-                <a:solidFill>
-                  <a:srgbClr val="FFFFFF"/>
-                </a:solidFill>
-              </a14:hiddenFill>
-            </a:ext>
-          </a:extLst>
-        </p:spPr>
-      </p:pic>
-      <p:pic>
-        <p:nvPicPr>
-          <p:cNvPr id="22" name="Picture 2" descr="Grafico delle risposte di Moduli. Titolo della domanda: Oggi come ti approcci ad una nuova app/software/dispositivo?. Numero di risposte: 144 risposte.">
-            <a:extLst>
-              <a:ext uri="{FF2B5EF4-FFF2-40B4-BE49-F238E27FC236}">
-                <a16:creationId xmlns:a16="http://schemas.microsoft.com/office/drawing/2014/main" id="{61012594-C0CC-4E39-809F-58750DD6C41B}"/>
-              </a:ext>
-            </a:extLst>
-          </p:cNvPr>
-          <p:cNvPicPr>
-            <a:picLocks noChangeAspect="1" noChangeArrowheads="1"/>
-          </p:cNvPicPr>
-          <p:nvPr/>
-        </p:nvPicPr>
-        <p:blipFill rotWithShape="1">
-          <a:blip r:embed="rId2">
-            <a:extLst>
-              <a:ext uri="{28A0092B-C50C-407E-A947-70E740481C1C}">
-                <a14:useLocalDpi xmlns:a14="http://schemas.microsoft.com/office/drawing/2010/main" val="0"/>
-              </a:ext>
-            </a:extLst>
-          </a:blip>
-          <a:srcRect l="61297" t="26290" r="4048" b="21920"/>
-          <a:stretch/>
-        </p:blipFill>
-        <p:spPr bwMode="auto">
-          <a:xfrm>
-            <a:off x="8533849" y="813565"/>
-            <a:ext cx="3005532" cy="1889602"/>
-          </a:xfrm>
-          <a:prstGeom prst="rect">
-            <a:avLst/>
-          </a:prstGeom>
-          <a:noFill/>
-          <a:extLst>
-            <a:ext uri="{909E8E84-426E-40DD-AFC4-6F175D3DCCD1}">
-              <a14:hiddenFill xmlns:a14="http://schemas.microsoft.com/office/drawing/2010/main">
-                <a:solidFill>
-                  <a:srgbClr val="FFFFFF"/>
-                </a:solidFill>
-              </a14:hiddenFill>
-            </a:ext>
-          </a:extLst>
-        </p:spPr>
-      </p:pic>
-      <p:pic>
-        <p:nvPicPr>
-          <p:cNvPr id="1028" name="Picture 4" descr="Grafico delle risposte di Moduli. Titolo della domanda: Quanto spesso i tuoi genitori ti chiedono aiuto per utilizzare un dispositivo digitale?. Numero di risposte: 144 risposte.">
-            <a:extLst>
-              <a:ext uri="{FF2B5EF4-FFF2-40B4-BE49-F238E27FC236}">
-                <a16:creationId xmlns:a16="http://schemas.microsoft.com/office/drawing/2014/main" id="{7866505D-E45F-441C-A17C-3FCBF2041844}"/>
-              </a:ext>
-            </a:extLst>
-          </p:cNvPr>
-          <p:cNvPicPr>
-            <a:picLocks noChangeAspect="1" noChangeArrowheads="1"/>
-          </p:cNvPicPr>
-          <p:nvPr/>
-        </p:nvPicPr>
-        <p:blipFill rotWithShape="1">
-          <a:blip r:embed="rId3">
-            <a:extLst>
-              <a:ext uri="{28A0092B-C50C-407E-A947-70E740481C1C}">
-                <a14:useLocalDpi xmlns:a14="http://schemas.microsoft.com/office/drawing/2010/main" val="0"/>
-              </a:ext>
-            </a:extLst>
-          </a:blip>
-          <a:srcRect l="5820" t="23748" b="12265"/>
-          <a:stretch/>
-        </p:blipFill>
-        <p:spPr bwMode="auto">
-          <a:xfrm>
-            <a:off x="4720081" y="4075024"/>
-            <a:ext cx="6705157" cy="2364703"/>
-          </a:xfrm>
-          <a:prstGeom prst="rect">
-            <a:avLst/>
-          </a:prstGeom>
-          <a:noFill/>
-          <a:extLst>
-            <a:ext uri="{909E8E84-426E-40DD-AFC4-6F175D3DCCD1}">
-              <a14:hiddenFill xmlns:a14="http://schemas.microsoft.com/office/drawing/2010/main">
-                <a:solidFill>
-                  <a:srgbClr val="FFFFFF"/>
-                </a:solidFill>
-              </a14:hiddenFill>
-            </a:ext>
-          </a:extLst>
-        </p:spPr>
-      </p:pic>
-      <p:cxnSp>
-        <p:nvCxnSpPr>
-          <p:cNvPr id="33" name="Connettore diritto 32">
-            <a:extLst>
-              <a:ext uri="{FF2B5EF4-FFF2-40B4-BE49-F238E27FC236}">
-                <a16:creationId xmlns:a16="http://schemas.microsoft.com/office/drawing/2014/main" id="{F1022DA3-B46F-4C1F-9317-A750529FC671}"/>
-              </a:ext>
-            </a:extLst>
-          </p:cNvPr>
-          <p:cNvCxnSpPr>
-            <a:cxnSpLocks/>
-          </p:cNvCxnSpPr>
-          <p:nvPr/>
-        </p:nvCxnSpPr>
-        <p:spPr>
-          <a:xfrm flipH="1" flipV="1">
-            <a:off x="720971" y="1445968"/>
-            <a:ext cx="10866" cy="624798"/>
-          </a:xfrm>
-          <a:prstGeom prst="line">
-            <a:avLst/>
-          </a:prstGeom>
-          <a:ln w="38100">
-            <a:solidFill>
-              <a:schemeClr val="accent2"/>
-            </a:solidFill>
-          </a:ln>
-        </p:spPr>
-        <p:style>
-          <a:lnRef idx="3">
-            <a:schemeClr val="accent2"/>
-          </a:lnRef>
-          <a:fillRef idx="0">
-            <a:schemeClr val="accent2"/>
-          </a:fillRef>
-          <a:effectRef idx="2">
-            <a:schemeClr val="accent2"/>
-          </a:effectRef>
-          <a:fontRef idx="minor">
-            <a:schemeClr val="tx1"/>
-          </a:fontRef>
-        </p:style>
-      </p:cxnSp>
-      <p:cxnSp>
-        <p:nvCxnSpPr>
-          <p:cNvPr id="38" name="Connettore diritto 37">
-            <a:extLst>
-              <a:ext uri="{FF2B5EF4-FFF2-40B4-BE49-F238E27FC236}">
-                <a16:creationId xmlns:a16="http://schemas.microsoft.com/office/drawing/2014/main" id="{79B7D224-8E39-47E5-A01D-A08798051E8D}"/>
-              </a:ext>
-            </a:extLst>
-          </p:cNvPr>
-          <p:cNvCxnSpPr>
-            <a:cxnSpLocks/>
-          </p:cNvCxnSpPr>
-          <p:nvPr/>
-        </p:nvCxnSpPr>
-        <p:spPr>
-          <a:xfrm flipV="1">
-            <a:off x="731837" y="4868863"/>
-            <a:ext cx="1" cy="923330"/>
+            <a:ext cx="3553469" cy="0"/>
           </a:xfrm>
           <a:prstGeom prst="line">
             <a:avLst/>
@@ -8409,7 +6196,1246 @@
     </p:spTree>
     <p:extLst>
       <p:ext uri="{BB962C8B-B14F-4D97-AF65-F5344CB8AC3E}">
-        <p14:creationId xmlns:p14="http://schemas.microsoft.com/office/powerpoint/2010/main" val="332526478"/>
+        <p14:creationId xmlns:p14="http://schemas.microsoft.com/office/powerpoint/2010/main" val="3385274214"/>
+      </p:ext>
+    </p:extLst>
+  </p:cSld>
+  <p:clrMapOvr>
+    <a:masterClrMapping/>
+  </p:clrMapOvr>
+</p:sld>
+</file>
+
+<file path=ppt/slides/slide3.xml><?xml version="1.0" encoding="utf-8"?>
+<p:sld xmlns:a="http://schemas.openxmlformats.org/drawingml/2006/main" xmlns:r="http://schemas.openxmlformats.org/officeDocument/2006/relationships" xmlns:p="http://schemas.openxmlformats.org/presentationml/2006/main">
+  <p:cSld>
+    <p:spTree>
+      <p:nvGrpSpPr>
+        <p:cNvPr id="1" name=""/>
+        <p:cNvGrpSpPr/>
+        <p:nvPr/>
+      </p:nvGrpSpPr>
+      <p:grpSpPr>
+        <a:xfrm>
+          <a:off x="0" y="0"/>
+          <a:ext cx="0" cy="0"/>
+          <a:chOff x="0" y="0"/>
+          <a:chExt cx="0" cy="0"/>
+        </a:xfrm>
+      </p:grpSpPr>
+      <p:sp>
+        <p:nvSpPr>
+          <p:cNvPr id="5" name="CasellaDiTesto 4">
+            <a:extLst>
+              <a:ext uri="{FF2B5EF4-FFF2-40B4-BE49-F238E27FC236}">
+                <a16:creationId xmlns:a16="http://schemas.microsoft.com/office/drawing/2014/main" id="{89B91983-B758-4281-AC68-D9F7AB480AD9}"/>
+              </a:ext>
+            </a:extLst>
+          </p:cNvPr>
+          <p:cNvSpPr txBox="1"/>
+          <p:nvPr/>
+        </p:nvSpPr>
+        <p:spPr>
+          <a:xfrm>
+            <a:off x="704849" y="549275"/>
+            <a:ext cx="10106026" cy="584775"/>
+          </a:xfrm>
+          <a:prstGeom prst="rect">
+            <a:avLst/>
+          </a:prstGeom>
+          <a:noFill/>
+        </p:spPr>
+        <p:txBody>
+          <a:bodyPr wrap="square" rtlCol="0">
+            <a:spAutoFit/>
+          </a:bodyPr>
+          <a:lstStyle/>
+          <a:p>
+            <a:r>
+              <a:rPr lang="it-IT" sz="3200" dirty="0">
+                <a:latin typeface="Lato Black" panose="020F0502020204030203" pitchFamily="34" charset="0"/>
+                <a:ea typeface="Lato Black" panose="020F0502020204030203" pitchFamily="34" charset="0"/>
+                <a:cs typeface="Lato Black" panose="020F0502020204030203" pitchFamily="34" charset="0"/>
+              </a:rPr>
+              <a:t>Domanda di ricerca</a:t>
+            </a:r>
+          </a:p>
+        </p:txBody>
+      </p:sp>
+      <p:sp>
+        <p:nvSpPr>
+          <p:cNvPr id="6" name="CasellaDiTesto 5">
+            <a:extLst>
+              <a:ext uri="{FF2B5EF4-FFF2-40B4-BE49-F238E27FC236}">
+                <a16:creationId xmlns:a16="http://schemas.microsoft.com/office/drawing/2014/main" id="{D13A722D-E148-4971-82F3-1C191AFD95ED}"/>
+              </a:ext>
+            </a:extLst>
+          </p:cNvPr>
+          <p:cNvSpPr txBox="1"/>
+          <p:nvPr/>
+        </p:nvSpPr>
+        <p:spPr>
+          <a:xfrm>
+            <a:off x="704847" y="2024062"/>
+            <a:ext cx="5246691" cy="1323439"/>
+          </a:xfrm>
+          <a:prstGeom prst="rect">
+            <a:avLst/>
+          </a:prstGeom>
+          <a:noFill/>
+        </p:spPr>
+        <p:txBody>
+          <a:bodyPr wrap="square" rtlCol="0">
+            <a:spAutoFit/>
+          </a:bodyPr>
+          <a:lstStyle/>
+          <a:p>
+            <a:pPr marL="285750" indent="-285750">
+              <a:spcAft>
+                <a:spcPts val="1200"/>
+              </a:spcAft>
+              <a:buFont typeface="Wingdings" panose="05000000000000000000" pitchFamily="2" charset="2"/>
+              <a:buChar char="q"/>
+            </a:pPr>
+            <a:r>
+              <a:rPr lang="it-IT" sz="1400" dirty="0">
+                <a:latin typeface="Poppins Light" panose="00000400000000000000" pitchFamily="2" charset="0"/>
+                <a:cs typeface="Poppins Light" panose="00000400000000000000" pitchFamily="2" charset="0"/>
+              </a:rPr>
+              <a:t>Qual è stato l’impatto dell’implementazione delle misure legislative e tecnologiche Europee sulla qualità dell’aria nell’agglomerato di Milano?</a:t>
+            </a:r>
+          </a:p>
+          <a:p>
+            <a:pPr marL="285750" indent="-285750">
+              <a:spcAft>
+                <a:spcPts val="1200"/>
+              </a:spcAft>
+              <a:buFont typeface="Wingdings" panose="05000000000000000000" pitchFamily="2" charset="2"/>
+              <a:buChar char="q"/>
+            </a:pPr>
+            <a:r>
+              <a:rPr lang="it-IT" sz="1400" dirty="0">
+                <a:latin typeface="Poppins Light" panose="00000400000000000000" pitchFamily="2" charset="0"/>
+                <a:cs typeface="Poppins Light" panose="00000400000000000000" pitchFamily="2" charset="0"/>
+              </a:rPr>
+              <a:t>Quali sono gli inquinanti più critici e quali i fattori che ne influenzano l’andamento stagionale?</a:t>
+            </a:r>
+          </a:p>
+        </p:txBody>
+      </p:sp>
+      <p:cxnSp>
+        <p:nvCxnSpPr>
+          <p:cNvPr id="4" name="Connettore diritto 3">
+            <a:extLst>
+              <a:ext uri="{FF2B5EF4-FFF2-40B4-BE49-F238E27FC236}">
+                <a16:creationId xmlns:a16="http://schemas.microsoft.com/office/drawing/2014/main" id="{51FD34F7-E331-45F9-984B-6D3860116CA5}"/>
+              </a:ext>
+            </a:extLst>
+          </p:cNvPr>
+          <p:cNvCxnSpPr>
+            <a:cxnSpLocks/>
+          </p:cNvCxnSpPr>
+          <p:nvPr/>
+        </p:nvCxnSpPr>
+        <p:spPr>
+          <a:xfrm>
+            <a:off x="772998" y="1134050"/>
+            <a:ext cx="3553469" cy="0"/>
+          </a:xfrm>
+          <a:prstGeom prst="line">
+            <a:avLst/>
+          </a:prstGeom>
+          <a:ln w="38100">
+            <a:solidFill>
+              <a:schemeClr val="accent2"/>
+            </a:solidFill>
+          </a:ln>
+        </p:spPr>
+        <p:style>
+          <a:lnRef idx="3">
+            <a:schemeClr val="accent2"/>
+          </a:lnRef>
+          <a:fillRef idx="0">
+            <a:schemeClr val="accent2"/>
+          </a:fillRef>
+          <a:effectRef idx="2">
+            <a:schemeClr val="accent2"/>
+          </a:effectRef>
+          <a:fontRef idx="minor">
+            <a:schemeClr val="tx1"/>
+          </a:fontRef>
+        </p:style>
+      </p:cxnSp>
+      <p:pic>
+        <p:nvPicPr>
+          <p:cNvPr id="7" name="Immagine 6" descr="Immagine che contiene interni, tavolo, tavolo da pranzo&#10;&#10;Descrizione generata automaticamente">
+            <a:extLst>
+              <a:ext uri="{FF2B5EF4-FFF2-40B4-BE49-F238E27FC236}">
+                <a16:creationId xmlns:a16="http://schemas.microsoft.com/office/drawing/2014/main" id="{0FA78F81-25EE-4C6B-BB5F-8F4184FAD4AA}"/>
+              </a:ext>
+            </a:extLst>
+          </p:cNvPr>
+          <p:cNvPicPr>
+            <a:picLocks noChangeAspect="1"/>
+          </p:cNvPicPr>
+          <p:nvPr/>
+        </p:nvPicPr>
+        <p:blipFill rotWithShape="1">
+          <a:blip r:embed="rId2">
+            <a:extLst>
+              <a:ext uri="{28A0092B-C50C-407E-A947-70E740481C1C}">
+                <a14:useLocalDpi xmlns:a14="http://schemas.microsoft.com/office/drawing/2010/main" val="0"/>
+              </a:ext>
+            </a:extLst>
+          </a:blip>
+          <a:srcRect l="14715" t="844" r="20403" b="3188"/>
+          <a:stretch/>
+        </p:blipFill>
+        <p:spPr>
+          <a:xfrm>
+            <a:off x="6240463" y="2060575"/>
+            <a:ext cx="5951537" cy="4287214"/>
+          </a:xfrm>
+          <a:prstGeom prst="rect">
+            <a:avLst/>
+          </a:prstGeom>
+        </p:spPr>
+      </p:pic>
+    </p:spTree>
+    <p:extLst>
+      <p:ext uri="{BB962C8B-B14F-4D97-AF65-F5344CB8AC3E}">
+        <p14:creationId xmlns:p14="http://schemas.microsoft.com/office/powerpoint/2010/main" val="139565122"/>
+      </p:ext>
+    </p:extLst>
+  </p:cSld>
+  <p:clrMapOvr>
+    <a:masterClrMapping/>
+  </p:clrMapOvr>
+</p:sld>
+</file>
+
+<file path=ppt/slides/slide4.xml><?xml version="1.0" encoding="utf-8"?>
+<p:sld xmlns:a="http://schemas.openxmlformats.org/drawingml/2006/main" xmlns:r="http://schemas.openxmlformats.org/officeDocument/2006/relationships" xmlns:p="http://schemas.openxmlformats.org/presentationml/2006/main">
+  <p:cSld>
+    <p:spTree>
+      <p:nvGrpSpPr>
+        <p:cNvPr id="1" name=""/>
+        <p:cNvGrpSpPr/>
+        <p:nvPr/>
+      </p:nvGrpSpPr>
+      <p:grpSpPr>
+        <a:xfrm>
+          <a:off x="0" y="0"/>
+          <a:ext cx="0" cy="0"/>
+          <a:chOff x="0" y="0"/>
+          <a:chExt cx="0" cy="0"/>
+        </a:xfrm>
+      </p:grpSpPr>
+      <p:sp>
+        <p:nvSpPr>
+          <p:cNvPr id="5" name="CasellaDiTesto 4">
+            <a:extLst>
+              <a:ext uri="{FF2B5EF4-FFF2-40B4-BE49-F238E27FC236}">
+                <a16:creationId xmlns:a16="http://schemas.microsoft.com/office/drawing/2014/main" id="{89B91983-B758-4281-AC68-D9F7AB480AD9}"/>
+              </a:ext>
+            </a:extLst>
+          </p:cNvPr>
+          <p:cNvSpPr txBox="1"/>
+          <p:nvPr/>
+        </p:nvSpPr>
+        <p:spPr>
+          <a:xfrm>
+            <a:off x="704849" y="549275"/>
+            <a:ext cx="10106026" cy="584775"/>
+          </a:xfrm>
+          <a:prstGeom prst="rect">
+            <a:avLst/>
+          </a:prstGeom>
+          <a:noFill/>
+        </p:spPr>
+        <p:txBody>
+          <a:bodyPr wrap="square" rtlCol="0">
+            <a:spAutoFit/>
+          </a:bodyPr>
+          <a:lstStyle/>
+          <a:p>
+            <a:r>
+              <a:rPr lang="it-IT" sz="3200" dirty="0">
+                <a:latin typeface="Lato Black" panose="020F0502020204030203" pitchFamily="34" charset="0"/>
+                <a:ea typeface="Lato Black" panose="020F0502020204030203" pitchFamily="34" charset="0"/>
+                <a:cs typeface="Lato Black" panose="020F0502020204030203" pitchFamily="34" charset="0"/>
+              </a:rPr>
+              <a:t>Dataset utilizzati</a:t>
+            </a:r>
+          </a:p>
+        </p:txBody>
+      </p:sp>
+      <p:cxnSp>
+        <p:nvCxnSpPr>
+          <p:cNvPr id="4" name="Connettore diritto 3">
+            <a:extLst>
+              <a:ext uri="{FF2B5EF4-FFF2-40B4-BE49-F238E27FC236}">
+                <a16:creationId xmlns:a16="http://schemas.microsoft.com/office/drawing/2014/main" id="{51FD34F7-E331-45F9-984B-6D3860116CA5}"/>
+              </a:ext>
+            </a:extLst>
+          </p:cNvPr>
+          <p:cNvCxnSpPr>
+            <a:cxnSpLocks/>
+          </p:cNvCxnSpPr>
+          <p:nvPr/>
+        </p:nvCxnSpPr>
+        <p:spPr>
+          <a:xfrm>
+            <a:off x="772998" y="1134050"/>
+            <a:ext cx="3070869" cy="0"/>
+          </a:xfrm>
+          <a:prstGeom prst="line">
+            <a:avLst/>
+          </a:prstGeom>
+          <a:ln w="38100">
+            <a:solidFill>
+              <a:schemeClr val="accent2"/>
+            </a:solidFill>
+          </a:ln>
+        </p:spPr>
+        <p:style>
+          <a:lnRef idx="3">
+            <a:schemeClr val="accent2"/>
+          </a:lnRef>
+          <a:fillRef idx="0">
+            <a:schemeClr val="accent2"/>
+          </a:fillRef>
+          <a:effectRef idx="2">
+            <a:schemeClr val="accent2"/>
+          </a:effectRef>
+          <a:fontRef idx="minor">
+            <a:schemeClr val="tx1"/>
+          </a:fontRef>
+        </p:style>
+      </p:cxnSp>
+      <p:sp>
+        <p:nvSpPr>
+          <p:cNvPr id="9" name="CasellaDiTesto 8">
+            <a:extLst>
+              <a:ext uri="{FF2B5EF4-FFF2-40B4-BE49-F238E27FC236}">
+                <a16:creationId xmlns:a16="http://schemas.microsoft.com/office/drawing/2014/main" id="{89A9D5A5-910A-400B-8068-47184E6EFF54}"/>
+              </a:ext>
+            </a:extLst>
+          </p:cNvPr>
+          <p:cNvSpPr txBox="1"/>
+          <p:nvPr/>
+        </p:nvSpPr>
+        <p:spPr>
+          <a:xfrm>
+            <a:off x="704847" y="2024062"/>
+            <a:ext cx="5246691" cy="4216539"/>
+          </a:xfrm>
+          <a:prstGeom prst="rect">
+            <a:avLst/>
+          </a:prstGeom>
+          <a:noFill/>
+        </p:spPr>
+        <p:txBody>
+          <a:bodyPr wrap="square" rtlCol="0">
+            <a:spAutoFit/>
+          </a:bodyPr>
+          <a:lstStyle/>
+          <a:p>
+            <a:pPr marL="285750" indent="-285750">
+              <a:spcAft>
+                <a:spcPts val="1200"/>
+              </a:spcAft>
+              <a:buFont typeface="Wingdings" panose="05000000000000000000" pitchFamily="2" charset="2"/>
+              <a:buChar char="q"/>
+            </a:pPr>
+            <a:r>
+              <a:rPr lang="it-IT" sz="1400" dirty="0">
+                <a:latin typeface="Poppins Light" panose="00000400000000000000" pitchFamily="2" charset="0"/>
+                <a:cs typeface="Poppins Light" panose="00000400000000000000" pitchFamily="2" charset="0"/>
+              </a:rPr>
+              <a:t>Dati sensori aria 2005 – 2021 (98M record): </a:t>
+            </a:r>
+            <a:r>
+              <a:rPr lang="it-IT" sz="1000" dirty="0">
+                <a:latin typeface="Poppins Light" panose="00000400000000000000" pitchFamily="2" charset="0"/>
+                <a:cs typeface="Poppins Light" panose="00000400000000000000" pitchFamily="2" charset="0"/>
+                <a:hlinkClick r:id="rId2"/>
+              </a:rPr>
+              <a:t>https://www.dati.lombardia.it/Government/ARPA-LOMBARDIA-elenco-dataset-pubblicati/8ask-gxyr/data</a:t>
+            </a:r>
+            <a:endParaRPr lang="it-IT" sz="1000" dirty="0">
+              <a:latin typeface="Poppins Light" panose="00000400000000000000" pitchFamily="2" charset="0"/>
+              <a:cs typeface="Poppins Light" panose="00000400000000000000" pitchFamily="2" charset="0"/>
+            </a:endParaRPr>
+          </a:p>
+          <a:p>
+            <a:pPr marL="285750" indent="-285750">
+              <a:spcAft>
+                <a:spcPts val="1200"/>
+              </a:spcAft>
+              <a:buFont typeface="Wingdings" panose="05000000000000000000" pitchFamily="2" charset="2"/>
+              <a:buChar char="q"/>
+            </a:pPr>
+            <a:r>
+              <a:rPr lang="it-IT" sz="1400" dirty="0">
+                <a:latin typeface="Poppins Light" panose="00000400000000000000" pitchFamily="2" charset="0"/>
+                <a:cs typeface="Poppins Light" panose="00000400000000000000" pitchFamily="2" charset="0"/>
+              </a:rPr>
+              <a:t>Stazioni qualità dell’aria: </a:t>
+            </a:r>
+            <a:r>
+              <a:rPr lang="it-IT" sz="1000" dirty="0">
+                <a:latin typeface="Poppins Light" panose="00000400000000000000" pitchFamily="2" charset="0"/>
+                <a:cs typeface="Poppins Light" panose="00000400000000000000" pitchFamily="2" charset="0"/>
+                <a:hlinkClick r:id="rId3"/>
+              </a:rPr>
+              <a:t>https://www.dati.lombardia.it/Ambiente/Stazioni-qualit-dell-aria/ib47-atvt</a:t>
+            </a:r>
+            <a:endParaRPr lang="it-IT" sz="1000" dirty="0">
+              <a:latin typeface="Poppins Light" panose="00000400000000000000" pitchFamily="2" charset="0"/>
+              <a:cs typeface="Poppins Light" panose="00000400000000000000" pitchFamily="2" charset="0"/>
+            </a:endParaRPr>
+          </a:p>
+          <a:p>
+            <a:pPr marL="285750" indent="-285750">
+              <a:spcAft>
+                <a:spcPts val="1200"/>
+              </a:spcAft>
+              <a:buFont typeface="Wingdings" panose="05000000000000000000" pitchFamily="2" charset="2"/>
+              <a:buChar char="q"/>
+            </a:pPr>
+            <a:r>
+              <a:rPr lang="it-IT" sz="1400" dirty="0">
+                <a:latin typeface="Poppins Light" panose="00000400000000000000" pitchFamily="2" charset="0"/>
+                <a:cs typeface="Poppins Light" panose="00000400000000000000" pitchFamily="2" charset="0"/>
+              </a:rPr>
+              <a:t>Dati sensori meteorologici 2005 – 2021 (300M record): </a:t>
+            </a:r>
+            <a:r>
+              <a:rPr lang="it-IT" sz="1000" dirty="0">
+                <a:latin typeface="Poppins Light" panose="00000400000000000000" pitchFamily="2" charset="0"/>
+                <a:cs typeface="Poppins Light" panose="00000400000000000000" pitchFamily="2" charset="0"/>
+                <a:hlinkClick r:id="rId4"/>
+              </a:rPr>
+              <a:t>https://www.dati.lombardia.it/Ambiente/Dati-sensori-meteo-2021/49n9-866s</a:t>
+            </a:r>
+            <a:endParaRPr lang="it-IT" sz="1000" dirty="0">
+              <a:latin typeface="Poppins Light" panose="00000400000000000000" pitchFamily="2" charset="0"/>
+              <a:cs typeface="Poppins Light" panose="00000400000000000000" pitchFamily="2" charset="0"/>
+            </a:endParaRPr>
+          </a:p>
+          <a:p>
+            <a:pPr marL="285750" indent="-285750">
+              <a:spcAft>
+                <a:spcPts val="1200"/>
+              </a:spcAft>
+              <a:buFont typeface="Wingdings" panose="05000000000000000000" pitchFamily="2" charset="2"/>
+              <a:buChar char="q"/>
+            </a:pPr>
+            <a:r>
+              <a:rPr lang="it-IT" sz="1400" dirty="0">
+                <a:latin typeface="Poppins Light" panose="00000400000000000000" pitchFamily="2" charset="0"/>
+                <a:cs typeface="Poppins Light" panose="00000400000000000000" pitchFamily="2" charset="0"/>
+              </a:rPr>
+              <a:t>Stazioni meteorologiche: </a:t>
+            </a:r>
+            <a:r>
+              <a:rPr lang="it-IT" sz="1000" dirty="0">
+                <a:latin typeface="Poppins Light" panose="00000400000000000000" pitchFamily="2" charset="0"/>
+                <a:cs typeface="Poppins Light" panose="00000400000000000000" pitchFamily="2" charset="0"/>
+                <a:hlinkClick r:id="rId5"/>
+              </a:rPr>
+              <a:t>https://www.dati.lombardia.it/Ambiente/Stazioni-Meteorologiche/nf78-nj6b</a:t>
+            </a:r>
+            <a:endParaRPr lang="it-IT" sz="1000" dirty="0">
+              <a:latin typeface="Poppins Light" panose="00000400000000000000" pitchFamily="2" charset="0"/>
+              <a:cs typeface="Poppins Light" panose="00000400000000000000" pitchFamily="2" charset="0"/>
+            </a:endParaRPr>
+          </a:p>
+          <a:p>
+            <a:pPr marL="285750" indent="-285750">
+              <a:spcAft>
+                <a:spcPts val="1200"/>
+              </a:spcAft>
+              <a:buFont typeface="Wingdings" panose="05000000000000000000" pitchFamily="2" charset="2"/>
+              <a:buChar char="q"/>
+            </a:pPr>
+            <a:r>
+              <a:rPr lang="it-IT" sz="1400" dirty="0">
+                <a:latin typeface="Poppins Light" panose="00000400000000000000" pitchFamily="2" charset="0"/>
+                <a:cs typeface="Poppins Light" panose="00000400000000000000" pitchFamily="2" charset="0"/>
+              </a:rPr>
+              <a:t>Dataset zonizzazione:</a:t>
+            </a:r>
+            <a:r>
+              <a:rPr lang="it-IT" sz="1400" b="1" dirty="0">
+                <a:latin typeface="Poppins Light" panose="00000400000000000000" pitchFamily="2" charset="0"/>
+                <a:cs typeface="Poppins Light" panose="00000400000000000000" pitchFamily="2" charset="0"/>
+              </a:rPr>
+              <a:t> </a:t>
+            </a:r>
+            <a:r>
+              <a:rPr lang="it-IT" sz="1000" dirty="0">
+                <a:latin typeface="Poppins Light" panose="00000400000000000000" pitchFamily="2" charset="0"/>
+                <a:cs typeface="Poppins Light" panose="00000400000000000000" pitchFamily="2" charset="0"/>
+                <a:hlinkClick r:id="rId6"/>
+              </a:rPr>
+              <a:t>https://www.arpalombardia.it/sites/DocumentCenter/Documents/ARIA-Rete-rilevamento/allegato%20dgr%20zonizzazione%202011.pdf</a:t>
+            </a:r>
+            <a:endParaRPr lang="it-IT" sz="1000" dirty="0">
+              <a:latin typeface="Poppins Light" panose="00000400000000000000" pitchFamily="2" charset="0"/>
+              <a:cs typeface="Poppins Light" panose="00000400000000000000" pitchFamily="2" charset="0"/>
+            </a:endParaRPr>
+          </a:p>
+          <a:p>
+            <a:pPr marL="285750" indent="-285750">
+              <a:spcAft>
+                <a:spcPts val="1200"/>
+              </a:spcAft>
+              <a:buFont typeface="Wingdings" panose="05000000000000000000" pitchFamily="2" charset="2"/>
+              <a:buChar char="q"/>
+            </a:pPr>
+            <a:r>
+              <a:rPr lang="it-IT" sz="1400" dirty="0">
+                <a:latin typeface="Poppins Light" panose="00000400000000000000" pitchFamily="2" charset="0"/>
+                <a:cs typeface="Poppins Light" panose="00000400000000000000" pitchFamily="2" charset="0"/>
+              </a:rPr>
+              <a:t>Dati sulle emissioni (dataset personalizzato): </a:t>
+            </a:r>
+            <a:r>
+              <a:rPr lang="it-IT" sz="1000" dirty="0">
+                <a:latin typeface="Poppins Light" panose="00000400000000000000" pitchFamily="2" charset="0"/>
+                <a:cs typeface="Poppins Light" panose="00000400000000000000" pitchFamily="2" charset="0"/>
+                <a:hlinkClick r:id="rId7"/>
+              </a:rPr>
+              <a:t>https://inemar.arpalombardia.it/inemar/webdata/main.seam</a:t>
+            </a:r>
+            <a:endParaRPr lang="it-IT" sz="1000" dirty="0">
+              <a:latin typeface="Poppins Light" panose="00000400000000000000" pitchFamily="2" charset="0"/>
+              <a:cs typeface="Poppins Light" panose="00000400000000000000" pitchFamily="2" charset="0"/>
+            </a:endParaRPr>
+          </a:p>
+          <a:p>
+            <a:pPr marL="285750" indent="-285750">
+              <a:spcAft>
+                <a:spcPts val="1200"/>
+              </a:spcAft>
+              <a:buFont typeface="Wingdings" panose="05000000000000000000" pitchFamily="2" charset="2"/>
+              <a:buChar char="q"/>
+            </a:pPr>
+            <a:r>
+              <a:rPr lang="it-IT" sz="1400" dirty="0">
+                <a:latin typeface="Poppins Light" panose="00000400000000000000" pitchFamily="2" charset="0"/>
+                <a:cs typeface="Poppins Light" panose="00000400000000000000" pitchFamily="2" charset="0"/>
+              </a:rPr>
+              <a:t>Tabella indice di qualità dell’aria (IQA): </a:t>
+            </a:r>
+            <a:r>
+              <a:rPr lang="it-IT" sz="1000" dirty="0">
+                <a:latin typeface="Poppins Light" panose="00000400000000000000" pitchFamily="2" charset="0"/>
+                <a:cs typeface="Poppins Light" panose="00000400000000000000" pitchFamily="2" charset="0"/>
+                <a:hlinkClick r:id="rId8"/>
+              </a:rPr>
+              <a:t>https://www.arpalombardia.it/Pages/Aria/Modellistica/Indice-qualit%C3%A0-aria.aspx?firstlevel=Modellistica</a:t>
+            </a:r>
+            <a:endParaRPr lang="it-IT" sz="1000" dirty="0">
+              <a:latin typeface="Poppins Light" panose="00000400000000000000" pitchFamily="2" charset="0"/>
+              <a:cs typeface="Poppins Light" panose="00000400000000000000" pitchFamily="2" charset="0"/>
+            </a:endParaRPr>
+          </a:p>
+        </p:txBody>
+      </p:sp>
+    </p:spTree>
+    <p:extLst>
+      <p:ext uri="{BB962C8B-B14F-4D97-AF65-F5344CB8AC3E}">
+        <p14:creationId xmlns:p14="http://schemas.microsoft.com/office/powerpoint/2010/main" val="1083919291"/>
+      </p:ext>
+    </p:extLst>
+  </p:cSld>
+  <p:clrMapOvr>
+    <a:masterClrMapping/>
+  </p:clrMapOvr>
+</p:sld>
+</file>
+
+<file path=ppt/slides/slide5.xml><?xml version="1.0" encoding="utf-8"?>
+<p:sld xmlns:a="http://schemas.openxmlformats.org/drawingml/2006/main" xmlns:r="http://schemas.openxmlformats.org/officeDocument/2006/relationships" xmlns:p="http://schemas.openxmlformats.org/presentationml/2006/main">
+  <p:cSld>
+    <p:spTree>
+      <p:nvGrpSpPr>
+        <p:cNvPr id="1" name=""/>
+        <p:cNvGrpSpPr/>
+        <p:nvPr/>
+      </p:nvGrpSpPr>
+      <p:grpSpPr>
+        <a:xfrm>
+          <a:off x="0" y="0"/>
+          <a:ext cx="0" cy="0"/>
+          <a:chOff x="0" y="0"/>
+          <a:chExt cx="0" cy="0"/>
+        </a:xfrm>
+      </p:grpSpPr>
+      <p:sp>
+        <p:nvSpPr>
+          <p:cNvPr id="5" name="CasellaDiTesto 4">
+            <a:extLst>
+              <a:ext uri="{FF2B5EF4-FFF2-40B4-BE49-F238E27FC236}">
+                <a16:creationId xmlns:a16="http://schemas.microsoft.com/office/drawing/2014/main" id="{89B91983-B758-4281-AC68-D9F7AB480AD9}"/>
+              </a:ext>
+            </a:extLst>
+          </p:cNvPr>
+          <p:cNvSpPr txBox="1"/>
+          <p:nvPr/>
+        </p:nvSpPr>
+        <p:spPr>
+          <a:xfrm>
+            <a:off x="704849" y="549275"/>
+            <a:ext cx="10106026" cy="584775"/>
+          </a:xfrm>
+          <a:prstGeom prst="rect">
+            <a:avLst/>
+          </a:prstGeom>
+          <a:noFill/>
+        </p:spPr>
+        <p:txBody>
+          <a:bodyPr wrap="square" rtlCol="0">
+            <a:spAutoFit/>
+          </a:bodyPr>
+          <a:lstStyle/>
+          <a:p>
+            <a:r>
+              <a:rPr lang="it-IT" sz="3200" dirty="0">
+                <a:latin typeface="Lato Black" panose="020F0502020204030203" pitchFamily="34" charset="0"/>
+                <a:ea typeface="Lato Black" panose="020F0502020204030203" pitchFamily="34" charset="0"/>
+                <a:cs typeface="Lato Black" panose="020F0502020204030203" pitchFamily="34" charset="0"/>
+              </a:rPr>
+              <a:t>Descrizione datasets principali</a:t>
+            </a:r>
+          </a:p>
+        </p:txBody>
+      </p:sp>
+      <p:cxnSp>
+        <p:nvCxnSpPr>
+          <p:cNvPr id="4" name="Connettore diritto 3">
+            <a:extLst>
+              <a:ext uri="{FF2B5EF4-FFF2-40B4-BE49-F238E27FC236}">
+                <a16:creationId xmlns:a16="http://schemas.microsoft.com/office/drawing/2014/main" id="{51FD34F7-E331-45F9-984B-6D3860116CA5}"/>
+              </a:ext>
+            </a:extLst>
+          </p:cNvPr>
+          <p:cNvCxnSpPr>
+            <a:cxnSpLocks/>
+          </p:cNvCxnSpPr>
+          <p:nvPr/>
+        </p:nvCxnSpPr>
+        <p:spPr>
+          <a:xfrm>
+            <a:off x="772998" y="1134050"/>
+            <a:ext cx="9420869" cy="0"/>
+          </a:xfrm>
+          <a:prstGeom prst="line">
+            <a:avLst/>
+          </a:prstGeom>
+          <a:ln w="38100">
+            <a:solidFill>
+              <a:schemeClr val="accent2"/>
+            </a:solidFill>
+          </a:ln>
+        </p:spPr>
+        <p:style>
+          <a:lnRef idx="3">
+            <a:schemeClr val="accent2"/>
+          </a:lnRef>
+          <a:fillRef idx="0">
+            <a:schemeClr val="accent2"/>
+          </a:fillRef>
+          <a:effectRef idx="2">
+            <a:schemeClr val="accent2"/>
+          </a:effectRef>
+          <a:fontRef idx="minor">
+            <a:schemeClr val="tx1"/>
+          </a:fontRef>
+        </p:style>
+      </p:cxnSp>
+      <p:sp>
+        <p:nvSpPr>
+          <p:cNvPr id="9" name="CasellaDiTesto 8">
+            <a:extLst>
+              <a:ext uri="{FF2B5EF4-FFF2-40B4-BE49-F238E27FC236}">
+                <a16:creationId xmlns:a16="http://schemas.microsoft.com/office/drawing/2014/main" id="{89A9D5A5-910A-400B-8068-47184E6EFF54}"/>
+              </a:ext>
+            </a:extLst>
+          </p:cNvPr>
+          <p:cNvSpPr txBox="1"/>
+          <p:nvPr/>
+        </p:nvSpPr>
+        <p:spPr>
+          <a:xfrm>
+            <a:off x="704847" y="2024062"/>
+            <a:ext cx="5246691" cy="4201150"/>
+          </a:xfrm>
+          <a:prstGeom prst="rect">
+            <a:avLst/>
+          </a:prstGeom>
+          <a:noFill/>
+        </p:spPr>
+        <p:txBody>
+          <a:bodyPr wrap="square" rtlCol="0">
+            <a:spAutoFit/>
+          </a:bodyPr>
+          <a:lstStyle/>
+          <a:p>
+            <a:pPr marL="285750" indent="-285750">
+              <a:spcAft>
+                <a:spcPts val="1200"/>
+              </a:spcAft>
+              <a:buFont typeface="Wingdings" panose="05000000000000000000" pitchFamily="2" charset="2"/>
+              <a:buChar char="q"/>
+            </a:pPr>
+            <a:r>
+              <a:rPr lang="it-IT" sz="1400" dirty="0">
+                <a:latin typeface="Poppins Light" panose="00000400000000000000" pitchFamily="2" charset="0"/>
+                <a:cs typeface="Poppins Light" panose="00000400000000000000" pitchFamily="2" charset="0"/>
+              </a:rPr>
+              <a:t>I dataset </a:t>
+            </a:r>
+            <a:r>
+              <a:rPr lang="it-IT" sz="1400" b="1" dirty="0">
+                <a:latin typeface="Poppins Light" panose="00000400000000000000" pitchFamily="2" charset="0"/>
+                <a:cs typeface="Poppins Light" panose="00000400000000000000" pitchFamily="2" charset="0"/>
+              </a:rPr>
+              <a:t>Dati sensori aria </a:t>
+            </a:r>
+            <a:r>
+              <a:rPr lang="it-IT" sz="1400" dirty="0">
+                <a:latin typeface="Poppins Light" panose="00000400000000000000" pitchFamily="2" charset="0"/>
+                <a:cs typeface="Poppins Light" panose="00000400000000000000" pitchFamily="2" charset="0"/>
+              </a:rPr>
+              <a:t>riportano i valori misurati dai sensori nei diversi anni.</a:t>
+            </a:r>
+          </a:p>
+          <a:p>
+            <a:pPr marL="742950" lvl="1" indent="-285750">
+              <a:spcAft>
+                <a:spcPts val="1200"/>
+              </a:spcAft>
+              <a:buFont typeface="Arial" panose="020B0604020202020204" pitchFamily="34" charset="0"/>
+              <a:buChar char="•"/>
+            </a:pPr>
+            <a:r>
+              <a:rPr lang="it-IT" sz="1100" dirty="0">
+                <a:latin typeface="Poppins Light" panose="00000400000000000000" pitchFamily="2" charset="0"/>
+                <a:cs typeface="Poppins Light" panose="00000400000000000000" pitchFamily="2" charset="0"/>
+              </a:rPr>
+              <a:t>Rilevazione di ogni sensore per ogni istante (</a:t>
+            </a:r>
+            <a:r>
+              <a:rPr lang="it-IT" sz="1100" dirty="0" err="1">
+                <a:latin typeface="Poppins Light" panose="00000400000000000000" pitchFamily="2" charset="0"/>
+                <a:cs typeface="Poppins Light" panose="00000400000000000000" pitchFamily="2" charset="0"/>
+              </a:rPr>
+              <a:t>IdSensore</a:t>
+            </a:r>
+            <a:r>
+              <a:rPr lang="it-IT" sz="1100" dirty="0">
+                <a:latin typeface="Poppins Light" panose="00000400000000000000" pitchFamily="2" charset="0"/>
+                <a:cs typeface="Poppins Light" panose="00000400000000000000" pitchFamily="2" charset="0"/>
+              </a:rPr>
+              <a:t>, Valore, Data) con frequenza oraria (NO2, SO2, O3) e giornaliera (PM)</a:t>
+            </a:r>
+          </a:p>
+          <a:p>
+            <a:pPr marL="742950" lvl="1" indent="-285750">
+              <a:spcAft>
+                <a:spcPts val="1200"/>
+              </a:spcAft>
+              <a:buFont typeface="Arial" panose="020B0604020202020204" pitchFamily="34" charset="0"/>
+              <a:buChar char="•"/>
+            </a:pPr>
+            <a:r>
+              <a:rPr lang="it-IT" sz="1100" dirty="0">
+                <a:latin typeface="Poppins Light" panose="00000400000000000000" pitchFamily="2" charset="0"/>
+                <a:cs typeface="Poppins Light" panose="00000400000000000000" pitchFamily="2" charset="0"/>
+              </a:rPr>
+              <a:t>Indicazioni sulla validità del dato e se si tratta di un dato aggregato (Stato, </a:t>
+            </a:r>
+            <a:r>
+              <a:rPr lang="it-IT" sz="1100" dirty="0" err="1">
+                <a:latin typeface="Poppins Light" panose="00000400000000000000" pitchFamily="2" charset="0"/>
+                <a:cs typeface="Poppins Light" panose="00000400000000000000" pitchFamily="2" charset="0"/>
+              </a:rPr>
+              <a:t>idOperatore</a:t>
+            </a:r>
+            <a:r>
+              <a:rPr lang="it-IT" sz="1100" dirty="0">
+                <a:latin typeface="Poppins Light" panose="00000400000000000000" pitchFamily="2" charset="0"/>
+                <a:cs typeface="Poppins Light" panose="00000400000000000000" pitchFamily="2" charset="0"/>
+              </a:rPr>
+              <a:t>)</a:t>
+            </a:r>
+          </a:p>
+          <a:p>
+            <a:pPr marL="285750" indent="-285750">
+              <a:spcAft>
+                <a:spcPts val="1200"/>
+              </a:spcAft>
+              <a:buFont typeface="Wingdings" panose="05000000000000000000" pitchFamily="2" charset="2"/>
+              <a:buChar char="q"/>
+            </a:pPr>
+            <a:r>
+              <a:rPr lang="it-IT" sz="1400" b="1" dirty="0">
+                <a:latin typeface="Poppins Light" panose="00000400000000000000" pitchFamily="2" charset="0"/>
+                <a:cs typeface="Poppins Light" panose="00000400000000000000" pitchFamily="2" charset="0"/>
+              </a:rPr>
+              <a:t>Stazioni qualità dell’aria </a:t>
+            </a:r>
+            <a:r>
+              <a:rPr lang="it-IT" sz="1400" dirty="0">
+                <a:latin typeface="Poppins Light" panose="00000400000000000000" pitchFamily="2" charset="0"/>
+                <a:cs typeface="Poppins Light" panose="00000400000000000000" pitchFamily="2" charset="0"/>
+              </a:rPr>
+              <a:t>contiene uno storico dei sensori installati negli anni sul suolo lombardo</a:t>
+            </a:r>
+          </a:p>
+          <a:p>
+            <a:pPr marL="742950" lvl="1" indent="-285750">
+              <a:spcAft>
+                <a:spcPts val="1200"/>
+              </a:spcAft>
+              <a:buFont typeface="Arial" panose="020B0604020202020204" pitchFamily="34" charset="0"/>
+              <a:buChar char="•"/>
+            </a:pPr>
+            <a:r>
+              <a:rPr lang="it-IT" sz="1100" dirty="0">
+                <a:latin typeface="Poppins Light" panose="00000400000000000000" pitchFamily="2" charset="0"/>
+                <a:cs typeface="Poppins Light" panose="00000400000000000000" pitchFamily="2" charset="0"/>
+              </a:rPr>
+              <a:t>Attributi che identificano il sensore (</a:t>
+            </a:r>
+            <a:r>
+              <a:rPr lang="it-IT" sz="1100" dirty="0" err="1">
+                <a:latin typeface="Poppins Light" panose="00000400000000000000" pitchFamily="2" charset="0"/>
+                <a:cs typeface="Poppins Light" panose="00000400000000000000" pitchFamily="2" charset="0"/>
+              </a:rPr>
+              <a:t>IdSensore</a:t>
+            </a:r>
+            <a:r>
+              <a:rPr lang="it-IT" sz="1100" dirty="0">
+                <a:latin typeface="Poppins Light" panose="00000400000000000000" pitchFamily="2" charset="0"/>
+                <a:cs typeface="Poppins Light" panose="00000400000000000000" pitchFamily="2" charset="0"/>
+              </a:rPr>
+              <a:t>, </a:t>
+            </a:r>
+            <a:r>
+              <a:rPr lang="it-IT" sz="1100" dirty="0" err="1">
+                <a:latin typeface="Poppins Light" panose="00000400000000000000" pitchFamily="2" charset="0"/>
+                <a:cs typeface="Poppins Light" panose="00000400000000000000" pitchFamily="2" charset="0"/>
+              </a:rPr>
+              <a:t>NomeTipoSensore</a:t>
+            </a:r>
+            <a:r>
+              <a:rPr lang="it-IT" sz="1100" dirty="0">
+                <a:latin typeface="Poppins Light" panose="00000400000000000000" pitchFamily="2" charset="0"/>
+                <a:cs typeface="Poppins Light" panose="00000400000000000000" pitchFamily="2" charset="0"/>
+              </a:rPr>
+              <a:t>, </a:t>
+            </a:r>
+            <a:r>
+              <a:rPr lang="it-IT" sz="1100" dirty="0" err="1">
+                <a:latin typeface="Poppins Light" panose="00000400000000000000" pitchFamily="2" charset="0"/>
+                <a:cs typeface="Poppins Light" panose="00000400000000000000" pitchFamily="2" charset="0"/>
+              </a:rPr>
+              <a:t>UnitaMisura</a:t>
+            </a:r>
+            <a:r>
+              <a:rPr lang="it-IT" sz="1100" dirty="0">
+                <a:latin typeface="Poppins Light" panose="00000400000000000000" pitchFamily="2" charset="0"/>
+                <a:cs typeface="Poppins Light" panose="00000400000000000000" pitchFamily="2" charset="0"/>
+              </a:rPr>
+              <a:t>)</a:t>
+            </a:r>
+          </a:p>
+          <a:p>
+            <a:pPr marL="742950" lvl="1" indent="-285750">
+              <a:spcAft>
+                <a:spcPts val="1200"/>
+              </a:spcAft>
+              <a:buFont typeface="Arial" panose="020B0604020202020204" pitchFamily="34" charset="0"/>
+              <a:buChar char="•"/>
+            </a:pPr>
+            <a:r>
+              <a:rPr lang="it-IT" sz="1100" dirty="0">
+                <a:latin typeface="Poppins Light" panose="00000400000000000000" pitchFamily="2" charset="0"/>
+                <a:cs typeface="Poppins Light" panose="00000400000000000000" pitchFamily="2" charset="0"/>
+              </a:rPr>
+              <a:t>Attributi che identificano la stazione (</a:t>
+            </a:r>
+            <a:r>
+              <a:rPr lang="it-IT" sz="1100" dirty="0" err="1">
+                <a:latin typeface="Poppins Light" panose="00000400000000000000" pitchFamily="2" charset="0"/>
+                <a:cs typeface="Poppins Light" panose="00000400000000000000" pitchFamily="2" charset="0"/>
+              </a:rPr>
+              <a:t>IdStazione</a:t>
+            </a:r>
+            <a:r>
+              <a:rPr lang="it-IT" sz="1100" dirty="0">
+                <a:latin typeface="Poppins Light" panose="00000400000000000000" pitchFamily="2" charset="0"/>
+                <a:cs typeface="Poppins Light" panose="00000400000000000000" pitchFamily="2" charset="0"/>
+              </a:rPr>
+              <a:t>, </a:t>
+            </a:r>
+            <a:r>
+              <a:rPr lang="it-IT" sz="1100" dirty="0" err="1">
+                <a:latin typeface="Poppins Light" panose="00000400000000000000" pitchFamily="2" charset="0"/>
+                <a:cs typeface="Poppins Light" panose="00000400000000000000" pitchFamily="2" charset="0"/>
+              </a:rPr>
+              <a:t>NomeStazione</a:t>
+            </a:r>
+            <a:r>
+              <a:rPr lang="it-IT" sz="1100" dirty="0">
+                <a:latin typeface="Poppins Light" panose="00000400000000000000" pitchFamily="2" charset="0"/>
+                <a:cs typeface="Poppins Light" panose="00000400000000000000" pitchFamily="2" charset="0"/>
+              </a:rPr>
+              <a:t>, </a:t>
+            </a:r>
+            <a:r>
+              <a:rPr lang="it-IT" sz="1100" dirty="0" err="1">
+                <a:latin typeface="Poppins Light" panose="00000400000000000000" pitchFamily="2" charset="0"/>
+                <a:cs typeface="Poppins Light" panose="00000400000000000000" pitchFamily="2" charset="0"/>
+              </a:rPr>
+              <a:t>DataStart</a:t>
+            </a:r>
+            <a:r>
+              <a:rPr lang="it-IT" sz="1100" dirty="0">
+                <a:latin typeface="Poppins Light" panose="00000400000000000000" pitchFamily="2" charset="0"/>
+                <a:cs typeface="Poppins Light" panose="00000400000000000000" pitchFamily="2" charset="0"/>
+              </a:rPr>
+              <a:t>, </a:t>
+            </a:r>
+            <a:r>
+              <a:rPr lang="it-IT" sz="1100" dirty="0" err="1">
+                <a:latin typeface="Poppins Light" panose="00000400000000000000" pitchFamily="2" charset="0"/>
+                <a:cs typeface="Poppins Light" panose="00000400000000000000" pitchFamily="2" charset="0"/>
+              </a:rPr>
+              <a:t>DataStop</a:t>
+            </a:r>
+            <a:r>
+              <a:rPr lang="it-IT" sz="1100" dirty="0">
+                <a:latin typeface="Poppins Light" panose="00000400000000000000" pitchFamily="2" charset="0"/>
+                <a:cs typeface="Poppins Light" panose="00000400000000000000" pitchFamily="2" charset="0"/>
+              </a:rPr>
+              <a:t>)</a:t>
+            </a:r>
+          </a:p>
+          <a:p>
+            <a:pPr marL="742950" lvl="1" indent="-285750">
+              <a:spcAft>
+                <a:spcPts val="1200"/>
+              </a:spcAft>
+              <a:buFont typeface="Arial" panose="020B0604020202020204" pitchFamily="34" charset="0"/>
+              <a:buChar char="•"/>
+            </a:pPr>
+            <a:r>
+              <a:rPr lang="it-IT" sz="1100" dirty="0">
+                <a:latin typeface="Poppins Light" panose="00000400000000000000" pitchFamily="2" charset="0"/>
+                <a:cs typeface="Poppins Light" panose="00000400000000000000" pitchFamily="2" charset="0"/>
+              </a:rPr>
+              <a:t>Attributi di localizzazione (Provincia, Comune, </a:t>
+            </a:r>
+            <a:r>
+              <a:rPr lang="it-IT" sz="1100" dirty="0" err="1">
+                <a:latin typeface="Poppins Light" panose="00000400000000000000" pitchFamily="2" charset="0"/>
+                <a:cs typeface="Poppins Light" panose="00000400000000000000" pitchFamily="2" charset="0"/>
+              </a:rPr>
+              <a:t>Lat</a:t>
+            </a:r>
+            <a:r>
+              <a:rPr lang="it-IT" sz="1100" dirty="0">
+                <a:latin typeface="Poppins Light" panose="00000400000000000000" pitchFamily="2" charset="0"/>
+                <a:cs typeface="Poppins Light" panose="00000400000000000000" pitchFamily="2" charset="0"/>
+              </a:rPr>
+              <a:t>, </a:t>
+            </a:r>
+            <a:r>
+              <a:rPr lang="it-IT" sz="1100" dirty="0" err="1">
+                <a:latin typeface="Poppins Light" panose="00000400000000000000" pitchFamily="2" charset="0"/>
+                <a:cs typeface="Poppins Light" panose="00000400000000000000" pitchFamily="2" charset="0"/>
+              </a:rPr>
+              <a:t>Lng</a:t>
+            </a:r>
+            <a:r>
+              <a:rPr lang="it-IT" sz="1100" dirty="0">
+                <a:latin typeface="Poppins Light" panose="00000400000000000000" pitchFamily="2" charset="0"/>
+                <a:cs typeface="Poppins Light" panose="00000400000000000000" pitchFamily="2" charset="0"/>
+              </a:rPr>
+              <a:t> e Quota)</a:t>
+            </a:r>
+          </a:p>
+          <a:p>
+            <a:pPr marL="285750" indent="-285750">
+              <a:spcAft>
+                <a:spcPts val="1200"/>
+              </a:spcAft>
+              <a:buFont typeface="Wingdings" panose="05000000000000000000" pitchFamily="2" charset="2"/>
+              <a:buChar char="q"/>
+            </a:pPr>
+            <a:r>
+              <a:rPr lang="it-IT" sz="1400" dirty="0">
+                <a:latin typeface="Poppins Light" panose="00000400000000000000" pitchFamily="2" charset="0"/>
+                <a:cs typeface="Poppins Light" panose="00000400000000000000" pitchFamily="2" charset="0"/>
+              </a:rPr>
+              <a:t>Il dataset </a:t>
+            </a:r>
+            <a:r>
+              <a:rPr lang="it-IT" sz="1400" b="1" dirty="0">
+                <a:latin typeface="Poppins Light" panose="00000400000000000000" pitchFamily="2" charset="0"/>
+                <a:cs typeface="Poppins Light" panose="00000400000000000000" pitchFamily="2" charset="0"/>
+              </a:rPr>
+              <a:t>zonizzazione</a:t>
+            </a:r>
+            <a:r>
+              <a:rPr lang="it-IT" sz="1400" dirty="0">
+                <a:latin typeface="Poppins Light" panose="00000400000000000000" pitchFamily="2" charset="0"/>
+                <a:cs typeface="Poppins Light" panose="00000400000000000000" pitchFamily="2" charset="0"/>
+              </a:rPr>
+              <a:t> l’abbiamo ricavato a partire dal PDF «ZONIZZAZIONE DEL TERRITORIO REGIONALE …» che riporta tutti i comuni lombardi</a:t>
+            </a:r>
+          </a:p>
+        </p:txBody>
+      </p:sp>
+      <p:pic>
+        <p:nvPicPr>
+          <p:cNvPr id="7" name="Immagine 6">
+            <a:extLst>
+              <a:ext uri="{FF2B5EF4-FFF2-40B4-BE49-F238E27FC236}">
+                <a16:creationId xmlns:a16="http://schemas.microsoft.com/office/drawing/2014/main" id="{5A35402B-59D9-407D-9316-4D0E6208B3EF}"/>
+              </a:ext>
+            </a:extLst>
+          </p:cNvPr>
+          <p:cNvPicPr>
+            <a:picLocks noChangeAspect="1"/>
+          </p:cNvPicPr>
+          <p:nvPr/>
+        </p:nvPicPr>
+        <p:blipFill>
+          <a:blip r:embed="rId2">
+            <a:extLst>
+              <a:ext uri="{28A0092B-C50C-407E-A947-70E740481C1C}">
+                <a14:useLocalDpi xmlns:a14="http://schemas.microsoft.com/office/drawing/2010/main" val="0"/>
+              </a:ext>
+            </a:extLst>
+          </a:blip>
+          <a:stretch>
+            <a:fillRect/>
+          </a:stretch>
+        </p:blipFill>
+        <p:spPr>
+          <a:xfrm>
+            <a:off x="6938151" y="2024062"/>
+            <a:ext cx="4781779" cy="4375844"/>
+          </a:xfrm>
+          <a:prstGeom prst="rect">
+            <a:avLst/>
+          </a:prstGeom>
+        </p:spPr>
+      </p:pic>
+    </p:spTree>
+    <p:extLst>
+      <p:ext uri="{BB962C8B-B14F-4D97-AF65-F5344CB8AC3E}">
+        <p14:creationId xmlns:p14="http://schemas.microsoft.com/office/powerpoint/2010/main" val="3805108822"/>
+      </p:ext>
+    </p:extLst>
+  </p:cSld>
+  <p:clrMapOvr>
+    <a:masterClrMapping/>
+  </p:clrMapOvr>
+</p:sld>
+</file>
+
+<file path=ppt/slides/slide6.xml><?xml version="1.0" encoding="utf-8"?>
+<p:sld xmlns:a="http://schemas.openxmlformats.org/drawingml/2006/main" xmlns:r="http://schemas.openxmlformats.org/officeDocument/2006/relationships" xmlns:p="http://schemas.openxmlformats.org/presentationml/2006/main">
+  <p:cSld>
+    <p:spTree>
+      <p:nvGrpSpPr>
+        <p:cNvPr id="1" name=""/>
+        <p:cNvGrpSpPr/>
+        <p:nvPr/>
+      </p:nvGrpSpPr>
+      <p:grpSpPr>
+        <a:xfrm>
+          <a:off x="0" y="0"/>
+          <a:ext cx="0" cy="0"/>
+          <a:chOff x="0" y="0"/>
+          <a:chExt cx="0" cy="0"/>
+        </a:xfrm>
+      </p:grpSpPr>
+      <p:sp>
+        <p:nvSpPr>
+          <p:cNvPr id="5" name="CasellaDiTesto 4">
+            <a:extLst>
+              <a:ext uri="{FF2B5EF4-FFF2-40B4-BE49-F238E27FC236}">
+                <a16:creationId xmlns:a16="http://schemas.microsoft.com/office/drawing/2014/main" id="{89B91983-B758-4281-AC68-D9F7AB480AD9}"/>
+              </a:ext>
+            </a:extLst>
+          </p:cNvPr>
+          <p:cNvSpPr txBox="1"/>
+          <p:nvPr/>
+        </p:nvSpPr>
+        <p:spPr>
+          <a:xfrm>
+            <a:off x="704849" y="549275"/>
+            <a:ext cx="10106026" cy="584775"/>
+          </a:xfrm>
+          <a:prstGeom prst="rect">
+            <a:avLst/>
+          </a:prstGeom>
+          <a:noFill/>
+        </p:spPr>
+        <p:txBody>
+          <a:bodyPr wrap="square" rtlCol="0">
+            <a:spAutoFit/>
+          </a:bodyPr>
+          <a:lstStyle/>
+          <a:p>
+            <a:r>
+              <a:rPr lang="it-IT" sz="3200" dirty="0">
+                <a:latin typeface="Lato Black" panose="020F0502020204030203" pitchFamily="34" charset="0"/>
+                <a:ea typeface="Lato Black" panose="020F0502020204030203" pitchFamily="34" charset="0"/>
+                <a:cs typeface="Lato Black" panose="020F0502020204030203" pitchFamily="34" charset="0"/>
+              </a:rPr>
+              <a:t>Operazioni sui datasets principali</a:t>
+            </a:r>
+          </a:p>
+        </p:txBody>
+      </p:sp>
+      <p:cxnSp>
+        <p:nvCxnSpPr>
+          <p:cNvPr id="4" name="Connettore diritto 3">
+            <a:extLst>
+              <a:ext uri="{FF2B5EF4-FFF2-40B4-BE49-F238E27FC236}">
+                <a16:creationId xmlns:a16="http://schemas.microsoft.com/office/drawing/2014/main" id="{51FD34F7-E331-45F9-984B-6D3860116CA5}"/>
+              </a:ext>
+            </a:extLst>
+          </p:cNvPr>
+          <p:cNvCxnSpPr>
+            <a:cxnSpLocks/>
+          </p:cNvCxnSpPr>
+          <p:nvPr/>
+        </p:nvCxnSpPr>
+        <p:spPr>
+          <a:xfrm>
+            <a:off x="772998" y="1134050"/>
+            <a:ext cx="5560069" cy="0"/>
+          </a:xfrm>
+          <a:prstGeom prst="line">
+            <a:avLst/>
+          </a:prstGeom>
+          <a:ln w="38100">
+            <a:solidFill>
+              <a:schemeClr val="accent2"/>
+            </a:solidFill>
+          </a:ln>
+        </p:spPr>
+        <p:style>
+          <a:lnRef idx="3">
+            <a:schemeClr val="accent2"/>
+          </a:lnRef>
+          <a:fillRef idx="0">
+            <a:schemeClr val="accent2"/>
+          </a:fillRef>
+          <a:effectRef idx="2">
+            <a:schemeClr val="accent2"/>
+          </a:effectRef>
+          <a:fontRef idx="minor">
+            <a:schemeClr val="tx1"/>
+          </a:fontRef>
+        </p:style>
+      </p:cxnSp>
+      <p:sp>
+        <p:nvSpPr>
+          <p:cNvPr id="9" name="CasellaDiTesto 8">
+            <a:extLst>
+              <a:ext uri="{FF2B5EF4-FFF2-40B4-BE49-F238E27FC236}">
+                <a16:creationId xmlns:a16="http://schemas.microsoft.com/office/drawing/2014/main" id="{89A9D5A5-910A-400B-8068-47184E6EFF54}"/>
+              </a:ext>
+            </a:extLst>
+          </p:cNvPr>
+          <p:cNvSpPr txBox="1"/>
+          <p:nvPr/>
+        </p:nvSpPr>
+        <p:spPr>
+          <a:xfrm>
+            <a:off x="704847" y="2024062"/>
+            <a:ext cx="5246691" cy="954107"/>
+          </a:xfrm>
+          <a:prstGeom prst="rect">
+            <a:avLst/>
+          </a:prstGeom>
+          <a:noFill/>
+        </p:spPr>
+        <p:txBody>
+          <a:bodyPr wrap="square" rtlCol="0">
+            <a:spAutoFit/>
+          </a:bodyPr>
+          <a:lstStyle/>
+          <a:p>
+            <a:pPr marL="285750" indent="-285750">
+              <a:spcAft>
+                <a:spcPts val="1200"/>
+              </a:spcAft>
+              <a:buFont typeface="Wingdings" panose="05000000000000000000" pitchFamily="2" charset="2"/>
+              <a:buChar char="q"/>
+            </a:pPr>
+            <a:r>
+              <a:rPr lang="it-IT" sz="1400" dirty="0">
+                <a:latin typeface="Poppins Light" panose="00000400000000000000" pitchFamily="2" charset="0"/>
+                <a:cs typeface="Poppins Light" panose="00000400000000000000" pitchFamily="2" charset="0"/>
+              </a:rPr>
+              <a:t>Esplorazione e pulizia dei valori rilevati dai sensori:</a:t>
+            </a:r>
+          </a:p>
+          <a:p>
+            <a:pPr marL="742950" lvl="1" indent="-285750">
+              <a:spcAft>
+                <a:spcPts val="1200"/>
+              </a:spcAft>
+              <a:buFont typeface="Arial" panose="020B0604020202020204" pitchFamily="34" charset="0"/>
+              <a:buChar char="•"/>
+            </a:pPr>
+            <a:r>
+              <a:rPr lang="it-IT" sz="1100" dirty="0">
+                <a:latin typeface="Poppins Light" panose="00000400000000000000" pitchFamily="2" charset="0"/>
+                <a:cs typeface="Poppins Light" panose="00000400000000000000" pitchFamily="2" charset="0"/>
+              </a:rPr>
+              <a:t>Rimozione righe con valori anomali </a:t>
+            </a:r>
+            <a:r>
+              <a:rPr lang="it-IT" sz="1100">
+                <a:latin typeface="Poppins Light" panose="00000400000000000000" pitchFamily="2" charset="0"/>
+                <a:cs typeface="Poppins Light" panose="00000400000000000000" pitchFamily="2" charset="0"/>
+              </a:rPr>
+              <a:t>o nulli</a:t>
+            </a:r>
+          </a:p>
+          <a:p>
+            <a:pPr marL="742950" lvl="1" indent="-285750">
+              <a:spcAft>
+                <a:spcPts val="1200"/>
+              </a:spcAft>
+              <a:buFont typeface="Arial" panose="020B0604020202020204" pitchFamily="34" charset="0"/>
+              <a:buChar char="•"/>
+            </a:pPr>
+            <a:endParaRPr lang="it-IT" sz="1100" dirty="0">
+              <a:latin typeface="Poppins Light" panose="00000400000000000000" pitchFamily="2" charset="0"/>
+              <a:cs typeface="Poppins Light" panose="00000400000000000000" pitchFamily="2" charset="0"/>
+            </a:endParaRPr>
+          </a:p>
+        </p:txBody>
+      </p:sp>
+    </p:spTree>
+    <p:extLst>
+      <p:ext uri="{BB962C8B-B14F-4D97-AF65-F5344CB8AC3E}">
+        <p14:creationId xmlns:p14="http://schemas.microsoft.com/office/powerpoint/2010/main" val="1648250589"/>
       </p:ext>
     </p:extLst>
   </p:cSld>
@@ -8451,7 +7477,7 @@
         <p:spPr>
           <a:xfrm>
             <a:off x="704849" y="549275"/>
-            <a:ext cx="8020051" cy="584775"/>
+            <a:ext cx="10106026" cy="584775"/>
           </a:xfrm>
           <a:prstGeom prst="rect">
             <a:avLst/>
@@ -8465,358 +7491,29 @@
           <a:lstStyle/>
           <a:p>
             <a:r>
+              <a:rPr lang="it-IT" sz="3200" dirty="0">
+                <a:latin typeface="Lato Black" panose="020F0502020204030203" pitchFamily="34" charset="0"/>
+                <a:ea typeface="Lato Black" panose="020F0502020204030203" pitchFamily="34" charset="0"/>
+                <a:cs typeface="Lato Black" panose="020F0502020204030203" pitchFamily="34" charset="0"/>
+              </a:rPr>
+              <a:t>Valutazione di </a:t>
+            </a:r>
+            <a:r>
               <a:rPr lang="it-IT" sz="3200" dirty="0" err="1">
                 <a:latin typeface="Lato Black" panose="020F0502020204030203" pitchFamily="34" charset="0"/>
                 <a:ea typeface="Lato Black" panose="020F0502020204030203" pitchFamily="34" charset="0"/>
                 <a:cs typeface="Lato Black" panose="020F0502020204030203" pitchFamily="34" charset="0"/>
               </a:rPr>
-              <a:t>Skills</a:t>
-            </a:r>
-            <a:r>
-              <a:rPr lang="it-IT" sz="3200" dirty="0">
-                <a:latin typeface="Lato Black" panose="020F0502020204030203" pitchFamily="34" charset="0"/>
-                <a:ea typeface="Lato Black" panose="020F0502020204030203" pitchFamily="34" charset="0"/>
-                <a:cs typeface="Lato Black" panose="020F0502020204030203" pitchFamily="34" charset="0"/>
-              </a:rPr>
-              <a:t> per un mondo digitale</a:t>
-            </a:r>
-          </a:p>
-        </p:txBody>
-      </p:sp>
-      <p:sp>
-        <p:nvSpPr>
-          <p:cNvPr id="6" name="CasellaDiTesto 5">
-            <a:extLst>
-              <a:ext uri="{FF2B5EF4-FFF2-40B4-BE49-F238E27FC236}">
-                <a16:creationId xmlns:a16="http://schemas.microsoft.com/office/drawing/2014/main" id="{D13A722D-E148-4971-82F3-1C191AFD95ED}"/>
-              </a:ext>
-            </a:extLst>
-          </p:cNvPr>
-          <p:cNvSpPr txBox="1"/>
-          <p:nvPr/>
-        </p:nvSpPr>
-        <p:spPr>
-          <a:xfrm>
-            <a:off x="704847" y="2024062"/>
-            <a:ext cx="5535616" cy="4585871"/>
-          </a:xfrm>
-          <a:prstGeom prst="rect">
-            <a:avLst/>
-          </a:prstGeom>
-          <a:noFill/>
-        </p:spPr>
-        <p:txBody>
-          <a:bodyPr wrap="square" rtlCol="0">
-            <a:spAutoFit/>
-          </a:bodyPr>
-          <a:lstStyle/>
-          <a:p>
-            <a:pPr marL="285750" indent="-285750">
-              <a:spcAft>
-                <a:spcPts val="1200"/>
-              </a:spcAft>
-              <a:buFont typeface="Wingdings" panose="05000000000000000000" pitchFamily="2" charset="2"/>
-              <a:buChar char="q"/>
-            </a:pPr>
-            <a:r>
-              <a:rPr lang="it-IT" sz="1400" dirty="0">
-                <a:latin typeface="Poppins Light" panose="00000400000000000000" pitchFamily="2" charset="0"/>
-                <a:cs typeface="Poppins Light" panose="00000400000000000000" pitchFamily="2" charset="0"/>
-              </a:rPr>
-              <a:t>La</a:t>
-            </a:r>
-            <a:r>
-              <a:rPr lang="it-IT" sz="1400" dirty="0">
-                <a:latin typeface="Poppins Medium" panose="00000600000000000000" pitchFamily="50" charset="0"/>
-                <a:cs typeface="Poppins Medium" panose="00000600000000000000" pitchFamily="50" charset="0"/>
-              </a:rPr>
-              <a:t> digital </a:t>
-            </a:r>
-            <a:r>
-              <a:rPr lang="it-IT" sz="1400" dirty="0" err="1">
-                <a:latin typeface="Poppins Medium" panose="00000600000000000000" pitchFamily="50" charset="0"/>
-                <a:cs typeface="Poppins Medium" panose="00000600000000000000" pitchFamily="50" charset="0"/>
-              </a:rPr>
-              <a:t>transformation</a:t>
-            </a:r>
-            <a:r>
-              <a:rPr lang="it-IT" sz="1400" dirty="0">
-                <a:latin typeface="Poppins SemiBold" panose="00000700000000000000" pitchFamily="50" charset="0"/>
-                <a:cs typeface="Poppins SemiBold" panose="00000700000000000000" pitchFamily="50" charset="0"/>
-              </a:rPr>
-              <a:t> </a:t>
-            </a:r>
-            <a:r>
-              <a:rPr lang="it-IT" sz="1400" dirty="0">
-                <a:latin typeface="Poppins Light" panose="00000400000000000000" pitchFamily="2" charset="0"/>
-                <a:cs typeface="Poppins Light" panose="00000400000000000000" pitchFamily="2" charset="0"/>
-              </a:rPr>
-              <a:t>interessa tutti gli aspetti della società umana</a:t>
-            </a:r>
-            <a:endParaRPr lang="it-IT" sz="1400" dirty="0">
-              <a:latin typeface="Poppins SemiBold" panose="00000700000000000000" pitchFamily="50" charset="0"/>
-              <a:cs typeface="Poppins SemiBold" panose="00000700000000000000" pitchFamily="50" charset="0"/>
+              <a:t>qualitá</a:t>
+            </a:r>
+            <a:endParaRPr lang="it-IT" sz="3200" dirty="0">
+              <a:latin typeface="Lato Black" panose="020F0502020204030203" pitchFamily="34" charset="0"/>
+              <a:ea typeface="Lato Black" panose="020F0502020204030203" pitchFamily="34" charset="0"/>
+              <a:cs typeface="Lato Black" panose="020F0502020204030203" pitchFamily="34" charset="0"/>
             </a:endParaRPr>
           </a:p>
-          <a:p>
-            <a:pPr marL="285750" indent="-285750">
-              <a:spcAft>
-                <a:spcPts val="1200"/>
-              </a:spcAft>
-              <a:buFont typeface="Wingdings" panose="05000000000000000000" pitchFamily="2" charset="2"/>
-              <a:buChar char="q"/>
-            </a:pPr>
-            <a:r>
-              <a:rPr lang="it-IT" sz="1400" dirty="0">
-                <a:latin typeface="Poppins Light" panose="00000400000000000000" pitchFamily="50" charset="0"/>
-                <a:cs typeface="Poppins Light" panose="00000400000000000000" pitchFamily="50" charset="0"/>
-              </a:rPr>
-              <a:t>Adattarsi al cambiamento sviluppando le </a:t>
-            </a:r>
-            <a:r>
-              <a:rPr lang="it-IT" sz="1400" dirty="0">
-                <a:latin typeface="Poppins Medium" panose="00000600000000000000" pitchFamily="2" charset="0"/>
-                <a:cs typeface="Poppins Medium" panose="00000600000000000000" pitchFamily="2" charset="0"/>
-              </a:rPr>
-              <a:t>digital skills</a:t>
-            </a:r>
-            <a:endParaRPr lang="it-IT" sz="1400" dirty="0">
-              <a:latin typeface="Poppins Light" panose="00000400000000000000" pitchFamily="50" charset="0"/>
-              <a:cs typeface="Poppins Light" panose="00000400000000000000" pitchFamily="50" charset="0"/>
-            </a:endParaRPr>
-          </a:p>
-          <a:p>
-            <a:pPr marL="285750" indent="-285750">
-              <a:spcAft>
-                <a:spcPts val="1200"/>
-              </a:spcAft>
-              <a:buFont typeface="Wingdings" panose="05000000000000000000" pitchFamily="2" charset="2"/>
-              <a:buChar char="q"/>
-            </a:pPr>
-            <a:r>
-              <a:rPr lang="en-US" sz="1400" dirty="0">
-                <a:latin typeface="Poppins Light" panose="00000400000000000000" pitchFamily="2" charset="0"/>
-                <a:cs typeface="Poppins Light" panose="00000400000000000000" pitchFamily="2" charset="0"/>
-              </a:rPr>
-              <a:t>‘Skills for a Digital World’ (OCSE)</a:t>
-            </a:r>
-            <a:r>
-              <a:rPr lang="it-IT" sz="1400" dirty="0">
-                <a:latin typeface="Poppins Light" panose="00000400000000000000" pitchFamily="50" charset="0"/>
-                <a:cs typeface="Poppins Light" panose="00000400000000000000" pitchFamily="50" charset="0"/>
-              </a:rPr>
-              <a:t> </a:t>
-            </a:r>
-          </a:p>
-          <a:p>
-            <a:pPr marL="742950" lvl="1" indent="-285750">
-              <a:spcAft>
-                <a:spcPts val="1200"/>
-              </a:spcAft>
-              <a:buFont typeface="Arial" panose="020B0604020202020204" pitchFamily="34" charset="0"/>
-              <a:buChar char="•"/>
-            </a:pPr>
-            <a:r>
-              <a:rPr lang="it-IT" sz="1400" dirty="0">
-                <a:latin typeface="Poppins Light" panose="00000400000000000000" pitchFamily="50" charset="0"/>
-                <a:cs typeface="Poppins Light" panose="00000400000000000000" pitchFamily="50" charset="0"/>
-              </a:rPr>
-              <a:t>Skills specialistiche</a:t>
-            </a:r>
-          </a:p>
-          <a:p>
-            <a:pPr marL="742950" lvl="1" indent="-285750">
-              <a:spcAft>
-                <a:spcPts val="1200"/>
-              </a:spcAft>
-              <a:buFont typeface="Arial" panose="020B0604020202020204" pitchFamily="34" charset="0"/>
-              <a:buChar char="•"/>
-            </a:pPr>
-            <a:r>
-              <a:rPr lang="it-IT" sz="1400" dirty="0" err="1">
-                <a:latin typeface="Poppins Light" panose="00000400000000000000" pitchFamily="50" charset="0"/>
-                <a:cs typeface="Poppins Light" panose="00000400000000000000" pitchFamily="50" charset="0"/>
-              </a:rPr>
-              <a:t>Skills</a:t>
-            </a:r>
-            <a:r>
-              <a:rPr lang="it-IT" sz="1400" dirty="0">
-                <a:latin typeface="Poppins Light" panose="00000400000000000000" pitchFamily="50" charset="0"/>
-                <a:cs typeface="Poppins Light" panose="00000400000000000000" pitchFamily="50" charset="0"/>
-              </a:rPr>
-              <a:t> generiche</a:t>
-            </a:r>
-          </a:p>
-          <a:p>
-            <a:pPr marL="742950" lvl="1" indent="-285750">
-              <a:spcAft>
-                <a:spcPts val="1200"/>
-              </a:spcAft>
-              <a:buFont typeface="Arial" panose="020B0604020202020204" pitchFamily="34" charset="0"/>
-              <a:buChar char="•"/>
-            </a:pPr>
-            <a:r>
-              <a:rPr lang="it-IT" sz="1400" dirty="0" err="1">
-                <a:latin typeface="Poppins Light" panose="00000400000000000000" pitchFamily="50" charset="0"/>
-                <a:cs typeface="Poppins Light" panose="00000400000000000000" pitchFamily="50" charset="0"/>
-              </a:rPr>
-              <a:t>Skills</a:t>
-            </a:r>
-            <a:r>
-              <a:rPr lang="it-IT" sz="1400" dirty="0">
-                <a:latin typeface="Poppins Light" panose="00000400000000000000" pitchFamily="50" charset="0"/>
-                <a:cs typeface="Poppins Light" panose="00000400000000000000" pitchFamily="50" charset="0"/>
-              </a:rPr>
-              <a:t> complementari</a:t>
-            </a:r>
-          </a:p>
-          <a:p>
-            <a:pPr marL="742950" lvl="1" indent="-285750">
-              <a:spcAft>
-                <a:spcPts val="1200"/>
-              </a:spcAft>
-              <a:buFont typeface="Arial" panose="020B0604020202020204" pitchFamily="34" charset="0"/>
-              <a:buChar char="•"/>
-            </a:pPr>
-            <a:r>
-              <a:rPr lang="it-IT" sz="1400" dirty="0">
-                <a:latin typeface="Poppins Medium" panose="00000600000000000000" pitchFamily="2" charset="0"/>
-                <a:cs typeface="Poppins Medium" panose="00000600000000000000" pitchFamily="2" charset="0"/>
-              </a:rPr>
-              <a:t>Foundation skills</a:t>
-            </a:r>
-          </a:p>
-          <a:p>
-            <a:pPr marL="742950" lvl="1" indent="-285750">
-              <a:spcAft>
-                <a:spcPts val="1200"/>
-              </a:spcAft>
-              <a:buFont typeface="Arial" panose="020B0604020202020204" pitchFamily="34" charset="0"/>
-              <a:buChar char="•"/>
-            </a:pPr>
-            <a:r>
-              <a:rPr lang="it-IT" sz="1400" dirty="0">
-                <a:latin typeface="Poppins Light" panose="00000400000000000000" pitchFamily="50" charset="0"/>
-                <a:cs typeface="Poppins Light" panose="00000400000000000000" pitchFamily="50" charset="0"/>
-              </a:rPr>
-              <a:t>Abilità sociali ed emotive</a:t>
-            </a:r>
-          </a:p>
-          <a:p>
-            <a:pPr marL="285750" indent="-285750">
-              <a:spcAft>
-                <a:spcPts val="1200"/>
-              </a:spcAft>
-              <a:buFont typeface="Wingdings" panose="05000000000000000000" pitchFamily="2" charset="2"/>
-              <a:buChar char="q"/>
-            </a:pPr>
-            <a:r>
-              <a:rPr lang="en-US" sz="1400" dirty="0">
-                <a:latin typeface="Poppins Light" panose="00000400000000000000" pitchFamily="50" charset="0"/>
-                <a:cs typeface="Poppins Light" panose="00000400000000000000" pitchFamily="50" charset="0"/>
-              </a:rPr>
-              <a:t>Le </a:t>
-            </a:r>
-            <a:r>
-              <a:rPr lang="it-IT" sz="1400" dirty="0" err="1">
-                <a:latin typeface="Poppins Light" panose="00000400000000000000" pitchFamily="50" charset="0"/>
-                <a:cs typeface="Poppins Light" panose="00000400000000000000" pitchFamily="50" charset="0"/>
-              </a:rPr>
-              <a:t>foundation</a:t>
-            </a:r>
-            <a:r>
-              <a:rPr lang="it-IT" sz="1400" dirty="0">
-                <a:latin typeface="Poppins Light" panose="00000400000000000000" pitchFamily="50" charset="0"/>
-                <a:cs typeface="Poppins Light" panose="00000400000000000000" pitchFamily="50" charset="0"/>
-              </a:rPr>
-              <a:t> skills sono prerequisiti per</a:t>
-            </a:r>
-          </a:p>
-          <a:p>
-            <a:pPr marL="742950" lvl="1" indent="-285750">
-              <a:spcAft>
-                <a:spcPts val="1200"/>
-              </a:spcAft>
-              <a:buFont typeface="Arial" panose="020B0604020202020204" pitchFamily="34" charset="0"/>
-              <a:buChar char="•"/>
-            </a:pPr>
-            <a:r>
-              <a:rPr lang="it-IT" sz="1400" dirty="0">
-                <a:latin typeface="Poppins Medium" panose="00000600000000000000" pitchFamily="2" charset="0"/>
-                <a:cs typeface="Poppins Medium" panose="00000600000000000000" pitchFamily="2" charset="0"/>
-              </a:rPr>
-              <a:t>Alfabetizzazione digitale</a:t>
-            </a:r>
-          </a:p>
-          <a:p>
-            <a:pPr marL="742950" lvl="1" indent="-285750">
-              <a:spcAft>
-                <a:spcPts val="1200"/>
-              </a:spcAft>
-              <a:buFont typeface="Arial" panose="020B0604020202020204" pitchFamily="34" charset="0"/>
-              <a:buChar char="•"/>
-            </a:pPr>
-            <a:r>
-              <a:rPr lang="it-IT" sz="1400" dirty="0">
-                <a:latin typeface="Poppins Medium" panose="00000600000000000000" pitchFamily="2" charset="0"/>
-                <a:cs typeface="Poppins Medium" panose="00000600000000000000" pitchFamily="2" charset="0"/>
-              </a:rPr>
-              <a:t>Apprendimento permanente</a:t>
-            </a:r>
-            <a:endParaRPr lang="en-US" sz="1400" dirty="0">
-              <a:latin typeface="Poppins Light" panose="00000400000000000000" pitchFamily="50" charset="0"/>
-              <a:cs typeface="Poppins Light" panose="00000400000000000000" pitchFamily="50" charset="0"/>
-            </a:endParaRPr>
-          </a:p>
-          <a:p>
-            <a:pPr>
-              <a:spcAft>
-                <a:spcPts val="1200"/>
-              </a:spcAft>
-            </a:pPr>
-            <a:endParaRPr lang="en-US" sz="1400" dirty="0">
-              <a:latin typeface="Poppins Light" panose="00000400000000000000" pitchFamily="50" charset="0"/>
-              <a:cs typeface="Poppins Light" panose="00000400000000000000" pitchFamily="50" charset="0"/>
-            </a:endParaRPr>
-          </a:p>
-        </p:txBody>
-      </p:sp>
-      <p:pic>
-        <p:nvPicPr>
-          <p:cNvPr id="3" name="Immagine 2">
-            <a:extLst>
-              <a:ext uri="{FF2B5EF4-FFF2-40B4-BE49-F238E27FC236}">
-                <a16:creationId xmlns:a16="http://schemas.microsoft.com/office/drawing/2014/main" id="{BE7FA914-BE0F-40DA-ABDA-4F220218BD0D}"/>
-              </a:ext>
-            </a:extLst>
-          </p:cNvPr>
-          <p:cNvPicPr>
-            <a:picLocks noChangeAspect="1"/>
-          </p:cNvPicPr>
-          <p:nvPr/>
-        </p:nvPicPr>
-        <p:blipFill rotWithShape="1">
-          <a:blip r:embed="rId2">
-            <a:alphaModFix/>
-            <a:extLst>
-              <a:ext uri="{28A0092B-C50C-407E-A947-70E740481C1C}">
-                <a14:useLocalDpi xmlns:a14="http://schemas.microsoft.com/office/drawing/2010/main" val="0"/>
-              </a:ext>
-            </a:extLst>
-          </a:blip>
-          <a:srcRect l="20193" r="1030"/>
-          <a:stretch/>
-        </p:blipFill>
-        <p:spPr>
-          <a:xfrm>
-            <a:off x="6240463" y="2024062"/>
-            <a:ext cx="5951537" cy="4249737"/>
-          </a:xfrm>
-          <a:prstGeom prst="rect">
-            <a:avLst/>
-          </a:prstGeom>
-        </p:spPr>
-      </p:pic>
+        </p:txBody>
+      </p:sp>
       <p:cxnSp>
         <p:nvCxnSpPr>
           <p:cNvPr id="4" name="Connettore diritto 3">
@@ -8834,7 +7531,7 @@
         <p:spPr>
           <a:xfrm>
             <a:off x="772998" y="1134050"/>
-            <a:ext cx="5030394" cy="0"/>
+            <a:ext cx="3821862" cy="0"/>
           </a:xfrm>
           <a:prstGeom prst="line">
             <a:avLst/>
@@ -8863,7 +7560,7 @@
     </p:spTree>
     <p:extLst>
       <p:ext uri="{BB962C8B-B14F-4D97-AF65-F5344CB8AC3E}">
-        <p14:creationId xmlns:p14="http://schemas.microsoft.com/office/powerpoint/2010/main" val="3197017637"/>
+        <p14:creationId xmlns:p14="http://schemas.microsoft.com/office/powerpoint/2010/main" val="1786650711"/>
       </p:ext>
     </p:extLst>
   </p:cSld>
@@ -8924,7 +7621,7 @@
                 <a:ea typeface="Lato Black" panose="020F0502020204030203" pitchFamily="34" charset="0"/>
                 <a:cs typeface="Lato Black" panose="020F0502020204030203" pitchFamily="34" charset="0"/>
               </a:rPr>
-              <a:t>Sviluppo delle abilità rilevanti per la digital economy</a:t>
+              <a:t>Valutazione euristica</a:t>
             </a:r>
           </a:p>
         </p:txBody>
@@ -8944,7 +7641,7 @@
         <p:spPr>
           <a:xfrm>
             <a:off x="704847" y="2024062"/>
-            <a:ext cx="5535616" cy="2954655"/>
+            <a:ext cx="5246691" cy="3231654"/>
           </a:xfrm>
           <a:prstGeom prst="rect">
             <a:avLst/>
@@ -8969,94 +7666,8 @@
                 <a:latin typeface="Poppins Light" panose="00000400000000000000" pitchFamily="2" charset="0"/>
                 <a:cs typeface="Poppins Light" panose="00000400000000000000" pitchFamily="2" charset="0"/>
               </a:rPr>
-              <a:t>Individui formati partecipano attivamente alla vita economica, sociale e culturale presente e futura</a:t>
-            </a:r>
-            <a:endParaRPr lang="it-IT" sz="1400" dirty="0">
-              <a:latin typeface="Poppins SemiBold" panose="00000700000000000000" pitchFamily="50" charset="0"/>
-              <a:cs typeface="Poppins SemiBold" panose="00000700000000000000" pitchFamily="50" charset="0"/>
-            </a:endParaRPr>
-          </a:p>
-          <a:p>
-            <a:pPr marL="285750" indent="-285750">
-              <a:spcAft>
-                <a:spcPts val="1200"/>
-              </a:spcAft>
-              <a:buFont typeface="Wingdings" panose="05000000000000000000" pitchFamily="2" charset="2"/>
-              <a:buChar char="q"/>
-            </a:pPr>
-            <a:r>
-              <a:rPr lang="it-IT" sz="1400" dirty="0">
-                <a:latin typeface="Poppins Light" panose="00000400000000000000" pitchFamily="50" charset="0"/>
-                <a:cs typeface="Poppins Light" panose="00000400000000000000" pitchFamily="50" charset="0"/>
-              </a:rPr>
-              <a:t>Investimenti nello sviluppo dei </a:t>
-            </a:r>
-            <a:r>
-              <a:rPr lang="it-IT" sz="1400" dirty="0">
-                <a:latin typeface="Poppins Medium" panose="00000600000000000000" pitchFamily="2" charset="0"/>
-                <a:cs typeface="Poppins Medium" panose="00000600000000000000" pitchFamily="2" charset="0"/>
-              </a:rPr>
-              <a:t>sistemi educativi di istruzione e formazione</a:t>
-            </a:r>
-            <a:endParaRPr lang="it-IT" sz="1400" dirty="0">
-              <a:latin typeface="Poppins Light" panose="00000400000000000000" pitchFamily="50" charset="0"/>
-              <a:cs typeface="Poppins Light" panose="00000400000000000000" pitchFamily="50" charset="0"/>
-            </a:endParaRPr>
-          </a:p>
-          <a:p>
-            <a:pPr marL="285750" indent="-285750">
-              <a:spcAft>
-                <a:spcPts val="1200"/>
-              </a:spcAft>
-              <a:buFont typeface="Wingdings" panose="05000000000000000000" pitchFamily="2" charset="2"/>
-              <a:buChar char="q"/>
-            </a:pPr>
-            <a:r>
-              <a:rPr lang="en-US" sz="1400" dirty="0" err="1">
-                <a:latin typeface="Poppins Light" panose="00000400000000000000" pitchFamily="2" charset="0"/>
-                <a:cs typeface="Poppins Light" panose="00000400000000000000" pitchFamily="2" charset="0"/>
-              </a:rPr>
-              <a:t>Sfruttare</a:t>
-            </a:r>
-            <a:r>
-              <a:rPr lang="en-US" sz="1400">
-                <a:latin typeface="Poppins Light" panose="00000400000000000000" pitchFamily="2" charset="0"/>
-                <a:cs typeface="Poppins Light" panose="00000400000000000000" pitchFamily="2" charset="0"/>
-              </a:rPr>
-              <a:t> le </a:t>
-            </a:r>
-            <a:r>
-              <a:rPr lang="en-US" sz="1400" dirty="0" err="1">
-                <a:latin typeface="Poppins Light" panose="00000400000000000000" pitchFamily="2" charset="0"/>
-                <a:cs typeface="Poppins Light" panose="00000400000000000000" pitchFamily="2" charset="0"/>
-              </a:rPr>
-              <a:t>opportunità</a:t>
-            </a:r>
-            <a:r>
-              <a:rPr lang="en-US" sz="1400" dirty="0">
-                <a:latin typeface="Poppins Light" panose="00000400000000000000" pitchFamily="2" charset="0"/>
-                <a:cs typeface="Poppins Light" panose="00000400000000000000" pitchFamily="2" charset="0"/>
-              </a:rPr>
-              <a:t> generate </a:t>
-            </a:r>
-            <a:r>
-              <a:rPr lang="en-US" sz="1400" dirty="0" err="1">
-                <a:latin typeface="Poppins Light" panose="00000400000000000000" pitchFamily="2" charset="0"/>
-                <a:cs typeface="Poppins Light" panose="00000400000000000000" pitchFamily="2" charset="0"/>
-              </a:rPr>
-              <a:t>dalle</a:t>
-            </a:r>
-            <a:r>
-              <a:rPr lang="en-US" sz="1400" dirty="0">
-                <a:latin typeface="Poppins Light" panose="00000400000000000000" pitchFamily="2" charset="0"/>
-                <a:cs typeface="Poppins Light" panose="00000400000000000000" pitchFamily="2" charset="0"/>
-              </a:rPr>
-              <a:t> ICTs</a:t>
-            </a:r>
-            <a:endParaRPr lang="it-IT" sz="1400" dirty="0">
-              <a:latin typeface="Poppins Light" panose="00000400000000000000" pitchFamily="50" charset="0"/>
-              <a:cs typeface="Poppins Light" panose="00000400000000000000" pitchFamily="50" charset="0"/>
-            </a:endParaRPr>
+              <a:t>Problemi di usabilità emersi, ed in seguito risolti, coinvolgendo 6 utenti esterni al progetto: </a:t>
+            </a:r>
           </a:p>
           <a:p>
             <a:pPr marL="742950" lvl="1" indent="-285750">
@@ -9068,10 +7679,10 @@
             </a:pPr>
             <a:r>
               <a:rPr lang="it-IT" sz="1400" dirty="0">
-                <a:latin typeface="Poppins Light" panose="00000400000000000000" pitchFamily="50" charset="0"/>
-                <a:cs typeface="Poppins Light" panose="00000400000000000000" pitchFamily="50" charset="0"/>
-              </a:rPr>
-              <a:t>Apprendimento personalizzato</a:t>
+                <a:latin typeface="Poppins Light" panose="00000400000000000000" pitchFamily="2" charset="0"/>
+                <a:cs typeface="Poppins Light" panose="00000400000000000000" pitchFamily="2" charset="0"/>
+              </a:rPr>
+              <a:t>Colorazione controintuitiva della timeline</a:t>
             </a:r>
           </a:p>
           <a:p>
@@ -9084,10 +7695,10 @@
             </a:pPr>
             <a:r>
               <a:rPr lang="it-IT" sz="1400" dirty="0">
-                <a:latin typeface="Poppins Light" panose="00000400000000000000" pitchFamily="50" charset="0"/>
-                <a:cs typeface="Poppins Light" panose="00000400000000000000" pitchFamily="50" charset="0"/>
-              </a:rPr>
-              <a:t>Apprendimento collaborativo</a:t>
+                <a:latin typeface="Poppins Light" panose="00000400000000000000" pitchFamily="2" charset="0"/>
+                <a:cs typeface="Poppins Light" panose="00000400000000000000" pitchFamily="2" charset="0"/>
+              </a:rPr>
+              <a:t>Basso contrasto tra i riferimenti ai mesi più inquinati</a:t>
             </a:r>
           </a:p>
           <a:p>
@@ -9099,218 +7710,25 @@
               <a:buChar char="•"/>
             </a:pPr>
             <a:r>
+              <a:rPr lang="it-IT" sz="1400" dirty="0">
+                <a:latin typeface="Poppins Light" panose="00000400000000000000" pitchFamily="2" charset="0"/>
+                <a:cs typeface="Poppins Light" panose="00000400000000000000" pitchFamily="2" charset="0"/>
+              </a:rPr>
+              <a:t>Mancanza di consistenza tra i colori delle fonti di inquinamento negli </a:t>
+            </a:r>
+            <a:r>
               <a:rPr lang="it-IT" sz="1400" dirty="0" err="1">
-                <a:latin typeface="Poppins Light" panose="00000400000000000000" pitchFamily="50" charset="0"/>
-                <a:cs typeface="Poppins Light" panose="00000400000000000000" pitchFamily="50" charset="0"/>
-              </a:rPr>
-              <a:t>MOOCs</a:t>
-            </a:r>
-            <a:endParaRPr lang="it-IT" sz="1400" dirty="0">
-              <a:latin typeface="Poppins Light" panose="00000400000000000000" pitchFamily="50" charset="0"/>
-              <a:cs typeface="Poppins Light" panose="00000400000000000000" pitchFamily="50" charset="0"/>
-            </a:endParaRPr>
-          </a:p>
-          <a:p>
-            <a:pPr>
-              <a:spcAft>
-                <a:spcPts val="1200"/>
-              </a:spcAft>
-            </a:pPr>
-            <a:endParaRPr lang="en-US" sz="1400" dirty="0">
-              <a:latin typeface="Poppins Light" panose="00000400000000000000" pitchFamily="50" charset="0"/>
-              <a:cs typeface="Poppins Light" panose="00000400000000000000" pitchFamily="50" charset="0"/>
-            </a:endParaRPr>
-          </a:p>
-        </p:txBody>
-      </p:sp>
-      <p:pic>
-        <p:nvPicPr>
-          <p:cNvPr id="3" name="Immagine 2">
-            <a:extLst>
-              <a:ext uri="{FF2B5EF4-FFF2-40B4-BE49-F238E27FC236}">
-                <a16:creationId xmlns:a16="http://schemas.microsoft.com/office/drawing/2014/main" id="{BE7FA914-BE0F-40DA-ABDA-4F220218BD0D}"/>
-              </a:ext>
-            </a:extLst>
-          </p:cNvPr>
-          <p:cNvPicPr>
-            <a:picLocks noChangeAspect="1"/>
-          </p:cNvPicPr>
-          <p:nvPr/>
-        </p:nvPicPr>
-        <p:blipFill>
-          <a:blip r:embed="rId2">
-            <a:extLst>
-              <a:ext uri="{28A0092B-C50C-407E-A947-70E740481C1C}">
-                <a14:useLocalDpi xmlns:a14="http://schemas.microsoft.com/office/drawing/2010/main" val="0"/>
-              </a:ext>
-            </a:extLst>
-          </a:blip>
-          <a:srcRect l="6209" r="6209"/>
-          <a:stretch/>
-        </p:blipFill>
-        <p:spPr>
-          <a:xfrm>
-            <a:off x="6240463" y="2024062"/>
-            <a:ext cx="5951537" cy="4249737"/>
-          </a:xfrm>
-          <a:prstGeom prst="rect">
-            <a:avLst/>
-          </a:prstGeom>
-        </p:spPr>
-      </p:pic>
-      <p:cxnSp>
-        <p:nvCxnSpPr>
-          <p:cNvPr id="4" name="Connettore diritto 3">
-            <a:extLst>
-              <a:ext uri="{FF2B5EF4-FFF2-40B4-BE49-F238E27FC236}">
-                <a16:creationId xmlns:a16="http://schemas.microsoft.com/office/drawing/2014/main" id="{51FD34F7-E331-45F9-984B-6D3860116CA5}"/>
-              </a:ext>
-            </a:extLst>
-          </p:cNvPr>
-          <p:cNvCxnSpPr>
-            <a:cxnSpLocks/>
-          </p:cNvCxnSpPr>
-          <p:nvPr/>
-        </p:nvCxnSpPr>
-        <p:spPr>
-          <a:xfrm>
-            <a:off x="772998" y="1134050"/>
-            <a:ext cx="9504858" cy="0"/>
-          </a:xfrm>
-          <a:prstGeom prst="line">
-            <a:avLst/>
-          </a:prstGeom>
-          <a:ln w="38100">
-            <a:solidFill>
-              <a:schemeClr val="accent2"/>
-            </a:solidFill>
-          </a:ln>
-        </p:spPr>
-        <p:style>
-          <a:lnRef idx="3">
-            <a:schemeClr val="accent2"/>
-          </a:lnRef>
-          <a:fillRef idx="0">
-            <a:schemeClr val="accent2"/>
-          </a:fillRef>
-          <a:effectRef idx="2">
-            <a:schemeClr val="accent2"/>
-          </a:effectRef>
-          <a:fontRef idx="minor">
-            <a:schemeClr val="tx1"/>
-          </a:fontRef>
-        </p:style>
-      </p:cxnSp>
-    </p:spTree>
-    <p:extLst>
-      <p:ext uri="{BB962C8B-B14F-4D97-AF65-F5344CB8AC3E}">
-        <p14:creationId xmlns:p14="http://schemas.microsoft.com/office/powerpoint/2010/main" val="2204845249"/>
-      </p:ext>
-    </p:extLst>
-  </p:cSld>
-  <p:clrMapOvr>
-    <a:masterClrMapping/>
-  </p:clrMapOvr>
-</p:sld>
-</file>
-
-<file path=ppt/slides/slide9.xml><?xml version="1.0" encoding="utf-8"?>
-<p:sld xmlns:a="http://schemas.openxmlformats.org/drawingml/2006/main" xmlns:r="http://schemas.openxmlformats.org/officeDocument/2006/relationships" xmlns:p="http://schemas.openxmlformats.org/presentationml/2006/main">
-  <p:cSld>
-    <p:spTree>
-      <p:nvGrpSpPr>
-        <p:cNvPr id="1" name=""/>
-        <p:cNvGrpSpPr/>
-        <p:nvPr/>
-      </p:nvGrpSpPr>
-      <p:grpSpPr>
-        <a:xfrm>
-          <a:off x="0" y="0"/>
-          <a:ext cx="0" cy="0"/>
-          <a:chOff x="0" y="0"/>
-          <a:chExt cx="0" cy="0"/>
-        </a:xfrm>
-      </p:grpSpPr>
-      <p:sp>
-        <p:nvSpPr>
-          <p:cNvPr id="5" name="CasellaDiTesto 4">
-            <a:extLst>
-              <a:ext uri="{FF2B5EF4-FFF2-40B4-BE49-F238E27FC236}">
-                <a16:creationId xmlns:a16="http://schemas.microsoft.com/office/drawing/2014/main" id="{89B91983-B758-4281-AC68-D9F7AB480AD9}"/>
-              </a:ext>
-            </a:extLst>
-          </p:cNvPr>
-          <p:cNvSpPr txBox="1"/>
-          <p:nvPr/>
-        </p:nvSpPr>
-        <p:spPr>
-          <a:xfrm>
-            <a:off x="704849" y="549275"/>
-            <a:ext cx="10106026" cy="584775"/>
-          </a:xfrm>
-          <a:prstGeom prst="rect">
-            <a:avLst/>
-          </a:prstGeom>
-          <a:noFill/>
-        </p:spPr>
-        <p:txBody>
-          <a:bodyPr wrap="square" rtlCol="0">
-            <a:spAutoFit/>
-          </a:bodyPr>
-          <a:lstStyle/>
-          <a:p>
-            <a:r>
-              <a:rPr lang="it-IT" sz="3200" dirty="0">
-                <a:latin typeface="Lato Black" panose="020F0502020204030203" pitchFamily="34" charset="0"/>
-                <a:ea typeface="Lato Black" panose="020F0502020204030203" pitchFamily="34" charset="0"/>
-                <a:cs typeface="Lato Black" panose="020F0502020204030203" pitchFamily="34" charset="0"/>
-              </a:rPr>
-              <a:t>Valutazione euristica</a:t>
-            </a:r>
-          </a:p>
-        </p:txBody>
-      </p:sp>
-      <p:sp>
-        <p:nvSpPr>
-          <p:cNvPr id="6" name="CasellaDiTesto 5">
-            <a:extLst>
-              <a:ext uri="{FF2B5EF4-FFF2-40B4-BE49-F238E27FC236}">
-                <a16:creationId xmlns:a16="http://schemas.microsoft.com/office/drawing/2014/main" id="{D13A722D-E148-4971-82F3-1C191AFD95ED}"/>
-              </a:ext>
-            </a:extLst>
-          </p:cNvPr>
-          <p:cNvSpPr txBox="1"/>
-          <p:nvPr/>
-        </p:nvSpPr>
-        <p:spPr>
-          <a:xfrm>
-            <a:off x="704847" y="2024062"/>
-            <a:ext cx="4845561" cy="2862322"/>
-          </a:xfrm>
-          <a:prstGeom prst="rect">
-            <a:avLst/>
-          </a:prstGeom>
-          <a:noFill/>
-        </p:spPr>
-        <p:txBody>
-          <a:bodyPr wrap="square" rtlCol="0">
-            <a:spAutoFit/>
-          </a:bodyPr>
-          <a:lstStyle/>
-          <a:p>
-            <a:pPr marL="285750" indent="-285750">
-              <a:spcAft>
-                <a:spcPts val="1200"/>
-              </a:spcAft>
-              <a:buFont typeface="Wingdings" panose="05000000000000000000" pitchFamily="2" charset="2"/>
-              <a:buChar char="q"/>
-            </a:pPr>
+                <a:latin typeface="Poppins Light" panose="00000400000000000000" pitchFamily="2" charset="0"/>
+                <a:cs typeface="Poppins Light" panose="00000400000000000000" pitchFamily="2" charset="0"/>
+              </a:rPr>
+              <a:t>stacked</a:t>
+            </a:r>
             <a:r>
               <a:rPr lang="it-IT" sz="1400" dirty="0">
                 <a:latin typeface="Poppins Light" panose="00000400000000000000" pitchFamily="2" charset="0"/>
                 <a:cs typeface="Poppins Light" panose="00000400000000000000" pitchFamily="2" charset="0"/>
               </a:rPr>
-              <a:t>Problemi di usabilità emersi, ed in seguito risolti, coinvolgendo 6 utenti esterni al progetto: </a:t>
+              <a:t> area chart</a:t>
             </a:r>
           </a:p>
           <a:p>
@@ -9326,7 +7744,7 @@
                 <a:latin typeface="Poppins Light" panose="00000400000000000000" pitchFamily="2" charset="0"/>
                 <a:cs typeface="Poppins Light" panose="00000400000000000000" pitchFamily="2" charset="0"/>
               </a:rPr>
-              <a:t>Colorazione controintuitiva della timeline</a:t>
+              <a:t>Molte informazioni per ogni finestra della visualizzazione</a:t>
             </a:r>
           </a:p>
           <a:p>
@@ -9342,53 +7760,7 @@
                 <a:latin typeface="Poppins Light" panose="00000400000000000000" pitchFamily="2" charset="0"/>
                 <a:cs typeface="Poppins Light" panose="00000400000000000000" pitchFamily="2" charset="0"/>
               </a:rPr>
-              <a:t>Basso contrasto tra i riferimenti ai mesi più inquinati</a:t>
-            </a:r>
-          </a:p>
-          <a:p>
-            <a:pPr marL="742950" lvl="1" indent="-285750">
-              <a:spcAft>
-                <a:spcPts val="1200"/>
-              </a:spcAft>
-              <a:buFont typeface="Arial" panose="020B0604020202020204" pitchFamily="34" charset="0"/>
-              <a:buChar char="•"/>
-            </a:pPr>
-            <a:r>
-              <a:rPr lang="it-IT" sz="1400" dirty="0">
-                <a:latin typeface="Poppins Light" panose="00000400000000000000" pitchFamily="2" charset="0"/>
-                <a:cs typeface="Poppins Light" panose="00000400000000000000" pitchFamily="2" charset="0"/>
-              </a:rPr>
-              <a:t>Mancanza di consistenza tra i colori delle fonti di inquinamento negli </a:t>
-            </a:r>
-            <a:r>
-              <a:rPr lang="it-IT" sz="1400" dirty="0" err="1">
-                <a:latin typeface="Poppins Light" panose="00000400000000000000" pitchFamily="2" charset="0"/>
-                <a:cs typeface="Poppins Light" panose="00000400000000000000" pitchFamily="2" charset="0"/>
-              </a:rPr>
-              <a:t>stacked</a:t>
-            </a:r>
-            <a:r>
-              <a:rPr lang="it-IT" sz="1400" dirty="0">
-                <a:latin typeface="Poppins Light" panose="00000400000000000000" pitchFamily="2" charset="0"/>
-                <a:cs typeface="Poppins Light" panose="00000400000000000000" pitchFamily="2" charset="0"/>
-              </a:rPr>
-              <a:t> area chart</a:t>
-            </a:r>
-          </a:p>
-          <a:p>
-            <a:pPr marL="742950" lvl="1" indent="-285750">
-              <a:spcAft>
-                <a:spcPts val="1200"/>
-              </a:spcAft>
-              <a:buFont typeface="Arial" panose="020B0604020202020204" pitchFamily="34" charset="0"/>
-              <a:buChar char="•"/>
-            </a:pPr>
-            <a:r>
-              <a:rPr lang="it-IT" sz="1400" dirty="0">
-                <a:latin typeface="Poppins Light" panose="00000400000000000000" pitchFamily="2" charset="0"/>
-                <a:cs typeface="Poppins Light" panose="00000400000000000000" pitchFamily="2" charset="0"/>
-              </a:rPr>
-              <a:t>Molte informazioni per ogni finestra della visualizzazione</a:t>
+              <a:t>Aggiunte delle indicazioni per evidenziare le parti interattive</a:t>
             </a:r>
           </a:p>
         </p:txBody>
@@ -9474,7 +7846,210 @@
     </p:spTree>
     <p:extLst>
       <p:ext uri="{BB962C8B-B14F-4D97-AF65-F5344CB8AC3E}">
-        <p14:creationId xmlns:p14="http://schemas.microsoft.com/office/powerpoint/2010/main" val="139565122"/>
+        <p14:creationId xmlns:p14="http://schemas.microsoft.com/office/powerpoint/2010/main" val="3738973776"/>
+      </p:ext>
+    </p:extLst>
+  </p:cSld>
+  <p:clrMapOvr>
+    <a:masterClrMapping/>
+  </p:clrMapOvr>
+</p:sld>
+</file>
+
+<file path=ppt/slides/slide9.xml><?xml version="1.0" encoding="utf-8"?>
+<p:sld xmlns:a="http://schemas.openxmlformats.org/drawingml/2006/main" xmlns:r="http://schemas.openxmlformats.org/officeDocument/2006/relationships" xmlns:p="http://schemas.openxmlformats.org/presentationml/2006/main">
+  <p:cSld>
+    <p:spTree>
+      <p:nvGrpSpPr>
+        <p:cNvPr id="1" name=""/>
+        <p:cNvGrpSpPr/>
+        <p:nvPr/>
+      </p:nvGrpSpPr>
+      <p:grpSpPr>
+        <a:xfrm>
+          <a:off x="0" y="0"/>
+          <a:ext cx="0" cy="0"/>
+          <a:chOff x="0" y="0"/>
+          <a:chExt cx="0" cy="0"/>
+        </a:xfrm>
+      </p:grpSpPr>
+      <p:sp>
+        <p:nvSpPr>
+          <p:cNvPr id="5" name="CasellaDiTesto 4">
+            <a:extLst>
+              <a:ext uri="{FF2B5EF4-FFF2-40B4-BE49-F238E27FC236}">
+                <a16:creationId xmlns:a16="http://schemas.microsoft.com/office/drawing/2014/main" id="{89B91983-B758-4281-AC68-D9F7AB480AD9}"/>
+              </a:ext>
+            </a:extLst>
+          </p:cNvPr>
+          <p:cNvSpPr txBox="1"/>
+          <p:nvPr/>
+        </p:nvSpPr>
+        <p:spPr>
+          <a:xfrm>
+            <a:off x="704849" y="549275"/>
+            <a:ext cx="10106026" cy="584775"/>
+          </a:xfrm>
+          <a:prstGeom prst="rect">
+            <a:avLst/>
+          </a:prstGeom>
+          <a:noFill/>
+        </p:spPr>
+        <p:txBody>
+          <a:bodyPr wrap="square" rtlCol="0">
+            <a:spAutoFit/>
+          </a:bodyPr>
+          <a:lstStyle/>
+          <a:p>
+            <a:r>
+              <a:rPr lang="it-IT" sz="3200" dirty="0">
+                <a:latin typeface="Lato Black" panose="020F0502020204030203" pitchFamily="34" charset="0"/>
+                <a:ea typeface="Lato Black" panose="020F0502020204030203" pitchFamily="34" charset="0"/>
+                <a:cs typeface="Lato Black" panose="020F0502020204030203" pitchFamily="34" charset="0"/>
+              </a:rPr>
+              <a:t>User test</a:t>
+            </a:r>
+          </a:p>
+        </p:txBody>
+      </p:sp>
+      <p:sp>
+        <p:nvSpPr>
+          <p:cNvPr id="6" name="CasellaDiTesto 5">
+            <a:extLst>
+              <a:ext uri="{FF2B5EF4-FFF2-40B4-BE49-F238E27FC236}">
+                <a16:creationId xmlns:a16="http://schemas.microsoft.com/office/drawing/2014/main" id="{D13A722D-E148-4971-82F3-1C191AFD95ED}"/>
+              </a:ext>
+            </a:extLst>
+          </p:cNvPr>
+          <p:cNvSpPr txBox="1"/>
+          <p:nvPr/>
+        </p:nvSpPr>
+        <p:spPr>
+          <a:xfrm>
+            <a:off x="704847" y="2024062"/>
+            <a:ext cx="5246691" cy="1846659"/>
+          </a:xfrm>
+          <a:prstGeom prst="rect">
+            <a:avLst/>
+          </a:prstGeom>
+          <a:noFill/>
+        </p:spPr>
+        <p:txBody>
+          <a:bodyPr wrap="square" rtlCol="0">
+            <a:spAutoFit/>
+          </a:bodyPr>
+          <a:lstStyle/>
+          <a:p>
+            <a:pPr>
+              <a:spcAft>
+                <a:spcPts val="1200"/>
+              </a:spcAft>
+            </a:pPr>
+            <a:r>
+              <a:rPr lang="it-IT" sz="1400" dirty="0">
+                <a:latin typeface="Poppins Light" panose="00000400000000000000" pitchFamily="2" charset="0"/>
+                <a:cs typeface="Poppins Light" panose="00000400000000000000" pitchFamily="2" charset="0"/>
+              </a:rPr>
+              <a:t>Composto da due task somministrati a 13 utenti</a:t>
+            </a:r>
+          </a:p>
+          <a:p>
+            <a:pPr marL="285750" indent="-285750">
+              <a:spcAft>
+                <a:spcPts val="1200"/>
+              </a:spcAft>
+              <a:buFont typeface="Wingdings" panose="05000000000000000000" pitchFamily="2" charset="2"/>
+              <a:buChar char="q"/>
+            </a:pPr>
+            <a:r>
+              <a:rPr lang="it-IT" sz="1400" i="1" dirty="0">
+                <a:latin typeface="Poppins Light" panose="00000400000000000000" pitchFamily="2" charset="0"/>
+                <a:cs typeface="Poppins Light" panose="00000400000000000000" pitchFamily="2" charset="0"/>
+              </a:rPr>
+              <a:t>Dal 2006 ad 2021 quale anno ha avuto il maggior numero di giorni con una qualità dell’aria classificata ‘molto scarsa’?</a:t>
+            </a:r>
+          </a:p>
+          <a:p>
+            <a:pPr marL="742950" lvl="1" indent="-285750">
+              <a:spcAft>
+                <a:spcPts val="1200"/>
+              </a:spcAft>
+              <a:buFont typeface="Arial" panose="020B0604020202020204" pitchFamily="34" charset="0"/>
+              <a:buChar char="•"/>
+            </a:pPr>
+            <a:r>
+              <a:rPr lang="it-IT" sz="1400" dirty="0">
+                <a:latin typeface="Poppins Light" panose="00000400000000000000" pitchFamily="2" charset="0"/>
+                <a:cs typeface="Poppins Light" panose="00000400000000000000" pitchFamily="2" charset="0"/>
+              </a:rPr>
+              <a:t>Tempo di esecuzione ottimale:</a:t>
+            </a:r>
+          </a:p>
+          <a:p>
+            <a:pPr marL="742950" lvl="1" indent="-285750">
+              <a:spcAft>
+                <a:spcPts val="1200"/>
+              </a:spcAft>
+              <a:buFont typeface="Arial" panose="020B0604020202020204" pitchFamily="34" charset="0"/>
+              <a:buChar char="•"/>
+            </a:pPr>
+            <a:r>
+              <a:rPr lang="it-IT" sz="1400" dirty="0">
+                <a:latin typeface="Poppins Light" panose="00000400000000000000" pitchFamily="2" charset="0"/>
+                <a:cs typeface="Poppins Light" panose="00000400000000000000" pitchFamily="2" charset="0"/>
+              </a:rPr>
+              <a:t>Valore mediano di tempo impiegato degli utenti:</a:t>
+            </a:r>
+          </a:p>
+        </p:txBody>
+      </p:sp>
+      <p:cxnSp>
+        <p:nvCxnSpPr>
+          <p:cNvPr id="4" name="Connettore diritto 3">
+            <a:extLst>
+              <a:ext uri="{FF2B5EF4-FFF2-40B4-BE49-F238E27FC236}">
+                <a16:creationId xmlns:a16="http://schemas.microsoft.com/office/drawing/2014/main" id="{51FD34F7-E331-45F9-984B-6D3860116CA5}"/>
+              </a:ext>
+            </a:extLst>
+          </p:cNvPr>
+          <p:cNvCxnSpPr>
+            <a:cxnSpLocks/>
+          </p:cNvCxnSpPr>
+          <p:nvPr/>
+        </p:nvCxnSpPr>
+        <p:spPr>
+          <a:xfrm>
+            <a:off x="772998" y="1134050"/>
+            <a:ext cx="1695882" cy="0"/>
+          </a:xfrm>
+          <a:prstGeom prst="line">
+            <a:avLst/>
+          </a:prstGeom>
+          <a:ln w="38100">
+            <a:solidFill>
+              <a:schemeClr val="accent2"/>
+            </a:solidFill>
+          </a:ln>
+        </p:spPr>
+        <p:style>
+          <a:lnRef idx="3">
+            <a:schemeClr val="accent2"/>
+          </a:lnRef>
+          <a:fillRef idx="0">
+            <a:schemeClr val="accent2"/>
+          </a:fillRef>
+          <a:effectRef idx="2">
+            <a:schemeClr val="accent2"/>
+          </a:effectRef>
+          <a:fontRef idx="minor">
+            <a:schemeClr val="tx1"/>
+          </a:fontRef>
+        </p:style>
+      </p:cxnSp>
+    </p:spTree>
+    <p:extLst>
+      <p:ext uri="{BB962C8B-B14F-4D97-AF65-F5344CB8AC3E}">
+        <p14:creationId xmlns:p14="http://schemas.microsoft.com/office/powerpoint/2010/main" val="3344150004"/>
       </p:ext>
     </p:extLst>
   </p:cSld>

--- a/Report/Report_progetto_Carbone_Cavallaro_Marconzini_Scuri.pptx
+++ b/Report/Report_progetto_Carbone_Cavallaro_Marconzini_Scuri.pptx
@@ -5,21 +5,29 @@
     <p:sldMasterId id="2147483648" r:id="rId1"/>
   </p:sldMasterIdLst>
   <p:notesMasterIdLst>
-    <p:notesMasterId r:id="rId14"/>
+    <p:notesMasterId r:id="rId22"/>
   </p:notesMasterIdLst>
   <p:sldIdLst>
     <p:sldId id="292" r:id="rId2"/>
-    <p:sldId id="312" r:id="rId3"/>
-    <p:sldId id="305" r:id="rId4"/>
-    <p:sldId id="311" r:id="rId5"/>
-    <p:sldId id="314" r:id="rId6"/>
-    <p:sldId id="315" r:id="rId7"/>
-    <p:sldId id="313" r:id="rId8"/>
-    <p:sldId id="310" r:id="rId9"/>
-    <p:sldId id="308" r:id="rId10"/>
-    <p:sldId id="307" r:id="rId11"/>
-    <p:sldId id="309" r:id="rId12"/>
-    <p:sldId id="306" r:id="rId13"/>
+    <p:sldId id="322" r:id="rId3"/>
+    <p:sldId id="312" r:id="rId4"/>
+    <p:sldId id="317" r:id="rId5"/>
+    <p:sldId id="305" r:id="rId6"/>
+    <p:sldId id="323" r:id="rId7"/>
+    <p:sldId id="311" r:id="rId8"/>
+    <p:sldId id="314" r:id="rId9"/>
+    <p:sldId id="324" r:id="rId10"/>
+    <p:sldId id="315" r:id="rId11"/>
+    <p:sldId id="318" r:id="rId12"/>
+    <p:sldId id="319" r:id="rId13"/>
+    <p:sldId id="320" r:id="rId14"/>
+    <p:sldId id="321" r:id="rId15"/>
+    <p:sldId id="313" r:id="rId16"/>
+    <p:sldId id="310" r:id="rId17"/>
+    <p:sldId id="308" r:id="rId18"/>
+    <p:sldId id="307" r:id="rId19"/>
+    <p:sldId id="309" r:id="rId20"/>
+    <p:sldId id="306" r:id="rId21"/>
   </p:sldIdLst>
   <p:sldSz cx="12192000" cy="6858000"/>
   <p:notesSz cx="6858000" cy="9144000"/>
@@ -4555,7 +4563,7 @@
         </p:nvSpPr>
         <p:spPr>
           <a:xfrm>
-            <a:off x="1115491" y="0"/>
+            <a:off x="1123958" y="0"/>
             <a:ext cx="9367770" cy="6858000"/>
           </a:xfrm>
           <a:prstGeom prst="rect">
@@ -4711,8 +4719,8 @@
         </p:nvSpPr>
         <p:spPr>
           <a:xfrm>
-            <a:off x="695324" y="2068505"/>
-            <a:ext cx="8014567" cy="2477892"/>
+            <a:off x="695325" y="2068505"/>
+            <a:ext cx="6543676" cy="2477892"/>
           </a:xfrm>
         </p:spPr>
         <p:txBody>
@@ -4775,7 +4783,7 @@
                 <a:ea typeface="Lato Black" panose="020F0502020204030203" pitchFamily="34" charset="0"/>
                 <a:cs typeface="Lato Black" panose="020F0502020204030203" pitchFamily="34" charset="0"/>
               </a:rPr>
-              <a:t>IQA nell’agglomerato di Milano</a:t>
+              <a:t>«Indice di Qualità (IQA) nell’agglomerato di Milano: analisi dell’andamento stagionale e annuale»</a:t>
             </a:r>
           </a:p>
         </p:txBody>
@@ -4795,7 +4803,7 @@
         <p:spPr>
           <a:xfrm>
             <a:off x="1841499" y="549275"/>
-            <a:ext cx="10204449" cy="954107"/>
+            <a:ext cx="10204449" cy="1169551"/>
           </a:xfrm>
           <a:prstGeom prst="rect">
             <a:avLst/>
@@ -4833,6 +4841,26 @@
               </a:rPr>
               <a:t>Anno Accademico 2021/2022</a:t>
             </a:r>
+          </a:p>
+          <a:p>
+            <a:r>
+              <a:rPr lang="it-IT" sz="1400" dirty="0">
+                <a:latin typeface="Poppins Light" panose="00000400000000000000" pitchFamily="50" charset="0"/>
+                <a:cs typeface="Poppins Light" panose="00000400000000000000" pitchFamily="50" charset="0"/>
+              </a:rPr>
+              <a:t>Corso di Data </a:t>
+            </a:r>
+            <a:r>
+              <a:rPr lang="it-IT" sz="1400" dirty="0" err="1">
+                <a:latin typeface="Poppins Light" panose="00000400000000000000" pitchFamily="50" charset="0"/>
+                <a:cs typeface="Poppins Light" panose="00000400000000000000" pitchFamily="50" charset="0"/>
+              </a:rPr>
+              <a:t>Visualization</a:t>
+            </a:r>
+            <a:endParaRPr lang="it-IT" sz="1400" dirty="0">
+              <a:latin typeface="Poppins Light" panose="00000400000000000000" pitchFamily="50" charset="0"/>
+              <a:cs typeface="Poppins Light" panose="00000400000000000000" pitchFamily="50" charset="0"/>
+            </a:endParaRPr>
           </a:p>
           <a:p>
             <a:endParaRPr lang="it-IT" sz="1400" dirty="0">
@@ -4892,7 +4920,7 @@
         </p:nvSpPr>
         <p:spPr>
           <a:xfrm>
-            <a:off x="695323" y="4792670"/>
+            <a:off x="695325" y="5175687"/>
             <a:ext cx="3886616" cy="1169551"/>
           </a:xfrm>
           <a:prstGeom prst="rect">
@@ -4911,7 +4939,7 @@
                 <a:latin typeface="Poppins SemiBold" panose="00000700000000000000" pitchFamily="50" charset="0"/>
                 <a:cs typeface="Poppins SemiBold" panose="00000700000000000000" pitchFamily="50" charset="0"/>
               </a:rPr>
-              <a:t>Elaborato di:</a:t>
+              <a:t>Progetto di:</a:t>
             </a:r>
           </a:p>
           <a:p>
@@ -4957,6 +4985,1708 @@
 </file>
 
 <file path=ppt/slides/slide10.xml><?xml version="1.0" encoding="utf-8"?>
+<p:sld xmlns:a="http://schemas.openxmlformats.org/drawingml/2006/main" xmlns:r="http://schemas.openxmlformats.org/officeDocument/2006/relationships" xmlns:p="http://schemas.openxmlformats.org/presentationml/2006/main">
+  <p:cSld>
+    <p:spTree>
+      <p:nvGrpSpPr>
+        <p:cNvPr id="1" name=""/>
+        <p:cNvGrpSpPr/>
+        <p:nvPr/>
+      </p:nvGrpSpPr>
+      <p:grpSpPr>
+        <a:xfrm>
+          <a:off x="0" y="0"/>
+          <a:ext cx="0" cy="0"/>
+          <a:chOff x="0" y="0"/>
+          <a:chExt cx="0" cy="0"/>
+        </a:xfrm>
+      </p:grpSpPr>
+      <p:sp>
+        <p:nvSpPr>
+          <p:cNvPr id="5" name="CasellaDiTesto 4">
+            <a:extLst>
+              <a:ext uri="{FF2B5EF4-FFF2-40B4-BE49-F238E27FC236}">
+                <a16:creationId xmlns:a16="http://schemas.microsoft.com/office/drawing/2014/main" id="{89B91983-B758-4281-AC68-D9F7AB480AD9}"/>
+              </a:ext>
+            </a:extLst>
+          </p:cNvPr>
+          <p:cNvSpPr txBox="1"/>
+          <p:nvPr/>
+        </p:nvSpPr>
+        <p:spPr>
+          <a:xfrm>
+            <a:off x="704849" y="549275"/>
+            <a:ext cx="10106026" cy="584775"/>
+          </a:xfrm>
+          <a:prstGeom prst="rect">
+            <a:avLst/>
+          </a:prstGeom>
+          <a:noFill/>
+        </p:spPr>
+        <p:txBody>
+          <a:bodyPr wrap="square" rtlCol="0">
+            <a:spAutoFit/>
+          </a:bodyPr>
+          <a:lstStyle/>
+          <a:p>
+            <a:r>
+              <a:rPr lang="it-IT" sz="3200" dirty="0">
+                <a:latin typeface="Lato Black" panose="020F0502020204030203" pitchFamily="34" charset="0"/>
+                <a:ea typeface="Lato Black" panose="020F0502020204030203" pitchFamily="34" charset="0"/>
+                <a:cs typeface="Lato Black" panose="020F0502020204030203" pitchFamily="34" charset="0"/>
+              </a:rPr>
+              <a:t>Data </a:t>
+            </a:r>
+            <a:r>
+              <a:rPr lang="it-IT" sz="3200" dirty="0" err="1">
+                <a:latin typeface="Lato Black" panose="020F0502020204030203" pitchFamily="34" charset="0"/>
+                <a:ea typeface="Lato Black" panose="020F0502020204030203" pitchFamily="34" charset="0"/>
+                <a:cs typeface="Lato Black" panose="020F0502020204030203" pitchFamily="34" charset="0"/>
+              </a:rPr>
+              <a:t>preparation</a:t>
+            </a:r>
+            <a:endParaRPr lang="it-IT" sz="3200" dirty="0">
+              <a:latin typeface="Lato Black" panose="020F0502020204030203" pitchFamily="34" charset="0"/>
+              <a:ea typeface="Lato Black" panose="020F0502020204030203" pitchFamily="34" charset="0"/>
+              <a:cs typeface="Lato Black" panose="020F0502020204030203" pitchFamily="34" charset="0"/>
+            </a:endParaRPr>
+          </a:p>
+        </p:txBody>
+      </p:sp>
+      <p:cxnSp>
+        <p:nvCxnSpPr>
+          <p:cNvPr id="4" name="Connettore diritto 3">
+            <a:extLst>
+              <a:ext uri="{FF2B5EF4-FFF2-40B4-BE49-F238E27FC236}">
+                <a16:creationId xmlns:a16="http://schemas.microsoft.com/office/drawing/2014/main" id="{51FD34F7-E331-45F9-984B-6D3860116CA5}"/>
+              </a:ext>
+            </a:extLst>
+          </p:cNvPr>
+          <p:cNvCxnSpPr>
+            <a:cxnSpLocks/>
+          </p:cNvCxnSpPr>
+          <p:nvPr/>
+        </p:nvCxnSpPr>
+        <p:spPr>
+          <a:xfrm>
+            <a:off x="772998" y="1134050"/>
+            <a:ext cx="3121669" cy="0"/>
+          </a:xfrm>
+          <a:prstGeom prst="line">
+            <a:avLst/>
+          </a:prstGeom>
+          <a:ln w="38100">
+            <a:solidFill>
+              <a:schemeClr val="accent2"/>
+            </a:solidFill>
+          </a:ln>
+        </p:spPr>
+        <p:style>
+          <a:lnRef idx="3">
+            <a:schemeClr val="accent2"/>
+          </a:lnRef>
+          <a:fillRef idx="0">
+            <a:schemeClr val="accent2"/>
+          </a:fillRef>
+          <a:effectRef idx="2">
+            <a:schemeClr val="accent2"/>
+          </a:effectRef>
+          <a:fontRef idx="minor">
+            <a:schemeClr val="tx1"/>
+          </a:fontRef>
+        </p:style>
+      </p:cxnSp>
+      <p:sp>
+        <p:nvSpPr>
+          <p:cNvPr id="8" name="CasellaDiTesto 7">
+            <a:extLst>
+              <a:ext uri="{FF2B5EF4-FFF2-40B4-BE49-F238E27FC236}">
+                <a16:creationId xmlns:a16="http://schemas.microsoft.com/office/drawing/2014/main" id="{CC527981-D708-4428-93AB-E4B7BC502290}"/>
+              </a:ext>
+            </a:extLst>
+          </p:cNvPr>
+          <p:cNvSpPr txBox="1"/>
+          <p:nvPr/>
+        </p:nvSpPr>
+        <p:spPr>
+          <a:xfrm>
+            <a:off x="704847" y="2024062"/>
+            <a:ext cx="5246691" cy="3262432"/>
+          </a:xfrm>
+          <a:prstGeom prst="rect">
+            <a:avLst/>
+          </a:prstGeom>
+          <a:noFill/>
+        </p:spPr>
+        <p:txBody>
+          <a:bodyPr wrap="square" rtlCol="0">
+            <a:spAutoFit/>
+          </a:bodyPr>
+          <a:lstStyle/>
+          <a:p>
+            <a:pPr marL="285750" indent="-285750">
+              <a:spcAft>
+                <a:spcPts val="1200"/>
+              </a:spcAft>
+              <a:buFont typeface="Wingdings" panose="05000000000000000000" pitchFamily="2" charset="2"/>
+              <a:buChar char="q"/>
+            </a:pPr>
+            <a:r>
+              <a:rPr lang="it-IT" sz="1400" dirty="0">
+                <a:latin typeface="Poppins Light" panose="00000400000000000000" pitchFamily="2" charset="0"/>
+                <a:cs typeface="Poppins Light" panose="00000400000000000000" pitchFamily="2" charset="0"/>
+              </a:rPr>
+              <a:t>Tools e librerie</a:t>
+            </a:r>
+          </a:p>
+          <a:p>
+            <a:pPr marL="742950" lvl="1" indent="-285750">
+              <a:spcAft>
+                <a:spcPts val="1200"/>
+              </a:spcAft>
+              <a:buFont typeface="Arial" panose="020B0604020202020204" pitchFamily="34" charset="0"/>
+              <a:buChar char="•"/>
+            </a:pPr>
+            <a:r>
+              <a:rPr lang="it-IT" sz="1400" dirty="0">
+                <a:latin typeface="Poppins Light" panose="00000400000000000000" pitchFamily="2" charset="0"/>
+                <a:cs typeface="Poppins Light" panose="00000400000000000000" pitchFamily="2" charset="0"/>
+              </a:rPr>
+              <a:t>Jupiter notebook (</a:t>
+            </a:r>
+            <a:r>
+              <a:rPr lang="it-IT" sz="1400" dirty="0">
+                <a:latin typeface="Poppins Light" panose="00000400000000000000" pitchFamily="2" charset="0"/>
+                <a:cs typeface="Poppins Light" panose="00000400000000000000" pitchFamily="2" charset="0"/>
+                <a:hlinkClick r:id="rId2"/>
+              </a:rPr>
+              <a:t>https://jupyter.org/</a:t>
+            </a:r>
+            <a:r>
+              <a:rPr lang="it-IT" sz="1400" dirty="0">
+                <a:latin typeface="Poppins Light" panose="00000400000000000000" pitchFamily="2" charset="0"/>
+                <a:cs typeface="Poppins Light" panose="00000400000000000000" pitchFamily="2" charset="0"/>
+              </a:rPr>
+              <a:t> )</a:t>
+            </a:r>
+          </a:p>
+          <a:p>
+            <a:pPr marL="742950" lvl="1" indent="-285750">
+              <a:spcAft>
+                <a:spcPts val="1200"/>
+              </a:spcAft>
+              <a:buFont typeface="Arial" panose="020B0604020202020204" pitchFamily="34" charset="0"/>
+              <a:buChar char="•"/>
+            </a:pPr>
+            <a:r>
+              <a:rPr lang="it-IT" sz="1400" dirty="0" err="1">
+                <a:latin typeface="Poppins Light" panose="00000400000000000000" pitchFamily="2" charset="0"/>
+                <a:cs typeface="Poppins Light" panose="00000400000000000000" pitchFamily="2" charset="0"/>
+              </a:rPr>
+              <a:t>Pandas</a:t>
+            </a:r>
+            <a:endParaRPr lang="it-IT" sz="1400" dirty="0">
+              <a:latin typeface="Poppins Light" panose="00000400000000000000" pitchFamily="2" charset="0"/>
+              <a:cs typeface="Poppins Light" panose="00000400000000000000" pitchFamily="2" charset="0"/>
+            </a:endParaRPr>
+          </a:p>
+          <a:p>
+            <a:pPr marL="742950" lvl="1" indent="-285750">
+              <a:spcAft>
+                <a:spcPts val="1200"/>
+              </a:spcAft>
+              <a:buFont typeface="Arial" panose="020B0604020202020204" pitchFamily="34" charset="0"/>
+              <a:buChar char="•"/>
+            </a:pPr>
+            <a:r>
+              <a:rPr lang="it-IT" sz="1400" dirty="0" err="1">
+                <a:latin typeface="Poppins Light" panose="00000400000000000000" pitchFamily="2" charset="0"/>
+                <a:cs typeface="Poppins Light" panose="00000400000000000000" pitchFamily="2" charset="0"/>
+              </a:rPr>
+              <a:t>Numpy</a:t>
+            </a:r>
+            <a:endParaRPr lang="it-IT" sz="1400" dirty="0">
+              <a:latin typeface="Poppins Light" panose="00000400000000000000" pitchFamily="2" charset="0"/>
+              <a:cs typeface="Poppins Light" panose="00000400000000000000" pitchFamily="2" charset="0"/>
+            </a:endParaRPr>
+          </a:p>
+          <a:p>
+            <a:pPr marL="742950" lvl="1" indent="-285750">
+              <a:spcAft>
+                <a:spcPts val="1200"/>
+              </a:spcAft>
+              <a:buFont typeface="Arial" panose="020B0604020202020204" pitchFamily="34" charset="0"/>
+              <a:buChar char="•"/>
+            </a:pPr>
+            <a:r>
+              <a:rPr lang="it-IT" sz="1400" dirty="0" err="1">
+                <a:latin typeface="Poppins Light" panose="00000400000000000000" pitchFamily="2" charset="0"/>
+                <a:cs typeface="Poppins Light" panose="00000400000000000000" pitchFamily="2" charset="0"/>
+              </a:rPr>
+              <a:t>Seaborn</a:t>
+            </a:r>
+            <a:endParaRPr lang="it-IT" sz="1400" dirty="0">
+              <a:latin typeface="Poppins Light" panose="00000400000000000000" pitchFamily="2" charset="0"/>
+              <a:cs typeface="Poppins Light" panose="00000400000000000000" pitchFamily="2" charset="0"/>
+            </a:endParaRPr>
+          </a:p>
+          <a:p>
+            <a:pPr marL="285750" indent="-285750">
+              <a:spcAft>
+                <a:spcPts val="1200"/>
+              </a:spcAft>
+              <a:buFont typeface="Wingdings" panose="05000000000000000000" pitchFamily="2" charset="2"/>
+              <a:buChar char="q"/>
+            </a:pPr>
+            <a:r>
+              <a:rPr lang="it-IT" sz="1400" dirty="0">
+                <a:latin typeface="Poppins Light" panose="00000400000000000000" pitchFamily="2" charset="0"/>
+                <a:cs typeface="Poppins Light" panose="00000400000000000000" pitchFamily="2" charset="0"/>
+              </a:rPr>
+              <a:t>Operazioni eseguite</a:t>
+            </a:r>
+          </a:p>
+          <a:p>
+            <a:pPr marL="742950" lvl="1" indent="-285750">
+              <a:spcAft>
+                <a:spcPts val="1200"/>
+              </a:spcAft>
+              <a:buFont typeface="Arial" panose="020B0604020202020204" pitchFamily="34" charset="0"/>
+              <a:buChar char="•"/>
+            </a:pPr>
+            <a:r>
+              <a:rPr lang="it-IT" sz="1400" dirty="0">
+                <a:latin typeface="Poppins Light" panose="00000400000000000000" pitchFamily="2" charset="0"/>
+                <a:cs typeface="Poppins Light" panose="00000400000000000000" pitchFamily="2" charset="0"/>
+              </a:rPr>
+              <a:t>Data </a:t>
+            </a:r>
+            <a:r>
+              <a:rPr lang="it-IT" sz="1400" dirty="0" err="1">
+                <a:latin typeface="Poppins Light" panose="00000400000000000000" pitchFamily="2" charset="0"/>
+                <a:cs typeface="Poppins Light" panose="00000400000000000000" pitchFamily="2" charset="0"/>
+              </a:rPr>
+              <a:t>exploration</a:t>
+            </a:r>
+            <a:endParaRPr lang="it-IT" sz="1400" dirty="0">
+              <a:latin typeface="Poppins Light" panose="00000400000000000000" pitchFamily="2" charset="0"/>
+              <a:cs typeface="Poppins Light" panose="00000400000000000000" pitchFamily="2" charset="0"/>
+            </a:endParaRPr>
+          </a:p>
+          <a:p>
+            <a:pPr marL="742950" lvl="1" indent="-285750">
+              <a:spcAft>
+                <a:spcPts val="1200"/>
+              </a:spcAft>
+              <a:buFont typeface="Arial" panose="020B0604020202020204" pitchFamily="34" charset="0"/>
+              <a:buChar char="•"/>
+            </a:pPr>
+            <a:r>
+              <a:rPr lang="it-IT" sz="1400" dirty="0">
+                <a:latin typeface="Poppins Light" panose="00000400000000000000" pitchFamily="2" charset="0"/>
+                <a:cs typeface="Poppins Light" panose="00000400000000000000" pitchFamily="2" charset="0"/>
+              </a:rPr>
+              <a:t>Data </a:t>
+            </a:r>
+            <a:r>
+              <a:rPr lang="it-IT" sz="1400" dirty="0" err="1">
+                <a:latin typeface="Poppins Light" panose="00000400000000000000" pitchFamily="2" charset="0"/>
+                <a:cs typeface="Poppins Light" panose="00000400000000000000" pitchFamily="2" charset="0"/>
+              </a:rPr>
+              <a:t>cleansing</a:t>
+            </a:r>
+            <a:endParaRPr lang="it-IT" sz="1400" dirty="0">
+              <a:latin typeface="Poppins Light" panose="00000400000000000000" pitchFamily="2" charset="0"/>
+              <a:cs typeface="Poppins Light" panose="00000400000000000000" pitchFamily="2" charset="0"/>
+            </a:endParaRPr>
+          </a:p>
+          <a:p>
+            <a:pPr marL="742950" lvl="1" indent="-285750">
+              <a:spcAft>
+                <a:spcPts val="1200"/>
+              </a:spcAft>
+              <a:buFont typeface="Arial" panose="020B0604020202020204" pitchFamily="34" charset="0"/>
+              <a:buChar char="•"/>
+            </a:pPr>
+            <a:r>
+              <a:rPr lang="it-IT" sz="1400" dirty="0">
+                <a:latin typeface="Poppins Light" panose="00000400000000000000" pitchFamily="2" charset="0"/>
+                <a:cs typeface="Poppins Light" panose="00000400000000000000" pitchFamily="2" charset="0"/>
+              </a:rPr>
+              <a:t>Merge </a:t>
+            </a:r>
+          </a:p>
+        </p:txBody>
+      </p:sp>
+    </p:spTree>
+    <p:extLst>
+      <p:ext uri="{BB962C8B-B14F-4D97-AF65-F5344CB8AC3E}">
+        <p14:creationId xmlns:p14="http://schemas.microsoft.com/office/powerpoint/2010/main" val="1648250589"/>
+      </p:ext>
+    </p:extLst>
+  </p:cSld>
+  <p:clrMapOvr>
+    <a:masterClrMapping/>
+  </p:clrMapOvr>
+</p:sld>
+</file>
+
+<file path=ppt/slides/slide11.xml><?xml version="1.0" encoding="utf-8"?>
+<p:sld xmlns:a="http://schemas.openxmlformats.org/drawingml/2006/main" xmlns:r="http://schemas.openxmlformats.org/officeDocument/2006/relationships" xmlns:p="http://schemas.openxmlformats.org/presentationml/2006/main">
+  <p:cSld>
+    <p:spTree>
+      <p:nvGrpSpPr>
+        <p:cNvPr id="1" name=""/>
+        <p:cNvGrpSpPr/>
+        <p:nvPr/>
+      </p:nvGrpSpPr>
+      <p:grpSpPr>
+        <a:xfrm>
+          <a:off x="0" y="0"/>
+          <a:ext cx="0" cy="0"/>
+          <a:chOff x="0" y="0"/>
+          <a:chExt cx="0" cy="0"/>
+        </a:xfrm>
+      </p:grpSpPr>
+      <p:sp>
+        <p:nvSpPr>
+          <p:cNvPr id="5" name="CasellaDiTesto 4">
+            <a:extLst>
+              <a:ext uri="{FF2B5EF4-FFF2-40B4-BE49-F238E27FC236}">
+                <a16:creationId xmlns:a16="http://schemas.microsoft.com/office/drawing/2014/main" id="{89B91983-B758-4281-AC68-D9F7AB480AD9}"/>
+              </a:ext>
+            </a:extLst>
+          </p:cNvPr>
+          <p:cNvSpPr txBox="1"/>
+          <p:nvPr/>
+        </p:nvSpPr>
+        <p:spPr>
+          <a:xfrm>
+            <a:off x="704849" y="549275"/>
+            <a:ext cx="10106026" cy="584775"/>
+          </a:xfrm>
+          <a:prstGeom prst="rect">
+            <a:avLst/>
+          </a:prstGeom>
+          <a:noFill/>
+        </p:spPr>
+        <p:txBody>
+          <a:bodyPr wrap="square" rtlCol="0">
+            <a:spAutoFit/>
+          </a:bodyPr>
+          <a:lstStyle/>
+          <a:p>
+            <a:r>
+              <a:rPr lang="it-IT" sz="3200" dirty="0">
+                <a:latin typeface="Lato Black" panose="020F0502020204030203" pitchFamily="34" charset="0"/>
+                <a:ea typeface="Lato Black" panose="020F0502020204030203" pitchFamily="34" charset="0"/>
+                <a:cs typeface="Lato Black" panose="020F0502020204030203" pitchFamily="34" charset="0"/>
+              </a:rPr>
+              <a:t>Operazioni sui datasets principali</a:t>
+            </a:r>
+          </a:p>
+        </p:txBody>
+      </p:sp>
+      <p:cxnSp>
+        <p:nvCxnSpPr>
+          <p:cNvPr id="4" name="Connettore diritto 3">
+            <a:extLst>
+              <a:ext uri="{FF2B5EF4-FFF2-40B4-BE49-F238E27FC236}">
+                <a16:creationId xmlns:a16="http://schemas.microsoft.com/office/drawing/2014/main" id="{51FD34F7-E331-45F9-984B-6D3860116CA5}"/>
+              </a:ext>
+            </a:extLst>
+          </p:cNvPr>
+          <p:cNvCxnSpPr>
+            <a:cxnSpLocks/>
+          </p:cNvCxnSpPr>
+          <p:nvPr/>
+        </p:nvCxnSpPr>
+        <p:spPr>
+          <a:xfrm>
+            <a:off x="772998" y="1134050"/>
+            <a:ext cx="6025735" cy="0"/>
+          </a:xfrm>
+          <a:prstGeom prst="line">
+            <a:avLst/>
+          </a:prstGeom>
+          <a:ln w="38100">
+            <a:solidFill>
+              <a:schemeClr val="accent2"/>
+            </a:solidFill>
+          </a:ln>
+        </p:spPr>
+        <p:style>
+          <a:lnRef idx="3">
+            <a:schemeClr val="accent2"/>
+          </a:lnRef>
+          <a:fillRef idx="0">
+            <a:schemeClr val="accent2"/>
+          </a:fillRef>
+          <a:effectRef idx="2">
+            <a:schemeClr val="accent2"/>
+          </a:effectRef>
+          <a:fontRef idx="minor">
+            <a:schemeClr val="tx1"/>
+          </a:fontRef>
+        </p:style>
+      </p:cxnSp>
+      <p:sp>
+        <p:nvSpPr>
+          <p:cNvPr id="9" name="CasellaDiTesto 8">
+            <a:extLst>
+              <a:ext uri="{FF2B5EF4-FFF2-40B4-BE49-F238E27FC236}">
+                <a16:creationId xmlns:a16="http://schemas.microsoft.com/office/drawing/2014/main" id="{89A9D5A5-910A-400B-8068-47184E6EFF54}"/>
+              </a:ext>
+            </a:extLst>
+          </p:cNvPr>
+          <p:cNvSpPr txBox="1"/>
+          <p:nvPr/>
+        </p:nvSpPr>
+        <p:spPr>
+          <a:xfrm>
+            <a:off x="704847" y="2024062"/>
+            <a:ext cx="5246691" cy="954107"/>
+          </a:xfrm>
+          <a:prstGeom prst="rect">
+            <a:avLst/>
+          </a:prstGeom>
+          <a:noFill/>
+        </p:spPr>
+        <p:txBody>
+          <a:bodyPr wrap="square" rtlCol="0">
+            <a:spAutoFit/>
+          </a:bodyPr>
+          <a:lstStyle/>
+          <a:p>
+            <a:pPr marL="285750" indent="-285750">
+              <a:spcAft>
+                <a:spcPts val="1200"/>
+              </a:spcAft>
+              <a:buFont typeface="Wingdings" panose="05000000000000000000" pitchFamily="2" charset="2"/>
+              <a:buChar char="q"/>
+            </a:pPr>
+            <a:r>
+              <a:rPr lang="it-IT" sz="1400" dirty="0">
+                <a:latin typeface="Poppins Light" panose="00000400000000000000" pitchFamily="2" charset="0"/>
+                <a:cs typeface="Poppins Light" panose="00000400000000000000" pitchFamily="2" charset="0"/>
+              </a:rPr>
+              <a:t>Esplorazione e pulizia dei valori rilevati dai sensori:</a:t>
+            </a:r>
+          </a:p>
+          <a:p>
+            <a:pPr marL="742950" lvl="1" indent="-285750">
+              <a:spcAft>
+                <a:spcPts val="1200"/>
+              </a:spcAft>
+              <a:buFont typeface="Arial" panose="020B0604020202020204" pitchFamily="34" charset="0"/>
+              <a:buChar char="•"/>
+            </a:pPr>
+            <a:r>
+              <a:rPr lang="it-IT" sz="1100" dirty="0">
+                <a:latin typeface="Poppins Light" panose="00000400000000000000" pitchFamily="2" charset="0"/>
+                <a:cs typeface="Poppins Light" panose="00000400000000000000" pitchFamily="2" charset="0"/>
+              </a:rPr>
+              <a:t>Rimozione righe con valori anomali o nulli</a:t>
+            </a:r>
+          </a:p>
+          <a:p>
+            <a:pPr marL="742950" lvl="1" indent="-285750">
+              <a:spcAft>
+                <a:spcPts val="1200"/>
+              </a:spcAft>
+              <a:buFont typeface="Arial" panose="020B0604020202020204" pitchFamily="34" charset="0"/>
+              <a:buChar char="•"/>
+            </a:pPr>
+            <a:endParaRPr lang="it-IT" sz="1100" dirty="0">
+              <a:latin typeface="Poppins Light" panose="00000400000000000000" pitchFamily="2" charset="0"/>
+              <a:cs typeface="Poppins Light" panose="00000400000000000000" pitchFamily="2" charset="0"/>
+            </a:endParaRPr>
+          </a:p>
+        </p:txBody>
+      </p:sp>
+    </p:spTree>
+    <p:extLst>
+      <p:ext uri="{BB962C8B-B14F-4D97-AF65-F5344CB8AC3E}">
+        <p14:creationId xmlns:p14="http://schemas.microsoft.com/office/powerpoint/2010/main" val="1848526493"/>
+      </p:ext>
+    </p:extLst>
+  </p:cSld>
+  <p:clrMapOvr>
+    <a:masterClrMapping/>
+  </p:clrMapOvr>
+</p:sld>
+</file>
+
+<file path=ppt/slides/slide12.xml><?xml version="1.0" encoding="utf-8"?>
+<p:sld xmlns:a="http://schemas.openxmlformats.org/drawingml/2006/main" xmlns:r="http://schemas.openxmlformats.org/officeDocument/2006/relationships" xmlns:p="http://schemas.openxmlformats.org/presentationml/2006/main">
+  <p:cSld>
+    <p:spTree>
+      <p:nvGrpSpPr>
+        <p:cNvPr id="1" name=""/>
+        <p:cNvGrpSpPr/>
+        <p:nvPr/>
+      </p:nvGrpSpPr>
+      <p:grpSpPr>
+        <a:xfrm>
+          <a:off x="0" y="0"/>
+          <a:ext cx="0" cy="0"/>
+          <a:chOff x="0" y="0"/>
+          <a:chExt cx="0" cy="0"/>
+        </a:xfrm>
+      </p:grpSpPr>
+      <p:sp>
+        <p:nvSpPr>
+          <p:cNvPr id="5" name="CasellaDiTesto 4">
+            <a:extLst>
+              <a:ext uri="{FF2B5EF4-FFF2-40B4-BE49-F238E27FC236}">
+                <a16:creationId xmlns:a16="http://schemas.microsoft.com/office/drawing/2014/main" id="{89B91983-B758-4281-AC68-D9F7AB480AD9}"/>
+              </a:ext>
+            </a:extLst>
+          </p:cNvPr>
+          <p:cNvSpPr txBox="1"/>
+          <p:nvPr/>
+        </p:nvSpPr>
+        <p:spPr>
+          <a:xfrm>
+            <a:off x="704849" y="549275"/>
+            <a:ext cx="10106026" cy="584775"/>
+          </a:xfrm>
+          <a:prstGeom prst="rect">
+            <a:avLst/>
+          </a:prstGeom>
+          <a:noFill/>
+        </p:spPr>
+        <p:txBody>
+          <a:bodyPr wrap="square" rtlCol="0">
+            <a:spAutoFit/>
+          </a:bodyPr>
+          <a:lstStyle/>
+          <a:p>
+            <a:r>
+              <a:rPr lang="it-IT" sz="3200" dirty="0">
+                <a:latin typeface="Lato Black" panose="020F0502020204030203" pitchFamily="34" charset="0"/>
+                <a:ea typeface="Lato Black" panose="020F0502020204030203" pitchFamily="34" charset="0"/>
+                <a:cs typeface="Lato Black" panose="020F0502020204030203" pitchFamily="34" charset="0"/>
+              </a:rPr>
+              <a:t>Data Exploration</a:t>
+            </a:r>
+          </a:p>
+        </p:txBody>
+      </p:sp>
+      <p:cxnSp>
+        <p:nvCxnSpPr>
+          <p:cNvPr id="4" name="Connettore diritto 3">
+            <a:extLst>
+              <a:ext uri="{FF2B5EF4-FFF2-40B4-BE49-F238E27FC236}">
+                <a16:creationId xmlns:a16="http://schemas.microsoft.com/office/drawing/2014/main" id="{51FD34F7-E331-45F9-984B-6D3860116CA5}"/>
+              </a:ext>
+            </a:extLst>
+          </p:cNvPr>
+          <p:cNvCxnSpPr>
+            <a:cxnSpLocks/>
+          </p:cNvCxnSpPr>
+          <p:nvPr/>
+        </p:nvCxnSpPr>
+        <p:spPr>
+          <a:xfrm>
+            <a:off x="772998" y="1134050"/>
+            <a:ext cx="3121669" cy="0"/>
+          </a:xfrm>
+          <a:prstGeom prst="line">
+            <a:avLst/>
+          </a:prstGeom>
+          <a:ln w="38100">
+            <a:solidFill>
+              <a:schemeClr val="accent2"/>
+            </a:solidFill>
+          </a:ln>
+        </p:spPr>
+        <p:style>
+          <a:lnRef idx="3">
+            <a:schemeClr val="accent2"/>
+          </a:lnRef>
+          <a:fillRef idx="0">
+            <a:schemeClr val="accent2"/>
+          </a:fillRef>
+          <a:effectRef idx="2">
+            <a:schemeClr val="accent2"/>
+          </a:effectRef>
+          <a:fontRef idx="minor">
+            <a:schemeClr val="tx1"/>
+          </a:fontRef>
+        </p:style>
+      </p:cxnSp>
+      <p:sp>
+        <p:nvSpPr>
+          <p:cNvPr id="8" name="CasellaDiTesto 7">
+            <a:extLst>
+              <a:ext uri="{FF2B5EF4-FFF2-40B4-BE49-F238E27FC236}">
+                <a16:creationId xmlns:a16="http://schemas.microsoft.com/office/drawing/2014/main" id="{CC527981-D708-4428-93AB-E4B7BC502290}"/>
+              </a:ext>
+            </a:extLst>
+          </p:cNvPr>
+          <p:cNvSpPr txBox="1"/>
+          <p:nvPr/>
+        </p:nvSpPr>
+        <p:spPr>
+          <a:xfrm>
+            <a:off x="704847" y="2024062"/>
+            <a:ext cx="5246691" cy="307777"/>
+          </a:xfrm>
+          <a:prstGeom prst="rect">
+            <a:avLst/>
+          </a:prstGeom>
+          <a:noFill/>
+        </p:spPr>
+        <p:txBody>
+          <a:bodyPr wrap="square" rtlCol="0">
+            <a:spAutoFit/>
+          </a:bodyPr>
+          <a:lstStyle/>
+          <a:p>
+            <a:pPr marL="285750" indent="-285750">
+              <a:spcAft>
+                <a:spcPts val="1200"/>
+              </a:spcAft>
+              <a:buFont typeface="Wingdings" panose="05000000000000000000" pitchFamily="2" charset="2"/>
+              <a:buChar char="q"/>
+            </a:pPr>
+            <a:r>
+              <a:rPr lang="it-IT" sz="1400" dirty="0" err="1">
+                <a:latin typeface="Poppins Light" panose="00000400000000000000" pitchFamily="2" charset="0"/>
+                <a:cs typeface="Poppins Light" panose="00000400000000000000" pitchFamily="2" charset="0"/>
+              </a:rPr>
+              <a:t>ddd</a:t>
+            </a:r>
+            <a:endParaRPr lang="it-IT" sz="1400" dirty="0">
+              <a:latin typeface="Poppins Light" panose="00000400000000000000" pitchFamily="2" charset="0"/>
+              <a:cs typeface="Poppins Light" panose="00000400000000000000" pitchFamily="2" charset="0"/>
+            </a:endParaRPr>
+          </a:p>
+        </p:txBody>
+      </p:sp>
+    </p:spTree>
+    <p:extLst>
+      <p:ext uri="{BB962C8B-B14F-4D97-AF65-F5344CB8AC3E}">
+        <p14:creationId xmlns:p14="http://schemas.microsoft.com/office/powerpoint/2010/main" val="2633924197"/>
+      </p:ext>
+    </p:extLst>
+  </p:cSld>
+  <p:clrMapOvr>
+    <a:masterClrMapping/>
+  </p:clrMapOvr>
+</p:sld>
+</file>
+
+<file path=ppt/slides/slide13.xml><?xml version="1.0" encoding="utf-8"?>
+<p:sld xmlns:a="http://schemas.openxmlformats.org/drawingml/2006/main" xmlns:r="http://schemas.openxmlformats.org/officeDocument/2006/relationships" xmlns:p="http://schemas.openxmlformats.org/presentationml/2006/main">
+  <p:cSld>
+    <p:spTree>
+      <p:nvGrpSpPr>
+        <p:cNvPr id="1" name=""/>
+        <p:cNvGrpSpPr/>
+        <p:nvPr/>
+      </p:nvGrpSpPr>
+      <p:grpSpPr>
+        <a:xfrm>
+          <a:off x="0" y="0"/>
+          <a:ext cx="0" cy="0"/>
+          <a:chOff x="0" y="0"/>
+          <a:chExt cx="0" cy="0"/>
+        </a:xfrm>
+      </p:grpSpPr>
+      <p:sp>
+        <p:nvSpPr>
+          <p:cNvPr id="5" name="CasellaDiTesto 4">
+            <a:extLst>
+              <a:ext uri="{FF2B5EF4-FFF2-40B4-BE49-F238E27FC236}">
+                <a16:creationId xmlns:a16="http://schemas.microsoft.com/office/drawing/2014/main" id="{89B91983-B758-4281-AC68-D9F7AB480AD9}"/>
+              </a:ext>
+            </a:extLst>
+          </p:cNvPr>
+          <p:cNvSpPr txBox="1"/>
+          <p:nvPr/>
+        </p:nvSpPr>
+        <p:spPr>
+          <a:xfrm>
+            <a:off x="704849" y="549275"/>
+            <a:ext cx="10106026" cy="584775"/>
+          </a:xfrm>
+          <a:prstGeom prst="rect">
+            <a:avLst/>
+          </a:prstGeom>
+          <a:noFill/>
+        </p:spPr>
+        <p:txBody>
+          <a:bodyPr wrap="square" rtlCol="0">
+            <a:spAutoFit/>
+          </a:bodyPr>
+          <a:lstStyle/>
+          <a:p>
+            <a:r>
+              <a:rPr lang="it-IT" sz="3200" dirty="0">
+                <a:latin typeface="Lato Black" panose="020F0502020204030203" pitchFamily="34" charset="0"/>
+                <a:ea typeface="Lato Black" panose="020F0502020204030203" pitchFamily="34" charset="0"/>
+                <a:cs typeface="Lato Black" panose="020F0502020204030203" pitchFamily="34" charset="0"/>
+              </a:rPr>
+              <a:t>Data </a:t>
+            </a:r>
+            <a:r>
+              <a:rPr lang="it-IT" sz="3200" dirty="0" err="1">
+                <a:latin typeface="Lato Black" panose="020F0502020204030203" pitchFamily="34" charset="0"/>
+                <a:ea typeface="Lato Black" panose="020F0502020204030203" pitchFamily="34" charset="0"/>
+                <a:cs typeface="Lato Black" panose="020F0502020204030203" pitchFamily="34" charset="0"/>
+              </a:rPr>
+              <a:t>analysis</a:t>
+            </a:r>
+            <a:r>
+              <a:rPr lang="it-IT" sz="3200" dirty="0">
+                <a:latin typeface="Lato Black" panose="020F0502020204030203" pitchFamily="34" charset="0"/>
+                <a:ea typeface="Lato Black" panose="020F0502020204030203" pitchFamily="34" charset="0"/>
+                <a:cs typeface="Lato Black" panose="020F0502020204030203" pitchFamily="34" charset="0"/>
+              </a:rPr>
+              <a:t> (</a:t>
+            </a:r>
+          </a:p>
+        </p:txBody>
+      </p:sp>
+      <p:cxnSp>
+        <p:nvCxnSpPr>
+          <p:cNvPr id="4" name="Connettore diritto 3">
+            <a:extLst>
+              <a:ext uri="{FF2B5EF4-FFF2-40B4-BE49-F238E27FC236}">
+                <a16:creationId xmlns:a16="http://schemas.microsoft.com/office/drawing/2014/main" id="{51FD34F7-E331-45F9-984B-6D3860116CA5}"/>
+              </a:ext>
+            </a:extLst>
+          </p:cNvPr>
+          <p:cNvCxnSpPr>
+            <a:cxnSpLocks/>
+          </p:cNvCxnSpPr>
+          <p:nvPr/>
+        </p:nvCxnSpPr>
+        <p:spPr>
+          <a:xfrm>
+            <a:off x="772998" y="1134050"/>
+            <a:ext cx="3121669" cy="0"/>
+          </a:xfrm>
+          <a:prstGeom prst="line">
+            <a:avLst/>
+          </a:prstGeom>
+          <a:ln w="38100">
+            <a:solidFill>
+              <a:schemeClr val="accent2"/>
+            </a:solidFill>
+          </a:ln>
+        </p:spPr>
+        <p:style>
+          <a:lnRef idx="3">
+            <a:schemeClr val="accent2"/>
+          </a:lnRef>
+          <a:fillRef idx="0">
+            <a:schemeClr val="accent2"/>
+          </a:fillRef>
+          <a:effectRef idx="2">
+            <a:schemeClr val="accent2"/>
+          </a:effectRef>
+          <a:fontRef idx="minor">
+            <a:schemeClr val="tx1"/>
+          </a:fontRef>
+        </p:style>
+      </p:cxnSp>
+      <p:sp>
+        <p:nvSpPr>
+          <p:cNvPr id="8" name="CasellaDiTesto 7">
+            <a:extLst>
+              <a:ext uri="{FF2B5EF4-FFF2-40B4-BE49-F238E27FC236}">
+                <a16:creationId xmlns:a16="http://schemas.microsoft.com/office/drawing/2014/main" id="{CC527981-D708-4428-93AB-E4B7BC502290}"/>
+              </a:ext>
+            </a:extLst>
+          </p:cNvPr>
+          <p:cNvSpPr txBox="1"/>
+          <p:nvPr/>
+        </p:nvSpPr>
+        <p:spPr>
+          <a:xfrm>
+            <a:off x="704847" y="2024062"/>
+            <a:ext cx="5246691" cy="307777"/>
+          </a:xfrm>
+          <a:prstGeom prst="rect">
+            <a:avLst/>
+          </a:prstGeom>
+          <a:noFill/>
+        </p:spPr>
+        <p:txBody>
+          <a:bodyPr wrap="square" rtlCol="0">
+            <a:spAutoFit/>
+          </a:bodyPr>
+          <a:lstStyle/>
+          <a:p>
+            <a:pPr marL="285750" indent="-285750">
+              <a:spcAft>
+                <a:spcPts val="1200"/>
+              </a:spcAft>
+              <a:buFont typeface="Wingdings" panose="05000000000000000000" pitchFamily="2" charset="2"/>
+              <a:buChar char="q"/>
+            </a:pPr>
+            <a:r>
+              <a:rPr lang="it-IT" sz="1400" dirty="0">
+                <a:latin typeface="Poppins Light" panose="00000400000000000000" pitchFamily="2" charset="0"/>
+                <a:cs typeface="Poppins Light" panose="00000400000000000000" pitchFamily="2" charset="0"/>
+              </a:rPr>
+              <a:t>To……</a:t>
+            </a:r>
+          </a:p>
+        </p:txBody>
+      </p:sp>
+    </p:spTree>
+    <p:extLst>
+      <p:ext uri="{BB962C8B-B14F-4D97-AF65-F5344CB8AC3E}">
+        <p14:creationId xmlns:p14="http://schemas.microsoft.com/office/powerpoint/2010/main" val="2914130618"/>
+      </p:ext>
+    </p:extLst>
+  </p:cSld>
+  <p:clrMapOvr>
+    <a:masterClrMapping/>
+  </p:clrMapOvr>
+</p:sld>
+</file>
+
+<file path=ppt/slides/slide14.xml><?xml version="1.0" encoding="utf-8"?>
+<p:sld xmlns:a="http://schemas.openxmlformats.org/drawingml/2006/main" xmlns:r="http://schemas.openxmlformats.org/officeDocument/2006/relationships" xmlns:p="http://schemas.openxmlformats.org/presentationml/2006/main">
+  <p:cSld>
+    <p:spTree>
+      <p:nvGrpSpPr>
+        <p:cNvPr id="1" name=""/>
+        <p:cNvGrpSpPr/>
+        <p:nvPr/>
+      </p:nvGrpSpPr>
+      <p:grpSpPr>
+        <a:xfrm>
+          <a:off x="0" y="0"/>
+          <a:ext cx="0" cy="0"/>
+          <a:chOff x="0" y="0"/>
+          <a:chExt cx="0" cy="0"/>
+        </a:xfrm>
+      </p:grpSpPr>
+      <p:sp>
+        <p:nvSpPr>
+          <p:cNvPr id="5" name="CasellaDiTesto 4">
+            <a:extLst>
+              <a:ext uri="{FF2B5EF4-FFF2-40B4-BE49-F238E27FC236}">
+                <a16:creationId xmlns:a16="http://schemas.microsoft.com/office/drawing/2014/main" id="{89B91983-B758-4281-AC68-D9F7AB480AD9}"/>
+              </a:ext>
+            </a:extLst>
+          </p:cNvPr>
+          <p:cNvSpPr txBox="1"/>
+          <p:nvPr/>
+        </p:nvSpPr>
+        <p:spPr>
+          <a:xfrm>
+            <a:off x="704849" y="549275"/>
+            <a:ext cx="10106026" cy="584775"/>
+          </a:xfrm>
+          <a:prstGeom prst="rect">
+            <a:avLst/>
+          </a:prstGeom>
+          <a:noFill/>
+        </p:spPr>
+        <p:txBody>
+          <a:bodyPr wrap="square" rtlCol="0">
+            <a:spAutoFit/>
+          </a:bodyPr>
+          <a:lstStyle/>
+          <a:p>
+            <a:r>
+              <a:rPr lang="it-IT" sz="3200" dirty="0">
+                <a:latin typeface="Lato Black" panose="020F0502020204030203" pitchFamily="34" charset="0"/>
+                <a:ea typeface="Lato Black" panose="020F0502020204030203" pitchFamily="34" charset="0"/>
+                <a:cs typeface="Lato Black" panose="020F0502020204030203" pitchFamily="34" charset="0"/>
+              </a:rPr>
+              <a:t>Preparazione dei dataset secondari</a:t>
+            </a:r>
+          </a:p>
+        </p:txBody>
+      </p:sp>
+      <p:cxnSp>
+        <p:nvCxnSpPr>
+          <p:cNvPr id="4" name="Connettore diritto 3">
+            <a:extLst>
+              <a:ext uri="{FF2B5EF4-FFF2-40B4-BE49-F238E27FC236}">
+                <a16:creationId xmlns:a16="http://schemas.microsoft.com/office/drawing/2014/main" id="{51FD34F7-E331-45F9-984B-6D3860116CA5}"/>
+              </a:ext>
+            </a:extLst>
+          </p:cNvPr>
+          <p:cNvCxnSpPr>
+            <a:cxnSpLocks/>
+          </p:cNvCxnSpPr>
+          <p:nvPr/>
+        </p:nvCxnSpPr>
+        <p:spPr>
+          <a:xfrm>
+            <a:off x="772998" y="1134050"/>
+            <a:ext cx="3121669" cy="0"/>
+          </a:xfrm>
+          <a:prstGeom prst="line">
+            <a:avLst/>
+          </a:prstGeom>
+          <a:ln w="38100">
+            <a:solidFill>
+              <a:schemeClr val="accent2"/>
+            </a:solidFill>
+          </a:ln>
+        </p:spPr>
+        <p:style>
+          <a:lnRef idx="3">
+            <a:schemeClr val="accent2"/>
+          </a:lnRef>
+          <a:fillRef idx="0">
+            <a:schemeClr val="accent2"/>
+          </a:fillRef>
+          <a:effectRef idx="2">
+            <a:schemeClr val="accent2"/>
+          </a:effectRef>
+          <a:fontRef idx="minor">
+            <a:schemeClr val="tx1"/>
+          </a:fontRef>
+        </p:style>
+      </p:cxnSp>
+      <p:sp>
+        <p:nvSpPr>
+          <p:cNvPr id="8" name="CasellaDiTesto 7">
+            <a:extLst>
+              <a:ext uri="{FF2B5EF4-FFF2-40B4-BE49-F238E27FC236}">
+                <a16:creationId xmlns:a16="http://schemas.microsoft.com/office/drawing/2014/main" id="{CC527981-D708-4428-93AB-E4B7BC502290}"/>
+              </a:ext>
+            </a:extLst>
+          </p:cNvPr>
+          <p:cNvSpPr txBox="1"/>
+          <p:nvPr/>
+        </p:nvSpPr>
+        <p:spPr>
+          <a:xfrm>
+            <a:off x="704847" y="2024062"/>
+            <a:ext cx="5246691" cy="1785104"/>
+          </a:xfrm>
+          <a:prstGeom prst="rect">
+            <a:avLst/>
+          </a:prstGeom>
+          <a:noFill/>
+        </p:spPr>
+        <p:txBody>
+          <a:bodyPr wrap="square" rtlCol="0">
+            <a:spAutoFit/>
+          </a:bodyPr>
+          <a:lstStyle/>
+          <a:p>
+            <a:pPr marL="285750" indent="-285750">
+              <a:spcAft>
+                <a:spcPts val="1200"/>
+              </a:spcAft>
+              <a:buFont typeface="Wingdings" panose="05000000000000000000" pitchFamily="2" charset="2"/>
+              <a:buChar char="q"/>
+            </a:pPr>
+            <a:r>
+              <a:rPr lang="it-IT" sz="1400" dirty="0">
+                <a:latin typeface="Poppins Light" panose="00000400000000000000" pitchFamily="2" charset="0"/>
+                <a:cs typeface="Poppins Light" panose="00000400000000000000" pitchFamily="2" charset="0"/>
+              </a:rPr>
+              <a:t>Meteo</a:t>
+            </a:r>
+          </a:p>
+          <a:p>
+            <a:pPr marL="742950" lvl="1" indent="-285750">
+              <a:spcAft>
+                <a:spcPts val="1200"/>
+              </a:spcAft>
+              <a:buFont typeface="Wingdings" panose="05000000000000000000" pitchFamily="2" charset="2"/>
+              <a:buChar char="q"/>
+            </a:pPr>
+            <a:r>
+              <a:rPr lang="it-IT" sz="1400" dirty="0">
+                <a:latin typeface="Poppins Light" panose="00000400000000000000" pitchFamily="2" charset="0"/>
+                <a:cs typeface="Poppins Light" panose="00000400000000000000" pitchFamily="2" charset="0"/>
+              </a:rPr>
+              <a:t>Descrizione</a:t>
+            </a:r>
+          </a:p>
+          <a:p>
+            <a:pPr marL="742950" lvl="1" indent="-285750">
+              <a:spcAft>
+                <a:spcPts val="1200"/>
+              </a:spcAft>
+              <a:buFont typeface="Wingdings" panose="05000000000000000000" pitchFamily="2" charset="2"/>
+              <a:buChar char="q"/>
+            </a:pPr>
+            <a:r>
+              <a:rPr lang="it-IT" sz="1400" dirty="0">
+                <a:latin typeface="Poppins Light" panose="00000400000000000000" pitchFamily="2" charset="0"/>
+                <a:cs typeface="Poppins Light" panose="00000400000000000000" pitchFamily="2" charset="0"/>
+              </a:rPr>
+              <a:t>Operazioni svolte</a:t>
+            </a:r>
+          </a:p>
+          <a:p>
+            <a:pPr marL="285750" indent="-285750">
+              <a:spcAft>
+                <a:spcPts val="1200"/>
+              </a:spcAft>
+              <a:buFont typeface="Wingdings" panose="05000000000000000000" pitchFamily="2" charset="2"/>
+              <a:buChar char="q"/>
+            </a:pPr>
+            <a:r>
+              <a:rPr lang="it-IT" sz="1400" dirty="0">
+                <a:latin typeface="Poppins Light" panose="00000400000000000000" pitchFamily="2" charset="0"/>
+                <a:cs typeface="Poppins Light" panose="00000400000000000000" pitchFamily="2" charset="0"/>
+              </a:rPr>
+              <a:t>Zonizzazione</a:t>
+            </a:r>
+          </a:p>
+          <a:p>
+            <a:pPr marL="285750" indent="-285750">
+              <a:spcAft>
+                <a:spcPts val="1200"/>
+              </a:spcAft>
+              <a:buFont typeface="Wingdings" panose="05000000000000000000" pitchFamily="2" charset="2"/>
+              <a:buChar char="q"/>
+            </a:pPr>
+            <a:r>
+              <a:rPr lang="it-IT" sz="1400" dirty="0">
+                <a:latin typeface="Poppins Light" panose="00000400000000000000" pitchFamily="2" charset="0"/>
+                <a:cs typeface="Poppins Light" panose="00000400000000000000" pitchFamily="2" charset="0"/>
+              </a:rPr>
+              <a:t>…</a:t>
+            </a:r>
+          </a:p>
+        </p:txBody>
+      </p:sp>
+    </p:spTree>
+    <p:extLst>
+      <p:ext uri="{BB962C8B-B14F-4D97-AF65-F5344CB8AC3E}">
+        <p14:creationId xmlns:p14="http://schemas.microsoft.com/office/powerpoint/2010/main" val="3176549871"/>
+      </p:ext>
+    </p:extLst>
+  </p:cSld>
+  <p:clrMapOvr>
+    <a:masterClrMapping/>
+  </p:clrMapOvr>
+</p:sld>
+</file>
+
+<file path=ppt/slides/slide15.xml><?xml version="1.0" encoding="utf-8"?>
+<p:sld xmlns:a="http://schemas.openxmlformats.org/drawingml/2006/main" xmlns:r="http://schemas.openxmlformats.org/officeDocument/2006/relationships" xmlns:p="http://schemas.openxmlformats.org/presentationml/2006/main">
+  <p:cSld>
+    <p:spTree>
+      <p:nvGrpSpPr>
+        <p:cNvPr id="1" name=""/>
+        <p:cNvGrpSpPr/>
+        <p:nvPr/>
+      </p:nvGrpSpPr>
+      <p:grpSpPr>
+        <a:xfrm>
+          <a:off x="0" y="0"/>
+          <a:ext cx="0" cy="0"/>
+          <a:chOff x="0" y="0"/>
+          <a:chExt cx="0" cy="0"/>
+        </a:xfrm>
+      </p:grpSpPr>
+      <p:sp>
+        <p:nvSpPr>
+          <p:cNvPr id="5" name="CasellaDiTesto 4">
+            <a:extLst>
+              <a:ext uri="{FF2B5EF4-FFF2-40B4-BE49-F238E27FC236}">
+                <a16:creationId xmlns:a16="http://schemas.microsoft.com/office/drawing/2014/main" id="{89B91983-B758-4281-AC68-D9F7AB480AD9}"/>
+              </a:ext>
+            </a:extLst>
+          </p:cNvPr>
+          <p:cNvSpPr txBox="1"/>
+          <p:nvPr/>
+        </p:nvSpPr>
+        <p:spPr>
+          <a:xfrm>
+            <a:off x="704849" y="549275"/>
+            <a:ext cx="10106026" cy="584775"/>
+          </a:xfrm>
+          <a:prstGeom prst="rect">
+            <a:avLst/>
+          </a:prstGeom>
+          <a:noFill/>
+        </p:spPr>
+        <p:txBody>
+          <a:bodyPr wrap="square" rtlCol="0">
+            <a:spAutoFit/>
+          </a:bodyPr>
+          <a:lstStyle/>
+          <a:p>
+            <a:r>
+              <a:rPr lang="it-IT" sz="3200" dirty="0">
+                <a:latin typeface="Lato Black" panose="020F0502020204030203" pitchFamily="34" charset="0"/>
+                <a:ea typeface="Lato Black" panose="020F0502020204030203" pitchFamily="34" charset="0"/>
+                <a:cs typeface="Lato Black" panose="020F0502020204030203" pitchFamily="34" charset="0"/>
+              </a:rPr>
+              <a:t>Valutazione di </a:t>
+            </a:r>
+            <a:r>
+              <a:rPr lang="it-IT" sz="3200" dirty="0" err="1">
+                <a:latin typeface="Lato Black" panose="020F0502020204030203" pitchFamily="34" charset="0"/>
+                <a:ea typeface="Lato Black" panose="020F0502020204030203" pitchFamily="34" charset="0"/>
+                <a:cs typeface="Lato Black" panose="020F0502020204030203" pitchFamily="34" charset="0"/>
+              </a:rPr>
+              <a:t>qualitá</a:t>
+            </a:r>
+            <a:endParaRPr lang="it-IT" sz="3200" dirty="0">
+              <a:latin typeface="Lato Black" panose="020F0502020204030203" pitchFamily="34" charset="0"/>
+              <a:ea typeface="Lato Black" panose="020F0502020204030203" pitchFamily="34" charset="0"/>
+              <a:cs typeface="Lato Black" panose="020F0502020204030203" pitchFamily="34" charset="0"/>
+            </a:endParaRPr>
+          </a:p>
+        </p:txBody>
+      </p:sp>
+      <p:cxnSp>
+        <p:nvCxnSpPr>
+          <p:cNvPr id="4" name="Connettore diritto 3">
+            <a:extLst>
+              <a:ext uri="{FF2B5EF4-FFF2-40B4-BE49-F238E27FC236}">
+                <a16:creationId xmlns:a16="http://schemas.microsoft.com/office/drawing/2014/main" id="{51FD34F7-E331-45F9-984B-6D3860116CA5}"/>
+              </a:ext>
+            </a:extLst>
+          </p:cNvPr>
+          <p:cNvCxnSpPr>
+            <a:cxnSpLocks/>
+          </p:cNvCxnSpPr>
+          <p:nvPr/>
+        </p:nvCxnSpPr>
+        <p:spPr>
+          <a:xfrm>
+            <a:off x="772998" y="1134050"/>
+            <a:ext cx="3821862" cy="0"/>
+          </a:xfrm>
+          <a:prstGeom prst="line">
+            <a:avLst/>
+          </a:prstGeom>
+          <a:ln w="38100">
+            <a:solidFill>
+              <a:schemeClr val="accent2"/>
+            </a:solidFill>
+          </a:ln>
+        </p:spPr>
+        <p:style>
+          <a:lnRef idx="3">
+            <a:schemeClr val="accent2"/>
+          </a:lnRef>
+          <a:fillRef idx="0">
+            <a:schemeClr val="accent2"/>
+          </a:fillRef>
+          <a:effectRef idx="2">
+            <a:schemeClr val="accent2"/>
+          </a:effectRef>
+          <a:fontRef idx="minor">
+            <a:schemeClr val="tx1"/>
+          </a:fontRef>
+        </p:style>
+      </p:cxnSp>
+    </p:spTree>
+    <p:extLst>
+      <p:ext uri="{BB962C8B-B14F-4D97-AF65-F5344CB8AC3E}">
+        <p14:creationId xmlns:p14="http://schemas.microsoft.com/office/powerpoint/2010/main" val="1786650711"/>
+      </p:ext>
+    </p:extLst>
+  </p:cSld>
+  <p:clrMapOvr>
+    <a:masterClrMapping/>
+  </p:clrMapOvr>
+</p:sld>
+</file>
+
+<file path=ppt/slides/slide16.xml><?xml version="1.0" encoding="utf-8"?>
+<p:sld xmlns:a="http://schemas.openxmlformats.org/drawingml/2006/main" xmlns:r="http://schemas.openxmlformats.org/officeDocument/2006/relationships" xmlns:p="http://schemas.openxmlformats.org/presentationml/2006/main">
+  <p:cSld>
+    <p:spTree>
+      <p:nvGrpSpPr>
+        <p:cNvPr id="1" name=""/>
+        <p:cNvGrpSpPr/>
+        <p:nvPr/>
+      </p:nvGrpSpPr>
+      <p:grpSpPr>
+        <a:xfrm>
+          <a:off x="0" y="0"/>
+          <a:ext cx="0" cy="0"/>
+          <a:chOff x="0" y="0"/>
+          <a:chExt cx="0" cy="0"/>
+        </a:xfrm>
+      </p:grpSpPr>
+      <p:sp>
+        <p:nvSpPr>
+          <p:cNvPr id="5" name="CasellaDiTesto 4">
+            <a:extLst>
+              <a:ext uri="{FF2B5EF4-FFF2-40B4-BE49-F238E27FC236}">
+                <a16:creationId xmlns:a16="http://schemas.microsoft.com/office/drawing/2014/main" id="{89B91983-B758-4281-AC68-D9F7AB480AD9}"/>
+              </a:ext>
+            </a:extLst>
+          </p:cNvPr>
+          <p:cNvSpPr txBox="1"/>
+          <p:nvPr/>
+        </p:nvSpPr>
+        <p:spPr>
+          <a:xfrm>
+            <a:off x="704849" y="549275"/>
+            <a:ext cx="10106026" cy="584775"/>
+          </a:xfrm>
+          <a:prstGeom prst="rect">
+            <a:avLst/>
+          </a:prstGeom>
+          <a:noFill/>
+        </p:spPr>
+        <p:txBody>
+          <a:bodyPr wrap="square" rtlCol="0">
+            <a:spAutoFit/>
+          </a:bodyPr>
+          <a:lstStyle/>
+          <a:p>
+            <a:r>
+              <a:rPr lang="it-IT" sz="3200" dirty="0">
+                <a:latin typeface="Lato Black" panose="020F0502020204030203" pitchFamily="34" charset="0"/>
+                <a:ea typeface="Lato Black" panose="020F0502020204030203" pitchFamily="34" charset="0"/>
+                <a:cs typeface="Lato Black" panose="020F0502020204030203" pitchFamily="34" charset="0"/>
+              </a:rPr>
+              <a:t>Valutazione euristica</a:t>
+            </a:r>
+          </a:p>
+        </p:txBody>
+      </p:sp>
+      <p:sp>
+        <p:nvSpPr>
+          <p:cNvPr id="6" name="CasellaDiTesto 5">
+            <a:extLst>
+              <a:ext uri="{FF2B5EF4-FFF2-40B4-BE49-F238E27FC236}">
+                <a16:creationId xmlns:a16="http://schemas.microsoft.com/office/drawing/2014/main" id="{D13A722D-E148-4971-82F3-1C191AFD95ED}"/>
+              </a:ext>
+            </a:extLst>
+          </p:cNvPr>
+          <p:cNvSpPr txBox="1"/>
+          <p:nvPr/>
+        </p:nvSpPr>
+        <p:spPr>
+          <a:xfrm>
+            <a:off x="704847" y="2024062"/>
+            <a:ext cx="5246691" cy="3231654"/>
+          </a:xfrm>
+          <a:prstGeom prst="rect">
+            <a:avLst/>
+          </a:prstGeom>
+          <a:noFill/>
+        </p:spPr>
+        <p:txBody>
+          <a:bodyPr wrap="square" rtlCol="0">
+            <a:spAutoFit/>
+          </a:bodyPr>
+          <a:lstStyle/>
+          <a:p>
+            <a:pPr marL="285750" indent="-285750">
+              <a:spcAft>
+                <a:spcPts val="1200"/>
+              </a:spcAft>
+              <a:buFont typeface="Wingdings" panose="05000000000000000000" pitchFamily="2" charset="2"/>
+              <a:buChar char="q"/>
+            </a:pPr>
+            <a:r>
+              <a:rPr lang="it-IT" sz="1400" dirty="0">
+                <a:latin typeface="Poppins Light" panose="00000400000000000000" pitchFamily="2" charset="0"/>
+                <a:cs typeface="Poppins Light" panose="00000400000000000000" pitchFamily="2" charset="0"/>
+              </a:rPr>
+              <a:t>Problemi di usabilità emersi, ed in seguito risolti, coinvolgendo 6 utenti esterni al progetto: </a:t>
+            </a:r>
+          </a:p>
+          <a:p>
+            <a:pPr marL="742950" lvl="1" indent="-285750">
+              <a:spcAft>
+                <a:spcPts val="1200"/>
+              </a:spcAft>
+              <a:buFont typeface="Arial" panose="020B0604020202020204" pitchFamily="34" charset="0"/>
+              <a:buChar char="•"/>
+            </a:pPr>
+            <a:r>
+              <a:rPr lang="it-IT" sz="1400" dirty="0">
+                <a:latin typeface="Poppins Light" panose="00000400000000000000" pitchFamily="2" charset="0"/>
+                <a:cs typeface="Poppins Light" panose="00000400000000000000" pitchFamily="2" charset="0"/>
+              </a:rPr>
+              <a:t>Colorazione controintuitiva della timeline</a:t>
+            </a:r>
+          </a:p>
+          <a:p>
+            <a:pPr marL="742950" lvl="1" indent="-285750">
+              <a:spcAft>
+                <a:spcPts val="1200"/>
+              </a:spcAft>
+              <a:buFont typeface="Arial" panose="020B0604020202020204" pitchFamily="34" charset="0"/>
+              <a:buChar char="•"/>
+            </a:pPr>
+            <a:r>
+              <a:rPr lang="it-IT" sz="1400" dirty="0">
+                <a:latin typeface="Poppins Light" panose="00000400000000000000" pitchFamily="2" charset="0"/>
+                <a:cs typeface="Poppins Light" panose="00000400000000000000" pitchFamily="2" charset="0"/>
+              </a:rPr>
+              <a:t>Basso contrasto tra i riferimenti ai mesi più inquinati</a:t>
+            </a:r>
+          </a:p>
+          <a:p>
+            <a:pPr marL="742950" lvl="1" indent="-285750">
+              <a:spcAft>
+                <a:spcPts val="1200"/>
+              </a:spcAft>
+              <a:buFont typeface="Arial" panose="020B0604020202020204" pitchFamily="34" charset="0"/>
+              <a:buChar char="•"/>
+            </a:pPr>
+            <a:r>
+              <a:rPr lang="it-IT" sz="1400" dirty="0">
+                <a:latin typeface="Poppins Light" panose="00000400000000000000" pitchFamily="2" charset="0"/>
+                <a:cs typeface="Poppins Light" panose="00000400000000000000" pitchFamily="2" charset="0"/>
+              </a:rPr>
+              <a:t>Mancanza di consistenza tra i colori delle fonti di inquinamento negli </a:t>
+            </a:r>
+            <a:r>
+              <a:rPr lang="it-IT" sz="1400" dirty="0" err="1">
+                <a:latin typeface="Poppins Light" panose="00000400000000000000" pitchFamily="2" charset="0"/>
+                <a:cs typeface="Poppins Light" panose="00000400000000000000" pitchFamily="2" charset="0"/>
+              </a:rPr>
+              <a:t>stacked</a:t>
+            </a:r>
+            <a:r>
+              <a:rPr lang="it-IT" sz="1400" dirty="0">
+                <a:latin typeface="Poppins Light" panose="00000400000000000000" pitchFamily="2" charset="0"/>
+                <a:cs typeface="Poppins Light" panose="00000400000000000000" pitchFamily="2" charset="0"/>
+              </a:rPr>
+              <a:t> area chart</a:t>
+            </a:r>
+          </a:p>
+          <a:p>
+            <a:pPr marL="742950" lvl="1" indent="-285750">
+              <a:spcAft>
+                <a:spcPts val="1200"/>
+              </a:spcAft>
+              <a:buFont typeface="Arial" panose="020B0604020202020204" pitchFamily="34" charset="0"/>
+              <a:buChar char="•"/>
+            </a:pPr>
+            <a:r>
+              <a:rPr lang="it-IT" sz="1400" dirty="0">
+                <a:latin typeface="Poppins Light" panose="00000400000000000000" pitchFamily="2" charset="0"/>
+                <a:cs typeface="Poppins Light" panose="00000400000000000000" pitchFamily="2" charset="0"/>
+              </a:rPr>
+              <a:t>Molte informazioni per ogni finestra della visualizzazione</a:t>
+            </a:r>
+          </a:p>
+          <a:p>
+            <a:pPr marL="742950" lvl="1" indent="-285750">
+              <a:spcAft>
+                <a:spcPts val="1200"/>
+              </a:spcAft>
+              <a:buFont typeface="Arial" panose="020B0604020202020204" pitchFamily="34" charset="0"/>
+              <a:buChar char="•"/>
+            </a:pPr>
+            <a:r>
+              <a:rPr lang="it-IT" sz="1400" dirty="0">
+                <a:latin typeface="Poppins Light" panose="00000400000000000000" pitchFamily="2" charset="0"/>
+                <a:cs typeface="Poppins Light" panose="00000400000000000000" pitchFamily="2" charset="0"/>
+              </a:rPr>
+              <a:t>Aggiunte delle indicazioni per evidenziare le parti interattive</a:t>
+            </a:r>
+          </a:p>
+        </p:txBody>
+      </p:sp>
+      <p:cxnSp>
+        <p:nvCxnSpPr>
+          <p:cNvPr id="4" name="Connettore diritto 3">
+            <a:extLst>
+              <a:ext uri="{FF2B5EF4-FFF2-40B4-BE49-F238E27FC236}">
+                <a16:creationId xmlns:a16="http://schemas.microsoft.com/office/drawing/2014/main" id="{51FD34F7-E331-45F9-984B-6D3860116CA5}"/>
+              </a:ext>
+            </a:extLst>
+          </p:cNvPr>
+          <p:cNvCxnSpPr>
+            <a:cxnSpLocks/>
+          </p:cNvCxnSpPr>
+          <p:nvPr/>
+        </p:nvCxnSpPr>
+        <p:spPr>
+          <a:xfrm>
+            <a:off x="772998" y="1134050"/>
+            <a:ext cx="3821862" cy="0"/>
+          </a:xfrm>
+          <a:prstGeom prst="line">
+            <a:avLst/>
+          </a:prstGeom>
+          <a:ln w="38100">
+            <a:solidFill>
+              <a:schemeClr val="accent2"/>
+            </a:solidFill>
+          </a:ln>
+        </p:spPr>
+        <p:style>
+          <a:lnRef idx="3">
+            <a:schemeClr val="accent2"/>
+          </a:lnRef>
+          <a:fillRef idx="0">
+            <a:schemeClr val="accent2"/>
+          </a:fillRef>
+          <a:effectRef idx="2">
+            <a:schemeClr val="accent2"/>
+          </a:effectRef>
+          <a:fontRef idx="minor">
+            <a:schemeClr val="tx1"/>
+          </a:fontRef>
+        </p:style>
+      </p:cxnSp>
+      <p:pic>
+        <p:nvPicPr>
+          <p:cNvPr id="15" name="Immagine 14" descr="Immagine che contiene testo, screenshot, nero, schermo&#10;&#10;Descrizione generata automaticamente">
+            <a:extLst>
+              <a:ext uri="{FF2B5EF4-FFF2-40B4-BE49-F238E27FC236}">
+                <a16:creationId xmlns:a16="http://schemas.microsoft.com/office/drawing/2014/main" id="{D490F69B-000D-452C-A75E-37CDFDF56B56}"/>
+              </a:ext>
+            </a:extLst>
+          </p:cNvPr>
+          <p:cNvPicPr>
+            <a:picLocks noChangeAspect="1"/>
+          </p:cNvPicPr>
+          <p:nvPr/>
+        </p:nvPicPr>
+        <p:blipFill rotWithShape="1">
+          <a:blip r:embed="rId2">
+            <a:extLst>
+              <a:ext uri="{28A0092B-C50C-407E-A947-70E740481C1C}">
+                <a14:useLocalDpi xmlns:a14="http://schemas.microsoft.com/office/drawing/2010/main" val="0"/>
+              </a:ext>
+            </a:extLst>
+          </a:blip>
+          <a:srcRect r="7938"/>
+          <a:stretch/>
+        </p:blipFill>
+        <p:spPr>
+          <a:xfrm>
+            <a:off x="6240463" y="2060575"/>
+            <a:ext cx="5951537" cy="2808288"/>
+          </a:xfrm>
+          <a:prstGeom prst="rect">
+            <a:avLst/>
+          </a:prstGeom>
+        </p:spPr>
+      </p:pic>
+    </p:spTree>
+    <p:extLst>
+      <p:ext uri="{BB962C8B-B14F-4D97-AF65-F5344CB8AC3E}">
+        <p14:creationId xmlns:p14="http://schemas.microsoft.com/office/powerpoint/2010/main" val="3738973776"/>
+      </p:ext>
+    </p:extLst>
+  </p:cSld>
+  <p:clrMapOvr>
+    <a:masterClrMapping/>
+  </p:clrMapOvr>
+</p:sld>
+</file>
+
+<file path=ppt/slides/slide17.xml><?xml version="1.0" encoding="utf-8"?>
+<p:sld xmlns:a="http://schemas.openxmlformats.org/drawingml/2006/main" xmlns:r="http://schemas.openxmlformats.org/officeDocument/2006/relationships" xmlns:p="http://schemas.openxmlformats.org/presentationml/2006/main">
+  <p:cSld>
+    <p:spTree>
+      <p:nvGrpSpPr>
+        <p:cNvPr id="1" name=""/>
+        <p:cNvGrpSpPr/>
+        <p:nvPr/>
+      </p:nvGrpSpPr>
+      <p:grpSpPr>
+        <a:xfrm>
+          <a:off x="0" y="0"/>
+          <a:ext cx="0" cy="0"/>
+          <a:chOff x="0" y="0"/>
+          <a:chExt cx="0" cy="0"/>
+        </a:xfrm>
+      </p:grpSpPr>
+      <p:sp>
+        <p:nvSpPr>
+          <p:cNvPr id="5" name="CasellaDiTesto 4">
+            <a:extLst>
+              <a:ext uri="{FF2B5EF4-FFF2-40B4-BE49-F238E27FC236}">
+                <a16:creationId xmlns:a16="http://schemas.microsoft.com/office/drawing/2014/main" id="{89B91983-B758-4281-AC68-D9F7AB480AD9}"/>
+              </a:ext>
+            </a:extLst>
+          </p:cNvPr>
+          <p:cNvSpPr txBox="1"/>
+          <p:nvPr/>
+        </p:nvSpPr>
+        <p:spPr>
+          <a:xfrm>
+            <a:off x="704849" y="549275"/>
+            <a:ext cx="10106026" cy="584775"/>
+          </a:xfrm>
+          <a:prstGeom prst="rect">
+            <a:avLst/>
+          </a:prstGeom>
+          <a:noFill/>
+        </p:spPr>
+        <p:txBody>
+          <a:bodyPr wrap="square" rtlCol="0">
+            <a:spAutoFit/>
+          </a:bodyPr>
+          <a:lstStyle/>
+          <a:p>
+            <a:r>
+              <a:rPr lang="it-IT" sz="3200" dirty="0">
+                <a:latin typeface="Lato Black" panose="020F0502020204030203" pitchFamily="34" charset="0"/>
+                <a:ea typeface="Lato Black" panose="020F0502020204030203" pitchFamily="34" charset="0"/>
+                <a:cs typeface="Lato Black" panose="020F0502020204030203" pitchFamily="34" charset="0"/>
+              </a:rPr>
+              <a:t>User test</a:t>
+            </a:r>
+          </a:p>
+        </p:txBody>
+      </p:sp>
+      <p:sp>
+        <p:nvSpPr>
+          <p:cNvPr id="6" name="CasellaDiTesto 5">
+            <a:extLst>
+              <a:ext uri="{FF2B5EF4-FFF2-40B4-BE49-F238E27FC236}">
+                <a16:creationId xmlns:a16="http://schemas.microsoft.com/office/drawing/2014/main" id="{D13A722D-E148-4971-82F3-1C191AFD95ED}"/>
+              </a:ext>
+            </a:extLst>
+          </p:cNvPr>
+          <p:cNvSpPr txBox="1"/>
+          <p:nvPr/>
+        </p:nvSpPr>
+        <p:spPr>
+          <a:xfrm>
+            <a:off x="704847" y="2024062"/>
+            <a:ext cx="5246691" cy="1846659"/>
+          </a:xfrm>
+          <a:prstGeom prst="rect">
+            <a:avLst/>
+          </a:prstGeom>
+          <a:noFill/>
+        </p:spPr>
+        <p:txBody>
+          <a:bodyPr wrap="square" rtlCol="0">
+            <a:spAutoFit/>
+          </a:bodyPr>
+          <a:lstStyle/>
+          <a:p>
+            <a:pPr>
+              <a:spcAft>
+                <a:spcPts val="1200"/>
+              </a:spcAft>
+            </a:pPr>
+            <a:r>
+              <a:rPr lang="it-IT" sz="1400" dirty="0">
+                <a:latin typeface="Poppins Light" panose="00000400000000000000" pitchFamily="2" charset="0"/>
+                <a:cs typeface="Poppins Light" panose="00000400000000000000" pitchFamily="2" charset="0"/>
+              </a:rPr>
+              <a:t>Composto da due task somministrati a 13 utenti</a:t>
+            </a:r>
+          </a:p>
+          <a:p>
+            <a:pPr marL="285750" indent="-285750">
+              <a:spcAft>
+                <a:spcPts val="1200"/>
+              </a:spcAft>
+              <a:buFont typeface="Wingdings" panose="05000000000000000000" pitchFamily="2" charset="2"/>
+              <a:buChar char="q"/>
+            </a:pPr>
+            <a:r>
+              <a:rPr lang="it-IT" sz="1400" i="1" dirty="0">
+                <a:latin typeface="Poppins Light" panose="00000400000000000000" pitchFamily="2" charset="0"/>
+                <a:cs typeface="Poppins Light" panose="00000400000000000000" pitchFamily="2" charset="0"/>
+              </a:rPr>
+              <a:t>Dal 2006 ad 2021 quale anno ha avuto il maggior numero di giorni con una qualità dell’aria classificata ‘molto scarsa’?</a:t>
+            </a:r>
+          </a:p>
+          <a:p>
+            <a:pPr marL="742950" lvl="1" indent="-285750">
+              <a:spcAft>
+                <a:spcPts val="1200"/>
+              </a:spcAft>
+              <a:buFont typeface="Arial" panose="020B0604020202020204" pitchFamily="34" charset="0"/>
+              <a:buChar char="•"/>
+            </a:pPr>
+            <a:r>
+              <a:rPr lang="it-IT" sz="1400" dirty="0">
+                <a:latin typeface="Poppins Light" panose="00000400000000000000" pitchFamily="2" charset="0"/>
+                <a:cs typeface="Poppins Light" panose="00000400000000000000" pitchFamily="2" charset="0"/>
+              </a:rPr>
+              <a:t>Tempo di esecuzione ottimale:</a:t>
+            </a:r>
+          </a:p>
+          <a:p>
+            <a:pPr marL="742950" lvl="1" indent="-285750">
+              <a:spcAft>
+                <a:spcPts val="1200"/>
+              </a:spcAft>
+              <a:buFont typeface="Arial" panose="020B0604020202020204" pitchFamily="34" charset="0"/>
+              <a:buChar char="•"/>
+            </a:pPr>
+            <a:r>
+              <a:rPr lang="it-IT" sz="1400" dirty="0">
+                <a:latin typeface="Poppins Light" panose="00000400000000000000" pitchFamily="2" charset="0"/>
+                <a:cs typeface="Poppins Light" panose="00000400000000000000" pitchFamily="2" charset="0"/>
+              </a:rPr>
+              <a:t>Valore mediano di tempo impiegato degli utenti:</a:t>
+            </a:r>
+          </a:p>
+        </p:txBody>
+      </p:sp>
+      <p:cxnSp>
+        <p:nvCxnSpPr>
+          <p:cNvPr id="4" name="Connettore diritto 3">
+            <a:extLst>
+              <a:ext uri="{FF2B5EF4-FFF2-40B4-BE49-F238E27FC236}">
+                <a16:creationId xmlns:a16="http://schemas.microsoft.com/office/drawing/2014/main" id="{51FD34F7-E331-45F9-984B-6D3860116CA5}"/>
+              </a:ext>
+            </a:extLst>
+          </p:cNvPr>
+          <p:cNvCxnSpPr>
+            <a:cxnSpLocks/>
+          </p:cNvCxnSpPr>
+          <p:nvPr/>
+        </p:nvCxnSpPr>
+        <p:spPr>
+          <a:xfrm>
+            <a:off x="772998" y="1134050"/>
+            <a:ext cx="1695882" cy="0"/>
+          </a:xfrm>
+          <a:prstGeom prst="line">
+            <a:avLst/>
+          </a:prstGeom>
+          <a:ln w="38100">
+            <a:solidFill>
+              <a:schemeClr val="accent2"/>
+            </a:solidFill>
+          </a:ln>
+        </p:spPr>
+        <p:style>
+          <a:lnRef idx="3">
+            <a:schemeClr val="accent2"/>
+          </a:lnRef>
+          <a:fillRef idx="0">
+            <a:schemeClr val="accent2"/>
+          </a:fillRef>
+          <a:effectRef idx="2">
+            <a:schemeClr val="accent2"/>
+          </a:effectRef>
+          <a:fontRef idx="minor">
+            <a:schemeClr val="tx1"/>
+          </a:fontRef>
+        </p:style>
+      </p:cxnSp>
+    </p:spTree>
+    <p:extLst>
+      <p:ext uri="{BB962C8B-B14F-4D97-AF65-F5344CB8AC3E}">
+        <p14:creationId xmlns:p14="http://schemas.microsoft.com/office/powerpoint/2010/main" val="3344150004"/>
+      </p:ext>
+    </p:extLst>
+  </p:cSld>
+  <p:clrMapOvr>
+    <a:masterClrMapping/>
+  </p:clrMapOvr>
+</p:sld>
+</file>
+
+<file path=ppt/slides/slide18.xml><?xml version="1.0" encoding="utf-8"?>
 <p:sld xmlns:a="http://schemas.openxmlformats.org/drawingml/2006/main" xmlns:r="http://schemas.openxmlformats.org/officeDocument/2006/relationships" xmlns:p="http://schemas.openxmlformats.org/presentationml/2006/main">
   <p:cSld>
     <p:spTree>
@@ -5145,7 +6875,7 @@
 </p:sld>
 </file>
 
-<file path=ppt/slides/slide11.xml><?xml version="1.0" encoding="utf-8"?>
+<file path=ppt/slides/slide19.xml><?xml version="1.0" encoding="utf-8"?>
 <p:sld xmlns:a="http://schemas.openxmlformats.org/drawingml/2006/main" xmlns:r="http://schemas.openxmlformats.org/officeDocument/2006/relationships" xmlns:p="http://schemas.openxmlformats.org/presentationml/2006/main">
   <p:cSld>
     <p:spTree>
@@ -5362,7 +7092,156 @@
 </p:sld>
 </file>
 
-<file path=ppt/slides/slide12.xml><?xml version="1.0" encoding="utf-8"?>
+<file path=ppt/slides/slide2.xml><?xml version="1.0" encoding="utf-8"?>
+<p:sld xmlns:a="http://schemas.openxmlformats.org/drawingml/2006/main" xmlns:r="http://schemas.openxmlformats.org/officeDocument/2006/relationships" xmlns:p="http://schemas.openxmlformats.org/presentationml/2006/main">
+  <p:cSld>
+    <p:bg>
+      <p:bgPr>
+        <a:gradFill>
+          <a:gsLst>
+            <a:gs pos="16000">
+              <a:schemeClr val="bg1"/>
+            </a:gs>
+            <a:gs pos="49000">
+              <a:schemeClr val="bg1">
+                <a:alpha val="80000"/>
+              </a:schemeClr>
+            </a:gs>
+          </a:gsLst>
+          <a:lin ang="10800000" scaled="0"/>
+        </a:gradFill>
+        <a:effectLst/>
+      </p:bgPr>
+    </p:bg>
+    <p:spTree>
+      <p:nvGrpSpPr>
+        <p:cNvPr id="1" name=""/>
+        <p:cNvGrpSpPr/>
+        <p:nvPr/>
+      </p:nvGrpSpPr>
+      <p:grpSpPr>
+        <a:xfrm>
+          <a:off x="0" y="0"/>
+          <a:ext cx="0" cy="0"/>
+          <a:chOff x="0" y="0"/>
+          <a:chExt cx="0" cy="0"/>
+        </a:xfrm>
+      </p:grpSpPr>
+      <p:sp>
+        <p:nvSpPr>
+          <p:cNvPr id="3" name="Sottotitolo 2">
+            <a:extLst>
+              <a:ext uri="{FF2B5EF4-FFF2-40B4-BE49-F238E27FC236}">
+                <a16:creationId xmlns:a16="http://schemas.microsoft.com/office/drawing/2014/main" id="{E1FB86F8-6DF0-4339-BF37-90EEE1A1CE98}"/>
+              </a:ext>
+            </a:extLst>
+          </p:cNvPr>
+          <p:cNvSpPr>
+            <a:spLocks noGrp="1"/>
+          </p:cNvSpPr>
+          <p:nvPr>
+            <p:ph type="subTitle" idx="1"/>
+          </p:nvPr>
+        </p:nvSpPr>
+        <p:spPr>
+          <a:xfrm>
+            <a:off x="695324" y="2068505"/>
+            <a:ext cx="7585075" cy="2477892"/>
+          </a:xfrm>
+        </p:spPr>
+        <p:txBody>
+          <a:bodyPr>
+            <a:noAutofit/>
+          </a:bodyPr>
+          <a:lstStyle/>
+          <a:p>
+            <a:pPr algn="l">
+              <a:lnSpc>
+                <a:spcPts val="4000"/>
+              </a:lnSpc>
+              <a:spcBef>
+                <a:spcPts val="600"/>
+              </a:spcBef>
+              <a:defRPr/>
+            </a:pPr>
+            <a:r>
+              <a:rPr lang="it-IT" sz="3600" b="1" spc="100" dirty="0">
+                <a:solidFill>
+                  <a:prstClr val="black"/>
+                </a:solidFill>
+                <a:effectLst>
+                  <a:outerShdw blurRad="38100" dist="38100" dir="2700000" algn="tl">
+                    <a:srgbClr val="000000">
+                      <a:alpha val="43137"/>
+                    </a:srgbClr>
+                  </a:outerShdw>
+                </a:effectLst>
+                <a:latin typeface="Lato Black" panose="020F0502020204030203" pitchFamily="34" charset="0"/>
+                <a:ea typeface="Lato Black" panose="020F0502020204030203" pitchFamily="34" charset="0"/>
+                <a:cs typeface="Lato Black" panose="020F0502020204030203" pitchFamily="34" charset="0"/>
+              </a:rPr>
+              <a:t>Introduzione al problema, al dominio e alla domanda di ricerca</a:t>
+            </a:r>
+          </a:p>
+        </p:txBody>
+      </p:sp>
+      <p:cxnSp>
+        <p:nvCxnSpPr>
+          <p:cNvPr id="9" name="Connettore diritto 8">
+            <a:extLst>
+              <a:ext uri="{FF2B5EF4-FFF2-40B4-BE49-F238E27FC236}">
+                <a16:creationId xmlns:a16="http://schemas.microsoft.com/office/drawing/2014/main" id="{32D6E1D3-F7D7-4AD0-9490-0F16752E9883}"/>
+              </a:ext>
+            </a:extLst>
+          </p:cNvPr>
+          <p:cNvCxnSpPr>
+            <a:cxnSpLocks/>
+          </p:cNvCxnSpPr>
+          <p:nvPr/>
+        </p:nvCxnSpPr>
+        <p:spPr>
+          <a:xfrm>
+            <a:off x="731838" y="3208384"/>
+            <a:ext cx="7252229" cy="0"/>
+          </a:xfrm>
+          <a:prstGeom prst="line">
+            <a:avLst/>
+          </a:prstGeom>
+          <a:ln w="38100">
+            <a:solidFill>
+              <a:schemeClr val="accent2"/>
+            </a:solidFill>
+          </a:ln>
+        </p:spPr>
+        <p:style>
+          <a:lnRef idx="3">
+            <a:schemeClr val="accent2"/>
+          </a:lnRef>
+          <a:fillRef idx="0">
+            <a:schemeClr val="accent2"/>
+          </a:fillRef>
+          <a:effectRef idx="2">
+            <a:schemeClr val="accent2"/>
+          </a:effectRef>
+          <a:fontRef idx="minor">
+            <a:schemeClr val="tx1"/>
+          </a:fontRef>
+        </p:style>
+      </p:cxnSp>
+    </p:spTree>
+    <p:extLst>
+      <p:ext uri="{BB962C8B-B14F-4D97-AF65-F5344CB8AC3E}">
+        <p14:creationId xmlns:p14="http://schemas.microsoft.com/office/powerpoint/2010/main" val="2791897993"/>
+      </p:ext>
+    </p:extLst>
+  </p:cSld>
+  <p:clrMapOvr>
+    <a:masterClrMapping/>
+  </p:clrMapOvr>
+</p:sld>
+</file>
+
+<file path=ppt/slides/slide20.xml><?xml version="1.0" encoding="utf-8"?>
 <p:sld xmlns:a="http://schemas.openxmlformats.org/drawingml/2006/main" xmlns:r="http://schemas.openxmlformats.org/officeDocument/2006/relationships" xmlns:p="http://schemas.openxmlformats.org/presentationml/2006/main">
   <p:cSld>
     <p:spTree>
@@ -5433,7 +7312,7 @@
         <p:spPr>
           <a:xfrm>
             <a:off x="688197" y="1955969"/>
-            <a:ext cx="11104532" cy="4685963"/>
+            <a:ext cx="11104532" cy="384977"/>
           </a:xfrm>
           <a:prstGeom prst="rect">
             <a:avLst/>
@@ -5463,497 +7342,8 @@
                 <a:ea typeface="Times New Roman" panose="02020603050405020304" pitchFamily="18" charset="0"/>
                 <a:cs typeface="Poppins Light" panose="00000400000000000000" pitchFamily="2" charset="0"/>
               </a:rPr>
-              <a:t>   Baricco, A. (2018). </a:t>
-            </a:r>
-            <a:r>
-              <a:rPr lang="it-IT" sz="1400" i="1" dirty="0">
-                <a:effectLst/>
-                <a:latin typeface="Poppins Light" panose="00000400000000000000" pitchFamily="2" charset="0"/>
-                <a:ea typeface="Times New Roman" panose="02020603050405020304" pitchFamily="18" charset="0"/>
-                <a:cs typeface="Poppins Light" panose="00000400000000000000" pitchFamily="2" charset="0"/>
-              </a:rPr>
-              <a:t>The Game.</a:t>
-            </a:r>
-            <a:r>
-              <a:rPr lang="it-IT" sz="1400" dirty="0">
-                <a:effectLst/>
-                <a:latin typeface="Poppins Light" panose="00000400000000000000" pitchFamily="2" charset="0"/>
-                <a:ea typeface="Times New Roman" panose="02020603050405020304" pitchFamily="18" charset="0"/>
-                <a:cs typeface="Poppins Light" panose="00000400000000000000" pitchFamily="2" charset="0"/>
-              </a:rPr>
-              <a:t> Stile Libero Big.</a:t>
-            </a:r>
-          </a:p>
-          <a:p>
-            <a:pPr marL="457200" indent="-457200">
-              <a:spcAft>
-                <a:spcPts val="800"/>
-              </a:spcAft>
-              <a:buFont typeface="Wingdings" panose="05000000000000000000" pitchFamily="2" charset="2"/>
-              <a:buChar char="q"/>
-            </a:pPr>
-            <a:r>
-              <a:rPr lang="it-IT" sz="1400" dirty="0">
-                <a:effectLst/>
-                <a:latin typeface="Poppins Light" panose="00000400000000000000" pitchFamily="2" charset="0"/>
-                <a:ea typeface="Times New Roman" panose="02020603050405020304" pitchFamily="18" charset="0"/>
-                <a:cs typeface="Poppins Light" panose="00000400000000000000" pitchFamily="2" charset="0"/>
-              </a:rPr>
-              <a:t>de Corte, E. ((2010)). </a:t>
-            </a:r>
-            <a:r>
-              <a:rPr lang="en-US" sz="1400" dirty="0">
-                <a:effectLst/>
-                <a:latin typeface="Poppins Light" panose="00000400000000000000" pitchFamily="2" charset="0"/>
-                <a:ea typeface="Times New Roman" panose="02020603050405020304" pitchFamily="18" charset="0"/>
-                <a:cs typeface="Poppins Light" panose="00000400000000000000" pitchFamily="2" charset="0"/>
-              </a:rPr>
-              <a:t>Historical developments in the understanding of learning. </a:t>
-            </a:r>
-            <a:r>
-              <a:rPr lang="en-US" sz="1400" i="1" dirty="0">
-                <a:effectLst/>
-                <a:latin typeface="Poppins Light" panose="00000400000000000000" pitchFamily="2" charset="0"/>
-                <a:ea typeface="Times New Roman" panose="02020603050405020304" pitchFamily="18" charset="0"/>
-                <a:cs typeface="Poppins Light" panose="00000400000000000000" pitchFamily="2" charset="0"/>
-              </a:rPr>
-              <a:t>The Nature of Learning: Using Research to Inspire Practice</a:t>
-            </a:r>
-            <a:r>
-              <a:rPr lang="en-US" sz="1400" dirty="0">
-                <a:effectLst/>
-                <a:latin typeface="Poppins Light" panose="00000400000000000000" pitchFamily="2" charset="0"/>
-                <a:ea typeface="Times New Roman" panose="02020603050405020304" pitchFamily="18" charset="0"/>
-                <a:cs typeface="Poppins Light" panose="00000400000000000000" pitchFamily="2" charset="0"/>
-              </a:rPr>
-              <a:t>.</a:t>
-            </a:r>
-            <a:endParaRPr lang="it-IT" sz="1400" dirty="0">
-              <a:effectLst/>
-              <a:latin typeface="Poppins Light" panose="00000400000000000000" pitchFamily="2" charset="0"/>
-              <a:ea typeface="Times New Roman" panose="02020603050405020304" pitchFamily="18" charset="0"/>
-              <a:cs typeface="Poppins Light" panose="00000400000000000000" pitchFamily="2" charset="0"/>
-            </a:endParaRPr>
-          </a:p>
-          <a:p>
-            <a:pPr marL="457200" indent="-457200">
-              <a:lnSpc>
-                <a:spcPct val="150000"/>
-              </a:lnSpc>
-              <a:spcAft>
-                <a:spcPts val="800"/>
-              </a:spcAft>
-              <a:buFont typeface="Wingdings" panose="05000000000000000000" pitchFamily="2" charset="2"/>
-              <a:buChar char="q"/>
-            </a:pPr>
-            <a:r>
-              <a:rPr lang="en-US" sz="1400" dirty="0">
-                <a:effectLst/>
-                <a:latin typeface="Poppins Light" panose="00000400000000000000" pitchFamily="2" charset="0"/>
-                <a:ea typeface="Times New Roman" panose="02020603050405020304" pitchFamily="18" charset="0"/>
-                <a:cs typeface="Poppins Light" panose="00000400000000000000" pitchFamily="2" charset="0"/>
-              </a:rPr>
-              <a:t>ECDL Foundation. (2014). </a:t>
-            </a:r>
-            <a:r>
-              <a:rPr lang="en-US" sz="1400" i="1" dirty="0">
-                <a:effectLst/>
-                <a:latin typeface="Poppins Light" panose="00000400000000000000" pitchFamily="2" charset="0"/>
-                <a:ea typeface="Times New Roman" panose="02020603050405020304" pitchFamily="18" charset="0"/>
-                <a:cs typeface="Poppins Light" panose="00000400000000000000" pitchFamily="2" charset="0"/>
-              </a:rPr>
-              <a:t>The Fallacy of the ‘</a:t>
-            </a:r>
-            <a:r>
-              <a:rPr lang="en-US" sz="1400" i="1" dirty="0" err="1">
-                <a:effectLst/>
-                <a:latin typeface="Poppins Light" panose="00000400000000000000" pitchFamily="2" charset="0"/>
-                <a:ea typeface="Times New Roman" panose="02020603050405020304" pitchFamily="18" charset="0"/>
-                <a:cs typeface="Poppins Light" panose="00000400000000000000" pitchFamily="2" charset="0"/>
-              </a:rPr>
-              <a:t>DigitalNative</a:t>
-            </a:r>
-            <a:r>
-              <a:rPr lang="en-US" sz="1400" i="1" dirty="0">
-                <a:effectLst/>
-                <a:latin typeface="Poppins Light" panose="00000400000000000000" pitchFamily="2" charset="0"/>
-                <a:ea typeface="Times New Roman" panose="02020603050405020304" pitchFamily="18" charset="0"/>
-                <a:cs typeface="Poppins Light" panose="00000400000000000000" pitchFamily="2" charset="0"/>
-              </a:rPr>
-              <a:t>’: Why Young People Need to Develop their Digital Skills.</a:t>
-            </a:r>
-            <a:r>
-              <a:rPr lang="en-US" sz="1400" dirty="0">
-                <a:effectLst/>
-                <a:latin typeface="Poppins Light" panose="00000400000000000000" pitchFamily="2" charset="0"/>
-                <a:ea typeface="Times New Roman" panose="02020603050405020304" pitchFamily="18" charset="0"/>
-                <a:cs typeface="Poppins Light" panose="00000400000000000000" pitchFamily="2" charset="0"/>
-              </a:rPr>
-              <a:t> </a:t>
-            </a:r>
-            <a:endParaRPr lang="it-IT" sz="1400" dirty="0">
-              <a:effectLst/>
-              <a:latin typeface="Poppins Light" panose="00000400000000000000" pitchFamily="2" charset="0"/>
-              <a:ea typeface="Times New Roman" panose="02020603050405020304" pitchFamily="18" charset="0"/>
-              <a:cs typeface="Poppins Light" panose="00000400000000000000" pitchFamily="2" charset="0"/>
-            </a:endParaRPr>
-          </a:p>
-          <a:p>
-            <a:pPr marL="457200" indent="-457200">
-              <a:spcAft>
-                <a:spcPts val="800"/>
-              </a:spcAft>
-              <a:buFont typeface="Wingdings" panose="05000000000000000000" pitchFamily="2" charset="2"/>
-              <a:buChar char="q"/>
-            </a:pPr>
-            <a:r>
-              <a:rPr lang="en-US" sz="1400" dirty="0">
-                <a:effectLst/>
-                <a:latin typeface="Poppins Light" panose="00000400000000000000" pitchFamily="2" charset="0"/>
-                <a:ea typeface="Times New Roman" panose="02020603050405020304" pitchFamily="18" charset="0"/>
-                <a:cs typeface="Poppins Light" panose="00000400000000000000" pitchFamily="2" charset="0"/>
-              </a:rPr>
-              <a:t>Knowles, B., &amp; L. Hanson, V. (2018). The Wisdom of Older Technology (Non)Users. </a:t>
-            </a:r>
-            <a:r>
-              <a:rPr lang="en-US" sz="1400" i="1" dirty="0">
-                <a:effectLst/>
-                <a:latin typeface="Poppins Light" panose="00000400000000000000" pitchFamily="2" charset="0"/>
-                <a:ea typeface="Times New Roman" panose="02020603050405020304" pitchFamily="18" charset="0"/>
-                <a:cs typeface="Poppins Light" panose="00000400000000000000" pitchFamily="2" charset="0"/>
-              </a:rPr>
-              <a:t>Communications of the ACM Vol. 61 No. 3</a:t>
-            </a:r>
-            <a:r>
-              <a:rPr lang="en-US" sz="1400" dirty="0">
-                <a:effectLst/>
-                <a:latin typeface="Poppins Light" panose="00000400000000000000" pitchFamily="2" charset="0"/>
-                <a:ea typeface="Times New Roman" panose="02020603050405020304" pitchFamily="18" charset="0"/>
-                <a:cs typeface="Poppins Light" panose="00000400000000000000" pitchFamily="2" charset="0"/>
-              </a:rPr>
-              <a:t>, p. 72-77.</a:t>
-            </a:r>
-            <a:endParaRPr lang="it-IT" sz="1400" dirty="0">
-              <a:effectLst/>
-              <a:latin typeface="Poppins Light" panose="00000400000000000000" pitchFamily="2" charset="0"/>
-              <a:ea typeface="Times New Roman" panose="02020603050405020304" pitchFamily="18" charset="0"/>
-              <a:cs typeface="Poppins Light" panose="00000400000000000000" pitchFamily="2" charset="0"/>
-            </a:endParaRPr>
-          </a:p>
-          <a:p>
-            <a:pPr marL="457200" indent="-457200">
-              <a:spcAft>
-                <a:spcPts val="800"/>
-              </a:spcAft>
-              <a:buFont typeface="Wingdings" panose="05000000000000000000" pitchFamily="2" charset="2"/>
-              <a:buChar char="q"/>
-            </a:pPr>
-            <a:r>
-              <a:rPr lang="en-US" sz="1400" i="1" dirty="0">
-                <a:effectLst/>
-                <a:latin typeface="Poppins Light" panose="00000400000000000000" pitchFamily="2" charset="0"/>
-                <a:ea typeface="Times New Roman" panose="02020603050405020304" pitchFamily="18" charset="0"/>
-                <a:cs typeface="Poppins Light" panose="00000400000000000000" pitchFamily="2" charset="0"/>
-              </a:rPr>
-              <a:t>MODERN LEARNING FOR THE DIGITAL ERA.</a:t>
-            </a:r>
-            <a:r>
-              <a:rPr lang="en-US" sz="1400" dirty="0">
-                <a:effectLst/>
-                <a:latin typeface="Poppins Light" panose="00000400000000000000" pitchFamily="2" charset="0"/>
-                <a:ea typeface="Times New Roman" panose="02020603050405020304" pitchFamily="18" charset="0"/>
-                <a:cs typeface="Poppins Light" panose="00000400000000000000" pitchFamily="2" charset="0"/>
-              </a:rPr>
-              <a:t> </a:t>
-            </a:r>
-            <a:r>
-              <a:rPr lang="it-IT" sz="1400" dirty="0">
-                <a:effectLst/>
-                <a:latin typeface="Poppins Light" panose="00000400000000000000" pitchFamily="2" charset="0"/>
-                <a:ea typeface="Times New Roman" panose="02020603050405020304" pitchFamily="18" charset="0"/>
-                <a:cs typeface="Poppins Light" panose="00000400000000000000" pitchFamily="2" charset="0"/>
-              </a:rPr>
-              <a:t>(s.d.). Tratto da </a:t>
-            </a:r>
-            <a:r>
-              <a:rPr lang="it-IT" sz="1400" dirty="0" err="1">
-                <a:effectLst/>
-                <a:latin typeface="Poppins Light" panose="00000400000000000000" pitchFamily="2" charset="0"/>
-                <a:ea typeface="Times New Roman" panose="02020603050405020304" pitchFamily="18" charset="0"/>
-                <a:cs typeface="Poppins Light" panose="00000400000000000000" pitchFamily="2" charset="0"/>
-              </a:rPr>
-              <a:t>oliverwyman</a:t>
-            </a:r>
-            <a:r>
-              <a:rPr lang="it-IT" sz="1400" dirty="0">
-                <a:effectLst/>
-                <a:latin typeface="Poppins Light" panose="00000400000000000000" pitchFamily="2" charset="0"/>
-                <a:ea typeface="Times New Roman" panose="02020603050405020304" pitchFamily="18" charset="0"/>
-                <a:cs typeface="Poppins Light" panose="00000400000000000000" pitchFamily="2" charset="0"/>
-              </a:rPr>
-              <a:t>: https://www.oliverwyman.com/our-expertise/insights/2018/oct/modern-learning-for-the-digital-era.html</a:t>
-            </a:r>
-          </a:p>
-          <a:p>
-            <a:pPr marL="457200" indent="-457200">
-              <a:lnSpc>
-                <a:spcPct val="150000"/>
-              </a:lnSpc>
-              <a:spcAft>
-                <a:spcPts val="800"/>
-              </a:spcAft>
-              <a:buFont typeface="Wingdings" panose="05000000000000000000" pitchFamily="2" charset="2"/>
-              <a:buChar char="q"/>
-            </a:pPr>
-            <a:r>
-              <a:rPr lang="en-US" sz="1400" dirty="0">
-                <a:effectLst/>
-                <a:latin typeface="Poppins Light" panose="00000400000000000000" pitchFamily="2" charset="0"/>
-                <a:ea typeface="Times New Roman" panose="02020603050405020304" pitchFamily="18" charset="0"/>
-                <a:cs typeface="Poppins Light" panose="00000400000000000000" pitchFamily="2" charset="0"/>
-              </a:rPr>
-              <a:t>OECD. (2015k). Students, Computers and Learning: Making the Connection. </a:t>
-            </a:r>
-            <a:r>
-              <a:rPr lang="en-US" sz="1400" i="1" dirty="0">
-                <a:effectLst/>
-                <a:latin typeface="Poppins Light" panose="00000400000000000000" pitchFamily="2" charset="0"/>
-                <a:ea typeface="Times New Roman" panose="02020603050405020304" pitchFamily="18" charset="0"/>
-                <a:cs typeface="Poppins Light" panose="00000400000000000000" pitchFamily="2" charset="0"/>
-              </a:rPr>
-              <a:t>PISA</a:t>
-            </a:r>
-            <a:r>
-              <a:rPr lang="en-US" sz="1400" dirty="0">
-                <a:effectLst/>
-                <a:latin typeface="Poppins Light" panose="00000400000000000000" pitchFamily="2" charset="0"/>
-                <a:ea typeface="Times New Roman" panose="02020603050405020304" pitchFamily="18" charset="0"/>
-                <a:cs typeface="Poppins Light" panose="00000400000000000000" pitchFamily="2" charset="0"/>
-              </a:rPr>
-              <a:t>.</a:t>
-            </a:r>
-            <a:endParaRPr lang="it-IT" sz="1400" dirty="0">
-              <a:effectLst/>
-              <a:latin typeface="Poppins Light" panose="00000400000000000000" pitchFamily="2" charset="0"/>
-              <a:ea typeface="Times New Roman" panose="02020603050405020304" pitchFamily="18" charset="0"/>
-              <a:cs typeface="Poppins Light" panose="00000400000000000000" pitchFamily="2" charset="0"/>
-            </a:endParaRPr>
-          </a:p>
-          <a:p>
-            <a:pPr marL="457200" indent="-457200">
-              <a:spcAft>
-                <a:spcPts val="800"/>
-              </a:spcAft>
-              <a:buFont typeface="Wingdings" panose="05000000000000000000" pitchFamily="2" charset="2"/>
-              <a:buChar char="q"/>
-            </a:pPr>
-            <a:r>
-              <a:rPr lang="en-US" sz="1400" dirty="0">
-                <a:effectLst/>
-                <a:latin typeface="Poppins Light" panose="00000400000000000000" pitchFamily="2" charset="0"/>
-                <a:ea typeface="Times New Roman" panose="02020603050405020304" pitchFamily="18" charset="0"/>
-                <a:cs typeface="Poppins Light" panose="00000400000000000000" pitchFamily="2" charset="0"/>
-              </a:rPr>
-              <a:t>OECD. (2016). Skills for a Digital World: 2016 Ministerial Meeting on the Digital Economy Background Report. </a:t>
-            </a:r>
-            <a:r>
-              <a:rPr lang="en-US" sz="1400" i="1" dirty="0">
-                <a:effectLst/>
-                <a:latin typeface="Poppins Light" panose="00000400000000000000" pitchFamily="2" charset="0"/>
-                <a:ea typeface="Times New Roman" panose="02020603050405020304" pitchFamily="18" charset="0"/>
-                <a:cs typeface="Poppins Light" panose="00000400000000000000" pitchFamily="2" charset="0"/>
-              </a:rPr>
-              <a:t>ECD Digital Economy Papers, No. 250</a:t>
-            </a:r>
-          </a:p>
-          <a:p>
-            <a:pPr marL="457200" indent="-457200">
-              <a:lnSpc>
-                <a:spcPct val="150000"/>
-              </a:lnSpc>
-              <a:spcAft>
-                <a:spcPts val="800"/>
-              </a:spcAft>
-              <a:buFont typeface="Wingdings" panose="05000000000000000000" pitchFamily="2" charset="2"/>
-              <a:buChar char="q"/>
-            </a:pPr>
-            <a:r>
-              <a:rPr lang="en-US" sz="1400" dirty="0">
-                <a:effectLst/>
-                <a:latin typeface="Poppins Light" panose="00000400000000000000" pitchFamily="2" charset="0"/>
-                <a:ea typeface="Times New Roman" panose="02020603050405020304" pitchFamily="18" charset="0"/>
-                <a:cs typeface="Poppins Light" panose="00000400000000000000" pitchFamily="2" charset="0"/>
-              </a:rPr>
-              <a:t>Prensky, M. (2001, October). Digital Natives, Digital Immigrants. </a:t>
-            </a:r>
-            <a:r>
-              <a:rPr lang="en-US" sz="1400" i="1" dirty="0">
-                <a:effectLst/>
-                <a:latin typeface="Poppins Light" panose="00000400000000000000" pitchFamily="2" charset="0"/>
-                <a:ea typeface="Times New Roman" panose="02020603050405020304" pitchFamily="18" charset="0"/>
-                <a:cs typeface="Poppins Light" panose="00000400000000000000" pitchFamily="2" charset="0"/>
-              </a:rPr>
-              <a:t>On the Horizon Vol. 9 No. 5</a:t>
-            </a:r>
-            <a:r>
-              <a:rPr lang="en-US" sz="1400" dirty="0">
-                <a:effectLst/>
-                <a:latin typeface="Poppins Light" panose="00000400000000000000" pitchFamily="2" charset="0"/>
-                <a:ea typeface="Times New Roman" panose="02020603050405020304" pitchFamily="18" charset="0"/>
-                <a:cs typeface="Poppins Light" panose="00000400000000000000" pitchFamily="2" charset="0"/>
-              </a:rPr>
-              <a:t>.</a:t>
-            </a:r>
-            <a:endParaRPr lang="it-IT" sz="1400" dirty="0">
-              <a:effectLst/>
-              <a:latin typeface="Poppins Light" panose="00000400000000000000" pitchFamily="2" charset="0"/>
-              <a:ea typeface="Times New Roman" panose="02020603050405020304" pitchFamily="18" charset="0"/>
-              <a:cs typeface="Poppins Light" panose="00000400000000000000" pitchFamily="2" charset="0"/>
-            </a:endParaRPr>
-          </a:p>
-          <a:p>
-            <a:pPr marL="457200" indent="-457200">
-              <a:spcAft>
-                <a:spcPts val="800"/>
-              </a:spcAft>
-              <a:buFont typeface="Wingdings" panose="05000000000000000000" pitchFamily="2" charset="2"/>
-              <a:buChar char="q"/>
-            </a:pPr>
-            <a:r>
-              <a:rPr lang="en-US" sz="1400" dirty="0" err="1">
-                <a:effectLst/>
-                <a:latin typeface="Poppins Light" panose="00000400000000000000" pitchFamily="2" charset="0"/>
-                <a:ea typeface="Times New Roman" panose="02020603050405020304" pitchFamily="18" charset="0"/>
-                <a:cs typeface="Poppins Light" panose="00000400000000000000" pitchFamily="2" charset="0"/>
-              </a:rPr>
-              <a:t>Stolterman</a:t>
-            </a:r>
-            <a:r>
-              <a:rPr lang="en-US" sz="1400" dirty="0">
-                <a:effectLst/>
-                <a:latin typeface="Poppins Light" panose="00000400000000000000" pitchFamily="2" charset="0"/>
-                <a:ea typeface="Times New Roman" panose="02020603050405020304" pitchFamily="18" charset="0"/>
-                <a:cs typeface="Poppins Light" panose="00000400000000000000" pitchFamily="2" charset="0"/>
-              </a:rPr>
-              <a:t>, E., &amp; Croon </a:t>
-            </a:r>
-            <a:r>
-              <a:rPr lang="en-US" sz="1400" dirty="0" err="1">
-                <a:effectLst/>
-                <a:latin typeface="Poppins Light" panose="00000400000000000000" pitchFamily="2" charset="0"/>
-                <a:ea typeface="Times New Roman" panose="02020603050405020304" pitchFamily="18" charset="0"/>
-                <a:cs typeface="Poppins Light" panose="00000400000000000000" pitchFamily="2" charset="0"/>
-              </a:rPr>
-              <a:t>Fors</a:t>
-            </a:r>
-            <a:r>
-              <a:rPr lang="en-US" sz="1400" dirty="0">
-                <a:effectLst/>
-                <a:latin typeface="Poppins Light" panose="00000400000000000000" pitchFamily="2" charset="0"/>
-                <a:ea typeface="Times New Roman" panose="02020603050405020304" pitchFamily="18" charset="0"/>
-                <a:cs typeface="Poppins Light" panose="00000400000000000000" pitchFamily="2" charset="0"/>
-              </a:rPr>
-              <a:t>, A. (2004). Information Technology and the Good Life. </a:t>
-            </a:r>
-            <a:r>
-              <a:rPr lang="it-IT" sz="1400" i="1" dirty="0">
-                <a:effectLst/>
-                <a:latin typeface="Poppins Light" panose="00000400000000000000" pitchFamily="2" charset="0"/>
-                <a:ea typeface="Times New Roman" panose="02020603050405020304" pitchFamily="18" charset="0"/>
-                <a:cs typeface="Poppins Light" panose="00000400000000000000" pitchFamily="2" charset="0"/>
-              </a:rPr>
-              <a:t>Information Systems </a:t>
-            </a:r>
-            <a:r>
-              <a:rPr lang="it-IT" sz="1400" i="1" dirty="0" err="1">
-                <a:effectLst/>
-                <a:latin typeface="Poppins Light" panose="00000400000000000000" pitchFamily="2" charset="0"/>
-                <a:ea typeface="Times New Roman" panose="02020603050405020304" pitchFamily="18" charset="0"/>
-                <a:cs typeface="Poppins Light" panose="00000400000000000000" pitchFamily="2" charset="0"/>
-              </a:rPr>
-              <a:t>Research</a:t>
-            </a:r>
-            <a:r>
-              <a:rPr lang="it-IT" sz="1400" i="1" dirty="0">
-                <a:effectLst/>
-                <a:latin typeface="Poppins Light" panose="00000400000000000000" pitchFamily="2" charset="0"/>
-                <a:ea typeface="Times New Roman" panose="02020603050405020304" pitchFamily="18" charset="0"/>
-                <a:cs typeface="Poppins Light" panose="00000400000000000000" pitchFamily="2" charset="0"/>
-              </a:rPr>
-              <a:t>: </a:t>
-            </a:r>
-            <a:r>
-              <a:rPr lang="it-IT" sz="1400" i="1" dirty="0" err="1">
-                <a:effectLst/>
-                <a:latin typeface="Poppins Light" panose="00000400000000000000" pitchFamily="2" charset="0"/>
-                <a:ea typeface="Times New Roman" panose="02020603050405020304" pitchFamily="18" charset="0"/>
-                <a:cs typeface="Poppins Light" panose="00000400000000000000" pitchFamily="2" charset="0"/>
-              </a:rPr>
-              <a:t>Relevant</a:t>
-            </a:r>
-            <a:r>
-              <a:rPr lang="it-IT" sz="1400" i="1" dirty="0">
-                <a:effectLst/>
-                <a:latin typeface="Poppins Light" panose="00000400000000000000" pitchFamily="2" charset="0"/>
-                <a:ea typeface="Times New Roman" panose="02020603050405020304" pitchFamily="18" charset="0"/>
-                <a:cs typeface="Poppins Light" panose="00000400000000000000" pitchFamily="2" charset="0"/>
-              </a:rPr>
-              <a:t> Theory and </a:t>
-            </a:r>
-            <a:r>
-              <a:rPr lang="it-IT" sz="1400" i="1" dirty="0" err="1">
-                <a:effectLst/>
-                <a:latin typeface="Poppins Light" panose="00000400000000000000" pitchFamily="2" charset="0"/>
-                <a:ea typeface="Times New Roman" panose="02020603050405020304" pitchFamily="18" charset="0"/>
-                <a:cs typeface="Poppins Light" panose="00000400000000000000" pitchFamily="2" charset="0"/>
-              </a:rPr>
-              <a:t>Informed</a:t>
-            </a:r>
-            <a:r>
-              <a:rPr lang="it-IT" sz="1400" i="1" dirty="0">
-                <a:effectLst/>
-                <a:latin typeface="Poppins Light" panose="00000400000000000000" pitchFamily="2" charset="0"/>
-                <a:ea typeface="Times New Roman" panose="02020603050405020304" pitchFamily="18" charset="0"/>
-                <a:cs typeface="Poppins Light" panose="00000400000000000000" pitchFamily="2" charset="0"/>
-              </a:rPr>
-              <a:t> </a:t>
-            </a:r>
-            <a:r>
-              <a:rPr lang="it-IT" sz="1400" i="1" dirty="0" err="1">
-                <a:effectLst/>
-                <a:latin typeface="Poppins Light" panose="00000400000000000000" pitchFamily="2" charset="0"/>
-                <a:ea typeface="Times New Roman" panose="02020603050405020304" pitchFamily="18" charset="0"/>
-                <a:cs typeface="Poppins Light" panose="00000400000000000000" pitchFamily="2" charset="0"/>
-              </a:rPr>
-              <a:t>Practice</a:t>
-            </a:r>
-            <a:r>
-              <a:rPr lang="it-IT" sz="1400" dirty="0">
-                <a:effectLst/>
-                <a:latin typeface="Poppins Light" panose="00000400000000000000" pitchFamily="2" charset="0"/>
-                <a:ea typeface="Times New Roman" panose="02020603050405020304" pitchFamily="18" charset="0"/>
-                <a:cs typeface="Poppins Light" panose="00000400000000000000" pitchFamily="2" charset="0"/>
-              </a:rPr>
-              <a:t>, 689.</a:t>
-            </a:r>
-            <a:endParaRPr lang="en-US" sz="1400" i="1" dirty="0">
-              <a:effectLst/>
-              <a:latin typeface="Poppins Light" panose="00000400000000000000" pitchFamily="2" charset="0"/>
-              <a:ea typeface="Times New Roman" panose="02020603050405020304" pitchFamily="18" charset="0"/>
-              <a:cs typeface="Poppins Light" panose="00000400000000000000" pitchFamily="2" charset="0"/>
-            </a:endParaRPr>
-          </a:p>
-          <a:p>
-            <a:pPr marL="457200" indent="-457200">
-              <a:lnSpc>
-                <a:spcPct val="107000"/>
-              </a:lnSpc>
-              <a:spcAft>
-                <a:spcPts val="800"/>
-              </a:spcAft>
-              <a:buFont typeface="Wingdings" panose="05000000000000000000" pitchFamily="2" charset="2"/>
-              <a:buChar char="q"/>
-            </a:pPr>
+              <a:t>   Baricco, </a:t>
+            </a:r>
             <a:endParaRPr lang="it-IT" sz="1400" dirty="0">
               <a:latin typeface="Poppins Light" panose="00000400000000000000" pitchFamily="50" charset="0"/>
               <a:cs typeface="Poppins Light" panose="00000400000000000000" pitchFamily="50" charset="0"/>
@@ -6017,7 +7407,7 @@
 </p:sld>
 </file>
 
-<file path=ppt/slides/slide2.xml><?xml version="1.0" encoding="utf-8"?>
+<file path=ppt/slides/slide3.xml><?xml version="1.0" encoding="utf-8"?>
 <p:sld xmlns:a="http://schemas.openxmlformats.org/drawingml/2006/main" xmlns:r="http://schemas.openxmlformats.org/officeDocument/2006/relationships" xmlns:p="http://schemas.openxmlformats.org/presentationml/2006/main">
   <p:cSld>
     <p:spTree>
@@ -6068,7 +7458,7 @@
                 <a:ea typeface="Lato Black" panose="020F0502020204030203" pitchFamily="34" charset="0"/>
                 <a:cs typeface="Lato Black" panose="020F0502020204030203" pitchFamily="34" charset="0"/>
               </a:rPr>
-              <a:t>Introduzione?</a:t>
+              <a:t>Cos’è l’indice di qualità dell’aria?</a:t>
             </a:r>
           </a:p>
         </p:txBody>
@@ -6088,7 +7478,7 @@
         <p:spPr>
           <a:xfrm>
             <a:off x="704847" y="2024062"/>
-            <a:ext cx="5246691" cy="2554545"/>
+            <a:ext cx="5246691" cy="677108"/>
           </a:xfrm>
           <a:prstGeom prst="rect">
             <a:avLst/>
@@ -6113,7 +7503,7 @@
                 <a:latin typeface="Poppins Light" panose="00000400000000000000" pitchFamily="2" charset="0"/>
                 <a:cs typeface="Poppins Light" panose="00000400000000000000" pitchFamily="2" charset="0"/>
               </a:rPr>
-              <a:t>IQA, zonizzazione,…</a:t>
+              <a:t>Copiare da dashboard</a:t>
             </a:r>
           </a:p>
           <a:p>
@@ -6124,29 +7514,10 @@
               <a:buFont typeface="Wingdings" panose="05000000000000000000" pitchFamily="2" charset="2"/>
               <a:buChar char="q"/>
             </a:pPr>
-            <a:r>
-              <a:rPr lang="it-IT" sz="1400" dirty="0">
-                <a:latin typeface="Poppins Light" panose="00000400000000000000" pitchFamily="2" charset="0"/>
-                <a:cs typeface="Poppins Light" panose="00000400000000000000" pitchFamily="2" charset="0"/>
-              </a:rPr>
-              <a:t>Navigando sul sito di ARPA Lombardia ci siamo resi conto della mancanza di una visualizzazione che permetta di avere uno sguardo globale sul problema dell’inquinamento atmosferico per capire se le misure di prevenzione adottate stanno funzionando</a:t>
-            </a:r>
-          </a:p>
-          <a:p>
-            <a:pPr marL="285750" indent="-285750">
-              <a:spcAft>
-                <a:spcPts val="1200"/>
-              </a:spcAft>
-              <a:buFont typeface="Wingdings" panose="05000000000000000000" pitchFamily="2" charset="2"/>
-              <a:buChar char="q"/>
-            </a:pPr>
-            <a:r>
-              <a:rPr lang="it-IT" sz="1400" dirty="0">
-                <a:latin typeface="Poppins Light" panose="00000400000000000000" pitchFamily="2" charset="0"/>
-                <a:cs typeface="Poppins Light" panose="00000400000000000000" pitchFamily="2" charset="0"/>
-              </a:rPr>
-              <a:t>Abbiamo quindi realizzato una visualizzazione che permette di valutare il trend annuale, stagionale e giornaliero del problema correlando le variazioni ai diversi inquinanti e alle diverse cause</a:t>
-            </a:r>
+            <a:endParaRPr lang="it-IT" sz="1400" dirty="0">
+              <a:latin typeface="Poppins Light" panose="00000400000000000000" pitchFamily="2" charset="0"/>
+              <a:cs typeface="Poppins Light" panose="00000400000000000000" pitchFamily="2" charset="0"/>
+            </a:endParaRPr>
           </a:p>
         </p:txBody>
       </p:sp>
@@ -6167,7 +7538,7 @@
         <p:spPr>
           <a:xfrm>
             <a:off x="772998" y="1134050"/>
-            <a:ext cx="3553469" cy="0"/>
+            <a:ext cx="5864869" cy="0"/>
           </a:xfrm>
           <a:prstGeom prst="line">
             <a:avLst/>
@@ -6206,7 +7577,7 @@
 </p:sld>
 </file>
 
-<file path=ppt/slides/slide3.xml><?xml version="1.0" encoding="utf-8"?>
+<file path=ppt/slides/slide4.xml><?xml version="1.0" encoding="utf-8"?>
 <p:sld xmlns:a="http://schemas.openxmlformats.org/drawingml/2006/main" xmlns:r="http://schemas.openxmlformats.org/officeDocument/2006/relationships" xmlns:p="http://schemas.openxmlformats.org/presentationml/2006/main">
   <p:cSld>
     <p:spTree>
@@ -6237,6 +7608,246 @@
         </p:nvSpPr>
         <p:spPr>
           <a:xfrm>
+            <a:off x="704847" y="549275"/>
+            <a:ext cx="10106026" cy="584775"/>
+          </a:xfrm>
+          <a:prstGeom prst="rect">
+            <a:avLst/>
+          </a:prstGeom>
+          <a:noFill/>
+        </p:spPr>
+        <p:txBody>
+          <a:bodyPr wrap="square" rtlCol="0">
+            <a:spAutoFit/>
+          </a:bodyPr>
+          <a:lstStyle/>
+          <a:p>
+            <a:r>
+              <a:rPr lang="it-IT" sz="3200" dirty="0">
+                <a:latin typeface="Lato Black" panose="020F0502020204030203" pitchFamily="34" charset="0"/>
+                <a:ea typeface="Lato Black" panose="020F0502020204030203" pitchFamily="34" charset="0"/>
+                <a:cs typeface="Lato Black" panose="020F0502020204030203" pitchFamily="34" charset="0"/>
+              </a:rPr>
+              <a:t>Monitoraggio dell’aria nell’agglomerato di Milano</a:t>
+            </a:r>
+          </a:p>
+        </p:txBody>
+      </p:sp>
+      <p:sp>
+        <p:nvSpPr>
+          <p:cNvPr id="6" name="CasellaDiTesto 5">
+            <a:extLst>
+              <a:ext uri="{FF2B5EF4-FFF2-40B4-BE49-F238E27FC236}">
+                <a16:creationId xmlns:a16="http://schemas.microsoft.com/office/drawing/2014/main" id="{D13A722D-E148-4971-82F3-1C191AFD95ED}"/>
+              </a:ext>
+            </a:extLst>
+          </p:cNvPr>
+          <p:cNvSpPr txBox="1"/>
+          <p:nvPr/>
+        </p:nvSpPr>
+        <p:spPr>
+          <a:xfrm>
+            <a:off x="704847" y="2024062"/>
+            <a:ext cx="5246691" cy="2154436"/>
+          </a:xfrm>
+          <a:prstGeom prst="rect">
+            <a:avLst/>
+          </a:prstGeom>
+          <a:noFill/>
+        </p:spPr>
+        <p:txBody>
+          <a:bodyPr wrap="square" rtlCol="0">
+            <a:spAutoFit/>
+          </a:bodyPr>
+          <a:lstStyle/>
+          <a:p>
+            <a:pPr marL="285750" indent="-285750">
+              <a:spcAft>
+                <a:spcPts val="1200"/>
+              </a:spcAft>
+              <a:buFont typeface="Wingdings" panose="05000000000000000000" pitchFamily="2" charset="2"/>
+              <a:buChar char="q"/>
+            </a:pPr>
+            <a:r>
+              <a:rPr lang="it-IT" sz="1400" dirty="0">
+                <a:latin typeface="Poppins Light" panose="00000400000000000000" pitchFamily="2" charset="0"/>
+                <a:cs typeface="Poppins Light" panose="00000400000000000000" pitchFamily="2" charset="0"/>
+              </a:rPr>
+              <a:t>Copiare da dashboard</a:t>
+            </a:r>
+          </a:p>
+          <a:p>
+            <a:pPr marL="285750" indent="-285750">
+              <a:spcAft>
+                <a:spcPts val="1200"/>
+              </a:spcAft>
+              <a:buFont typeface="Wingdings" panose="05000000000000000000" pitchFamily="2" charset="2"/>
+              <a:buChar char="q"/>
+            </a:pPr>
+            <a:endParaRPr lang="it-IT" sz="1400" dirty="0">
+              <a:latin typeface="Poppins Light" panose="00000400000000000000" pitchFamily="2" charset="0"/>
+              <a:cs typeface="Poppins Light" panose="00000400000000000000" pitchFamily="2" charset="0"/>
+            </a:endParaRPr>
+          </a:p>
+          <a:p>
+            <a:pPr>
+              <a:spcAft>
+                <a:spcPts val="1200"/>
+              </a:spcAft>
+            </a:pPr>
+            <a:r>
+              <a:rPr lang="it-IT" sz="1400" dirty="0">
+                <a:latin typeface="Poppins Light" panose="00000400000000000000" pitchFamily="2" charset="0"/>
+                <a:cs typeface="Poppins Light" panose="00000400000000000000" pitchFamily="2" charset="0"/>
+              </a:rPr>
+              <a:t>+</a:t>
+            </a:r>
+          </a:p>
+          <a:p>
+            <a:pPr>
+              <a:spcAft>
+                <a:spcPts val="1200"/>
+              </a:spcAft>
+            </a:pPr>
+            <a:r>
+              <a:rPr lang="it-IT" sz="1400" dirty="0">
+                <a:latin typeface="Poppins Light" panose="00000400000000000000" pitchFamily="2" charset="0"/>
+                <a:cs typeface="Poppins Light" panose="00000400000000000000" pitchFamily="2" charset="0"/>
+              </a:rPr>
+              <a:t>mappa</a:t>
+            </a:r>
+          </a:p>
+          <a:p>
+            <a:pPr>
+              <a:spcAft>
+                <a:spcPts val="1200"/>
+              </a:spcAft>
+            </a:pPr>
+            <a:r>
+              <a:rPr lang="it-IT" sz="1400" dirty="0">
+                <a:latin typeface="Poppins Light" panose="00000400000000000000" pitchFamily="2" charset="0"/>
+                <a:cs typeface="Poppins Light" panose="00000400000000000000" pitchFamily="2" charset="0"/>
+              </a:rPr>
+              <a:t>Direttiva..</a:t>
+            </a:r>
+          </a:p>
+          <a:p>
+            <a:pPr>
+              <a:spcAft>
+                <a:spcPts val="1200"/>
+              </a:spcAft>
+            </a:pPr>
+            <a:r>
+              <a:rPr lang="it-IT" sz="1400" dirty="0">
+                <a:latin typeface="Poppins Light" panose="00000400000000000000" pitchFamily="2" charset="0"/>
+                <a:cs typeface="Poppins Light" panose="00000400000000000000" pitchFamily="2" charset="0"/>
+              </a:rPr>
+              <a:t>Dati su ARPA Lombardia (link </a:t>
+            </a:r>
+            <a:r>
+              <a:rPr lang="it-IT" sz="1400" dirty="0" err="1">
+                <a:latin typeface="Poppins Light" panose="00000400000000000000" pitchFamily="2" charset="0"/>
+                <a:cs typeface="Poppins Light" panose="00000400000000000000" pitchFamily="2" charset="0"/>
+              </a:rPr>
+              <a:t>opendata</a:t>
+            </a:r>
+            <a:r>
+              <a:rPr lang="it-IT" sz="1400" dirty="0">
+                <a:latin typeface="Poppins Light" panose="00000400000000000000" pitchFamily="2" charset="0"/>
+                <a:cs typeface="Poppins Light" panose="00000400000000000000" pitchFamily="2" charset="0"/>
+              </a:rPr>
+              <a:t>)</a:t>
+            </a:r>
+          </a:p>
+        </p:txBody>
+      </p:sp>
+      <p:cxnSp>
+        <p:nvCxnSpPr>
+          <p:cNvPr id="4" name="Connettore diritto 3">
+            <a:extLst>
+              <a:ext uri="{FF2B5EF4-FFF2-40B4-BE49-F238E27FC236}">
+                <a16:creationId xmlns:a16="http://schemas.microsoft.com/office/drawing/2014/main" id="{51FD34F7-E331-45F9-984B-6D3860116CA5}"/>
+              </a:ext>
+            </a:extLst>
+          </p:cNvPr>
+          <p:cNvCxnSpPr>
+            <a:cxnSpLocks/>
+          </p:cNvCxnSpPr>
+          <p:nvPr/>
+        </p:nvCxnSpPr>
+        <p:spPr>
+          <a:xfrm>
+            <a:off x="772998" y="1134050"/>
+            <a:ext cx="8972135" cy="0"/>
+          </a:xfrm>
+          <a:prstGeom prst="line">
+            <a:avLst/>
+          </a:prstGeom>
+          <a:ln w="38100">
+            <a:solidFill>
+              <a:schemeClr val="accent2"/>
+            </a:solidFill>
+          </a:ln>
+        </p:spPr>
+        <p:style>
+          <a:lnRef idx="3">
+            <a:schemeClr val="accent2"/>
+          </a:lnRef>
+          <a:fillRef idx="0">
+            <a:schemeClr val="accent2"/>
+          </a:fillRef>
+          <a:effectRef idx="2">
+            <a:schemeClr val="accent2"/>
+          </a:effectRef>
+          <a:fontRef idx="minor">
+            <a:schemeClr val="tx1"/>
+          </a:fontRef>
+        </p:style>
+      </p:cxnSp>
+    </p:spTree>
+    <p:extLst>
+      <p:ext uri="{BB962C8B-B14F-4D97-AF65-F5344CB8AC3E}">
+        <p14:creationId xmlns:p14="http://schemas.microsoft.com/office/powerpoint/2010/main" val="2643620593"/>
+      </p:ext>
+    </p:extLst>
+  </p:cSld>
+  <p:clrMapOvr>
+    <a:masterClrMapping/>
+  </p:clrMapOvr>
+</p:sld>
+</file>
+
+<file path=ppt/slides/slide5.xml><?xml version="1.0" encoding="utf-8"?>
+<p:sld xmlns:a="http://schemas.openxmlformats.org/drawingml/2006/main" xmlns:r="http://schemas.openxmlformats.org/officeDocument/2006/relationships" xmlns:p="http://schemas.openxmlformats.org/presentationml/2006/main">
+  <p:cSld>
+    <p:spTree>
+      <p:nvGrpSpPr>
+        <p:cNvPr id="1" name=""/>
+        <p:cNvGrpSpPr/>
+        <p:nvPr/>
+      </p:nvGrpSpPr>
+      <p:grpSpPr>
+        <a:xfrm>
+          <a:off x="0" y="0"/>
+          <a:ext cx="0" cy="0"/>
+          <a:chOff x="0" y="0"/>
+          <a:chExt cx="0" cy="0"/>
+        </a:xfrm>
+      </p:grpSpPr>
+      <p:sp>
+        <p:nvSpPr>
+          <p:cNvPr id="5" name="CasellaDiTesto 4">
+            <a:extLst>
+              <a:ext uri="{FF2B5EF4-FFF2-40B4-BE49-F238E27FC236}">
+                <a16:creationId xmlns:a16="http://schemas.microsoft.com/office/drawing/2014/main" id="{89B91983-B758-4281-AC68-D9F7AB480AD9}"/>
+              </a:ext>
+            </a:extLst>
+          </p:cNvPr>
+          <p:cNvSpPr txBox="1"/>
+          <p:nvPr/>
+        </p:nvSpPr>
+        <p:spPr>
+          <a:xfrm>
             <a:off x="704849" y="549275"/>
             <a:ext cx="10106026" cy="584775"/>
           </a:xfrm>
@@ -6277,7 +7888,7 @@
         <p:spPr>
           <a:xfrm>
             <a:off x="704847" y="2024062"/>
-            <a:ext cx="5246691" cy="1323439"/>
+            <a:ext cx="5246691" cy="2431435"/>
           </a:xfrm>
           <a:prstGeom prst="rect">
             <a:avLst/>
@@ -6319,6 +7930,44 @@
                 <a:cs typeface="Poppins Light" panose="00000400000000000000" pitchFamily="2" charset="0"/>
               </a:rPr>
               <a:t>Quali sono gli inquinanti più critici e quali i fattori che ne influenzano l’andamento stagionale?</a:t>
+            </a:r>
+          </a:p>
+          <a:p>
+            <a:pPr marL="285750" indent="-285750">
+              <a:spcAft>
+                <a:spcPts val="1200"/>
+              </a:spcAft>
+              <a:buFont typeface="Wingdings" panose="05000000000000000000" pitchFamily="2" charset="2"/>
+              <a:buChar char="q"/>
+            </a:pPr>
+            <a:endParaRPr lang="it-IT" sz="1400" dirty="0">
+              <a:latin typeface="Poppins Light" panose="00000400000000000000" pitchFamily="2" charset="0"/>
+              <a:cs typeface="Poppins Light" panose="00000400000000000000" pitchFamily="2" charset="0"/>
+            </a:endParaRPr>
+          </a:p>
+          <a:p>
+            <a:pPr>
+              <a:spcAft>
+                <a:spcPts val="1200"/>
+              </a:spcAft>
+            </a:pPr>
+            <a:endParaRPr lang="it-IT" sz="1400" dirty="0">
+              <a:latin typeface="Poppins Light" panose="00000400000000000000" pitchFamily="2" charset="0"/>
+              <a:cs typeface="Poppins Light" panose="00000400000000000000" pitchFamily="2" charset="0"/>
+            </a:endParaRPr>
+          </a:p>
+          <a:p>
+            <a:pPr>
+              <a:spcAft>
+                <a:spcPts val="1200"/>
+              </a:spcAft>
+            </a:pPr>
+            <a:r>
+              <a:rPr lang="it-IT" sz="1400" dirty="0">
+                <a:latin typeface="Poppins Light" panose="00000400000000000000" pitchFamily="2" charset="0"/>
+                <a:cs typeface="Poppins Light" panose="00000400000000000000" pitchFamily="2" charset="0"/>
+              </a:rPr>
+              <a:t>L’idea visualizzazione</a:t>
             </a:r>
           </a:p>
         </p:txBody>
@@ -6401,6 +8050,67 @@
           </a:prstGeom>
         </p:spPr>
       </p:pic>
+      <p:sp>
+        <p:nvSpPr>
+          <p:cNvPr id="8" name="CasellaDiTesto 7">
+            <a:extLst>
+              <a:ext uri="{FF2B5EF4-FFF2-40B4-BE49-F238E27FC236}">
+                <a16:creationId xmlns:a16="http://schemas.microsoft.com/office/drawing/2014/main" id="{72948E16-0E03-428B-9BCA-35A976770554}"/>
+              </a:ext>
+            </a:extLst>
+          </p:cNvPr>
+          <p:cNvSpPr txBox="1"/>
+          <p:nvPr/>
+        </p:nvSpPr>
+        <p:spPr>
+          <a:xfrm>
+            <a:off x="0" y="4386262"/>
+            <a:ext cx="5246691" cy="2185214"/>
+          </a:xfrm>
+          <a:prstGeom prst="rect">
+            <a:avLst/>
+          </a:prstGeom>
+          <a:noFill/>
+        </p:spPr>
+        <p:txBody>
+          <a:bodyPr wrap="square" rtlCol="0">
+            <a:spAutoFit/>
+          </a:bodyPr>
+          <a:lstStyle/>
+          <a:p>
+            <a:pPr marL="285750" indent="-285750">
+              <a:spcAft>
+                <a:spcPts val="1200"/>
+              </a:spcAft>
+              <a:buFont typeface="Wingdings" panose="05000000000000000000" pitchFamily="2" charset="2"/>
+              <a:buChar char="q"/>
+            </a:pPr>
+            <a:r>
+              <a:rPr lang="it-IT" sz="1400" dirty="0">
+                <a:latin typeface="Poppins Light" panose="00000400000000000000" pitchFamily="2" charset="0"/>
+                <a:cs typeface="Poppins Light" panose="00000400000000000000" pitchFamily="2" charset="0"/>
+              </a:rPr>
+              <a:t>Navigando sul sito di ARPA Lombardia ci siamo resi conto della mancanza di una visualizzazione che permetta di avere uno sguardo globale sul problema dell’inquinamento atmosferico per capire se le misure di prevenzione adottate stanno funzionando</a:t>
+            </a:r>
+          </a:p>
+          <a:p>
+            <a:pPr marL="285750" indent="-285750">
+              <a:spcAft>
+                <a:spcPts val="1200"/>
+              </a:spcAft>
+              <a:buFont typeface="Wingdings" panose="05000000000000000000" pitchFamily="2" charset="2"/>
+              <a:buChar char="q"/>
+            </a:pPr>
+            <a:r>
+              <a:rPr lang="it-IT" sz="1400" dirty="0">
+                <a:latin typeface="Poppins Light" panose="00000400000000000000" pitchFamily="2" charset="0"/>
+                <a:cs typeface="Poppins Light" panose="00000400000000000000" pitchFamily="2" charset="0"/>
+              </a:rPr>
+              <a:t>Abbiamo quindi realizzato una visualizzazione che permette di valutare il trend annuale, stagionale e giornaliero del problema correlando le variazioni ai diversi inquinanti e alle diverse cause</a:t>
+            </a:r>
+          </a:p>
+        </p:txBody>
+      </p:sp>
     </p:spTree>
     <p:extLst>
       <p:ext uri="{BB962C8B-B14F-4D97-AF65-F5344CB8AC3E}">
@@ -6414,7 +8124,308 @@
 </p:sld>
 </file>
 
-<file path=ppt/slides/slide4.xml><?xml version="1.0" encoding="utf-8"?>
+<file path=ppt/slides/slide6.xml><?xml version="1.0" encoding="utf-8"?>
+<p:sld xmlns:a="http://schemas.openxmlformats.org/drawingml/2006/main" xmlns:r="http://schemas.openxmlformats.org/officeDocument/2006/relationships" xmlns:p="http://schemas.openxmlformats.org/presentationml/2006/main">
+  <p:cSld>
+    <p:bg>
+      <p:bgPr>
+        <a:gradFill>
+          <a:gsLst>
+            <a:gs pos="16000">
+              <a:schemeClr val="bg1"/>
+            </a:gs>
+            <a:gs pos="49000">
+              <a:schemeClr val="bg1">
+                <a:alpha val="80000"/>
+              </a:schemeClr>
+            </a:gs>
+          </a:gsLst>
+          <a:lin ang="10800000" scaled="0"/>
+        </a:gradFill>
+        <a:effectLst/>
+      </p:bgPr>
+    </p:bg>
+    <p:spTree>
+      <p:nvGrpSpPr>
+        <p:cNvPr id="1" name=""/>
+        <p:cNvGrpSpPr/>
+        <p:nvPr/>
+      </p:nvGrpSpPr>
+      <p:grpSpPr>
+        <a:xfrm>
+          <a:off x="0" y="0"/>
+          <a:ext cx="0" cy="0"/>
+          <a:chOff x="0" y="0"/>
+          <a:chExt cx="0" cy="0"/>
+        </a:xfrm>
+      </p:grpSpPr>
+      <p:sp>
+        <p:nvSpPr>
+          <p:cNvPr id="2" name="Rettangolo 1">
+            <a:extLst>
+              <a:ext uri="{FF2B5EF4-FFF2-40B4-BE49-F238E27FC236}">
+                <a16:creationId xmlns:a16="http://schemas.microsoft.com/office/drawing/2014/main" id="{D0058110-4BF6-40A2-BDF3-D7115E2D2AC0}"/>
+              </a:ext>
+            </a:extLst>
+          </p:cNvPr>
+          <p:cNvSpPr/>
+          <p:nvPr/>
+        </p:nvSpPr>
+        <p:spPr>
+          <a:xfrm>
+            <a:off x="1123958" y="0"/>
+            <a:ext cx="9367770" cy="6858000"/>
+          </a:xfrm>
+          <a:prstGeom prst="rect">
+            <a:avLst/>
+          </a:prstGeom>
+          <a:gradFill>
+            <a:gsLst>
+              <a:gs pos="7000">
+                <a:srgbClr val="FFFFFF">
+                  <a:alpha val="0"/>
+                </a:srgbClr>
+              </a:gs>
+              <a:gs pos="15000">
+                <a:schemeClr val="bg1">
+                  <a:alpha val="38000"/>
+                </a:schemeClr>
+              </a:gs>
+              <a:gs pos="31000">
+                <a:srgbClr val="FFFFFF">
+                  <a:alpha val="96000"/>
+                </a:srgbClr>
+              </a:gs>
+              <a:gs pos="38000">
+                <a:srgbClr val="FFFFFF"/>
+              </a:gs>
+              <a:gs pos="22000">
+                <a:schemeClr val="bg1">
+                  <a:alpha val="70000"/>
+                </a:schemeClr>
+              </a:gs>
+            </a:gsLst>
+            <a:lin ang="10800000" scaled="0"/>
+          </a:gradFill>
+          <a:ln>
+            <a:noFill/>
+          </a:ln>
+        </p:spPr>
+        <p:style>
+          <a:lnRef idx="2">
+            <a:schemeClr val="accent1">
+              <a:shade val="50000"/>
+            </a:schemeClr>
+          </a:lnRef>
+          <a:fillRef idx="1">
+            <a:schemeClr val="accent1"/>
+          </a:fillRef>
+          <a:effectRef idx="0">
+            <a:schemeClr val="accent1"/>
+          </a:effectRef>
+          <a:fontRef idx="minor">
+            <a:schemeClr val="lt1"/>
+          </a:fontRef>
+        </p:style>
+        <p:txBody>
+          <a:bodyPr rtlCol="0" anchor="ctr"/>
+          <a:lstStyle/>
+          <a:p>
+            <a:pPr algn="ctr"/>
+            <a:endParaRPr lang="it-IT"/>
+          </a:p>
+        </p:txBody>
+      </p:sp>
+      <p:sp>
+        <p:nvSpPr>
+          <p:cNvPr id="10" name="Rettangolo 9">
+            <a:extLst>
+              <a:ext uri="{FF2B5EF4-FFF2-40B4-BE49-F238E27FC236}">
+                <a16:creationId xmlns:a16="http://schemas.microsoft.com/office/drawing/2014/main" id="{65212A0D-6F48-448D-AEC3-96318F736D96}"/>
+              </a:ext>
+            </a:extLst>
+          </p:cNvPr>
+          <p:cNvSpPr/>
+          <p:nvPr/>
+        </p:nvSpPr>
+        <p:spPr>
+          <a:xfrm>
+            <a:off x="0" y="0"/>
+            <a:ext cx="7029447" cy="1771199"/>
+          </a:xfrm>
+          <a:prstGeom prst="rect">
+            <a:avLst/>
+          </a:prstGeom>
+          <a:gradFill>
+            <a:gsLst>
+              <a:gs pos="76000">
+                <a:schemeClr val="bg1"/>
+              </a:gs>
+              <a:gs pos="35000">
+                <a:schemeClr val="bg1">
+                  <a:alpha val="79000"/>
+                </a:schemeClr>
+              </a:gs>
+              <a:gs pos="19000">
+                <a:schemeClr val="bg1">
+                  <a:alpha val="38000"/>
+                </a:schemeClr>
+              </a:gs>
+              <a:gs pos="0">
+                <a:schemeClr val="bg1">
+                  <a:alpha val="0"/>
+                </a:schemeClr>
+              </a:gs>
+              <a:gs pos="56000">
+                <a:schemeClr val="bg1"/>
+              </a:gs>
+            </a:gsLst>
+            <a:lin ang="10800000" scaled="0"/>
+          </a:gradFill>
+          <a:ln>
+            <a:noFill/>
+          </a:ln>
+        </p:spPr>
+        <p:style>
+          <a:lnRef idx="2">
+            <a:schemeClr val="accent1">
+              <a:shade val="50000"/>
+            </a:schemeClr>
+          </a:lnRef>
+          <a:fillRef idx="1">
+            <a:schemeClr val="accent1"/>
+          </a:fillRef>
+          <a:effectRef idx="0">
+            <a:schemeClr val="accent1"/>
+          </a:effectRef>
+          <a:fontRef idx="minor">
+            <a:schemeClr val="lt1"/>
+          </a:fontRef>
+        </p:style>
+        <p:txBody>
+          <a:bodyPr rtlCol="0" anchor="ctr"/>
+          <a:lstStyle/>
+          <a:p>
+            <a:pPr algn="ctr"/>
+            <a:endParaRPr lang="it-IT"/>
+          </a:p>
+        </p:txBody>
+      </p:sp>
+      <p:sp>
+        <p:nvSpPr>
+          <p:cNvPr id="3" name="Sottotitolo 2">
+            <a:extLst>
+              <a:ext uri="{FF2B5EF4-FFF2-40B4-BE49-F238E27FC236}">
+                <a16:creationId xmlns:a16="http://schemas.microsoft.com/office/drawing/2014/main" id="{E1FB86F8-6DF0-4339-BF37-90EEE1A1CE98}"/>
+              </a:ext>
+            </a:extLst>
+          </p:cNvPr>
+          <p:cNvSpPr>
+            <a:spLocks noGrp="1"/>
+          </p:cNvSpPr>
+          <p:nvPr>
+            <p:ph type="subTitle" idx="1"/>
+          </p:nvPr>
+        </p:nvSpPr>
+        <p:spPr>
+          <a:xfrm>
+            <a:off x="695324" y="2068505"/>
+            <a:ext cx="8029575" cy="2477892"/>
+          </a:xfrm>
+        </p:spPr>
+        <p:txBody>
+          <a:bodyPr>
+            <a:noAutofit/>
+          </a:bodyPr>
+          <a:lstStyle/>
+          <a:p>
+            <a:pPr algn="l">
+              <a:lnSpc>
+                <a:spcPts val="4000"/>
+              </a:lnSpc>
+              <a:spcBef>
+                <a:spcPts val="600"/>
+              </a:spcBef>
+              <a:defRPr/>
+            </a:pPr>
+            <a:r>
+              <a:rPr lang="it-IT" sz="3600" b="1" spc="100" dirty="0">
+                <a:solidFill>
+                  <a:prstClr val="black"/>
+                </a:solidFill>
+                <a:effectLst>
+                  <a:outerShdw blurRad="38100" dist="38100" dir="2700000" algn="tl">
+                    <a:srgbClr val="000000">
+                      <a:alpha val="43137"/>
+                    </a:srgbClr>
+                  </a:outerShdw>
+                </a:effectLst>
+                <a:latin typeface="Lato Black" panose="020F0502020204030203" pitchFamily="34" charset="0"/>
+                <a:ea typeface="Lato Black" panose="020F0502020204030203" pitchFamily="34" charset="0"/>
+                <a:cs typeface="Lato Black" panose="020F0502020204030203" pitchFamily="34" charset="0"/>
+              </a:rPr>
+              <a:t>I dati: fonti, preparazione e analisi</a:t>
+            </a:r>
+          </a:p>
+        </p:txBody>
+      </p:sp>
+      <p:cxnSp>
+        <p:nvCxnSpPr>
+          <p:cNvPr id="8" name="Connettore diritto 7">
+            <a:extLst>
+              <a:ext uri="{FF2B5EF4-FFF2-40B4-BE49-F238E27FC236}">
+                <a16:creationId xmlns:a16="http://schemas.microsoft.com/office/drawing/2014/main" id="{453EF2A5-8E03-415B-8868-4046AC2BE5C6}"/>
+              </a:ext>
+            </a:extLst>
+          </p:cNvPr>
+          <p:cNvCxnSpPr>
+            <a:cxnSpLocks/>
+          </p:cNvCxnSpPr>
+          <p:nvPr/>
+        </p:nvCxnSpPr>
+        <p:spPr>
+          <a:xfrm>
+            <a:off x="799571" y="2700384"/>
+            <a:ext cx="7252229" cy="0"/>
+          </a:xfrm>
+          <a:prstGeom prst="line">
+            <a:avLst/>
+          </a:prstGeom>
+          <a:ln w="38100">
+            <a:solidFill>
+              <a:schemeClr val="accent2"/>
+            </a:solidFill>
+          </a:ln>
+        </p:spPr>
+        <p:style>
+          <a:lnRef idx="3">
+            <a:schemeClr val="accent2"/>
+          </a:lnRef>
+          <a:fillRef idx="0">
+            <a:schemeClr val="accent2"/>
+          </a:fillRef>
+          <a:effectRef idx="2">
+            <a:schemeClr val="accent2"/>
+          </a:effectRef>
+          <a:fontRef idx="minor">
+            <a:schemeClr val="tx1"/>
+          </a:fontRef>
+        </p:style>
+      </p:cxnSp>
+    </p:spTree>
+    <p:extLst>
+      <p:ext uri="{BB962C8B-B14F-4D97-AF65-F5344CB8AC3E}">
+        <p14:creationId xmlns:p14="http://schemas.microsoft.com/office/powerpoint/2010/main" val="859176432"/>
+      </p:ext>
+    </p:extLst>
+  </p:cSld>
+  <p:clrMapOvr>
+    <a:masterClrMapping/>
+  </p:clrMapOvr>
+</p:sld>
+</file>
+
+<file path=ppt/slides/slide7.xml><?xml version="1.0" encoding="utf-8"?>
 <p:sld xmlns:a="http://schemas.openxmlformats.org/drawingml/2006/main" xmlns:r="http://schemas.openxmlformats.org/officeDocument/2006/relationships" xmlns:p="http://schemas.openxmlformats.org/presentationml/2006/main">
   <p:cSld>
     <p:spTree>
@@ -6446,7 +8457,7 @@
         <p:spPr>
           <a:xfrm>
             <a:off x="704849" y="549275"/>
-            <a:ext cx="10106026" cy="584775"/>
+            <a:ext cx="10106026" cy="1077218"/>
           </a:xfrm>
           <a:prstGeom prst="rect">
             <a:avLst/>
@@ -6465,7 +8476,23 @@
                 <a:ea typeface="Lato Black" panose="020F0502020204030203" pitchFamily="34" charset="0"/>
                 <a:cs typeface="Lato Black" panose="020F0502020204030203" pitchFamily="34" charset="0"/>
               </a:rPr>
-              <a:t>Dataset utilizzati</a:t>
+              <a:t>Dividere le (aggiungere spiegazione di cosa sono i datasets e formato e </a:t>
+            </a:r>
+            <a:r>
+              <a:rPr lang="it-IT" sz="3200" dirty="0" err="1">
+                <a:latin typeface="Lato Black" panose="020F0502020204030203" pitchFamily="34" charset="0"/>
+                <a:ea typeface="Lato Black" panose="020F0502020204030203" pitchFamily="34" charset="0"/>
+                <a:cs typeface="Lato Black" panose="020F0502020204030203" pitchFamily="34" charset="0"/>
+              </a:rPr>
+              <a:t>shape</a:t>
+            </a:r>
+            <a:r>
+              <a:rPr lang="it-IT" sz="3200" dirty="0">
+                <a:latin typeface="Lato Black" panose="020F0502020204030203" pitchFamily="34" charset="0"/>
+                <a:ea typeface="Lato Black" panose="020F0502020204030203" pitchFamily="34" charset="0"/>
+                <a:cs typeface="Lato Black" panose="020F0502020204030203" pitchFamily="34" charset="0"/>
+              </a:rPr>
+              <a:t>)</a:t>
             </a:r>
           </a:p>
         </p:txBody>
@@ -6527,7 +8554,7 @@
         </p:nvSpPr>
         <p:spPr>
           <a:xfrm>
-            <a:off x="704847" y="2024062"/>
+            <a:off x="713314" y="2024062"/>
             <a:ext cx="5246691" cy="4216539"/>
           </a:xfrm>
           <a:prstGeom prst="rect">
@@ -6665,7 +8692,7 @@
                 <a:latin typeface="Poppins Light" panose="00000400000000000000" pitchFamily="2" charset="0"/>
                 <a:cs typeface="Poppins Light" panose="00000400000000000000" pitchFamily="2" charset="0"/>
               </a:rPr>
-              <a:t>Dataset zonizzazione:</a:t>
+              <a:t>Tabella zonizzazione del territorio lombardo:</a:t>
             </a:r>
             <a:r>
               <a:rPr lang="it-IT" sz="1400" b="1" dirty="0">
@@ -6758,7 +8785,7 @@
 </p:sld>
 </file>
 
-<file path=ppt/slides/slide5.xml><?xml version="1.0" encoding="utf-8"?>
+<file path=ppt/slides/slide8.xml><?xml version="1.0" encoding="utf-8"?>
 <p:sld xmlns:a="http://schemas.openxmlformats.org/drawingml/2006/main" xmlns:r="http://schemas.openxmlformats.org/officeDocument/2006/relationships" xmlns:p="http://schemas.openxmlformats.org/presentationml/2006/main">
   <p:cSld>
     <p:spTree>
@@ -6790,7 +8817,7 @@
         <p:spPr>
           <a:xfrm>
             <a:off x="704849" y="549275"/>
-            <a:ext cx="10106026" cy="584775"/>
+            <a:ext cx="10106026" cy="1077218"/>
           </a:xfrm>
           <a:prstGeom prst="rect">
             <a:avLst/>
@@ -6809,7 +8836,7 @@
                 <a:ea typeface="Lato Black" panose="020F0502020204030203" pitchFamily="34" charset="0"/>
                 <a:cs typeface="Lato Black" panose="020F0502020204030203" pitchFamily="34" charset="0"/>
               </a:rPr>
-              <a:t>Descrizione datasets principali</a:t>
+              <a:t>Dati relativi all’inquinamento atmosferico: descrizione e fonti</a:t>
             </a:r>
           </a:p>
         </p:txBody>
@@ -6872,7 +8899,7 @@
         <p:spPr>
           <a:xfrm>
             <a:off x="704847" y="2024062"/>
-            <a:ext cx="5246691" cy="4201150"/>
+            <a:ext cx="5246691" cy="4570482"/>
           </a:xfrm>
           <a:prstGeom prst="rect">
             <a:avLst/>
@@ -7198,7 +9225,23 @@
                 <a:latin typeface="Poppins Light" panose="00000400000000000000" pitchFamily="2" charset="0"/>
                 <a:cs typeface="Poppins Light" panose="00000400000000000000" pitchFamily="2" charset="0"/>
               </a:rPr>
-              <a:t> l’abbiamo ricavato a partire dal PDF «ZONIZZAZIONE DEL TERRITORIO REGIONALE …» che riporta tutti i comuni lombardi</a:t>
+              <a:t> l’abbiamo ricavato a partire dal PDF «ZONIZZAZIONE DEL TERRITORIO REGIONALE» che riporta tutti i comuni lombardi</a:t>
+            </a:r>
+          </a:p>
+          <a:p>
+            <a:pPr marL="285750" indent="-285750">
+              <a:spcAft>
+                <a:spcPts val="1200"/>
+              </a:spcAft>
+              <a:buFont typeface="Wingdings" panose="05000000000000000000" pitchFamily="2" charset="2"/>
+              <a:buChar char="q"/>
+            </a:pPr>
+            <a:r>
+              <a:rPr lang="it-IT" sz="1400" dirty="0">
+                <a:latin typeface="Poppins Light" panose="00000400000000000000" pitchFamily="2" charset="0"/>
+                <a:cs typeface="Poppins Light" panose="00000400000000000000" pitchFamily="2" charset="0"/>
+              </a:rPr>
+              <a:t>IQA</a:t>
             </a:r>
           </a:p>
         </p:txBody>
@@ -7252,7 +9295,7 @@
 </p:sld>
 </file>
 
-<file path=ppt/slides/slide6.xml><?xml version="1.0" encoding="utf-8"?>
+<file path=ppt/slides/slide9.xml><?xml version="1.0" encoding="utf-8"?>
 <p:sld xmlns:a="http://schemas.openxmlformats.org/drawingml/2006/main" xmlns:r="http://schemas.openxmlformats.org/officeDocument/2006/relationships" xmlns:p="http://schemas.openxmlformats.org/presentationml/2006/main">
   <p:cSld>
     <p:spTree>
@@ -7284,7 +9327,7 @@
         <p:spPr>
           <a:xfrm>
             <a:off x="704849" y="549275"/>
-            <a:ext cx="10106026" cy="584775"/>
+            <a:ext cx="10106026" cy="1077218"/>
           </a:xfrm>
           <a:prstGeom prst="rect">
             <a:avLst/>
@@ -7303,8 +9346,21 @@
                 <a:ea typeface="Lato Black" panose="020F0502020204030203" pitchFamily="34" charset="0"/>
                 <a:cs typeface="Lato Black" panose="020F0502020204030203" pitchFamily="34" charset="0"/>
               </a:rPr>
-              <a:t>Operazioni sui datasets principali</a:t>
-            </a:r>
+              <a:t>Dati relativi all’inquinamento atmosferico: data </a:t>
+            </a:r>
+            <a:r>
+              <a:rPr lang="it-IT" sz="3200" dirty="0" err="1">
+                <a:latin typeface="Lato Black" panose="020F0502020204030203" pitchFamily="34" charset="0"/>
+                <a:ea typeface="Lato Black" panose="020F0502020204030203" pitchFamily="34" charset="0"/>
+                <a:cs typeface="Lato Black" panose="020F0502020204030203" pitchFamily="34" charset="0"/>
+              </a:rPr>
+              <a:t>preparation</a:t>
+            </a:r>
+            <a:endParaRPr lang="it-IT" sz="3200" dirty="0">
+              <a:latin typeface="Lato Black" panose="020F0502020204030203" pitchFamily="34" charset="0"/>
+              <a:ea typeface="Lato Black" panose="020F0502020204030203" pitchFamily="34" charset="0"/>
+              <a:cs typeface="Lato Black" panose="020F0502020204030203" pitchFamily="34" charset="0"/>
+            </a:endParaRPr>
           </a:p>
         </p:txBody>
       </p:sp>
@@ -7325,7 +9381,7 @@
         <p:spPr>
           <a:xfrm>
             <a:off x="772998" y="1134050"/>
-            <a:ext cx="5560069" cy="0"/>
+            <a:ext cx="9420869" cy="0"/>
           </a:xfrm>
           <a:prstGeom prst="line">
             <a:avLst/>
@@ -7366,7 +9422,7 @@
         <p:spPr>
           <a:xfrm>
             <a:off x="704847" y="2024062"/>
-            <a:ext cx="5246691" cy="954107"/>
+            <a:ext cx="5246691" cy="677108"/>
           </a:xfrm>
           <a:prstGeom prst="rect">
             <a:avLst/>
@@ -7391,268 +9447,9 @@
                 <a:latin typeface="Poppins Light" panose="00000400000000000000" pitchFamily="2" charset="0"/>
                 <a:cs typeface="Poppins Light" panose="00000400000000000000" pitchFamily="2" charset="0"/>
               </a:rPr>
-              <a:t>Esplorazione e pulizia dei valori rilevati dai sensori:</a:t>
-            </a:r>
-          </a:p>
-          <a:p>
-            <a:pPr marL="742950" lvl="1" indent="-285750">
-              <a:spcAft>
-                <a:spcPts val="1200"/>
-              </a:spcAft>
-              <a:buFont typeface="Arial" panose="020B0604020202020204" pitchFamily="34" charset="0"/>
-              <a:buChar char="•"/>
-            </a:pPr>
-            <a:r>
-              <a:rPr lang="it-IT" sz="1100" dirty="0">
-                <a:latin typeface="Poppins Light" panose="00000400000000000000" pitchFamily="2" charset="0"/>
-                <a:cs typeface="Poppins Light" panose="00000400000000000000" pitchFamily="2" charset="0"/>
-              </a:rPr>
-              <a:t>Rimozione righe con valori anomali </a:t>
-            </a:r>
-            <a:r>
-              <a:rPr lang="it-IT" sz="1100">
-                <a:latin typeface="Poppins Light" panose="00000400000000000000" pitchFamily="2" charset="0"/>
-                <a:cs typeface="Poppins Light" panose="00000400000000000000" pitchFamily="2" charset="0"/>
-              </a:rPr>
-              <a:t>o nulli</a:t>
-            </a:r>
-          </a:p>
-          <a:p>
-            <a:pPr marL="742950" lvl="1" indent="-285750">
-              <a:spcAft>
-                <a:spcPts val="1200"/>
-              </a:spcAft>
-              <a:buFont typeface="Arial" panose="020B0604020202020204" pitchFamily="34" charset="0"/>
-              <a:buChar char="•"/>
-            </a:pPr>
-            <a:endParaRPr lang="it-IT" sz="1100" dirty="0">
-              <a:latin typeface="Poppins Light" panose="00000400000000000000" pitchFamily="2" charset="0"/>
-              <a:cs typeface="Poppins Light" panose="00000400000000000000" pitchFamily="2" charset="0"/>
-            </a:endParaRPr>
-          </a:p>
-        </p:txBody>
-      </p:sp>
-    </p:spTree>
-    <p:extLst>
-      <p:ext uri="{BB962C8B-B14F-4D97-AF65-F5344CB8AC3E}">
-        <p14:creationId xmlns:p14="http://schemas.microsoft.com/office/powerpoint/2010/main" val="1648250589"/>
-      </p:ext>
-    </p:extLst>
-  </p:cSld>
-  <p:clrMapOvr>
-    <a:masterClrMapping/>
-  </p:clrMapOvr>
-</p:sld>
-</file>
-
-<file path=ppt/slides/slide7.xml><?xml version="1.0" encoding="utf-8"?>
-<p:sld xmlns:a="http://schemas.openxmlformats.org/drawingml/2006/main" xmlns:r="http://schemas.openxmlformats.org/officeDocument/2006/relationships" xmlns:p="http://schemas.openxmlformats.org/presentationml/2006/main">
-  <p:cSld>
-    <p:spTree>
-      <p:nvGrpSpPr>
-        <p:cNvPr id="1" name=""/>
-        <p:cNvGrpSpPr/>
-        <p:nvPr/>
-      </p:nvGrpSpPr>
-      <p:grpSpPr>
-        <a:xfrm>
-          <a:off x="0" y="0"/>
-          <a:ext cx="0" cy="0"/>
-          <a:chOff x="0" y="0"/>
-          <a:chExt cx="0" cy="0"/>
-        </a:xfrm>
-      </p:grpSpPr>
-      <p:sp>
-        <p:nvSpPr>
-          <p:cNvPr id="5" name="CasellaDiTesto 4">
-            <a:extLst>
-              <a:ext uri="{FF2B5EF4-FFF2-40B4-BE49-F238E27FC236}">
-                <a16:creationId xmlns:a16="http://schemas.microsoft.com/office/drawing/2014/main" id="{89B91983-B758-4281-AC68-D9F7AB480AD9}"/>
-              </a:ext>
-            </a:extLst>
-          </p:cNvPr>
-          <p:cNvSpPr txBox="1"/>
-          <p:nvPr/>
-        </p:nvSpPr>
-        <p:spPr>
-          <a:xfrm>
-            <a:off x="704849" y="549275"/>
-            <a:ext cx="10106026" cy="584775"/>
-          </a:xfrm>
-          <a:prstGeom prst="rect">
-            <a:avLst/>
-          </a:prstGeom>
-          <a:noFill/>
-        </p:spPr>
-        <p:txBody>
-          <a:bodyPr wrap="square" rtlCol="0">
-            <a:spAutoFit/>
-          </a:bodyPr>
-          <a:lstStyle/>
-          <a:p>
-            <a:r>
-              <a:rPr lang="it-IT" sz="3200" dirty="0">
-                <a:latin typeface="Lato Black" panose="020F0502020204030203" pitchFamily="34" charset="0"/>
-                <a:ea typeface="Lato Black" panose="020F0502020204030203" pitchFamily="34" charset="0"/>
-                <a:cs typeface="Lato Black" panose="020F0502020204030203" pitchFamily="34" charset="0"/>
-              </a:rPr>
-              <a:t>Valutazione di </a:t>
-            </a:r>
-            <a:r>
-              <a:rPr lang="it-IT" sz="3200" dirty="0" err="1">
-                <a:latin typeface="Lato Black" panose="020F0502020204030203" pitchFamily="34" charset="0"/>
-                <a:ea typeface="Lato Black" panose="020F0502020204030203" pitchFamily="34" charset="0"/>
-                <a:cs typeface="Lato Black" panose="020F0502020204030203" pitchFamily="34" charset="0"/>
-              </a:rPr>
-              <a:t>qualitá</a:t>
-            </a:r>
-            <a:endParaRPr lang="it-IT" sz="3200" dirty="0">
-              <a:latin typeface="Lato Black" panose="020F0502020204030203" pitchFamily="34" charset="0"/>
-              <a:ea typeface="Lato Black" panose="020F0502020204030203" pitchFamily="34" charset="0"/>
-              <a:cs typeface="Lato Black" panose="020F0502020204030203" pitchFamily="34" charset="0"/>
-            </a:endParaRPr>
-          </a:p>
-        </p:txBody>
-      </p:sp>
-      <p:cxnSp>
-        <p:nvCxnSpPr>
-          <p:cNvPr id="4" name="Connettore diritto 3">
-            <a:extLst>
-              <a:ext uri="{FF2B5EF4-FFF2-40B4-BE49-F238E27FC236}">
-                <a16:creationId xmlns:a16="http://schemas.microsoft.com/office/drawing/2014/main" id="{51FD34F7-E331-45F9-984B-6D3860116CA5}"/>
-              </a:ext>
-            </a:extLst>
-          </p:cNvPr>
-          <p:cNvCxnSpPr>
-            <a:cxnSpLocks/>
-          </p:cNvCxnSpPr>
-          <p:nvPr/>
-        </p:nvCxnSpPr>
-        <p:spPr>
-          <a:xfrm>
-            <a:off x="772998" y="1134050"/>
-            <a:ext cx="3821862" cy="0"/>
-          </a:xfrm>
-          <a:prstGeom prst="line">
-            <a:avLst/>
-          </a:prstGeom>
-          <a:ln w="38100">
-            <a:solidFill>
-              <a:schemeClr val="accent2"/>
-            </a:solidFill>
-          </a:ln>
-        </p:spPr>
-        <p:style>
-          <a:lnRef idx="3">
-            <a:schemeClr val="accent2"/>
-          </a:lnRef>
-          <a:fillRef idx="0">
-            <a:schemeClr val="accent2"/>
-          </a:fillRef>
-          <a:effectRef idx="2">
-            <a:schemeClr val="accent2"/>
-          </a:effectRef>
-          <a:fontRef idx="minor">
-            <a:schemeClr val="tx1"/>
-          </a:fontRef>
-        </p:style>
-      </p:cxnSp>
-    </p:spTree>
-    <p:extLst>
-      <p:ext uri="{BB962C8B-B14F-4D97-AF65-F5344CB8AC3E}">
-        <p14:creationId xmlns:p14="http://schemas.microsoft.com/office/powerpoint/2010/main" val="1786650711"/>
-      </p:ext>
-    </p:extLst>
-  </p:cSld>
-  <p:clrMapOvr>
-    <a:masterClrMapping/>
-  </p:clrMapOvr>
-</p:sld>
-</file>
-
-<file path=ppt/slides/slide8.xml><?xml version="1.0" encoding="utf-8"?>
-<p:sld xmlns:a="http://schemas.openxmlformats.org/drawingml/2006/main" xmlns:r="http://schemas.openxmlformats.org/officeDocument/2006/relationships" xmlns:p="http://schemas.openxmlformats.org/presentationml/2006/main">
-  <p:cSld>
-    <p:spTree>
-      <p:nvGrpSpPr>
-        <p:cNvPr id="1" name=""/>
-        <p:cNvGrpSpPr/>
-        <p:nvPr/>
-      </p:nvGrpSpPr>
-      <p:grpSpPr>
-        <a:xfrm>
-          <a:off x="0" y="0"/>
-          <a:ext cx="0" cy="0"/>
-          <a:chOff x="0" y="0"/>
-          <a:chExt cx="0" cy="0"/>
-        </a:xfrm>
-      </p:grpSpPr>
-      <p:sp>
-        <p:nvSpPr>
-          <p:cNvPr id="5" name="CasellaDiTesto 4">
-            <a:extLst>
-              <a:ext uri="{FF2B5EF4-FFF2-40B4-BE49-F238E27FC236}">
-                <a16:creationId xmlns:a16="http://schemas.microsoft.com/office/drawing/2014/main" id="{89B91983-B758-4281-AC68-D9F7AB480AD9}"/>
-              </a:ext>
-            </a:extLst>
-          </p:cNvPr>
-          <p:cNvSpPr txBox="1"/>
-          <p:nvPr/>
-        </p:nvSpPr>
-        <p:spPr>
-          <a:xfrm>
-            <a:off x="704849" y="549275"/>
-            <a:ext cx="10106026" cy="584775"/>
-          </a:xfrm>
-          <a:prstGeom prst="rect">
-            <a:avLst/>
-          </a:prstGeom>
-          <a:noFill/>
-        </p:spPr>
-        <p:txBody>
-          <a:bodyPr wrap="square" rtlCol="0">
-            <a:spAutoFit/>
-          </a:bodyPr>
-          <a:lstStyle/>
-          <a:p>
-            <a:r>
-              <a:rPr lang="it-IT" sz="3200" dirty="0">
-                <a:latin typeface="Lato Black" panose="020F0502020204030203" pitchFamily="34" charset="0"/>
-                <a:ea typeface="Lato Black" panose="020F0502020204030203" pitchFamily="34" charset="0"/>
-                <a:cs typeface="Lato Black" panose="020F0502020204030203" pitchFamily="34" charset="0"/>
-              </a:rPr>
-              <a:t>Valutazione euristica</a:t>
-            </a:r>
-          </a:p>
-        </p:txBody>
-      </p:sp>
-      <p:sp>
-        <p:nvSpPr>
-          <p:cNvPr id="6" name="CasellaDiTesto 5">
-            <a:extLst>
-              <a:ext uri="{FF2B5EF4-FFF2-40B4-BE49-F238E27FC236}">
-                <a16:creationId xmlns:a16="http://schemas.microsoft.com/office/drawing/2014/main" id="{D13A722D-E148-4971-82F3-1C191AFD95ED}"/>
-              </a:ext>
-            </a:extLst>
-          </p:cNvPr>
-          <p:cNvSpPr txBox="1"/>
-          <p:nvPr/>
-        </p:nvSpPr>
-        <p:spPr>
-          <a:xfrm>
-            <a:off x="704847" y="2024062"/>
-            <a:ext cx="5246691" cy="3231654"/>
-          </a:xfrm>
-          <a:prstGeom prst="rect">
-            <a:avLst/>
-          </a:prstGeom>
-          <a:noFill/>
-        </p:spPr>
-        <p:txBody>
-          <a:bodyPr wrap="square" rtlCol="0">
-            <a:spAutoFit/>
-          </a:bodyPr>
-          <a:lstStyle/>
+              <a:t>Tool</a:t>
+            </a:r>
+          </a:p>
           <a:p>
             <a:pPr marL="285750" indent="-285750">
               <a:spcAft>
@@ -7666,390 +9463,15 @@
                 <a:latin typeface="Poppins Light" panose="00000400000000000000" pitchFamily="2" charset="0"/>
                 <a:cs typeface="Poppins Light" panose="00000400000000000000" pitchFamily="2" charset="0"/>
               </a:rPr>
-              <a:t>Problemi di usabilità emersi, ed in seguito risolti, coinvolgendo 6 utenti esterni al progetto: </a:t>
-            </a:r>
-          </a:p>
-          <a:p>
-            <a:pPr marL="742950" lvl="1" indent="-285750">
-              <a:spcAft>
-                <a:spcPts val="1200"/>
-              </a:spcAft>
-              <a:buFont typeface="Arial" panose="020B0604020202020204" pitchFamily="34" charset="0"/>
-              <a:buChar char="•"/>
-            </a:pPr>
-            <a:r>
-              <a:rPr lang="it-IT" sz="1400" dirty="0">
-                <a:latin typeface="Poppins Light" panose="00000400000000000000" pitchFamily="2" charset="0"/>
-                <a:cs typeface="Poppins Light" panose="00000400000000000000" pitchFamily="2" charset="0"/>
-              </a:rPr>
-              <a:t>Colorazione controintuitiva della timeline</a:t>
-            </a:r>
-          </a:p>
-          <a:p>
-            <a:pPr marL="742950" lvl="1" indent="-285750">
-              <a:spcAft>
-                <a:spcPts val="1200"/>
-              </a:spcAft>
-              <a:buFont typeface="Arial" panose="020B0604020202020204" pitchFamily="34" charset="0"/>
-              <a:buChar char="•"/>
-            </a:pPr>
-            <a:r>
-              <a:rPr lang="it-IT" sz="1400" dirty="0">
-                <a:latin typeface="Poppins Light" panose="00000400000000000000" pitchFamily="2" charset="0"/>
-                <a:cs typeface="Poppins Light" panose="00000400000000000000" pitchFamily="2" charset="0"/>
-              </a:rPr>
-              <a:t>Basso contrasto tra i riferimenti ai mesi più inquinati</a:t>
-            </a:r>
-          </a:p>
-          <a:p>
-            <a:pPr marL="742950" lvl="1" indent="-285750">
-              <a:spcAft>
-                <a:spcPts val="1200"/>
-              </a:spcAft>
-              <a:buFont typeface="Arial" panose="020B0604020202020204" pitchFamily="34" charset="0"/>
-              <a:buChar char="•"/>
-            </a:pPr>
-            <a:r>
-              <a:rPr lang="it-IT" sz="1400" dirty="0">
-                <a:latin typeface="Poppins Light" panose="00000400000000000000" pitchFamily="2" charset="0"/>
-                <a:cs typeface="Poppins Light" panose="00000400000000000000" pitchFamily="2" charset="0"/>
-              </a:rPr>
-              <a:t>Mancanza di consistenza tra i colori delle fonti di inquinamento negli </a:t>
-            </a:r>
-            <a:r>
-              <a:rPr lang="it-IT" sz="1400" dirty="0" err="1">
-                <a:latin typeface="Poppins Light" panose="00000400000000000000" pitchFamily="2" charset="0"/>
-                <a:cs typeface="Poppins Light" panose="00000400000000000000" pitchFamily="2" charset="0"/>
-              </a:rPr>
-              <a:t>stacked</a:t>
-            </a:r>
-            <a:r>
-              <a:rPr lang="it-IT" sz="1400" dirty="0">
-                <a:latin typeface="Poppins Light" panose="00000400000000000000" pitchFamily="2" charset="0"/>
-                <a:cs typeface="Poppins Light" panose="00000400000000000000" pitchFamily="2" charset="0"/>
-              </a:rPr>
-              <a:t> area chart</a:t>
-            </a:r>
-          </a:p>
-          <a:p>
-            <a:pPr marL="742950" lvl="1" indent="-285750">
-              <a:spcAft>
-                <a:spcPts val="1200"/>
-              </a:spcAft>
-              <a:buFont typeface="Arial" panose="020B0604020202020204" pitchFamily="34" charset="0"/>
-              <a:buChar char="•"/>
-            </a:pPr>
-            <a:r>
-              <a:rPr lang="it-IT" sz="1400" dirty="0">
-                <a:latin typeface="Poppins Light" panose="00000400000000000000" pitchFamily="2" charset="0"/>
-                <a:cs typeface="Poppins Light" panose="00000400000000000000" pitchFamily="2" charset="0"/>
-              </a:rPr>
-              <a:t>Molte informazioni per ogni finestra della visualizzazione</a:t>
-            </a:r>
-          </a:p>
-          <a:p>
-            <a:pPr marL="742950" lvl="1" indent="-285750">
-              <a:spcAft>
-                <a:spcPts val="1200"/>
-              </a:spcAft>
-              <a:buFont typeface="Arial" panose="020B0604020202020204" pitchFamily="34" charset="0"/>
-              <a:buChar char="•"/>
-            </a:pPr>
-            <a:r>
-              <a:rPr lang="it-IT" sz="1400" dirty="0">
-                <a:latin typeface="Poppins Light" panose="00000400000000000000" pitchFamily="2" charset="0"/>
-                <a:cs typeface="Poppins Light" panose="00000400000000000000" pitchFamily="2" charset="0"/>
-              </a:rPr>
-              <a:t>Aggiunte delle indicazioni per evidenziare le parti interattive</a:t>
-            </a:r>
-          </a:p>
-        </p:txBody>
-      </p:sp>
-      <p:cxnSp>
-        <p:nvCxnSpPr>
-          <p:cNvPr id="4" name="Connettore diritto 3">
-            <a:extLst>
-              <a:ext uri="{FF2B5EF4-FFF2-40B4-BE49-F238E27FC236}">
-                <a16:creationId xmlns:a16="http://schemas.microsoft.com/office/drawing/2014/main" id="{51FD34F7-E331-45F9-984B-6D3860116CA5}"/>
-              </a:ext>
-            </a:extLst>
-          </p:cNvPr>
-          <p:cNvCxnSpPr>
-            <a:cxnSpLocks/>
-          </p:cNvCxnSpPr>
-          <p:nvPr/>
-        </p:nvCxnSpPr>
-        <p:spPr>
-          <a:xfrm>
-            <a:off x="772998" y="1134050"/>
-            <a:ext cx="3821862" cy="0"/>
-          </a:xfrm>
-          <a:prstGeom prst="line">
-            <a:avLst/>
-          </a:prstGeom>
-          <a:ln w="38100">
-            <a:solidFill>
-              <a:schemeClr val="accent2"/>
-            </a:solidFill>
-          </a:ln>
-        </p:spPr>
-        <p:style>
-          <a:lnRef idx="3">
-            <a:schemeClr val="accent2"/>
-          </a:lnRef>
-          <a:fillRef idx="0">
-            <a:schemeClr val="accent2"/>
-          </a:fillRef>
-          <a:effectRef idx="2">
-            <a:schemeClr val="accent2"/>
-          </a:effectRef>
-          <a:fontRef idx="minor">
-            <a:schemeClr val="tx1"/>
-          </a:fontRef>
-        </p:style>
-      </p:cxnSp>
-      <p:pic>
-        <p:nvPicPr>
-          <p:cNvPr id="15" name="Immagine 14" descr="Immagine che contiene testo, screenshot, nero, schermo&#10;&#10;Descrizione generata automaticamente">
-            <a:extLst>
-              <a:ext uri="{FF2B5EF4-FFF2-40B4-BE49-F238E27FC236}">
-                <a16:creationId xmlns:a16="http://schemas.microsoft.com/office/drawing/2014/main" id="{D490F69B-000D-452C-A75E-37CDFDF56B56}"/>
-              </a:ext>
-            </a:extLst>
-          </p:cNvPr>
-          <p:cNvPicPr>
-            <a:picLocks noChangeAspect="1"/>
-          </p:cNvPicPr>
-          <p:nvPr/>
-        </p:nvPicPr>
-        <p:blipFill rotWithShape="1">
-          <a:blip r:embed="rId2">
-            <a:extLst>
-              <a:ext uri="{28A0092B-C50C-407E-A947-70E740481C1C}">
-                <a14:useLocalDpi xmlns:a14="http://schemas.microsoft.com/office/drawing/2010/main" val="0"/>
-              </a:ext>
-            </a:extLst>
-          </a:blip>
-          <a:srcRect r="7938"/>
-          <a:stretch/>
-        </p:blipFill>
-        <p:spPr>
-          <a:xfrm>
-            <a:off x="6240463" y="2060575"/>
-            <a:ext cx="5951537" cy="2808288"/>
-          </a:xfrm>
-          <a:prstGeom prst="rect">
-            <a:avLst/>
-          </a:prstGeom>
-        </p:spPr>
-      </p:pic>
+              <a:t>Operazioni eseguite</a:t>
+            </a:r>
+          </a:p>
+        </p:txBody>
+      </p:sp>
     </p:spTree>
     <p:extLst>
       <p:ext uri="{BB962C8B-B14F-4D97-AF65-F5344CB8AC3E}">
-        <p14:creationId xmlns:p14="http://schemas.microsoft.com/office/powerpoint/2010/main" val="3738973776"/>
-      </p:ext>
-    </p:extLst>
-  </p:cSld>
-  <p:clrMapOvr>
-    <a:masterClrMapping/>
-  </p:clrMapOvr>
-</p:sld>
-</file>
-
-<file path=ppt/slides/slide9.xml><?xml version="1.0" encoding="utf-8"?>
-<p:sld xmlns:a="http://schemas.openxmlformats.org/drawingml/2006/main" xmlns:r="http://schemas.openxmlformats.org/officeDocument/2006/relationships" xmlns:p="http://schemas.openxmlformats.org/presentationml/2006/main">
-  <p:cSld>
-    <p:spTree>
-      <p:nvGrpSpPr>
-        <p:cNvPr id="1" name=""/>
-        <p:cNvGrpSpPr/>
-        <p:nvPr/>
-      </p:nvGrpSpPr>
-      <p:grpSpPr>
-        <a:xfrm>
-          <a:off x="0" y="0"/>
-          <a:ext cx="0" cy="0"/>
-          <a:chOff x="0" y="0"/>
-          <a:chExt cx="0" cy="0"/>
-        </a:xfrm>
-      </p:grpSpPr>
-      <p:sp>
-        <p:nvSpPr>
-          <p:cNvPr id="5" name="CasellaDiTesto 4">
-            <a:extLst>
-              <a:ext uri="{FF2B5EF4-FFF2-40B4-BE49-F238E27FC236}">
-                <a16:creationId xmlns:a16="http://schemas.microsoft.com/office/drawing/2014/main" id="{89B91983-B758-4281-AC68-D9F7AB480AD9}"/>
-              </a:ext>
-            </a:extLst>
-          </p:cNvPr>
-          <p:cNvSpPr txBox="1"/>
-          <p:nvPr/>
-        </p:nvSpPr>
-        <p:spPr>
-          <a:xfrm>
-            <a:off x="704849" y="549275"/>
-            <a:ext cx="10106026" cy="584775"/>
-          </a:xfrm>
-          <a:prstGeom prst="rect">
-            <a:avLst/>
-          </a:prstGeom>
-          <a:noFill/>
-        </p:spPr>
-        <p:txBody>
-          <a:bodyPr wrap="square" rtlCol="0">
-            <a:spAutoFit/>
-          </a:bodyPr>
-          <a:lstStyle/>
-          <a:p>
-            <a:r>
-              <a:rPr lang="it-IT" sz="3200" dirty="0">
-                <a:latin typeface="Lato Black" panose="020F0502020204030203" pitchFamily="34" charset="0"/>
-                <a:ea typeface="Lato Black" panose="020F0502020204030203" pitchFamily="34" charset="0"/>
-                <a:cs typeface="Lato Black" panose="020F0502020204030203" pitchFamily="34" charset="0"/>
-              </a:rPr>
-              <a:t>User test</a:t>
-            </a:r>
-          </a:p>
-        </p:txBody>
-      </p:sp>
-      <p:sp>
-        <p:nvSpPr>
-          <p:cNvPr id="6" name="CasellaDiTesto 5">
-            <a:extLst>
-              <a:ext uri="{FF2B5EF4-FFF2-40B4-BE49-F238E27FC236}">
-                <a16:creationId xmlns:a16="http://schemas.microsoft.com/office/drawing/2014/main" id="{D13A722D-E148-4971-82F3-1C191AFD95ED}"/>
-              </a:ext>
-            </a:extLst>
-          </p:cNvPr>
-          <p:cNvSpPr txBox="1"/>
-          <p:nvPr/>
-        </p:nvSpPr>
-        <p:spPr>
-          <a:xfrm>
-            <a:off x="704847" y="2024062"/>
-            <a:ext cx="5246691" cy="1846659"/>
-          </a:xfrm>
-          <a:prstGeom prst="rect">
-            <a:avLst/>
-          </a:prstGeom>
-          <a:noFill/>
-        </p:spPr>
-        <p:txBody>
-          <a:bodyPr wrap="square" rtlCol="0">
-            <a:spAutoFit/>
-          </a:bodyPr>
-          <a:lstStyle/>
-          <a:p>
-            <a:pPr>
-              <a:spcAft>
-                <a:spcPts val="1200"/>
-              </a:spcAft>
-            </a:pPr>
-            <a:r>
-              <a:rPr lang="it-IT" sz="1400" dirty="0">
-                <a:latin typeface="Poppins Light" panose="00000400000000000000" pitchFamily="2" charset="0"/>
-                <a:cs typeface="Poppins Light" panose="00000400000000000000" pitchFamily="2" charset="0"/>
-              </a:rPr>
-              <a:t>Composto da due task somministrati a 13 utenti</a:t>
-            </a:r>
-          </a:p>
-          <a:p>
-            <a:pPr marL="285750" indent="-285750">
-              <a:spcAft>
-                <a:spcPts val="1200"/>
-              </a:spcAft>
-              <a:buFont typeface="Wingdings" panose="05000000000000000000" pitchFamily="2" charset="2"/>
-              <a:buChar char="q"/>
-            </a:pPr>
-            <a:r>
-              <a:rPr lang="it-IT" sz="1400" i="1" dirty="0">
-                <a:latin typeface="Poppins Light" panose="00000400000000000000" pitchFamily="2" charset="0"/>
-                <a:cs typeface="Poppins Light" panose="00000400000000000000" pitchFamily="2" charset="0"/>
-              </a:rPr>
-              <a:t>Dal 2006 ad 2021 quale anno ha avuto il maggior numero di giorni con una qualità dell’aria classificata ‘molto scarsa’?</a:t>
-            </a:r>
-          </a:p>
-          <a:p>
-            <a:pPr marL="742950" lvl="1" indent="-285750">
-              <a:spcAft>
-                <a:spcPts val="1200"/>
-              </a:spcAft>
-              <a:buFont typeface="Arial" panose="020B0604020202020204" pitchFamily="34" charset="0"/>
-              <a:buChar char="•"/>
-            </a:pPr>
-            <a:r>
-              <a:rPr lang="it-IT" sz="1400" dirty="0">
-                <a:latin typeface="Poppins Light" panose="00000400000000000000" pitchFamily="2" charset="0"/>
-                <a:cs typeface="Poppins Light" panose="00000400000000000000" pitchFamily="2" charset="0"/>
-              </a:rPr>
-              <a:t>Tempo di esecuzione ottimale:</a:t>
-            </a:r>
-          </a:p>
-          <a:p>
-            <a:pPr marL="742950" lvl="1" indent="-285750">
-              <a:spcAft>
-                <a:spcPts val="1200"/>
-              </a:spcAft>
-              <a:buFont typeface="Arial" panose="020B0604020202020204" pitchFamily="34" charset="0"/>
-              <a:buChar char="•"/>
-            </a:pPr>
-            <a:r>
-              <a:rPr lang="it-IT" sz="1400" dirty="0">
-                <a:latin typeface="Poppins Light" panose="00000400000000000000" pitchFamily="2" charset="0"/>
-                <a:cs typeface="Poppins Light" panose="00000400000000000000" pitchFamily="2" charset="0"/>
-              </a:rPr>
-              <a:t>Valore mediano di tempo impiegato degli utenti:</a:t>
-            </a:r>
-          </a:p>
-        </p:txBody>
-      </p:sp>
-      <p:cxnSp>
-        <p:nvCxnSpPr>
-          <p:cNvPr id="4" name="Connettore diritto 3">
-            <a:extLst>
-              <a:ext uri="{FF2B5EF4-FFF2-40B4-BE49-F238E27FC236}">
-                <a16:creationId xmlns:a16="http://schemas.microsoft.com/office/drawing/2014/main" id="{51FD34F7-E331-45F9-984B-6D3860116CA5}"/>
-              </a:ext>
-            </a:extLst>
-          </p:cNvPr>
-          <p:cNvCxnSpPr>
-            <a:cxnSpLocks/>
-          </p:cNvCxnSpPr>
-          <p:nvPr/>
-        </p:nvCxnSpPr>
-        <p:spPr>
-          <a:xfrm>
-            <a:off x="772998" y="1134050"/>
-            <a:ext cx="1695882" cy="0"/>
-          </a:xfrm>
-          <a:prstGeom prst="line">
-            <a:avLst/>
-          </a:prstGeom>
-          <a:ln w="38100">
-            <a:solidFill>
-              <a:schemeClr val="accent2"/>
-            </a:solidFill>
-          </a:ln>
-        </p:spPr>
-        <p:style>
-          <a:lnRef idx="3">
-            <a:schemeClr val="accent2"/>
-          </a:lnRef>
-          <a:fillRef idx="0">
-            <a:schemeClr val="accent2"/>
-          </a:fillRef>
-          <a:effectRef idx="2">
-            <a:schemeClr val="accent2"/>
-          </a:effectRef>
-          <a:fontRef idx="minor">
-            <a:schemeClr val="tx1"/>
-          </a:fontRef>
-        </p:style>
-      </p:cxnSp>
-    </p:spTree>
-    <p:extLst>
-      <p:ext uri="{BB962C8B-B14F-4D97-AF65-F5344CB8AC3E}">
-        <p14:creationId xmlns:p14="http://schemas.microsoft.com/office/powerpoint/2010/main" val="3344150004"/>
+        <p14:creationId xmlns:p14="http://schemas.microsoft.com/office/powerpoint/2010/main" val="3896144854"/>
       </p:ext>
     </p:extLst>
   </p:cSld>
